--- a/第3章-开源GIS软件开发环境-6课时/第3章--开源GIS软件开发环境-Python编程基础-2学时.pptx
+++ b/第3章-开源GIS软件开发环境-6课时/第3章--开源GIS软件开发环境-Python编程基础-2学时.pptx
@@ -6,10 +6,10 @@
     <p:sldMasterId id="2147484986" r:id="rId2"/>
   </p:sldMasterIdLst>
   <p:notesMasterIdLst>
-    <p:notesMasterId r:id="rId17"/>
+    <p:notesMasterId r:id="rId27"/>
   </p:notesMasterIdLst>
   <p:handoutMasterIdLst>
-    <p:handoutMasterId r:id="rId18"/>
+    <p:handoutMasterId r:id="rId28"/>
   </p:handoutMasterIdLst>
   <p:sldIdLst>
     <p:sldId id="2708" r:id="rId3"/>
@@ -22,15 +22,25 @@
     <p:sldId id="2726" r:id="rId10"/>
     <p:sldId id="2727" r:id="rId11"/>
     <p:sldId id="2728" r:id="rId12"/>
-    <p:sldId id="2729" r:id="rId13"/>
-    <p:sldId id="2730" r:id="rId14"/>
-    <p:sldId id="2731" r:id="rId15"/>
-    <p:sldId id="2722" r:id="rId16"/>
+    <p:sldId id="2732" r:id="rId13"/>
+    <p:sldId id="2729" r:id="rId14"/>
+    <p:sldId id="2730" r:id="rId15"/>
+    <p:sldId id="2731" r:id="rId16"/>
+    <p:sldId id="2733" r:id="rId17"/>
+    <p:sldId id="2734" r:id="rId18"/>
+    <p:sldId id="2735" r:id="rId19"/>
+    <p:sldId id="2736" r:id="rId20"/>
+    <p:sldId id="2737" r:id="rId21"/>
+    <p:sldId id="2738" r:id="rId22"/>
+    <p:sldId id="2740" r:id="rId23"/>
+    <p:sldId id="2741" r:id="rId24"/>
+    <p:sldId id="2739" r:id="rId25"/>
+    <p:sldId id="2722" r:id="rId26"/>
   </p:sldIdLst>
   <p:sldSz cx="9144000" cy="6858000" type="screen4x3"/>
   <p:notesSz cx="7099300" cy="10234613"/>
   <p:custDataLst>
-    <p:tags r:id="rId19"/>
+    <p:tags r:id="rId29"/>
   </p:custDataLst>
   <p:defaultTextStyle>
     <a:defPPr>
@@ -2906,350 +2916,6 @@
     </pc:docChg>
   </pc:docChgLst>
   <pc:docChgLst>
-    <pc:chgData name="Xin Luo" userId="82312ee5779919a4" providerId="LiveId" clId="{23920C8D-EBCE-A347-9C82-C14316D20539}"/>
-    <pc:docChg chg="undo custSel addSld modSld">
-      <pc:chgData name="Xin Luo" userId="82312ee5779919a4" providerId="LiveId" clId="{23920C8D-EBCE-A347-9C82-C14316D20539}" dt="2022-10-26T12:19:06.428" v="501" actId="767"/>
-      <pc:docMkLst>
-        <pc:docMk/>
-      </pc:docMkLst>
-      <pc:sldChg chg="modSp mod">
-        <pc:chgData name="Xin Luo" userId="82312ee5779919a4" providerId="LiveId" clId="{23920C8D-EBCE-A347-9C82-C14316D20539}" dt="2022-10-10T01:06:29.261" v="368" actId="404"/>
-        <pc:sldMkLst>
-          <pc:docMk/>
-          <pc:sldMk cId="1576120367" sldId="2387"/>
-        </pc:sldMkLst>
-        <pc:spChg chg="mod">
-          <ac:chgData name="Xin Luo" userId="82312ee5779919a4" providerId="LiveId" clId="{23920C8D-EBCE-A347-9C82-C14316D20539}" dt="2022-10-10T01:06:29.261" v="368" actId="404"/>
-          <ac:spMkLst>
-            <pc:docMk/>
-            <pc:sldMk cId="1576120367" sldId="2387"/>
-            <ac:spMk id="10" creationId="{00000000-0000-0000-0000-000000000000}"/>
-          </ac:spMkLst>
-        </pc:spChg>
-        <pc:spChg chg="mod">
-          <ac:chgData name="Xin Luo" userId="82312ee5779919a4" providerId="LiveId" clId="{23920C8D-EBCE-A347-9C82-C14316D20539}" dt="2022-10-10T01:06:13.262" v="366" actId="403"/>
-          <ac:spMkLst>
-            <pc:docMk/>
-            <pc:sldMk cId="1576120367" sldId="2387"/>
-            <ac:spMk id="12" creationId="{00000000-0000-0000-0000-000000000000}"/>
-          </ac:spMkLst>
-        </pc:spChg>
-        <pc:spChg chg="mod">
-          <ac:chgData name="Xin Luo" userId="82312ee5779919a4" providerId="LiveId" clId="{23920C8D-EBCE-A347-9C82-C14316D20539}" dt="2022-10-10T01:06:29.261" v="368" actId="404"/>
-          <ac:spMkLst>
-            <pc:docMk/>
-            <pc:sldMk cId="1576120367" sldId="2387"/>
-            <ac:spMk id="13" creationId="{00000000-0000-0000-0000-000000000000}"/>
-          </ac:spMkLst>
-        </pc:spChg>
-        <pc:spChg chg="mod">
-          <ac:chgData name="Xin Luo" userId="82312ee5779919a4" providerId="LiveId" clId="{23920C8D-EBCE-A347-9C82-C14316D20539}" dt="2022-10-10T01:06:13.262" v="366" actId="403"/>
-          <ac:spMkLst>
-            <pc:docMk/>
-            <pc:sldMk cId="1576120367" sldId="2387"/>
-            <ac:spMk id="14" creationId="{00000000-0000-0000-0000-000000000000}"/>
-          </ac:spMkLst>
-        </pc:spChg>
-        <pc:spChg chg="mod">
-          <ac:chgData name="Xin Luo" userId="82312ee5779919a4" providerId="LiveId" clId="{23920C8D-EBCE-A347-9C82-C14316D20539}" dt="2022-10-10T01:06:29.261" v="368" actId="404"/>
-          <ac:spMkLst>
-            <pc:docMk/>
-            <pc:sldMk cId="1576120367" sldId="2387"/>
-            <ac:spMk id="15" creationId="{00000000-0000-0000-0000-000000000000}"/>
-          </ac:spMkLst>
-        </pc:spChg>
-        <pc:spChg chg="mod">
-          <ac:chgData name="Xin Luo" userId="82312ee5779919a4" providerId="LiveId" clId="{23920C8D-EBCE-A347-9C82-C14316D20539}" dt="2022-10-10T01:06:19.369" v="367" actId="14100"/>
-          <ac:spMkLst>
-            <pc:docMk/>
-            <pc:sldMk cId="1576120367" sldId="2387"/>
-            <ac:spMk id="16" creationId="{00000000-0000-0000-0000-000000000000}"/>
-          </ac:spMkLst>
-        </pc:spChg>
-      </pc:sldChg>
-      <pc:sldChg chg="modSp mod">
-        <pc:chgData name="Xin Luo" userId="82312ee5779919a4" providerId="LiveId" clId="{23920C8D-EBCE-A347-9C82-C14316D20539}" dt="2022-10-10T01:06:39.449" v="369" actId="403"/>
-        <pc:sldMkLst>
-          <pc:docMk/>
-          <pc:sldMk cId="2415901206" sldId="2447"/>
-        </pc:sldMkLst>
-        <pc:spChg chg="mod">
-          <ac:chgData name="Xin Luo" userId="82312ee5779919a4" providerId="LiveId" clId="{23920C8D-EBCE-A347-9C82-C14316D20539}" dt="2022-10-10T01:06:39.449" v="369" actId="403"/>
-          <ac:spMkLst>
-            <pc:docMk/>
-            <pc:sldMk cId="2415901206" sldId="2447"/>
-            <ac:spMk id="7" creationId="{00000000-0000-0000-0000-000000000000}"/>
-          </ac:spMkLst>
-        </pc:spChg>
-      </pc:sldChg>
-      <pc:sldChg chg="addSp delSp modSp mod">
-        <pc:chgData name="Xin Luo" userId="82312ee5779919a4" providerId="LiveId" clId="{23920C8D-EBCE-A347-9C82-C14316D20539}" dt="2022-10-26T11:18:20.490" v="500"/>
-        <pc:sldMkLst>
-          <pc:docMk/>
-          <pc:sldMk cId="2689840772" sldId="2604"/>
-        </pc:sldMkLst>
-        <pc:spChg chg="mod">
-          <ac:chgData name="Xin Luo" userId="82312ee5779919a4" providerId="LiveId" clId="{23920C8D-EBCE-A347-9C82-C14316D20539}" dt="2022-10-26T11:18:14.630" v="497" actId="1038"/>
-          <ac:spMkLst>
-            <pc:docMk/>
-            <pc:sldMk cId="2689840772" sldId="2604"/>
-            <ac:spMk id="2" creationId="{DB381E7B-A050-4BE4-6756-9B64308C74D7}"/>
-          </ac:spMkLst>
-        </pc:spChg>
-        <pc:spChg chg="del mod">
-          <ac:chgData name="Xin Luo" userId="82312ee5779919a4" providerId="LiveId" clId="{23920C8D-EBCE-A347-9C82-C14316D20539}" dt="2022-10-10T00:58:26.498" v="9" actId="478"/>
-          <ac:spMkLst>
-            <pc:docMk/>
-            <pc:sldMk cId="2689840772" sldId="2604"/>
-            <ac:spMk id="3" creationId="{00000000-0000-0000-0000-000000000000}"/>
-          </ac:spMkLst>
-        </pc:spChg>
-        <pc:spChg chg="add del mod">
-          <ac:chgData name="Xin Luo" userId="82312ee5779919a4" providerId="LiveId" clId="{23920C8D-EBCE-A347-9C82-C14316D20539}" dt="2022-10-26T11:18:20.490" v="500"/>
-          <ac:spMkLst>
-            <pc:docMk/>
-            <pc:sldMk cId="2689840772" sldId="2604"/>
-            <ac:spMk id="3" creationId="{0AC6D251-AEF6-35BE-71D5-DE25EAD72977}"/>
-          </ac:spMkLst>
-        </pc:spChg>
-        <pc:spChg chg="add mod">
-          <ac:chgData name="Xin Luo" userId="82312ee5779919a4" providerId="LiveId" clId="{23920C8D-EBCE-A347-9C82-C14316D20539}" dt="2022-10-10T01:03:50.909" v="356" actId="20577"/>
-          <ac:spMkLst>
-            <pc:docMk/>
-            <pc:sldMk cId="2689840772" sldId="2604"/>
-            <ac:spMk id="4" creationId="{5B949F23-92C2-3ACE-AE9A-58F8C8D7AB52}"/>
-          </ac:spMkLst>
-        </pc:spChg>
-      </pc:sldChg>
-      <pc:sldChg chg="modSp mod">
-        <pc:chgData name="Xin Luo" userId="82312ee5779919a4" providerId="LiveId" clId="{23920C8D-EBCE-A347-9C82-C14316D20539}" dt="2022-10-25T11:53:23.523" v="402" actId="207"/>
-        <pc:sldMkLst>
-          <pc:docMk/>
-          <pc:sldMk cId="1392274363" sldId="2606"/>
-        </pc:sldMkLst>
-        <pc:spChg chg="mod">
-          <ac:chgData name="Xin Luo" userId="82312ee5779919a4" providerId="LiveId" clId="{23920C8D-EBCE-A347-9C82-C14316D20539}" dt="2022-10-10T01:08:08.448" v="392" actId="20577"/>
-          <ac:spMkLst>
-            <pc:docMk/>
-            <pc:sldMk cId="1392274363" sldId="2606"/>
-            <ac:spMk id="35" creationId="{2CBBD54C-A0C4-CFAB-2A67-F8BF299D28F5}"/>
-          </ac:spMkLst>
-        </pc:spChg>
-        <pc:spChg chg="mod">
-          <ac:chgData name="Xin Luo" userId="82312ee5779919a4" providerId="LiveId" clId="{23920C8D-EBCE-A347-9C82-C14316D20539}" dt="2022-10-25T11:53:23.523" v="402" actId="207"/>
-          <ac:spMkLst>
-            <pc:docMk/>
-            <pc:sldMk cId="1392274363" sldId="2606"/>
-            <ac:spMk id="42" creationId="{E4B07DDE-AB89-2B16-6B7A-2142621DE6F5}"/>
-          </ac:spMkLst>
-        </pc:spChg>
-      </pc:sldChg>
-      <pc:sldChg chg="modSp mod">
-        <pc:chgData name="Xin Luo" userId="82312ee5779919a4" providerId="LiveId" clId="{23920C8D-EBCE-A347-9C82-C14316D20539}" dt="2022-10-25T12:03:26.240" v="414" actId="14100"/>
-        <pc:sldMkLst>
-          <pc:docMk/>
-          <pc:sldMk cId="292605530" sldId="2607"/>
-        </pc:sldMkLst>
-        <pc:spChg chg="mod">
-          <ac:chgData name="Xin Luo" userId="82312ee5779919a4" providerId="LiveId" clId="{23920C8D-EBCE-A347-9C82-C14316D20539}" dt="2022-10-25T12:03:26.240" v="414" actId="14100"/>
-          <ac:spMkLst>
-            <pc:docMk/>
-            <pc:sldMk cId="292605530" sldId="2607"/>
-            <ac:spMk id="18" creationId="{8399C9E7-13B6-1DAF-F5BF-4471E8528C5F}"/>
-          </ac:spMkLst>
-        </pc:spChg>
-      </pc:sldChg>
-      <pc:sldChg chg="modSp mod">
-        <pc:chgData name="Xin Luo" userId="82312ee5779919a4" providerId="LiveId" clId="{23920C8D-EBCE-A347-9C82-C14316D20539}" dt="2022-10-25T12:09:03.730" v="478" actId="1036"/>
-        <pc:sldMkLst>
-          <pc:docMk/>
-          <pc:sldMk cId="2780969545" sldId="2609"/>
-        </pc:sldMkLst>
-        <pc:spChg chg="mod">
-          <ac:chgData name="Xin Luo" userId="82312ee5779919a4" providerId="LiveId" clId="{23920C8D-EBCE-A347-9C82-C14316D20539}" dt="2022-10-25T12:08:56.496" v="469" actId="115"/>
-          <ac:spMkLst>
-            <pc:docMk/>
-            <pc:sldMk cId="2780969545" sldId="2609"/>
-            <ac:spMk id="6" creationId="{2D1A6305-FF43-CF53-224A-B6D4901EAB0F}"/>
-          </ac:spMkLst>
-        </pc:spChg>
-        <pc:spChg chg="mod">
-          <ac:chgData name="Xin Luo" userId="82312ee5779919a4" providerId="LiveId" clId="{23920C8D-EBCE-A347-9C82-C14316D20539}" dt="2022-10-25T12:09:03.730" v="478" actId="1036"/>
-          <ac:spMkLst>
-            <pc:docMk/>
-            <pc:sldMk cId="2780969545" sldId="2609"/>
-            <ac:spMk id="11" creationId="{63EAC848-88D2-7A10-E878-444ADA855E23}"/>
-          </ac:spMkLst>
-        </pc:spChg>
-        <pc:spChg chg="mod">
-          <ac:chgData name="Xin Luo" userId="82312ee5779919a4" providerId="LiveId" clId="{23920C8D-EBCE-A347-9C82-C14316D20539}" dt="2022-10-25T12:09:03.730" v="478" actId="1036"/>
-          <ac:spMkLst>
-            <pc:docMk/>
-            <pc:sldMk cId="2780969545" sldId="2609"/>
-            <ac:spMk id="12" creationId="{BED7A820-9D6E-7E7E-A906-8A9424528316}"/>
-          </ac:spMkLst>
-        </pc:spChg>
-        <pc:spChg chg="mod">
-          <ac:chgData name="Xin Luo" userId="82312ee5779919a4" providerId="LiveId" clId="{23920C8D-EBCE-A347-9C82-C14316D20539}" dt="2022-10-25T12:09:03.730" v="478" actId="1036"/>
-          <ac:spMkLst>
-            <pc:docMk/>
-            <pc:sldMk cId="2780969545" sldId="2609"/>
-            <ac:spMk id="20" creationId="{87EC125B-CB98-6914-1633-6697471A2CB4}"/>
-          </ac:spMkLst>
-        </pc:spChg>
-        <pc:spChg chg="mod">
-          <ac:chgData name="Xin Luo" userId="82312ee5779919a4" providerId="LiveId" clId="{23920C8D-EBCE-A347-9C82-C14316D20539}" dt="2022-10-25T12:09:03.730" v="478" actId="1036"/>
-          <ac:spMkLst>
-            <pc:docMk/>
-            <pc:sldMk cId="2780969545" sldId="2609"/>
-            <ac:spMk id="21" creationId="{0AF67847-7DEF-CDAB-6208-0271BFB4FB06}"/>
-          </ac:spMkLst>
-        </pc:spChg>
-        <pc:spChg chg="mod">
-          <ac:chgData name="Xin Luo" userId="82312ee5779919a4" providerId="LiveId" clId="{23920C8D-EBCE-A347-9C82-C14316D20539}" dt="2022-10-25T12:09:03.730" v="478" actId="1036"/>
-          <ac:spMkLst>
-            <pc:docMk/>
-            <pc:sldMk cId="2780969545" sldId="2609"/>
-            <ac:spMk id="23" creationId="{0011846D-F543-398E-85CB-0AB0A842928A}"/>
-          </ac:spMkLst>
-        </pc:spChg>
-        <pc:spChg chg="mod">
-          <ac:chgData name="Xin Luo" userId="82312ee5779919a4" providerId="LiveId" clId="{23920C8D-EBCE-A347-9C82-C14316D20539}" dt="2022-10-25T12:09:03.730" v="478" actId="1036"/>
-          <ac:spMkLst>
-            <pc:docMk/>
-            <pc:sldMk cId="2780969545" sldId="2609"/>
-            <ac:spMk id="24" creationId="{37B5D87E-7419-7CC0-91CC-8A0807F0F999}"/>
-          </ac:spMkLst>
-        </pc:spChg>
-        <pc:spChg chg="mod">
-          <ac:chgData name="Xin Luo" userId="82312ee5779919a4" providerId="LiveId" clId="{23920C8D-EBCE-A347-9C82-C14316D20539}" dt="2022-10-25T12:09:03.730" v="478" actId="1036"/>
-          <ac:spMkLst>
-            <pc:docMk/>
-            <pc:sldMk cId="2780969545" sldId="2609"/>
-            <ac:spMk id="25" creationId="{4745244D-B431-F067-4A97-7CC4387296FB}"/>
-          </ac:spMkLst>
-        </pc:spChg>
-        <pc:spChg chg="mod">
-          <ac:chgData name="Xin Luo" userId="82312ee5779919a4" providerId="LiveId" clId="{23920C8D-EBCE-A347-9C82-C14316D20539}" dt="2022-10-25T12:09:03.730" v="478" actId="1036"/>
-          <ac:spMkLst>
-            <pc:docMk/>
-            <pc:sldMk cId="2780969545" sldId="2609"/>
-            <ac:spMk id="26" creationId="{FB9C53DE-8D1F-6DF4-8CE3-3A262A9F8737}"/>
-          </ac:spMkLst>
-        </pc:spChg>
-        <pc:picChg chg="mod">
-          <ac:chgData name="Xin Luo" userId="82312ee5779919a4" providerId="LiveId" clId="{23920C8D-EBCE-A347-9C82-C14316D20539}" dt="2022-10-25T12:09:03.730" v="478" actId="1036"/>
-          <ac:picMkLst>
-            <pc:docMk/>
-            <pc:sldMk cId="2780969545" sldId="2609"/>
-            <ac:picMk id="4" creationId="{49B7ACC6-6794-9162-52B2-E80F7E4B0442}"/>
-          </ac:picMkLst>
-        </pc:picChg>
-        <pc:picChg chg="mod">
-          <ac:chgData name="Xin Luo" userId="82312ee5779919a4" providerId="LiveId" clId="{23920C8D-EBCE-A347-9C82-C14316D20539}" dt="2022-10-25T12:09:03.730" v="478" actId="1036"/>
-          <ac:picMkLst>
-            <pc:docMk/>
-            <pc:sldMk cId="2780969545" sldId="2609"/>
-            <ac:picMk id="7" creationId="{42FD45A0-A9EA-D518-41B5-21FA7A24BA60}"/>
-          </ac:picMkLst>
-        </pc:picChg>
-        <pc:picChg chg="mod">
-          <ac:chgData name="Xin Luo" userId="82312ee5779919a4" providerId="LiveId" clId="{23920C8D-EBCE-A347-9C82-C14316D20539}" dt="2022-10-25T12:09:03.730" v="478" actId="1036"/>
-          <ac:picMkLst>
-            <pc:docMk/>
-            <pc:sldMk cId="2780969545" sldId="2609"/>
-            <ac:picMk id="10" creationId="{C2B12388-3179-41F8-2462-0C9BA14093FF}"/>
-          </ac:picMkLst>
-        </pc:picChg>
-        <pc:picChg chg="mod">
-          <ac:chgData name="Xin Luo" userId="82312ee5779919a4" providerId="LiveId" clId="{23920C8D-EBCE-A347-9C82-C14316D20539}" dt="2022-10-25T12:09:03.730" v="478" actId="1036"/>
-          <ac:picMkLst>
-            <pc:docMk/>
-            <pc:sldMk cId="2780969545" sldId="2609"/>
-            <ac:picMk id="7170" creationId="{A3C33C8C-6841-03A7-574F-E161D6BA2409}"/>
-          </ac:picMkLst>
-        </pc:picChg>
-        <pc:cxnChg chg="mod">
-          <ac:chgData name="Xin Luo" userId="82312ee5779919a4" providerId="LiveId" clId="{23920C8D-EBCE-A347-9C82-C14316D20539}" dt="2022-10-25T12:09:03.730" v="478" actId="1036"/>
-          <ac:cxnSpMkLst>
-            <pc:docMk/>
-            <pc:sldMk cId="2780969545" sldId="2609"/>
-            <ac:cxnSpMk id="9" creationId="{FD972B84-6C44-171E-8256-D2A04F01B0C9}"/>
-          </ac:cxnSpMkLst>
-        </pc:cxnChg>
-        <pc:cxnChg chg="mod">
-          <ac:chgData name="Xin Luo" userId="82312ee5779919a4" providerId="LiveId" clId="{23920C8D-EBCE-A347-9C82-C14316D20539}" dt="2022-10-25T12:09:03.730" v="478" actId="1036"/>
-          <ac:cxnSpMkLst>
-            <pc:docMk/>
-            <pc:sldMk cId="2780969545" sldId="2609"/>
-            <ac:cxnSpMk id="16" creationId="{612BCBDC-DECE-5090-7C5B-6492FF4CE722}"/>
-          </ac:cxnSpMkLst>
-        </pc:cxnChg>
-        <pc:cxnChg chg="mod">
-          <ac:chgData name="Xin Luo" userId="82312ee5779919a4" providerId="LiveId" clId="{23920C8D-EBCE-A347-9C82-C14316D20539}" dt="2022-10-25T12:09:03.730" v="478" actId="1036"/>
-          <ac:cxnSpMkLst>
-            <pc:docMk/>
-            <pc:sldMk cId="2780969545" sldId="2609"/>
-            <ac:cxnSpMk id="17" creationId="{AF045F09-2718-C456-D477-E816A43885FF}"/>
-          </ac:cxnSpMkLst>
-        </pc:cxnChg>
-        <pc:cxnChg chg="mod">
-          <ac:chgData name="Xin Luo" userId="82312ee5779919a4" providerId="LiveId" clId="{23920C8D-EBCE-A347-9C82-C14316D20539}" dt="2022-10-25T12:09:03.730" v="478" actId="1036"/>
-          <ac:cxnSpMkLst>
-            <pc:docMk/>
-            <pc:sldMk cId="2780969545" sldId="2609"/>
-            <ac:cxnSpMk id="28" creationId="{6C11ADF7-6234-2989-2798-F5AAD5EDE3BF}"/>
-          </ac:cxnSpMkLst>
-        </pc:cxnChg>
-      </pc:sldChg>
-      <pc:sldChg chg="modSp mod">
-        <pc:chgData name="Xin Luo" userId="82312ee5779919a4" providerId="LiveId" clId="{23920C8D-EBCE-A347-9C82-C14316D20539}" dt="2022-10-26T02:56:58.658" v="480" actId="207"/>
-        <pc:sldMkLst>
-          <pc:docMk/>
-          <pc:sldMk cId="63705705" sldId="2612"/>
-        </pc:sldMkLst>
-        <pc:spChg chg="mod">
-          <ac:chgData name="Xin Luo" userId="82312ee5779919a4" providerId="LiveId" clId="{23920C8D-EBCE-A347-9C82-C14316D20539}" dt="2022-10-26T02:56:58.658" v="480" actId="207"/>
-          <ac:spMkLst>
-            <pc:docMk/>
-            <pc:sldMk cId="63705705" sldId="2612"/>
-            <ac:spMk id="63" creationId="{6400CC45-5050-7ACD-CE08-CC6D7000A1DA}"/>
-          </ac:spMkLst>
-        </pc:spChg>
-      </pc:sldChg>
-      <pc:sldChg chg="addSp modSp">
-        <pc:chgData name="Xin Luo" userId="82312ee5779919a4" providerId="LiveId" clId="{23920C8D-EBCE-A347-9C82-C14316D20539}" dt="2022-10-26T12:19:06.428" v="501" actId="767"/>
-        <pc:sldMkLst>
-          <pc:docMk/>
-          <pc:sldMk cId="963926578" sldId="2613"/>
-        </pc:sldMkLst>
-        <pc:spChg chg="add mod">
-          <ac:chgData name="Xin Luo" userId="82312ee5779919a4" providerId="LiveId" clId="{23920C8D-EBCE-A347-9C82-C14316D20539}" dt="2022-10-26T12:19:06.428" v="501" actId="767"/>
-          <ac:spMkLst>
-            <pc:docMk/>
-            <pc:sldMk cId="963926578" sldId="2613"/>
-            <ac:spMk id="2" creationId="{5F7683B3-77E0-69A9-94AE-FF04E7249325}"/>
-          </ac:spMkLst>
-        </pc:spChg>
-      </pc:sldChg>
-      <pc:sldChg chg="modSp add mod">
-        <pc:chgData name="Xin Luo" userId="82312ee5779919a4" providerId="LiveId" clId="{23920C8D-EBCE-A347-9C82-C14316D20539}" dt="2022-10-10T01:06:02.902" v="365" actId="403"/>
-        <pc:sldMkLst>
-          <pc:docMk/>
-          <pc:sldMk cId="2358282757" sldId="2714"/>
-        </pc:sldMkLst>
-        <pc:spChg chg="mod">
-          <ac:chgData name="Xin Luo" userId="82312ee5779919a4" providerId="LiveId" clId="{23920C8D-EBCE-A347-9C82-C14316D20539}" dt="2022-10-10T01:06:02.902" v="365" actId="403"/>
-          <ac:spMkLst>
-            <pc:docMk/>
-            <pc:sldMk cId="2358282757" sldId="2714"/>
-            <ac:spMk id="2" creationId="{DB381E7B-A050-4BE4-6756-9B64308C74D7}"/>
-          </ac:spMkLst>
-        </pc:spChg>
-      </pc:sldChg>
-    </pc:docChg>
-  </pc:docChgLst>
-  <pc:docChgLst>
     <pc:chgData name="Xin Luo" userId="82312ee5779919a4" providerId="LiveId" clId="{7C35D78A-E8DF-394E-816A-D2222F18F092}"/>
     <pc:docChg chg="delSld modSld">
       <pc:chgData name="Xin Luo" userId="82312ee5779919a4" providerId="LiveId" clId="{7C35D78A-E8DF-394E-816A-D2222F18F092}" dt="2022-11-28T03:56:42.353" v="21" actId="2696"/>
@@ -3470,6 +3136,350 @@
     </pc:docChg>
   </pc:docChgLst>
   <pc:docChgLst>
+    <pc:chgData name="Xin Luo" userId="82312ee5779919a4" providerId="LiveId" clId="{23920C8D-EBCE-A347-9C82-C14316D20539}"/>
+    <pc:docChg chg="undo custSel addSld modSld">
+      <pc:chgData name="Xin Luo" userId="82312ee5779919a4" providerId="LiveId" clId="{23920C8D-EBCE-A347-9C82-C14316D20539}" dt="2022-10-26T12:19:06.428" v="501" actId="767"/>
+      <pc:docMkLst>
+        <pc:docMk/>
+      </pc:docMkLst>
+      <pc:sldChg chg="modSp mod">
+        <pc:chgData name="Xin Luo" userId="82312ee5779919a4" providerId="LiveId" clId="{23920C8D-EBCE-A347-9C82-C14316D20539}" dt="2022-10-10T01:06:29.261" v="368" actId="404"/>
+        <pc:sldMkLst>
+          <pc:docMk/>
+          <pc:sldMk cId="1576120367" sldId="2387"/>
+        </pc:sldMkLst>
+        <pc:spChg chg="mod">
+          <ac:chgData name="Xin Luo" userId="82312ee5779919a4" providerId="LiveId" clId="{23920C8D-EBCE-A347-9C82-C14316D20539}" dt="2022-10-10T01:06:29.261" v="368" actId="404"/>
+          <ac:spMkLst>
+            <pc:docMk/>
+            <pc:sldMk cId="1576120367" sldId="2387"/>
+            <ac:spMk id="10" creationId="{00000000-0000-0000-0000-000000000000}"/>
+          </ac:spMkLst>
+        </pc:spChg>
+        <pc:spChg chg="mod">
+          <ac:chgData name="Xin Luo" userId="82312ee5779919a4" providerId="LiveId" clId="{23920C8D-EBCE-A347-9C82-C14316D20539}" dt="2022-10-10T01:06:13.262" v="366" actId="403"/>
+          <ac:spMkLst>
+            <pc:docMk/>
+            <pc:sldMk cId="1576120367" sldId="2387"/>
+            <ac:spMk id="12" creationId="{00000000-0000-0000-0000-000000000000}"/>
+          </ac:spMkLst>
+        </pc:spChg>
+        <pc:spChg chg="mod">
+          <ac:chgData name="Xin Luo" userId="82312ee5779919a4" providerId="LiveId" clId="{23920C8D-EBCE-A347-9C82-C14316D20539}" dt="2022-10-10T01:06:29.261" v="368" actId="404"/>
+          <ac:spMkLst>
+            <pc:docMk/>
+            <pc:sldMk cId="1576120367" sldId="2387"/>
+            <ac:spMk id="13" creationId="{00000000-0000-0000-0000-000000000000}"/>
+          </ac:spMkLst>
+        </pc:spChg>
+        <pc:spChg chg="mod">
+          <ac:chgData name="Xin Luo" userId="82312ee5779919a4" providerId="LiveId" clId="{23920C8D-EBCE-A347-9C82-C14316D20539}" dt="2022-10-10T01:06:13.262" v="366" actId="403"/>
+          <ac:spMkLst>
+            <pc:docMk/>
+            <pc:sldMk cId="1576120367" sldId="2387"/>
+            <ac:spMk id="14" creationId="{00000000-0000-0000-0000-000000000000}"/>
+          </ac:spMkLst>
+        </pc:spChg>
+        <pc:spChg chg="mod">
+          <ac:chgData name="Xin Luo" userId="82312ee5779919a4" providerId="LiveId" clId="{23920C8D-EBCE-A347-9C82-C14316D20539}" dt="2022-10-10T01:06:29.261" v="368" actId="404"/>
+          <ac:spMkLst>
+            <pc:docMk/>
+            <pc:sldMk cId="1576120367" sldId="2387"/>
+            <ac:spMk id="15" creationId="{00000000-0000-0000-0000-000000000000}"/>
+          </ac:spMkLst>
+        </pc:spChg>
+        <pc:spChg chg="mod">
+          <ac:chgData name="Xin Luo" userId="82312ee5779919a4" providerId="LiveId" clId="{23920C8D-EBCE-A347-9C82-C14316D20539}" dt="2022-10-10T01:06:19.369" v="367" actId="14100"/>
+          <ac:spMkLst>
+            <pc:docMk/>
+            <pc:sldMk cId="1576120367" sldId="2387"/>
+            <ac:spMk id="16" creationId="{00000000-0000-0000-0000-000000000000}"/>
+          </ac:spMkLst>
+        </pc:spChg>
+      </pc:sldChg>
+      <pc:sldChg chg="modSp mod">
+        <pc:chgData name="Xin Luo" userId="82312ee5779919a4" providerId="LiveId" clId="{23920C8D-EBCE-A347-9C82-C14316D20539}" dt="2022-10-10T01:06:39.449" v="369" actId="403"/>
+        <pc:sldMkLst>
+          <pc:docMk/>
+          <pc:sldMk cId="2415901206" sldId="2447"/>
+        </pc:sldMkLst>
+        <pc:spChg chg="mod">
+          <ac:chgData name="Xin Luo" userId="82312ee5779919a4" providerId="LiveId" clId="{23920C8D-EBCE-A347-9C82-C14316D20539}" dt="2022-10-10T01:06:39.449" v="369" actId="403"/>
+          <ac:spMkLst>
+            <pc:docMk/>
+            <pc:sldMk cId="2415901206" sldId="2447"/>
+            <ac:spMk id="7" creationId="{00000000-0000-0000-0000-000000000000}"/>
+          </ac:spMkLst>
+        </pc:spChg>
+      </pc:sldChg>
+      <pc:sldChg chg="addSp delSp modSp mod">
+        <pc:chgData name="Xin Luo" userId="82312ee5779919a4" providerId="LiveId" clId="{23920C8D-EBCE-A347-9C82-C14316D20539}" dt="2022-10-26T11:18:20.490" v="500"/>
+        <pc:sldMkLst>
+          <pc:docMk/>
+          <pc:sldMk cId="2689840772" sldId="2604"/>
+        </pc:sldMkLst>
+        <pc:spChg chg="mod">
+          <ac:chgData name="Xin Luo" userId="82312ee5779919a4" providerId="LiveId" clId="{23920C8D-EBCE-A347-9C82-C14316D20539}" dt="2022-10-26T11:18:14.630" v="497" actId="1038"/>
+          <ac:spMkLst>
+            <pc:docMk/>
+            <pc:sldMk cId="2689840772" sldId="2604"/>
+            <ac:spMk id="2" creationId="{DB381E7B-A050-4BE4-6756-9B64308C74D7}"/>
+          </ac:spMkLst>
+        </pc:spChg>
+        <pc:spChg chg="del mod">
+          <ac:chgData name="Xin Luo" userId="82312ee5779919a4" providerId="LiveId" clId="{23920C8D-EBCE-A347-9C82-C14316D20539}" dt="2022-10-10T00:58:26.498" v="9" actId="478"/>
+          <ac:spMkLst>
+            <pc:docMk/>
+            <pc:sldMk cId="2689840772" sldId="2604"/>
+            <ac:spMk id="3" creationId="{00000000-0000-0000-0000-000000000000}"/>
+          </ac:spMkLst>
+        </pc:spChg>
+        <pc:spChg chg="add del mod">
+          <ac:chgData name="Xin Luo" userId="82312ee5779919a4" providerId="LiveId" clId="{23920C8D-EBCE-A347-9C82-C14316D20539}" dt="2022-10-26T11:18:20.490" v="500"/>
+          <ac:spMkLst>
+            <pc:docMk/>
+            <pc:sldMk cId="2689840772" sldId="2604"/>
+            <ac:spMk id="3" creationId="{0AC6D251-AEF6-35BE-71D5-DE25EAD72977}"/>
+          </ac:spMkLst>
+        </pc:spChg>
+        <pc:spChg chg="add mod">
+          <ac:chgData name="Xin Luo" userId="82312ee5779919a4" providerId="LiveId" clId="{23920C8D-EBCE-A347-9C82-C14316D20539}" dt="2022-10-10T01:03:50.909" v="356" actId="20577"/>
+          <ac:spMkLst>
+            <pc:docMk/>
+            <pc:sldMk cId="2689840772" sldId="2604"/>
+            <ac:spMk id="4" creationId="{5B949F23-92C2-3ACE-AE9A-58F8C8D7AB52}"/>
+          </ac:spMkLst>
+        </pc:spChg>
+      </pc:sldChg>
+      <pc:sldChg chg="modSp mod">
+        <pc:chgData name="Xin Luo" userId="82312ee5779919a4" providerId="LiveId" clId="{23920C8D-EBCE-A347-9C82-C14316D20539}" dt="2022-10-25T11:53:23.523" v="402" actId="207"/>
+        <pc:sldMkLst>
+          <pc:docMk/>
+          <pc:sldMk cId="1392274363" sldId="2606"/>
+        </pc:sldMkLst>
+        <pc:spChg chg="mod">
+          <ac:chgData name="Xin Luo" userId="82312ee5779919a4" providerId="LiveId" clId="{23920C8D-EBCE-A347-9C82-C14316D20539}" dt="2022-10-10T01:08:08.448" v="392" actId="20577"/>
+          <ac:spMkLst>
+            <pc:docMk/>
+            <pc:sldMk cId="1392274363" sldId="2606"/>
+            <ac:spMk id="35" creationId="{2CBBD54C-A0C4-CFAB-2A67-F8BF299D28F5}"/>
+          </ac:spMkLst>
+        </pc:spChg>
+        <pc:spChg chg="mod">
+          <ac:chgData name="Xin Luo" userId="82312ee5779919a4" providerId="LiveId" clId="{23920C8D-EBCE-A347-9C82-C14316D20539}" dt="2022-10-25T11:53:23.523" v="402" actId="207"/>
+          <ac:spMkLst>
+            <pc:docMk/>
+            <pc:sldMk cId="1392274363" sldId="2606"/>
+            <ac:spMk id="42" creationId="{E4B07DDE-AB89-2B16-6B7A-2142621DE6F5}"/>
+          </ac:spMkLst>
+        </pc:spChg>
+      </pc:sldChg>
+      <pc:sldChg chg="modSp mod">
+        <pc:chgData name="Xin Luo" userId="82312ee5779919a4" providerId="LiveId" clId="{23920C8D-EBCE-A347-9C82-C14316D20539}" dt="2022-10-25T12:03:26.240" v="414" actId="14100"/>
+        <pc:sldMkLst>
+          <pc:docMk/>
+          <pc:sldMk cId="292605530" sldId="2607"/>
+        </pc:sldMkLst>
+        <pc:spChg chg="mod">
+          <ac:chgData name="Xin Luo" userId="82312ee5779919a4" providerId="LiveId" clId="{23920C8D-EBCE-A347-9C82-C14316D20539}" dt="2022-10-25T12:03:26.240" v="414" actId="14100"/>
+          <ac:spMkLst>
+            <pc:docMk/>
+            <pc:sldMk cId="292605530" sldId="2607"/>
+            <ac:spMk id="18" creationId="{8399C9E7-13B6-1DAF-F5BF-4471E8528C5F}"/>
+          </ac:spMkLst>
+        </pc:spChg>
+      </pc:sldChg>
+      <pc:sldChg chg="modSp mod">
+        <pc:chgData name="Xin Luo" userId="82312ee5779919a4" providerId="LiveId" clId="{23920C8D-EBCE-A347-9C82-C14316D20539}" dt="2022-10-25T12:09:03.730" v="478" actId="1036"/>
+        <pc:sldMkLst>
+          <pc:docMk/>
+          <pc:sldMk cId="2780969545" sldId="2609"/>
+        </pc:sldMkLst>
+        <pc:spChg chg="mod">
+          <ac:chgData name="Xin Luo" userId="82312ee5779919a4" providerId="LiveId" clId="{23920C8D-EBCE-A347-9C82-C14316D20539}" dt="2022-10-25T12:08:56.496" v="469" actId="115"/>
+          <ac:spMkLst>
+            <pc:docMk/>
+            <pc:sldMk cId="2780969545" sldId="2609"/>
+            <ac:spMk id="6" creationId="{2D1A6305-FF43-CF53-224A-B6D4901EAB0F}"/>
+          </ac:spMkLst>
+        </pc:spChg>
+        <pc:spChg chg="mod">
+          <ac:chgData name="Xin Luo" userId="82312ee5779919a4" providerId="LiveId" clId="{23920C8D-EBCE-A347-9C82-C14316D20539}" dt="2022-10-25T12:09:03.730" v="478" actId="1036"/>
+          <ac:spMkLst>
+            <pc:docMk/>
+            <pc:sldMk cId="2780969545" sldId="2609"/>
+            <ac:spMk id="11" creationId="{63EAC848-88D2-7A10-E878-444ADA855E23}"/>
+          </ac:spMkLst>
+        </pc:spChg>
+        <pc:spChg chg="mod">
+          <ac:chgData name="Xin Luo" userId="82312ee5779919a4" providerId="LiveId" clId="{23920C8D-EBCE-A347-9C82-C14316D20539}" dt="2022-10-25T12:09:03.730" v="478" actId="1036"/>
+          <ac:spMkLst>
+            <pc:docMk/>
+            <pc:sldMk cId="2780969545" sldId="2609"/>
+            <ac:spMk id="12" creationId="{BED7A820-9D6E-7E7E-A906-8A9424528316}"/>
+          </ac:spMkLst>
+        </pc:spChg>
+        <pc:spChg chg="mod">
+          <ac:chgData name="Xin Luo" userId="82312ee5779919a4" providerId="LiveId" clId="{23920C8D-EBCE-A347-9C82-C14316D20539}" dt="2022-10-25T12:09:03.730" v="478" actId="1036"/>
+          <ac:spMkLst>
+            <pc:docMk/>
+            <pc:sldMk cId="2780969545" sldId="2609"/>
+            <ac:spMk id="20" creationId="{87EC125B-CB98-6914-1633-6697471A2CB4}"/>
+          </ac:spMkLst>
+        </pc:spChg>
+        <pc:spChg chg="mod">
+          <ac:chgData name="Xin Luo" userId="82312ee5779919a4" providerId="LiveId" clId="{23920C8D-EBCE-A347-9C82-C14316D20539}" dt="2022-10-25T12:09:03.730" v="478" actId="1036"/>
+          <ac:spMkLst>
+            <pc:docMk/>
+            <pc:sldMk cId="2780969545" sldId="2609"/>
+            <ac:spMk id="21" creationId="{0AF67847-7DEF-CDAB-6208-0271BFB4FB06}"/>
+          </ac:spMkLst>
+        </pc:spChg>
+        <pc:spChg chg="mod">
+          <ac:chgData name="Xin Luo" userId="82312ee5779919a4" providerId="LiveId" clId="{23920C8D-EBCE-A347-9C82-C14316D20539}" dt="2022-10-25T12:09:03.730" v="478" actId="1036"/>
+          <ac:spMkLst>
+            <pc:docMk/>
+            <pc:sldMk cId="2780969545" sldId="2609"/>
+            <ac:spMk id="23" creationId="{0011846D-F543-398E-85CB-0AB0A842928A}"/>
+          </ac:spMkLst>
+        </pc:spChg>
+        <pc:spChg chg="mod">
+          <ac:chgData name="Xin Luo" userId="82312ee5779919a4" providerId="LiveId" clId="{23920C8D-EBCE-A347-9C82-C14316D20539}" dt="2022-10-25T12:09:03.730" v="478" actId="1036"/>
+          <ac:spMkLst>
+            <pc:docMk/>
+            <pc:sldMk cId="2780969545" sldId="2609"/>
+            <ac:spMk id="24" creationId="{37B5D87E-7419-7CC0-91CC-8A0807F0F999}"/>
+          </ac:spMkLst>
+        </pc:spChg>
+        <pc:spChg chg="mod">
+          <ac:chgData name="Xin Luo" userId="82312ee5779919a4" providerId="LiveId" clId="{23920C8D-EBCE-A347-9C82-C14316D20539}" dt="2022-10-25T12:09:03.730" v="478" actId="1036"/>
+          <ac:spMkLst>
+            <pc:docMk/>
+            <pc:sldMk cId="2780969545" sldId="2609"/>
+            <ac:spMk id="25" creationId="{4745244D-B431-F067-4A97-7CC4387296FB}"/>
+          </ac:spMkLst>
+        </pc:spChg>
+        <pc:spChg chg="mod">
+          <ac:chgData name="Xin Luo" userId="82312ee5779919a4" providerId="LiveId" clId="{23920C8D-EBCE-A347-9C82-C14316D20539}" dt="2022-10-25T12:09:03.730" v="478" actId="1036"/>
+          <ac:spMkLst>
+            <pc:docMk/>
+            <pc:sldMk cId="2780969545" sldId="2609"/>
+            <ac:spMk id="26" creationId="{FB9C53DE-8D1F-6DF4-8CE3-3A262A9F8737}"/>
+          </ac:spMkLst>
+        </pc:spChg>
+        <pc:picChg chg="mod">
+          <ac:chgData name="Xin Luo" userId="82312ee5779919a4" providerId="LiveId" clId="{23920C8D-EBCE-A347-9C82-C14316D20539}" dt="2022-10-25T12:09:03.730" v="478" actId="1036"/>
+          <ac:picMkLst>
+            <pc:docMk/>
+            <pc:sldMk cId="2780969545" sldId="2609"/>
+            <ac:picMk id="4" creationId="{49B7ACC6-6794-9162-52B2-E80F7E4B0442}"/>
+          </ac:picMkLst>
+        </pc:picChg>
+        <pc:picChg chg="mod">
+          <ac:chgData name="Xin Luo" userId="82312ee5779919a4" providerId="LiveId" clId="{23920C8D-EBCE-A347-9C82-C14316D20539}" dt="2022-10-25T12:09:03.730" v="478" actId="1036"/>
+          <ac:picMkLst>
+            <pc:docMk/>
+            <pc:sldMk cId="2780969545" sldId="2609"/>
+            <ac:picMk id="7" creationId="{42FD45A0-A9EA-D518-41B5-21FA7A24BA60}"/>
+          </ac:picMkLst>
+        </pc:picChg>
+        <pc:picChg chg="mod">
+          <ac:chgData name="Xin Luo" userId="82312ee5779919a4" providerId="LiveId" clId="{23920C8D-EBCE-A347-9C82-C14316D20539}" dt="2022-10-25T12:09:03.730" v="478" actId="1036"/>
+          <ac:picMkLst>
+            <pc:docMk/>
+            <pc:sldMk cId="2780969545" sldId="2609"/>
+            <ac:picMk id="10" creationId="{C2B12388-3179-41F8-2462-0C9BA14093FF}"/>
+          </ac:picMkLst>
+        </pc:picChg>
+        <pc:picChg chg="mod">
+          <ac:chgData name="Xin Luo" userId="82312ee5779919a4" providerId="LiveId" clId="{23920C8D-EBCE-A347-9C82-C14316D20539}" dt="2022-10-25T12:09:03.730" v="478" actId="1036"/>
+          <ac:picMkLst>
+            <pc:docMk/>
+            <pc:sldMk cId="2780969545" sldId="2609"/>
+            <ac:picMk id="7170" creationId="{A3C33C8C-6841-03A7-574F-E161D6BA2409}"/>
+          </ac:picMkLst>
+        </pc:picChg>
+        <pc:cxnChg chg="mod">
+          <ac:chgData name="Xin Luo" userId="82312ee5779919a4" providerId="LiveId" clId="{23920C8D-EBCE-A347-9C82-C14316D20539}" dt="2022-10-25T12:09:03.730" v="478" actId="1036"/>
+          <ac:cxnSpMkLst>
+            <pc:docMk/>
+            <pc:sldMk cId="2780969545" sldId="2609"/>
+            <ac:cxnSpMk id="9" creationId="{FD972B84-6C44-171E-8256-D2A04F01B0C9}"/>
+          </ac:cxnSpMkLst>
+        </pc:cxnChg>
+        <pc:cxnChg chg="mod">
+          <ac:chgData name="Xin Luo" userId="82312ee5779919a4" providerId="LiveId" clId="{23920C8D-EBCE-A347-9C82-C14316D20539}" dt="2022-10-25T12:09:03.730" v="478" actId="1036"/>
+          <ac:cxnSpMkLst>
+            <pc:docMk/>
+            <pc:sldMk cId="2780969545" sldId="2609"/>
+            <ac:cxnSpMk id="16" creationId="{612BCBDC-DECE-5090-7C5B-6492FF4CE722}"/>
+          </ac:cxnSpMkLst>
+        </pc:cxnChg>
+        <pc:cxnChg chg="mod">
+          <ac:chgData name="Xin Luo" userId="82312ee5779919a4" providerId="LiveId" clId="{23920C8D-EBCE-A347-9C82-C14316D20539}" dt="2022-10-25T12:09:03.730" v="478" actId="1036"/>
+          <ac:cxnSpMkLst>
+            <pc:docMk/>
+            <pc:sldMk cId="2780969545" sldId="2609"/>
+            <ac:cxnSpMk id="17" creationId="{AF045F09-2718-C456-D477-E816A43885FF}"/>
+          </ac:cxnSpMkLst>
+        </pc:cxnChg>
+        <pc:cxnChg chg="mod">
+          <ac:chgData name="Xin Luo" userId="82312ee5779919a4" providerId="LiveId" clId="{23920C8D-EBCE-A347-9C82-C14316D20539}" dt="2022-10-25T12:09:03.730" v="478" actId="1036"/>
+          <ac:cxnSpMkLst>
+            <pc:docMk/>
+            <pc:sldMk cId="2780969545" sldId="2609"/>
+            <ac:cxnSpMk id="28" creationId="{6C11ADF7-6234-2989-2798-F5AAD5EDE3BF}"/>
+          </ac:cxnSpMkLst>
+        </pc:cxnChg>
+      </pc:sldChg>
+      <pc:sldChg chg="modSp mod">
+        <pc:chgData name="Xin Luo" userId="82312ee5779919a4" providerId="LiveId" clId="{23920C8D-EBCE-A347-9C82-C14316D20539}" dt="2022-10-26T02:56:58.658" v="480" actId="207"/>
+        <pc:sldMkLst>
+          <pc:docMk/>
+          <pc:sldMk cId="63705705" sldId="2612"/>
+        </pc:sldMkLst>
+        <pc:spChg chg="mod">
+          <ac:chgData name="Xin Luo" userId="82312ee5779919a4" providerId="LiveId" clId="{23920C8D-EBCE-A347-9C82-C14316D20539}" dt="2022-10-26T02:56:58.658" v="480" actId="207"/>
+          <ac:spMkLst>
+            <pc:docMk/>
+            <pc:sldMk cId="63705705" sldId="2612"/>
+            <ac:spMk id="63" creationId="{6400CC45-5050-7ACD-CE08-CC6D7000A1DA}"/>
+          </ac:spMkLst>
+        </pc:spChg>
+      </pc:sldChg>
+      <pc:sldChg chg="addSp modSp">
+        <pc:chgData name="Xin Luo" userId="82312ee5779919a4" providerId="LiveId" clId="{23920C8D-EBCE-A347-9C82-C14316D20539}" dt="2022-10-26T12:19:06.428" v="501" actId="767"/>
+        <pc:sldMkLst>
+          <pc:docMk/>
+          <pc:sldMk cId="963926578" sldId="2613"/>
+        </pc:sldMkLst>
+        <pc:spChg chg="add mod">
+          <ac:chgData name="Xin Luo" userId="82312ee5779919a4" providerId="LiveId" clId="{23920C8D-EBCE-A347-9C82-C14316D20539}" dt="2022-10-26T12:19:06.428" v="501" actId="767"/>
+          <ac:spMkLst>
+            <pc:docMk/>
+            <pc:sldMk cId="963926578" sldId="2613"/>
+            <ac:spMk id="2" creationId="{5F7683B3-77E0-69A9-94AE-FF04E7249325}"/>
+          </ac:spMkLst>
+        </pc:spChg>
+      </pc:sldChg>
+      <pc:sldChg chg="modSp add mod">
+        <pc:chgData name="Xin Luo" userId="82312ee5779919a4" providerId="LiveId" clId="{23920C8D-EBCE-A347-9C82-C14316D20539}" dt="2022-10-10T01:06:02.902" v="365" actId="403"/>
+        <pc:sldMkLst>
+          <pc:docMk/>
+          <pc:sldMk cId="2358282757" sldId="2714"/>
+        </pc:sldMkLst>
+        <pc:spChg chg="mod">
+          <ac:chgData name="Xin Luo" userId="82312ee5779919a4" providerId="LiveId" clId="{23920C8D-EBCE-A347-9C82-C14316D20539}" dt="2022-10-10T01:06:02.902" v="365" actId="403"/>
+          <ac:spMkLst>
+            <pc:docMk/>
+            <pc:sldMk cId="2358282757" sldId="2714"/>
+            <ac:spMk id="2" creationId="{DB381E7B-A050-4BE4-6756-9B64308C74D7}"/>
+          </ac:spMkLst>
+        </pc:spChg>
+      </pc:sldChg>
+    </pc:docChg>
+  </pc:docChgLst>
+  <pc:docChgLst>
     <pc:chgData name="Xin Luo" userId="82312ee5779919a4" providerId="LiveId" clId="{4807F875-6F75-AB41-83F0-5AE490FE2F1C}"/>
     <pc:docChg chg="custSel addSld modSld">
       <pc:chgData name="Xin Luo" userId="82312ee5779919a4" providerId="LiveId" clId="{4807F875-6F75-AB41-83F0-5AE490FE2F1C}" dt="2023-09-13T14:07:01.122" v="8" actId="1076"/>
@@ -5051,6 +5061,138 @@
     </pc:docChg>
   </pc:docChgLst>
   <pc:docChgLst>
+    <pc:chgData name="Xin Luo" userId="82312ee5779919a4" providerId="LiveId" clId="{A508F461-0D73-864F-B88A-277BCD613B0A}"/>
+    <pc:docChg chg="modSld">
+      <pc:chgData name="Xin Luo" userId="82312ee5779919a4" providerId="LiveId" clId="{A508F461-0D73-864F-B88A-277BCD613B0A}" dt="2023-09-11T02:08:48.074" v="121" actId="1076"/>
+      <pc:docMkLst>
+        <pc:docMk/>
+      </pc:docMkLst>
+      <pc:sldChg chg="modSp mod">
+        <pc:chgData name="Xin Luo" userId="82312ee5779919a4" providerId="LiveId" clId="{A508F461-0D73-864F-B88A-277BCD613B0A}" dt="2023-09-11T01:25:36.157" v="49" actId="255"/>
+        <pc:sldMkLst>
+          <pc:docMk/>
+          <pc:sldMk cId="1209572041" sldId="2722"/>
+        </pc:sldMkLst>
+        <pc:spChg chg="mod">
+          <ac:chgData name="Xin Luo" userId="82312ee5779919a4" providerId="LiveId" clId="{A508F461-0D73-864F-B88A-277BCD613B0A}" dt="2023-09-11T01:25:36.157" v="49" actId="255"/>
+          <ac:spMkLst>
+            <pc:docMk/>
+            <pc:sldMk cId="1209572041" sldId="2722"/>
+            <ac:spMk id="13" creationId="{303BC878-BC57-D350-27A3-F03AE48213AC}"/>
+          </ac:spMkLst>
+        </pc:spChg>
+      </pc:sldChg>
+      <pc:sldChg chg="modSp mod">
+        <pc:chgData name="Xin Luo" userId="82312ee5779919a4" providerId="LiveId" clId="{A508F461-0D73-864F-B88A-277BCD613B0A}" dt="2023-09-11T02:08:48.074" v="121" actId="1076"/>
+        <pc:sldMkLst>
+          <pc:docMk/>
+          <pc:sldMk cId="3151170836" sldId="2742"/>
+        </pc:sldMkLst>
+        <pc:spChg chg="mod">
+          <ac:chgData name="Xin Luo" userId="82312ee5779919a4" providerId="LiveId" clId="{A508F461-0D73-864F-B88A-277BCD613B0A}" dt="2023-09-11T02:08:48.074" v="121" actId="1076"/>
+          <ac:spMkLst>
+            <pc:docMk/>
+            <pc:sldMk cId="3151170836" sldId="2742"/>
+            <ac:spMk id="6" creationId="{FA343B24-C04E-C7D0-D427-DA131ECB74AB}"/>
+          </ac:spMkLst>
+        </pc:spChg>
+      </pc:sldChg>
+      <pc:sldChg chg="modSp mod">
+        <pc:chgData name="Xin Luo" userId="82312ee5779919a4" providerId="LiveId" clId="{A508F461-0D73-864F-B88A-277BCD613B0A}" dt="2023-09-11T01:24:19.474" v="26" actId="255"/>
+        <pc:sldMkLst>
+          <pc:docMk/>
+          <pc:sldMk cId="3741103209" sldId="2745"/>
+        </pc:sldMkLst>
+        <pc:spChg chg="mod">
+          <ac:chgData name="Xin Luo" userId="82312ee5779919a4" providerId="LiveId" clId="{A508F461-0D73-864F-B88A-277BCD613B0A}" dt="2023-09-11T01:24:19.474" v="26" actId="255"/>
+          <ac:spMkLst>
+            <pc:docMk/>
+            <pc:sldMk cId="3741103209" sldId="2745"/>
+            <ac:spMk id="17" creationId="{9E05FFCA-3371-AF5C-381D-71D984055F5A}"/>
+          </ac:spMkLst>
+        </pc:spChg>
+      </pc:sldChg>
+      <pc:sldChg chg="modSp mod">
+        <pc:chgData name="Xin Luo" userId="82312ee5779919a4" providerId="LiveId" clId="{A508F461-0D73-864F-B88A-277BCD613B0A}" dt="2023-09-11T01:25:10.921" v="46" actId="1035"/>
+        <pc:sldMkLst>
+          <pc:docMk/>
+          <pc:sldMk cId="2081473989" sldId="2748"/>
+        </pc:sldMkLst>
+        <pc:spChg chg="mod">
+          <ac:chgData name="Xin Luo" userId="82312ee5779919a4" providerId="LiveId" clId="{A508F461-0D73-864F-B88A-277BCD613B0A}" dt="2023-09-11T01:25:10.921" v="46" actId="1035"/>
+          <ac:spMkLst>
+            <pc:docMk/>
+            <pc:sldMk cId="2081473989" sldId="2748"/>
+            <ac:spMk id="15" creationId="{DAE75BEB-15B0-6AD3-FEA5-24688F0C9399}"/>
+          </ac:spMkLst>
+        </pc:spChg>
+        <pc:spChg chg="mod">
+          <ac:chgData name="Xin Luo" userId="82312ee5779919a4" providerId="LiveId" clId="{A508F461-0D73-864F-B88A-277BCD613B0A}" dt="2023-09-11T01:25:10.921" v="46" actId="1035"/>
+          <ac:spMkLst>
+            <pc:docMk/>
+            <pc:sldMk cId="2081473989" sldId="2748"/>
+            <ac:spMk id="16" creationId="{011A1F98-9159-4FE6-698D-1B0B7EFC1F4C}"/>
+          </ac:spMkLst>
+        </pc:spChg>
+        <pc:spChg chg="mod">
+          <ac:chgData name="Xin Luo" userId="82312ee5779919a4" providerId="LiveId" clId="{A508F461-0D73-864F-B88A-277BCD613B0A}" dt="2023-09-11T01:25:03.190" v="37" actId="2710"/>
+          <ac:spMkLst>
+            <pc:docMk/>
+            <pc:sldMk cId="2081473989" sldId="2748"/>
+            <ac:spMk id="17" creationId="{9E05FFCA-3371-AF5C-381D-71D984055F5A}"/>
+          </ac:spMkLst>
+        </pc:spChg>
+        <pc:picChg chg="mod">
+          <ac:chgData name="Xin Luo" userId="82312ee5779919a4" providerId="LiveId" clId="{A508F461-0D73-864F-B88A-277BCD613B0A}" dt="2023-09-11T01:25:10.921" v="46" actId="1035"/>
+          <ac:picMkLst>
+            <pc:docMk/>
+            <pc:sldMk cId="2081473989" sldId="2748"/>
+            <ac:picMk id="8" creationId="{79143EB1-6171-6D6B-E065-52F98AD03CCA}"/>
+          </ac:picMkLst>
+        </pc:picChg>
+        <pc:picChg chg="mod">
+          <ac:chgData name="Xin Luo" userId="82312ee5779919a4" providerId="LiveId" clId="{A508F461-0D73-864F-B88A-277BCD613B0A}" dt="2023-09-11T01:25:10.921" v="46" actId="1035"/>
+          <ac:picMkLst>
+            <pc:docMk/>
+            <pc:sldMk cId="2081473989" sldId="2748"/>
+            <ac:picMk id="12" creationId="{CD5784D5-D55B-B02C-C48B-B4566A95D7A5}"/>
+          </ac:picMkLst>
+        </pc:picChg>
+      </pc:sldChg>
+      <pc:sldChg chg="modSp mod">
+        <pc:chgData name="Xin Luo" userId="82312ee5779919a4" providerId="LiveId" clId="{A508F461-0D73-864F-B88A-277BCD613B0A}" dt="2023-09-11T01:23:28.376" v="25" actId="1037"/>
+        <pc:sldMkLst>
+          <pc:docMk/>
+          <pc:sldMk cId="2927474256" sldId="2754"/>
+        </pc:sldMkLst>
+        <pc:spChg chg="mod">
+          <ac:chgData name="Xin Luo" userId="82312ee5779919a4" providerId="LiveId" clId="{A508F461-0D73-864F-B88A-277BCD613B0A}" dt="2023-09-11T01:23:28.376" v="25" actId="1037"/>
+          <ac:spMkLst>
+            <pc:docMk/>
+            <pc:sldMk cId="2927474256" sldId="2754"/>
+            <ac:spMk id="17" creationId="{8CFF8A22-C033-47DF-8707-CA76F142CBBA}"/>
+          </ac:spMkLst>
+        </pc:spChg>
+        <pc:grpChg chg="mod">
+          <ac:chgData name="Xin Luo" userId="82312ee5779919a4" providerId="LiveId" clId="{A508F461-0D73-864F-B88A-277BCD613B0A}" dt="2023-09-11T01:23:15.792" v="0" actId="1037"/>
+          <ac:grpSpMkLst>
+            <pc:docMk/>
+            <pc:sldMk cId="2927474256" sldId="2754"/>
+            <ac:grpSpMk id="20" creationId="{8AA7B3E2-1D42-96C9-43F0-1F320D3EFD63}"/>
+          </ac:grpSpMkLst>
+        </pc:grpChg>
+        <pc:picChg chg="mod">
+          <ac:chgData name="Xin Luo" userId="82312ee5779919a4" providerId="LiveId" clId="{A508F461-0D73-864F-B88A-277BCD613B0A}" dt="2023-09-11T01:23:18.846" v="10" actId="1038"/>
+          <ac:picMkLst>
+            <pc:docMk/>
+            <pc:sldMk cId="2927474256" sldId="2754"/>
+            <ac:picMk id="9" creationId="{0CF46726-2B51-43A4-FDEF-A6131C46F05F}"/>
+          </ac:picMkLst>
+        </pc:picChg>
+      </pc:sldChg>
+    </pc:docChg>
+  </pc:docChgLst>
+  <pc:docChgLst>
     <pc:chgData name="Xin Luo" userId="82312ee5779919a4" providerId="LiveId" clId="{82BFAA31-791A-9843-976C-3AAFAA5AC07D}"/>
     <pc:docChg chg="undo custSel addSld delSld modSld">
       <pc:chgData name="Xin Luo" userId="82312ee5779919a4" providerId="LiveId" clId="{82BFAA31-791A-9843-976C-3AAFAA5AC07D}" dt="2023-03-05T13:50:34.172" v="6224" actId="1035"/>
@@ -5787,138 +5929,6 @@
           <pc:docMk/>
           <pc:sldMk cId="1628918360" sldId="2751"/>
         </pc:sldMkLst>
-      </pc:sldChg>
-    </pc:docChg>
-  </pc:docChgLst>
-  <pc:docChgLst>
-    <pc:chgData name="Xin Luo" userId="82312ee5779919a4" providerId="LiveId" clId="{A508F461-0D73-864F-B88A-277BCD613B0A}"/>
-    <pc:docChg chg="modSld">
-      <pc:chgData name="Xin Luo" userId="82312ee5779919a4" providerId="LiveId" clId="{A508F461-0D73-864F-B88A-277BCD613B0A}" dt="2023-09-11T02:08:48.074" v="121" actId="1076"/>
-      <pc:docMkLst>
-        <pc:docMk/>
-      </pc:docMkLst>
-      <pc:sldChg chg="modSp mod">
-        <pc:chgData name="Xin Luo" userId="82312ee5779919a4" providerId="LiveId" clId="{A508F461-0D73-864F-B88A-277BCD613B0A}" dt="2023-09-11T01:25:36.157" v="49" actId="255"/>
-        <pc:sldMkLst>
-          <pc:docMk/>
-          <pc:sldMk cId="1209572041" sldId="2722"/>
-        </pc:sldMkLst>
-        <pc:spChg chg="mod">
-          <ac:chgData name="Xin Luo" userId="82312ee5779919a4" providerId="LiveId" clId="{A508F461-0D73-864F-B88A-277BCD613B0A}" dt="2023-09-11T01:25:36.157" v="49" actId="255"/>
-          <ac:spMkLst>
-            <pc:docMk/>
-            <pc:sldMk cId="1209572041" sldId="2722"/>
-            <ac:spMk id="13" creationId="{303BC878-BC57-D350-27A3-F03AE48213AC}"/>
-          </ac:spMkLst>
-        </pc:spChg>
-      </pc:sldChg>
-      <pc:sldChg chg="modSp mod">
-        <pc:chgData name="Xin Luo" userId="82312ee5779919a4" providerId="LiveId" clId="{A508F461-0D73-864F-B88A-277BCD613B0A}" dt="2023-09-11T02:08:48.074" v="121" actId="1076"/>
-        <pc:sldMkLst>
-          <pc:docMk/>
-          <pc:sldMk cId="3151170836" sldId="2742"/>
-        </pc:sldMkLst>
-        <pc:spChg chg="mod">
-          <ac:chgData name="Xin Luo" userId="82312ee5779919a4" providerId="LiveId" clId="{A508F461-0D73-864F-B88A-277BCD613B0A}" dt="2023-09-11T02:08:48.074" v="121" actId="1076"/>
-          <ac:spMkLst>
-            <pc:docMk/>
-            <pc:sldMk cId="3151170836" sldId="2742"/>
-            <ac:spMk id="6" creationId="{FA343B24-C04E-C7D0-D427-DA131ECB74AB}"/>
-          </ac:spMkLst>
-        </pc:spChg>
-      </pc:sldChg>
-      <pc:sldChg chg="modSp mod">
-        <pc:chgData name="Xin Luo" userId="82312ee5779919a4" providerId="LiveId" clId="{A508F461-0D73-864F-B88A-277BCD613B0A}" dt="2023-09-11T01:24:19.474" v="26" actId="255"/>
-        <pc:sldMkLst>
-          <pc:docMk/>
-          <pc:sldMk cId="3741103209" sldId="2745"/>
-        </pc:sldMkLst>
-        <pc:spChg chg="mod">
-          <ac:chgData name="Xin Luo" userId="82312ee5779919a4" providerId="LiveId" clId="{A508F461-0D73-864F-B88A-277BCD613B0A}" dt="2023-09-11T01:24:19.474" v="26" actId="255"/>
-          <ac:spMkLst>
-            <pc:docMk/>
-            <pc:sldMk cId="3741103209" sldId="2745"/>
-            <ac:spMk id="17" creationId="{9E05FFCA-3371-AF5C-381D-71D984055F5A}"/>
-          </ac:spMkLst>
-        </pc:spChg>
-      </pc:sldChg>
-      <pc:sldChg chg="modSp mod">
-        <pc:chgData name="Xin Luo" userId="82312ee5779919a4" providerId="LiveId" clId="{A508F461-0D73-864F-B88A-277BCD613B0A}" dt="2023-09-11T01:25:10.921" v="46" actId="1035"/>
-        <pc:sldMkLst>
-          <pc:docMk/>
-          <pc:sldMk cId="2081473989" sldId="2748"/>
-        </pc:sldMkLst>
-        <pc:spChg chg="mod">
-          <ac:chgData name="Xin Luo" userId="82312ee5779919a4" providerId="LiveId" clId="{A508F461-0D73-864F-B88A-277BCD613B0A}" dt="2023-09-11T01:25:10.921" v="46" actId="1035"/>
-          <ac:spMkLst>
-            <pc:docMk/>
-            <pc:sldMk cId="2081473989" sldId="2748"/>
-            <ac:spMk id="15" creationId="{DAE75BEB-15B0-6AD3-FEA5-24688F0C9399}"/>
-          </ac:spMkLst>
-        </pc:spChg>
-        <pc:spChg chg="mod">
-          <ac:chgData name="Xin Luo" userId="82312ee5779919a4" providerId="LiveId" clId="{A508F461-0D73-864F-B88A-277BCD613B0A}" dt="2023-09-11T01:25:10.921" v="46" actId="1035"/>
-          <ac:spMkLst>
-            <pc:docMk/>
-            <pc:sldMk cId="2081473989" sldId="2748"/>
-            <ac:spMk id="16" creationId="{011A1F98-9159-4FE6-698D-1B0B7EFC1F4C}"/>
-          </ac:spMkLst>
-        </pc:spChg>
-        <pc:spChg chg="mod">
-          <ac:chgData name="Xin Luo" userId="82312ee5779919a4" providerId="LiveId" clId="{A508F461-0D73-864F-B88A-277BCD613B0A}" dt="2023-09-11T01:25:03.190" v="37" actId="2710"/>
-          <ac:spMkLst>
-            <pc:docMk/>
-            <pc:sldMk cId="2081473989" sldId="2748"/>
-            <ac:spMk id="17" creationId="{9E05FFCA-3371-AF5C-381D-71D984055F5A}"/>
-          </ac:spMkLst>
-        </pc:spChg>
-        <pc:picChg chg="mod">
-          <ac:chgData name="Xin Luo" userId="82312ee5779919a4" providerId="LiveId" clId="{A508F461-0D73-864F-B88A-277BCD613B0A}" dt="2023-09-11T01:25:10.921" v="46" actId="1035"/>
-          <ac:picMkLst>
-            <pc:docMk/>
-            <pc:sldMk cId="2081473989" sldId="2748"/>
-            <ac:picMk id="8" creationId="{79143EB1-6171-6D6B-E065-52F98AD03CCA}"/>
-          </ac:picMkLst>
-        </pc:picChg>
-        <pc:picChg chg="mod">
-          <ac:chgData name="Xin Luo" userId="82312ee5779919a4" providerId="LiveId" clId="{A508F461-0D73-864F-B88A-277BCD613B0A}" dt="2023-09-11T01:25:10.921" v="46" actId="1035"/>
-          <ac:picMkLst>
-            <pc:docMk/>
-            <pc:sldMk cId="2081473989" sldId="2748"/>
-            <ac:picMk id="12" creationId="{CD5784D5-D55B-B02C-C48B-B4566A95D7A5}"/>
-          </ac:picMkLst>
-        </pc:picChg>
-      </pc:sldChg>
-      <pc:sldChg chg="modSp mod">
-        <pc:chgData name="Xin Luo" userId="82312ee5779919a4" providerId="LiveId" clId="{A508F461-0D73-864F-B88A-277BCD613B0A}" dt="2023-09-11T01:23:28.376" v="25" actId="1037"/>
-        <pc:sldMkLst>
-          <pc:docMk/>
-          <pc:sldMk cId="2927474256" sldId="2754"/>
-        </pc:sldMkLst>
-        <pc:spChg chg="mod">
-          <ac:chgData name="Xin Luo" userId="82312ee5779919a4" providerId="LiveId" clId="{A508F461-0D73-864F-B88A-277BCD613B0A}" dt="2023-09-11T01:23:28.376" v="25" actId="1037"/>
-          <ac:spMkLst>
-            <pc:docMk/>
-            <pc:sldMk cId="2927474256" sldId="2754"/>
-            <ac:spMk id="17" creationId="{8CFF8A22-C033-47DF-8707-CA76F142CBBA}"/>
-          </ac:spMkLst>
-        </pc:spChg>
-        <pc:grpChg chg="mod">
-          <ac:chgData name="Xin Luo" userId="82312ee5779919a4" providerId="LiveId" clId="{A508F461-0D73-864F-B88A-277BCD613B0A}" dt="2023-09-11T01:23:15.792" v="0" actId="1037"/>
-          <ac:grpSpMkLst>
-            <pc:docMk/>
-            <pc:sldMk cId="2927474256" sldId="2754"/>
-            <ac:grpSpMk id="20" creationId="{8AA7B3E2-1D42-96C9-43F0-1F320D3EFD63}"/>
-          </ac:grpSpMkLst>
-        </pc:grpChg>
-        <pc:picChg chg="mod">
-          <ac:chgData name="Xin Luo" userId="82312ee5779919a4" providerId="LiveId" clId="{A508F461-0D73-864F-B88A-277BCD613B0A}" dt="2023-09-11T01:23:18.846" v="10" actId="1038"/>
-          <ac:picMkLst>
-            <pc:docMk/>
-            <pc:sldMk cId="2927474256" sldId="2754"/>
-            <ac:picMk id="9" creationId="{0CF46726-2B51-43A4-FDEF-A6131C46F05F}"/>
-          </ac:picMkLst>
-        </pc:picChg>
       </pc:sldChg>
     </pc:docChg>
   </pc:docChgLst>
@@ -6332,7 +6342,7 @@
               </a14:hiddenFill>
             </a:ext>
             <a:ext uri="{FAA26D3D-D897-4be2-8F04-BA451C77F1D7}">
-              <ma14:placeholderFlag xmlns:ma14="http://schemas.microsoft.com/office/mac/drawingml/2011/main" xmlns="" val="1"/>
+              <ma14:placeholderFlag xmlns="" xmlns:ma14="http://schemas.microsoft.com/office/mac/drawingml/2011/main" val="1"/>
             </a:ext>
           </a:extLst>
         </p:spPr>
@@ -6716,7 +6726,7 @@
               </a14:hiddenLine>
             </a:ext>
             <a:ext uri="{FAA26D3D-D897-4be2-8F04-BA451C77F1D7}">
-              <ma14:placeholderFlag xmlns:ma14="http://schemas.microsoft.com/office/mac/drawingml/2011/main" xmlns="" val="1"/>
+              <ma14:placeholderFlag xmlns="" xmlns:ma14="http://schemas.microsoft.com/office/mac/drawingml/2011/main" val="1"/>
             </a:ext>
           </a:extLst>
         </p:spPr>
@@ -6811,20 +6821,8 @@
           <a:lstStyle/>
           <a:p>
             <a:r>
-              <a:rPr lang="en-US" altLang="zh-CN" dirty="0"/>
-              <a:t>break</a:t>
-            </a:r>
-            <a:r>
               <a:rPr lang="zh-CN" altLang="en-US" dirty="0"/>
-              <a:t>跳出整个循环；</a:t>
-            </a:r>
-            <a:r>
-              <a:rPr lang="en-US" altLang="zh-CN" dirty="0"/>
-              <a:t>continue</a:t>
-            </a:r>
-            <a:r>
-              <a:rPr lang="zh-CN" altLang="en-US" dirty="0"/>
-              <a:t>跳出循环中部分循环。</a:t>
+              <a:t>。</a:t>
             </a:r>
           </a:p>
         </p:txBody>
@@ -6887,42 +6885,28 @@
           <a:lstStyle/>
           <a:p>
             <a:r>
-              <a:rPr lang="zh-CN" altLang="en-US" dirty="0">
-                <a:solidFill>
-                  <a:srgbClr val="333333"/>
-                </a:solidFill>
-                <a:latin typeface="+mn-ea"/>
-                <a:ea typeface="+mn-ea"/>
-              </a:rPr>
-              <a:t>函数也可以没有返回值与参数。</a:t>
-            </a:r>
-            <a:endParaRPr lang="en-US" altLang="zh-CN" dirty="0">
-              <a:solidFill>
-                <a:srgbClr val="333333"/>
-              </a:solidFill>
-              <a:latin typeface="+mn-ea"/>
-              <a:ea typeface="+mn-ea"/>
-            </a:endParaRPr>
-          </a:p>
-          <a:p>
-            <a:r>
-              <a:rPr lang="zh-CN" altLang="en-US" dirty="0">
-                <a:solidFill>
-                  <a:srgbClr val="333333"/>
-                </a:solidFill>
-                <a:latin typeface="+mn-ea"/>
-                <a:ea typeface="+mn-ea"/>
-              </a:rPr>
-              <a:t>文章小标题类比。</a:t>
-            </a:r>
-            <a:endParaRPr lang="zh-CN" altLang="en-US" dirty="0"/>
+              <a:rPr lang="en-US" altLang="zh-CN" dirty="0"/>
+              <a:t>break</a:t>
+            </a:r>
+            <a:r>
+              <a:rPr lang="zh-CN" altLang="en-US" dirty="0"/>
+              <a:t>跳出整个循环；</a:t>
+            </a:r>
+            <a:r>
+              <a:rPr lang="en-US" altLang="zh-CN" dirty="0"/>
+              <a:t>continue</a:t>
+            </a:r>
+            <a:r>
+              <a:rPr lang="zh-CN" altLang="en-US" dirty="0"/>
+              <a:t>跳出循环中部分循环。</a:t>
+            </a:r>
           </a:p>
         </p:txBody>
       </p:sp>
     </p:spTree>
     <p:extLst>
       <p:ext uri="{BB962C8B-B14F-4D97-AF65-F5344CB8AC3E}">
-        <p14:creationId xmlns:p14="http://schemas.microsoft.com/office/powerpoint/2010/main" val="2225234069"/>
+        <p14:creationId xmlns:p14="http://schemas.microsoft.com/office/powerpoint/2010/main" val="854870199"/>
       </p:ext>
     </p:extLst>
   </p:cSld>
@@ -6977,14 +6961,14 @@
           <a:lstStyle/>
           <a:p>
             <a:r>
-              <a:rPr lang="zh-CN" altLang="en-US" b="0" i="0" dirty="0">
-                <a:solidFill>
-                  <a:srgbClr val="1F2937"/>
-                </a:solidFill>
-                <a:effectLst/>
-                <a:latin typeface="ui-sans-serif"/>
-              </a:rPr>
-              <a:t>随着程序代码越写越多，在一个文件里代码就会越来越长，越来越不容易维护。</a:t>
+              <a:rPr lang="zh-CN" altLang="en-US" dirty="0">
+                <a:solidFill>
+                  <a:srgbClr val="333333"/>
+                </a:solidFill>
+                <a:latin typeface="+mn-ea"/>
+                <a:ea typeface="+mn-ea"/>
+              </a:rPr>
+              <a:t>函数也可以没有返回值与参数。</a:t>
             </a:r>
             <a:endParaRPr lang="en-US" altLang="zh-CN" dirty="0">
               <a:solidFill>
@@ -7003,7 +6987,7 @@
                 <a:latin typeface="+mn-ea"/>
                 <a:ea typeface="+mn-ea"/>
               </a:rPr>
-              <a:t>模块由多个功能相关的函数构成。</a:t>
+              <a:t>文章小标题类比。</a:t>
             </a:r>
             <a:endParaRPr lang="zh-CN" altLang="en-US" dirty="0"/>
           </a:p>
@@ -7012,7 +6996,7 @@
     </p:spTree>
     <p:extLst>
       <p:ext uri="{BB962C8B-B14F-4D97-AF65-F5344CB8AC3E}">
-        <p14:creationId xmlns:p14="http://schemas.microsoft.com/office/powerpoint/2010/main" val="2345193531"/>
+        <p14:creationId xmlns:p14="http://schemas.microsoft.com/office/powerpoint/2010/main" val="2225234069"/>
       </p:ext>
     </p:extLst>
   </p:cSld>
@@ -7066,6 +7050,35 @@
           <a:bodyPr/>
           <a:lstStyle/>
           <a:p>
+            <a:r>
+              <a:rPr lang="zh-CN" altLang="en-US" b="0" i="0" dirty="0">
+                <a:solidFill>
+                  <a:srgbClr val="1F2937"/>
+                </a:solidFill>
+                <a:effectLst/>
+                <a:latin typeface="ui-sans-serif"/>
+              </a:rPr>
+              <a:t>随着程序代码越写越多，在一个文件里代码就会越来越长，越来越不容易维护。</a:t>
+            </a:r>
+            <a:endParaRPr lang="en-US" altLang="zh-CN" dirty="0">
+              <a:solidFill>
+                <a:srgbClr val="333333"/>
+              </a:solidFill>
+              <a:latin typeface="+mn-ea"/>
+              <a:ea typeface="+mn-ea"/>
+            </a:endParaRPr>
+          </a:p>
+          <a:p>
+            <a:r>
+              <a:rPr lang="zh-CN" altLang="en-US" dirty="0">
+                <a:solidFill>
+                  <a:srgbClr val="333333"/>
+                </a:solidFill>
+                <a:latin typeface="+mn-ea"/>
+                <a:ea typeface="+mn-ea"/>
+              </a:rPr>
+              <a:t>模块由多个功能相关的函数构成。</a:t>
+            </a:r>
             <a:endParaRPr lang="zh-CN" altLang="en-US" dirty="0"/>
           </a:p>
         </p:txBody>
@@ -7073,7 +7086,7 @@
     </p:spTree>
     <p:extLst>
       <p:ext uri="{BB962C8B-B14F-4D97-AF65-F5344CB8AC3E}">
-        <p14:creationId xmlns:p14="http://schemas.microsoft.com/office/powerpoint/2010/main" val="3214464154"/>
+        <p14:creationId xmlns:p14="http://schemas.microsoft.com/office/powerpoint/2010/main" val="2345193531"/>
       </p:ext>
     </p:extLst>
   </p:cSld>
@@ -7134,7 +7147,312 @@
     </p:spTree>
     <p:extLst>
       <p:ext uri="{BB962C8B-B14F-4D97-AF65-F5344CB8AC3E}">
-        <p14:creationId xmlns:p14="http://schemas.microsoft.com/office/powerpoint/2010/main" val="2497727533"/>
+        <p14:creationId xmlns:p14="http://schemas.microsoft.com/office/powerpoint/2010/main" val="3214464154"/>
+      </p:ext>
+    </p:extLst>
+  </p:cSld>
+  <p:clrMapOvr>
+    <a:masterClrMapping/>
+  </p:clrMapOvr>
+</p:notes>
+</file>
+
+<file path=ppt/notesSlides/notesSlide15.xml><?xml version="1.0" encoding="utf-8"?>
+<p:notes xmlns:a="http://schemas.openxmlformats.org/drawingml/2006/main" xmlns:r="http://schemas.openxmlformats.org/officeDocument/2006/relationships" xmlns:p="http://schemas.openxmlformats.org/presentationml/2006/main">
+  <p:cSld>
+    <p:spTree>
+      <p:nvGrpSpPr>
+        <p:cNvPr id="1" name=""/>
+        <p:cNvGrpSpPr/>
+        <p:nvPr/>
+      </p:nvGrpSpPr>
+      <p:grpSpPr>
+        <a:xfrm>
+          <a:off x="0" y="0"/>
+          <a:ext cx="0" cy="0"/>
+          <a:chOff x="0" y="0"/>
+          <a:chExt cx="0" cy="0"/>
+        </a:xfrm>
+      </p:grpSpPr>
+      <p:sp>
+        <p:nvSpPr>
+          <p:cNvPr id="2" name="幻灯片图像占位符 1"/>
+          <p:cNvSpPr>
+            <a:spLocks noGrp="1" noRot="1" noChangeAspect="1"/>
+          </p:cNvSpPr>
+          <p:nvPr>
+            <p:ph type="sldImg"/>
+          </p:nvPr>
+        </p:nvSpPr>
+        <p:spPr/>
+      </p:sp>
+      <p:sp>
+        <p:nvSpPr>
+          <p:cNvPr id="3" name="备注占位符 2"/>
+          <p:cNvSpPr>
+            <a:spLocks noGrp="1"/>
+          </p:cNvSpPr>
+          <p:nvPr>
+            <p:ph type="body" idx="1"/>
+          </p:nvPr>
+        </p:nvSpPr>
+        <p:spPr/>
+        <p:txBody>
+          <a:bodyPr/>
+          <a:lstStyle/>
+          <a:p>
+            <a:endParaRPr lang="zh-CN" altLang="en-US" dirty="0"/>
+          </a:p>
+        </p:txBody>
+      </p:sp>
+    </p:spTree>
+    <p:extLst>
+      <p:ext uri="{BB962C8B-B14F-4D97-AF65-F5344CB8AC3E}">
+        <p14:creationId xmlns:p14="http://schemas.microsoft.com/office/powerpoint/2010/main" val="1060734964"/>
+      </p:ext>
+    </p:extLst>
+  </p:cSld>
+  <p:clrMapOvr>
+    <a:masterClrMapping/>
+  </p:clrMapOvr>
+</p:notes>
+</file>
+
+<file path=ppt/notesSlides/notesSlide16.xml><?xml version="1.0" encoding="utf-8"?>
+<p:notes xmlns:a="http://schemas.openxmlformats.org/drawingml/2006/main" xmlns:r="http://schemas.openxmlformats.org/officeDocument/2006/relationships" xmlns:p="http://schemas.openxmlformats.org/presentationml/2006/main">
+  <p:cSld>
+    <p:spTree>
+      <p:nvGrpSpPr>
+        <p:cNvPr id="1" name=""/>
+        <p:cNvGrpSpPr/>
+        <p:nvPr/>
+      </p:nvGrpSpPr>
+      <p:grpSpPr>
+        <a:xfrm>
+          <a:off x="0" y="0"/>
+          <a:ext cx="0" cy="0"/>
+          <a:chOff x="0" y="0"/>
+          <a:chExt cx="0" cy="0"/>
+        </a:xfrm>
+      </p:grpSpPr>
+      <p:sp>
+        <p:nvSpPr>
+          <p:cNvPr id="2" name="幻灯片图像占位符 1"/>
+          <p:cNvSpPr>
+            <a:spLocks noGrp="1" noRot="1" noChangeAspect="1"/>
+          </p:cNvSpPr>
+          <p:nvPr>
+            <p:ph type="sldImg"/>
+          </p:nvPr>
+        </p:nvSpPr>
+        <p:spPr/>
+      </p:sp>
+      <p:sp>
+        <p:nvSpPr>
+          <p:cNvPr id="3" name="备注占位符 2"/>
+          <p:cNvSpPr>
+            <a:spLocks noGrp="1"/>
+          </p:cNvSpPr>
+          <p:nvPr>
+            <p:ph type="body" idx="1"/>
+          </p:nvPr>
+        </p:nvSpPr>
+        <p:spPr/>
+        <p:txBody>
+          <a:bodyPr/>
+          <a:lstStyle/>
+          <a:p>
+            <a:endParaRPr lang="zh-CN" altLang="en-US" dirty="0"/>
+          </a:p>
+        </p:txBody>
+      </p:sp>
+    </p:spTree>
+    <p:extLst>
+      <p:ext uri="{BB962C8B-B14F-4D97-AF65-F5344CB8AC3E}">
+        <p14:creationId xmlns:p14="http://schemas.microsoft.com/office/powerpoint/2010/main" val="1897354015"/>
+      </p:ext>
+    </p:extLst>
+  </p:cSld>
+  <p:clrMapOvr>
+    <a:masterClrMapping/>
+  </p:clrMapOvr>
+</p:notes>
+</file>
+
+<file path=ppt/notesSlides/notesSlide17.xml><?xml version="1.0" encoding="utf-8"?>
+<p:notes xmlns:a="http://schemas.openxmlformats.org/drawingml/2006/main" xmlns:r="http://schemas.openxmlformats.org/officeDocument/2006/relationships" xmlns:p="http://schemas.openxmlformats.org/presentationml/2006/main">
+  <p:cSld>
+    <p:spTree>
+      <p:nvGrpSpPr>
+        <p:cNvPr id="1" name=""/>
+        <p:cNvGrpSpPr/>
+        <p:nvPr/>
+      </p:nvGrpSpPr>
+      <p:grpSpPr>
+        <a:xfrm>
+          <a:off x="0" y="0"/>
+          <a:ext cx="0" cy="0"/>
+          <a:chOff x="0" y="0"/>
+          <a:chExt cx="0" cy="0"/>
+        </a:xfrm>
+      </p:grpSpPr>
+      <p:sp>
+        <p:nvSpPr>
+          <p:cNvPr id="2" name="幻灯片图像占位符 1"/>
+          <p:cNvSpPr>
+            <a:spLocks noGrp="1" noRot="1" noChangeAspect="1"/>
+          </p:cNvSpPr>
+          <p:nvPr>
+            <p:ph type="sldImg"/>
+          </p:nvPr>
+        </p:nvSpPr>
+        <p:spPr/>
+      </p:sp>
+      <p:sp>
+        <p:nvSpPr>
+          <p:cNvPr id="3" name="备注占位符 2"/>
+          <p:cNvSpPr>
+            <a:spLocks noGrp="1"/>
+          </p:cNvSpPr>
+          <p:nvPr>
+            <p:ph type="body" idx="1"/>
+          </p:nvPr>
+        </p:nvSpPr>
+        <p:spPr/>
+        <p:txBody>
+          <a:bodyPr/>
+          <a:lstStyle/>
+          <a:p>
+            <a:endParaRPr lang="zh-CN" altLang="en-US"/>
+          </a:p>
+        </p:txBody>
+      </p:sp>
+    </p:spTree>
+    <p:extLst>
+      <p:ext uri="{BB962C8B-B14F-4D97-AF65-F5344CB8AC3E}">
+        <p14:creationId xmlns:p14="http://schemas.microsoft.com/office/powerpoint/2010/main" val="1797949891"/>
+      </p:ext>
+    </p:extLst>
+  </p:cSld>
+  <p:clrMapOvr>
+    <a:masterClrMapping/>
+  </p:clrMapOvr>
+</p:notes>
+</file>
+
+<file path=ppt/notesSlides/notesSlide18.xml><?xml version="1.0" encoding="utf-8"?>
+<p:notes xmlns:a="http://schemas.openxmlformats.org/drawingml/2006/main" xmlns:r="http://schemas.openxmlformats.org/officeDocument/2006/relationships" xmlns:p="http://schemas.openxmlformats.org/presentationml/2006/main">
+  <p:cSld>
+    <p:spTree>
+      <p:nvGrpSpPr>
+        <p:cNvPr id="1" name=""/>
+        <p:cNvGrpSpPr/>
+        <p:nvPr/>
+      </p:nvGrpSpPr>
+      <p:grpSpPr>
+        <a:xfrm>
+          <a:off x="0" y="0"/>
+          <a:ext cx="0" cy="0"/>
+          <a:chOff x="0" y="0"/>
+          <a:chExt cx="0" cy="0"/>
+        </a:xfrm>
+      </p:grpSpPr>
+      <p:sp>
+        <p:nvSpPr>
+          <p:cNvPr id="2" name="幻灯片图像占位符 1"/>
+          <p:cNvSpPr>
+            <a:spLocks noGrp="1" noRot="1" noChangeAspect="1"/>
+          </p:cNvSpPr>
+          <p:nvPr>
+            <p:ph type="sldImg"/>
+          </p:nvPr>
+        </p:nvSpPr>
+        <p:spPr/>
+      </p:sp>
+      <p:sp>
+        <p:nvSpPr>
+          <p:cNvPr id="3" name="备注占位符 2"/>
+          <p:cNvSpPr>
+            <a:spLocks noGrp="1"/>
+          </p:cNvSpPr>
+          <p:nvPr>
+            <p:ph type="body" idx="1"/>
+          </p:nvPr>
+        </p:nvSpPr>
+        <p:spPr/>
+        <p:txBody>
+          <a:bodyPr/>
+          <a:lstStyle/>
+          <a:p>
+            <a:endParaRPr lang="zh-CN" altLang="en-US" dirty="0"/>
+          </a:p>
+        </p:txBody>
+      </p:sp>
+    </p:spTree>
+    <p:extLst>
+      <p:ext uri="{BB962C8B-B14F-4D97-AF65-F5344CB8AC3E}">
+        <p14:creationId xmlns:p14="http://schemas.microsoft.com/office/powerpoint/2010/main" val="301775334"/>
+      </p:ext>
+    </p:extLst>
+  </p:cSld>
+  <p:clrMapOvr>
+    <a:masterClrMapping/>
+  </p:clrMapOvr>
+</p:notes>
+</file>
+
+<file path=ppt/notesSlides/notesSlide19.xml><?xml version="1.0" encoding="utf-8"?>
+<p:notes xmlns:a="http://schemas.openxmlformats.org/drawingml/2006/main" xmlns:r="http://schemas.openxmlformats.org/officeDocument/2006/relationships" xmlns:p="http://schemas.openxmlformats.org/presentationml/2006/main">
+  <p:cSld>
+    <p:spTree>
+      <p:nvGrpSpPr>
+        <p:cNvPr id="1" name=""/>
+        <p:cNvGrpSpPr/>
+        <p:nvPr/>
+      </p:nvGrpSpPr>
+      <p:grpSpPr>
+        <a:xfrm>
+          <a:off x="0" y="0"/>
+          <a:ext cx="0" cy="0"/>
+          <a:chOff x="0" y="0"/>
+          <a:chExt cx="0" cy="0"/>
+        </a:xfrm>
+      </p:grpSpPr>
+      <p:sp>
+        <p:nvSpPr>
+          <p:cNvPr id="2" name="幻灯片图像占位符 1"/>
+          <p:cNvSpPr>
+            <a:spLocks noGrp="1" noRot="1" noChangeAspect="1"/>
+          </p:cNvSpPr>
+          <p:nvPr>
+            <p:ph type="sldImg"/>
+          </p:nvPr>
+        </p:nvSpPr>
+        <p:spPr/>
+      </p:sp>
+      <p:sp>
+        <p:nvSpPr>
+          <p:cNvPr id="3" name="备注占位符 2"/>
+          <p:cNvSpPr>
+            <a:spLocks noGrp="1"/>
+          </p:cNvSpPr>
+          <p:nvPr>
+            <p:ph type="body" idx="1"/>
+          </p:nvPr>
+        </p:nvSpPr>
+        <p:spPr/>
+        <p:txBody>
+          <a:bodyPr/>
+          <a:lstStyle/>
+          <a:p>
+            <a:endParaRPr lang="zh-CN" altLang="en-US" dirty="0"/>
+          </a:p>
+        </p:txBody>
+      </p:sp>
+    </p:spTree>
+    <p:extLst>
+      <p:ext uri="{BB962C8B-B14F-4D97-AF65-F5344CB8AC3E}">
+        <p14:creationId xmlns:p14="http://schemas.microsoft.com/office/powerpoint/2010/main" val="1739588889"/>
       </p:ext>
     </p:extLst>
   </p:cSld>
@@ -7228,6 +7546,311 @@
     <p:extLst>
       <p:ext uri="{BB962C8B-B14F-4D97-AF65-F5344CB8AC3E}">
         <p14:creationId xmlns:p14="http://schemas.microsoft.com/office/powerpoint/2010/main" val="2582552139"/>
+      </p:ext>
+    </p:extLst>
+  </p:cSld>
+  <p:clrMapOvr>
+    <a:masterClrMapping/>
+  </p:clrMapOvr>
+</p:notes>
+</file>
+
+<file path=ppt/notesSlides/notesSlide20.xml><?xml version="1.0" encoding="utf-8"?>
+<p:notes xmlns:a="http://schemas.openxmlformats.org/drawingml/2006/main" xmlns:r="http://schemas.openxmlformats.org/officeDocument/2006/relationships" xmlns:p="http://schemas.openxmlformats.org/presentationml/2006/main">
+  <p:cSld>
+    <p:spTree>
+      <p:nvGrpSpPr>
+        <p:cNvPr id="1" name=""/>
+        <p:cNvGrpSpPr/>
+        <p:nvPr/>
+      </p:nvGrpSpPr>
+      <p:grpSpPr>
+        <a:xfrm>
+          <a:off x="0" y="0"/>
+          <a:ext cx="0" cy="0"/>
+          <a:chOff x="0" y="0"/>
+          <a:chExt cx="0" cy="0"/>
+        </a:xfrm>
+      </p:grpSpPr>
+      <p:sp>
+        <p:nvSpPr>
+          <p:cNvPr id="2" name="幻灯片图像占位符 1"/>
+          <p:cNvSpPr>
+            <a:spLocks noGrp="1" noRot="1" noChangeAspect="1"/>
+          </p:cNvSpPr>
+          <p:nvPr>
+            <p:ph type="sldImg"/>
+          </p:nvPr>
+        </p:nvSpPr>
+        <p:spPr/>
+      </p:sp>
+      <p:sp>
+        <p:nvSpPr>
+          <p:cNvPr id="3" name="备注占位符 2"/>
+          <p:cNvSpPr>
+            <a:spLocks noGrp="1"/>
+          </p:cNvSpPr>
+          <p:nvPr>
+            <p:ph type="body" idx="1"/>
+          </p:nvPr>
+        </p:nvSpPr>
+        <p:spPr/>
+        <p:txBody>
+          <a:bodyPr/>
+          <a:lstStyle/>
+          <a:p>
+            <a:endParaRPr lang="zh-CN" altLang="en-US" dirty="0"/>
+          </a:p>
+        </p:txBody>
+      </p:sp>
+    </p:spTree>
+    <p:extLst>
+      <p:ext uri="{BB962C8B-B14F-4D97-AF65-F5344CB8AC3E}">
+        <p14:creationId xmlns:p14="http://schemas.microsoft.com/office/powerpoint/2010/main" val="4158100047"/>
+      </p:ext>
+    </p:extLst>
+  </p:cSld>
+  <p:clrMapOvr>
+    <a:masterClrMapping/>
+  </p:clrMapOvr>
+</p:notes>
+</file>
+
+<file path=ppt/notesSlides/notesSlide21.xml><?xml version="1.0" encoding="utf-8"?>
+<p:notes xmlns:a="http://schemas.openxmlformats.org/drawingml/2006/main" xmlns:r="http://schemas.openxmlformats.org/officeDocument/2006/relationships" xmlns:p="http://schemas.openxmlformats.org/presentationml/2006/main">
+  <p:cSld>
+    <p:spTree>
+      <p:nvGrpSpPr>
+        <p:cNvPr id="1" name=""/>
+        <p:cNvGrpSpPr/>
+        <p:nvPr/>
+      </p:nvGrpSpPr>
+      <p:grpSpPr>
+        <a:xfrm>
+          <a:off x="0" y="0"/>
+          <a:ext cx="0" cy="0"/>
+          <a:chOff x="0" y="0"/>
+          <a:chExt cx="0" cy="0"/>
+        </a:xfrm>
+      </p:grpSpPr>
+      <p:sp>
+        <p:nvSpPr>
+          <p:cNvPr id="2" name="幻灯片图像占位符 1"/>
+          <p:cNvSpPr>
+            <a:spLocks noGrp="1" noRot="1" noChangeAspect="1"/>
+          </p:cNvSpPr>
+          <p:nvPr>
+            <p:ph type="sldImg"/>
+          </p:nvPr>
+        </p:nvSpPr>
+        <p:spPr/>
+      </p:sp>
+      <p:sp>
+        <p:nvSpPr>
+          <p:cNvPr id="3" name="备注占位符 2"/>
+          <p:cNvSpPr>
+            <a:spLocks noGrp="1"/>
+          </p:cNvSpPr>
+          <p:nvPr>
+            <p:ph type="body" idx="1"/>
+          </p:nvPr>
+        </p:nvSpPr>
+        <p:spPr/>
+        <p:txBody>
+          <a:bodyPr/>
+          <a:lstStyle/>
+          <a:p>
+            <a:endParaRPr lang="zh-CN" altLang="en-US" dirty="0"/>
+          </a:p>
+        </p:txBody>
+      </p:sp>
+    </p:spTree>
+    <p:extLst>
+      <p:ext uri="{BB962C8B-B14F-4D97-AF65-F5344CB8AC3E}">
+        <p14:creationId xmlns:p14="http://schemas.microsoft.com/office/powerpoint/2010/main" val="1916990745"/>
+      </p:ext>
+    </p:extLst>
+  </p:cSld>
+  <p:clrMapOvr>
+    <a:masterClrMapping/>
+  </p:clrMapOvr>
+</p:notes>
+</file>
+
+<file path=ppt/notesSlides/notesSlide22.xml><?xml version="1.0" encoding="utf-8"?>
+<p:notes xmlns:a="http://schemas.openxmlformats.org/drawingml/2006/main" xmlns:r="http://schemas.openxmlformats.org/officeDocument/2006/relationships" xmlns:p="http://schemas.openxmlformats.org/presentationml/2006/main">
+  <p:cSld>
+    <p:spTree>
+      <p:nvGrpSpPr>
+        <p:cNvPr id="1" name=""/>
+        <p:cNvGrpSpPr/>
+        <p:nvPr/>
+      </p:nvGrpSpPr>
+      <p:grpSpPr>
+        <a:xfrm>
+          <a:off x="0" y="0"/>
+          <a:ext cx="0" cy="0"/>
+          <a:chOff x="0" y="0"/>
+          <a:chExt cx="0" cy="0"/>
+        </a:xfrm>
+      </p:grpSpPr>
+      <p:sp>
+        <p:nvSpPr>
+          <p:cNvPr id="2" name="幻灯片图像占位符 1"/>
+          <p:cNvSpPr>
+            <a:spLocks noGrp="1" noRot="1" noChangeAspect="1"/>
+          </p:cNvSpPr>
+          <p:nvPr>
+            <p:ph type="sldImg"/>
+          </p:nvPr>
+        </p:nvSpPr>
+        <p:spPr/>
+      </p:sp>
+      <p:sp>
+        <p:nvSpPr>
+          <p:cNvPr id="3" name="备注占位符 2"/>
+          <p:cNvSpPr>
+            <a:spLocks noGrp="1"/>
+          </p:cNvSpPr>
+          <p:nvPr>
+            <p:ph type="body" idx="1"/>
+          </p:nvPr>
+        </p:nvSpPr>
+        <p:spPr/>
+        <p:txBody>
+          <a:bodyPr/>
+          <a:lstStyle/>
+          <a:p>
+            <a:endParaRPr lang="zh-CN" altLang="en-US" dirty="0"/>
+          </a:p>
+        </p:txBody>
+      </p:sp>
+    </p:spTree>
+    <p:extLst>
+      <p:ext uri="{BB962C8B-B14F-4D97-AF65-F5344CB8AC3E}">
+        <p14:creationId xmlns:p14="http://schemas.microsoft.com/office/powerpoint/2010/main" val="1709255515"/>
+      </p:ext>
+    </p:extLst>
+  </p:cSld>
+  <p:clrMapOvr>
+    <a:masterClrMapping/>
+  </p:clrMapOvr>
+</p:notes>
+</file>
+
+<file path=ppt/notesSlides/notesSlide23.xml><?xml version="1.0" encoding="utf-8"?>
+<p:notes xmlns:a="http://schemas.openxmlformats.org/drawingml/2006/main" xmlns:r="http://schemas.openxmlformats.org/officeDocument/2006/relationships" xmlns:p="http://schemas.openxmlformats.org/presentationml/2006/main">
+  <p:cSld>
+    <p:spTree>
+      <p:nvGrpSpPr>
+        <p:cNvPr id="1" name=""/>
+        <p:cNvGrpSpPr/>
+        <p:nvPr/>
+      </p:nvGrpSpPr>
+      <p:grpSpPr>
+        <a:xfrm>
+          <a:off x="0" y="0"/>
+          <a:ext cx="0" cy="0"/>
+          <a:chOff x="0" y="0"/>
+          <a:chExt cx="0" cy="0"/>
+        </a:xfrm>
+      </p:grpSpPr>
+      <p:sp>
+        <p:nvSpPr>
+          <p:cNvPr id="2" name="幻灯片图像占位符 1"/>
+          <p:cNvSpPr>
+            <a:spLocks noGrp="1" noRot="1" noChangeAspect="1"/>
+          </p:cNvSpPr>
+          <p:nvPr>
+            <p:ph type="sldImg"/>
+          </p:nvPr>
+        </p:nvSpPr>
+        <p:spPr/>
+      </p:sp>
+      <p:sp>
+        <p:nvSpPr>
+          <p:cNvPr id="3" name="备注占位符 2"/>
+          <p:cNvSpPr>
+            <a:spLocks noGrp="1"/>
+          </p:cNvSpPr>
+          <p:nvPr>
+            <p:ph type="body" idx="1"/>
+          </p:nvPr>
+        </p:nvSpPr>
+        <p:spPr/>
+        <p:txBody>
+          <a:bodyPr/>
+          <a:lstStyle/>
+          <a:p>
+            <a:endParaRPr lang="zh-CN" altLang="en-US" dirty="0"/>
+          </a:p>
+        </p:txBody>
+      </p:sp>
+    </p:spTree>
+    <p:extLst>
+      <p:ext uri="{BB962C8B-B14F-4D97-AF65-F5344CB8AC3E}">
+        <p14:creationId xmlns:p14="http://schemas.microsoft.com/office/powerpoint/2010/main" val="489170075"/>
+      </p:ext>
+    </p:extLst>
+  </p:cSld>
+  <p:clrMapOvr>
+    <a:masterClrMapping/>
+  </p:clrMapOvr>
+</p:notes>
+</file>
+
+<file path=ppt/notesSlides/notesSlide24.xml><?xml version="1.0" encoding="utf-8"?>
+<p:notes xmlns:a="http://schemas.openxmlformats.org/drawingml/2006/main" xmlns:r="http://schemas.openxmlformats.org/officeDocument/2006/relationships" xmlns:p="http://schemas.openxmlformats.org/presentationml/2006/main">
+  <p:cSld>
+    <p:spTree>
+      <p:nvGrpSpPr>
+        <p:cNvPr id="1" name=""/>
+        <p:cNvGrpSpPr/>
+        <p:nvPr/>
+      </p:nvGrpSpPr>
+      <p:grpSpPr>
+        <a:xfrm>
+          <a:off x="0" y="0"/>
+          <a:ext cx="0" cy="0"/>
+          <a:chOff x="0" y="0"/>
+          <a:chExt cx="0" cy="0"/>
+        </a:xfrm>
+      </p:grpSpPr>
+      <p:sp>
+        <p:nvSpPr>
+          <p:cNvPr id="2" name="幻灯片图像占位符 1"/>
+          <p:cNvSpPr>
+            <a:spLocks noGrp="1" noRot="1" noChangeAspect="1"/>
+          </p:cNvSpPr>
+          <p:nvPr>
+            <p:ph type="sldImg"/>
+          </p:nvPr>
+        </p:nvSpPr>
+        <p:spPr/>
+      </p:sp>
+      <p:sp>
+        <p:nvSpPr>
+          <p:cNvPr id="3" name="备注占位符 2"/>
+          <p:cNvSpPr>
+            <a:spLocks noGrp="1"/>
+          </p:cNvSpPr>
+          <p:nvPr>
+            <p:ph type="body" idx="1"/>
+          </p:nvPr>
+        </p:nvSpPr>
+        <p:spPr/>
+        <p:txBody>
+          <a:bodyPr/>
+          <a:lstStyle/>
+          <a:p>
+            <a:endParaRPr lang="zh-CN" altLang="en-US" dirty="0"/>
+          </a:p>
+        </p:txBody>
+      </p:sp>
+    </p:spTree>
+    <p:extLst>
+      <p:ext uri="{BB962C8B-B14F-4D97-AF65-F5344CB8AC3E}">
+        <p14:creationId xmlns:p14="http://schemas.microsoft.com/office/powerpoint/2010/main" val="2497727533"/>
       </p:ext>
     </p:extLst>
   </p:cSld>
@@ -9544,7 +10167,7 @@
               </a14:hiddenLine>
             </a:ext>
             <a:ext uri="{FAA26D3D-D897-4be2-8F04-BA451C77F1D7}">
-              <ma14:placeholderFlag xmlns:ma14="http://schemas.microsoft.com/office/mac/drawingml/2011/main" xmlns="" val="1"/>
+              <ma14:placeholderFlag xmlns="" xmlns:ma14="http://schemas.microsoft.com/office/mac/drawingml/2011/main" val="1"/>
             </a:ext>
           </a:extLst>
         </p:spPr>
@@ -13235,7 +13858,7 @@
               </a14:hiddenLine>
             </a:ext>
             <a:ext uri="{FAA26D3D-D897-4be2-8F04-BA451C77F1D7}">
-              <ma14:placeholderFlag xmlns:ma14="http://schemas.microsoft.com/office/mac/drawingml/2011/main" xmlns="" val="1"/>
+              <ma14:placeholderFlag xmlns="" xmlns:ma14="http://schemas.microsoft.com/office/mac/drawingml/2011/main" val="1"/>
             </a:ext>
           </a:extLst>
         </p:spPr>
@@ -15550,8 +16173,8 @@
         </p:nvSpPr>
         <p:spPr>
           <a:xfrm>
-            <a:off x="317666" y="846748"/>
-            <a:ext cx="8573116" cy="5659370"/>
+            <a:off x="317665" y="846748"/>
+            <a:ext cx="4653580" cy="4720651"/>
           </a:xfrm>
           <a:prstGeom prst="rect">
             <a:avLst/>
@@ -15566,7 +16189,7 @@
           <a:p>
             <a:pPr algn="just">
               <a:lnSpc>
-                <a:spcPct val="150000"/>
+                <a:spcPct val="200000"/>
               </a:lnSpc>
             </a:pPr>
             <a:r>
@@ -15600,7 +16223,7 @@
           <a:p>
             <a:pPr algn="just">
               <a:lnSpc>
-                <a:spcPct val="150000"/>
+                <a:spcPct val="200000"/>
               </a:lnSpc>
             </a:pPr>
             <a:r>
@@ -15681,196 +16304,388 @@
               <a:ea typeface="+mn-ea"/>
             </a:endParaRPr>
           </a:p>
-          <a:p>
-            <a:pPr algn="just">
-              <a:lnSpc>
-                <a:spcPct val="150000"/>
-              </a:lnSpc>
-            </a:pPr>
-            <a:r>
-              <a:rPr lang="en-US" altLang="zh-CN" dirty="0">
-                <a:solidFill>
-                  <a:srgbClr val="333333"/>
-                </a:solidFill>
-                <a:latin typeface="+mn-ea"/>
-                <a:ea typeface="+mn-ea"/>
-              </a:rPr>
-              <a:t>Python </a:t>
-            </a:r>
-            <a:r>
-              <a:rPr lang="zh-CN" altLang="en-US" dirty="0">
-                <a:solidFill>
-                  <a:srgbClr val="333333"/>
-                </a:solidFill>
-                <a:latin typeface="+mn-ea"/>
-                <a:ea typeface="+mn-ea"/>
-              </a:rPr>
-              <a:t>中的循环语句包括 </a:t>
-            </a:r>
-            <a:r>
-              <a:rPr lang="en-US" altLang="zh-CN" b="1" u="sng" dirty="0">
-                <a:solidFill>
-                  <a:srgbClr val="333333"/>
-                </a:solidFill>
-                <a:latin typeface="+mn-ea"/>
-                <a:ea typeface="+mn-ea"/>
-              </a:rPr>
-              <a:t>while </a:t>
-            </a:r>
-            <a:r>
-              <a:rPr lang="zh-CN" altLang="en-US" b="1" u="sng" dirty="0">
-                <a:solidFill>
-                  <a:srgbClr val="333333"/>
-                </a:solidFill>
-                <a:latin typeface="+mn-ea"/>
-                <a:ea typeface="+mn-ea"/>
-              </a:rPr>
-              <a:t>循环 </a:t>
-            </a:r>
-            <a:r>
-              <a:rPr lang="zh-CN" altLang="en-US" dirty="0">
-                <a:solidFill>
-                  <a:srgbClr val="333333"/>
-                </a:solidFill>
-                <a:latin typeface="+mn-ea"/>
-                <a:ea typeface="+mn-ea"/>
-              </a:rPr>
-              <a:t>与 </a:t>
-            </a:r>
-            <a:r>
-              <a:rPr lang="en-US" altLang="zh-CN" b="1" u="sng" dirty="0">
-                <a:solidFill>
-                  <a:srgbClr val="333333"/>
-                </a:solidFill>
-                <a:latin typeface="+mn-ea"/>
-                <a:ea typeface="+mn-ea"/>
-              </a:rPr>
-              <a:t>for </a:t>
-            </a:r>
-            <a:r>
-              <a:rPr lang="zh-CN" altLang="en-US" b="1" u="sng" dirty="0">
-                <a:solidFill>
-                  <a:srgbClr val="333333"/>
-                </a:solidFill>
-                <a:latin typeface="+mn-ea"/>
-                <a:ea typeface="+mn-ea"/>
-              </a:rPr>
-              <a:t>循环</a:t>
-            </a:r>
-            <a:r>
-              <a:rPr lang="zh-CN" altLang="en-US" dirty="0">
-                <a:solidFill>
-                  <a:srgbClr val="333333"/>
-                </a:solidFill>
-                <a:latin typeface="+mn-ea"/>
-                <a:ea typeface="+mn-ea"/>
-              </a:rPr>
-              <a:t>，前者通过判断是否满足特定条件，以决定是否重复执行某种操作；后者采用遍历的形式反复执行某种操作。</a:t>
-            </a:r>
-            <a:endParaRPr lang="en-US" altLang="zh-CN" dirty="0">
-              <a:solidFill>
-                <a:srgbClr val="333333"/>
-              </a:solidFill>
-              <a:latin typeface="+mn-ea"/>
-              <a:ea typeface="+mn-ea"/>
-            </a:endParaRPr>
-          </a:p>
-          <a:p>
-            <a:pPr algn="just">
-              <a:lnSpc>
-                <a:spcPct val="150000"/>
-              </a:lnSpc>
-            </a:pPr>
-            <a:r>
-              <a:rPr lang="zh-CN" altLang="en-US" dirty="0">
-                <a:solidFill>
-                  <a:srgbClr val="333333"/>
-                </a:solidFill>
-                <a:latin typeface="+mn-ea"/>
-                <a:ea typeface="+mn-ea"/>
-              </a:rPr>
-              <a:t>为了更加灵活的控制循环语句，</a:t>
-            </a:r>
-            <a:r>
-              <a:rPr lang="en-US" altLang="zh-CN" dirty="0">
-                <a:solidFill>
-                  <a:srgbClr val="333333"/>
-                </a:solidFill>
-                <a:latin typeface="+mn-ea"/>
-                <a:ea typeface="+mn-ea"/>
-              </a:rPr>
-              <a:t>Python </a:t>
-            </a:r>
-            <a:r>
-              <a:rPr lang="zh-CN" altLang="en-US" dirty="0">
-                <a:solidFill>
-                  <a:srgbClr val="333333"/>
-                </a:solidFill>
-                <a:latin typeface="+mn-ea"/>
-                <a:ea typeface="+mn-ea"/>
-              </a:rPr>
-              <a:t>中还提供了</a:t>
-            </a:r>
-            <a:r>
-              <a:rPr lang="en-US" altLang="zh-CN" b="1" u="sng" dirty="0">
-                <a:solidFill>
-                  <a:srgbClr val="333333"/>
-                </a:solidFill>
-                <a:latin typeface="+mn-ea"/>
-                <a:ea typeface="+mn-ea"/>
-              </a:rPr>
-              <a:t>break</a:t>
-            </a:r>
-            <a:r>
-              <a:rPr lang="zh-CN" altLang="en-US" dirty="0">
-                <a:solidFill>
-                  <a:srgbClr val="333333"/>
-                </a:solidFill>
-                <a:latin typeface="+mn-ea"/>
-                <a:ea typeface="+mn-ea"/>
-              </a:rPr>
-              <a:t>、</a:t>
-            </a:r>
-            <a:r>
-              <a:rPr lang="en-US" altLang="zh-CN" b="1" u="sng" dirty="0">
-                <a:solidFill>
-                  <a:srgbClr val="333333"/>
-                </a:solidFill>
-                <a:latin typeface="+mn-ea"/>
-                <a:ea typeface="+mn-ea"/>
-              </a:rPr>
-              <a:t>continue</a:t>
-            </a:r>
-            <a:r>
-              <a:rPr lang="en-US" altLang="zh-CN" dirty="0">
-                <a:solidFill>
-                  <a:srgbClr val="333333"/>
-                </a:solidFill>
-                <a:latin typeface="+mn-ea"/>
-                <a:ea typeface="+mn-ea"/>
-              </a:rPr>
-              <a:t> </a:t>
-            </a:r>
-            <a:r>
-              <a:rPr lang="zh-CN" altLang="en-US" dirty="0">
-                <a:solidFill>
-                  <a:srgbClr val="333333"/>
-                </a:solidFill>
-                <a:latin typeface="+mn-ea"/>
-                <a:ea typeface="+mn-ea"/>
-              </a:rPr>
-              <a:t>等语句。</a:t>
-            </a:r>
-            <a:endParaRPr lang="en-US" altLang="zh-CN" dirty="0">
-              <a:solidFill>
-                <a:srgbClr val="333333"/>
-              </a:solidFill>
-              <a:latin typeface="+mn-ea"/>
-              <a:ea typeface="+mn-ea"/>
-            </a:endParaRPr>
-          </a:p>
         </p:txBody>
       </p:sp>
+      <p:grpSp>
+        <p:nvGrpSpPr>
+          <p:cNvPr id="23" name="组合 22">
+            <a:extLst>
+              <a:ext uri="{FF2B5EF4-FFF2-40B4-BE49-F238E27FC236}">
+                <a16:creationId xmlns:a16="http://schemas.microsoft.com/office/drawing/2014/main" id="{1860310E-A2A6-8DC0-9871-1DC78B0851BB}"/>
+              </a:ext>
+            </a:extLst>
+          </p:cNvPr>
+          <p:cNvGrpSpPr/>
+          <p:nvPr/>
+        </p:nvGrpSpPr>
+        <p:grpSpPr>
+          <a:xfrm>
+            <a:off x="5682075" y="2325215"/>
+            <a:ext cx="3247180" cy="3386565"/>
+            <a:chOff x="5682075" y="1829379"/>
+            <a:chExt cx="3247180" cy="3386565"/>
+          </a:xfrm>
+        </p:grpSpPr>
+        <p:sp>
+          <p:nvSpPr>
+            <p:cNvPr id="5" name="矩形 4">
+              <a:extLst>
+                <a:ext uri="{FF2B5EF4-FFF2-40B4-BE49-F238E27FC236}">
+                  <a16:creationId xmlns:a16="http://schemas.microsoft.com/office/drawing/2014/main" id="{CC2FDB18-72FD-634A-5DA0-E9367156C8A6}"/>
+                </a:ext>
+              </a:extLst>
+            </p:cNvPr>
+            <p:cNvSpPr/>
+            <p:nvPr/>
+          </p:nvSpPr>
+          <p:spPr>
+            <a:xfrm>
+              <a:off x="5682075" y="2316719"/>
+              <a:ext cx="2083886" cy="815573"/>
+            </a:xfrm>
+            <a:prstGeom prst="rect">
+              <a:avLst/>
+            </a:prstGeom>
+            <a:solidFill>
+              <a:schemeClr val="accent6"/>
+            </a:solidFill>
+          </p:spPr>
+          <p:txBody>
+            <a:bodyPr wrap="square" lIns="0" rtlCol="0" anchor="ctr">
+              <a:noAutofit/>
+            </a:bodyPr>
+            <a:lstStyle/>
+            <a:p>
+              <a:r>
+                <a:rPr lang="zh-CN" altLang="en-US" b="1" dirty="0">
+                  <a:solidFill>
+                    <a:srgbClr val="FF0000"/>
+                  </a:solidFill>
+                  <a:latin typeface="微软雅黑" pitchFamily="34" charset="-122"/>
+                  <a:ea typeface="微软雅黑" pitchFamily="34" charset="-122"/>
+                </a:rPr>
+                <a:t>循环条件</a:t>
+              </a:r>
+            </a:p>
+          </p:txBody>
+        </p:sp>
+        <p:sp>
+          <p:nvSpPr>
+            <p:cNvPr id="6" name="矩形 5">
+              <a:extLst>
+                <a:ext uri="{FF2B5EF4-FFF2-40B4-BE49-F238E27FC236}">
+                  <a16:creationId xmlns:a16="http://schemas.microsoft.com/office/drawing/2014/main" id="{9036FB50-34EA-A237-E4CA-F0BE8F02293B}"/>
+                </a:ext>
+              </a:extLst>
+            </p:cNvPr>
+            <p:cNvSpPr/>
+            <p:nvPr/>
+          </p:nvSpPr>
+          <p:spPr>
+            <a:xfrm>
+              <a:off x="5682075" y="3565969"/>
+              <a:ext cx="2083886" cy="815573"/>
+            </a:xfrm>
+            <a:prstGeom prst="rect">
+              <a:avLst/>
+            </a:prstGeom>
+            <a:solidFill>
+              <a:schemeClr val="accent6"/>
+            </a:solidFill>
+          </p:spPr>
+          <p:txBody>
+            <a:bodyPr wrap="square" lIns="0" rtlCol="0" anchor="ctr">
+              <a:noAutofit/>
+            </a:bodyPr>
+            <a:lstStyle/>
+            <a:p>
+              <a:r>
+                <a:rPr lang="zh-CN" altLang="en-US" b="1" dirty="0">
+                  <a:solidFill>
+                    <a:srgbClr val="FF0000"/>
+                  </a:solidFill>
+                  <a:latin typeface="微软雅黑" pitchFamily="34" charset="-122"/>
+                  <a:ea typeface="微软雅黑" pitchFamily="34" charset="-122"/>
+                </a:rPr>
+                <a:t>循环体</a:t>
+              </a:r>
+            </a:p>
+          </p:txBody>
+        </p:sp>
+        <p:cxnSp>
+          <p:nvCxnSpPr>
+            <p:cNvPr id="8" name="直接箭头连接符 7">
+              <a:extLst>
+                <a:ext uri="{FF2B5EF4-FFF2-40B4-BE49-F238E27FC236}">
+                  <a16:creationId xmlns:a16="http://schemas.microsoft.com/office/drawing/2014/main" id="{3F16E751-D6D1-8166-7B23-5C0684B1A6B8}"/>
+                </a:ext>
+              </a:extLst>
+            </p:cNvPr>
+            <p:cNvCxnSpPr>
+              <a:stCxn id="5" idx="2"/>
+              <a:endCxn id="6" idx="0"/>
+            </p:cNvCxnSpPr>
+            <p:nvPr/>
+          </p:nvCxnSpPr>
+          <p:spPr bwMode="auto">
+            <a:xfrm>
+              <a:off x="6724018" y="3132292"/>
+              <a:ext cx="0" cy="433677"/>
+            </a:xfrm>
+            <a:prstGeom prst="straightConnector1">
+              <a:avLst/>
+            </a:prstGeom>
+            <a:ln w="28575">
+              <a:headEnd type="none" w="med" len="med"/>
+              <a:tailEnd type="triangle"/>
+            </a:ln>
+          </p:spPr>
+          <p:style>
+            <a:lnRef idx="1">
+              <a:schemeClr val="dk1"/>
+            </a:lnRef>
+            <a:fillRef idx="0">
+              <a:schemeClr val="dk1"/>
+            </a:fillRef>
+            <a:effectRef idx="0">
+              <a:schemeClr val="dk1"/>
+            </a:effectRef>
+            <a:fontRef idx="minor">
+              <a:schemeClr val="tx1"/>
+            </a:fontRef>
+          </p:style>
+        </p:cxnSp>
+        <p:cxnSp>
+          <p:nvCxnSpPr>
+            <p:cNvPr id="9" name="直接箭头连接符 8">
+              <a:extLst>
+                <a:ext uri="{FF2B5EF4-FFF2-40B4-BE49-F238E27FC236}">
+                  <a16:creationId xmlns:a16="http://schemas.microsoft.com/office/drawing/2014/main" id="{86059AD7-7202-DBA6-503E-D1311CDDB2A8}"/>
+                </a:ext>
+              </a:extLst>
+            </p:cNvPr>
+            <p:cNvCxnSpPr>
+              <a:cxnSpLocks/>
+              <a:endCxn id="5" idx="0"/>
+            </p:cNvCxnSpPr>
+            <p:nvPr/>
+          </p:nvCxnSpPr>
+          <p:spPr bwMode="auto">
+            <a:xfrm>
+              <a:off x="6724018" y="1829379"/>
+              <a:ext cx="0" cy="487340"/>
+            </a:xfrm>
+            <a:prstGeom prst="straightConnector1">
+              <a:avLst/>
+            </a:prstGeom>
+            <a:ln w="28575">
+              <a:headEnd type="none" w="med" len="med"/>
+              <a:tailEnd type="triangle"/>
+            </a:ln>
+          </p:spPr>
+          <p:style>
+            <a:lnRef idx="1">
+              <a:schemeClr val="dk1"/>
+            </a:lnRef>
+            <a:fillRef idx="0">
+              <a:schemeClr val="dk1"/>
+            </a:fillRef>
+            <a:effectRef idx="0">
+              <a:schemeClr val="dk1"/>
+            </a:effectRef>
+            <a:fontRef idx="minor">
+              <a:schemeClr val="tx1"/>
+            </a:fontRef>
+          </p:style>
+        </p:cxnSp>
+        <p:cxnSp>
+          <p:nvCxnSpPr>
+            <p:cNvPr id="13" name="连接符: 肘形 12">
+              <a:extLst>
+                <a:ext uri="{FF2B5EF4-FFF2-40B4-BE49-F238E27FC236}">
+                  <a16:creationId xmlns:a16="http://schemas.microsoft.com/office/drawing/2014/main" id="{A1BA7944-2524-D182-5B72-8A4AA3E00F8F}"/>
+                </a:ext>
+              </a:extLst>
+            </p:cNvPr>
+            <p:cNvCxnSpPr>
+              <a:cxnSpLocks/>
+              <a:stCxn id="5" idx="3"/>
+            </p:cNvCxnSpPr>
+            <p:nvPr/>
+          </p:nvCxnSpPr>
+          <p:spPr bwMode="auto">
+            <a:xfrm>
+              <a:off x="7765961" y="2724506"/>
+              <a:ext cx="264016" cy="2491438"/>
+            </a:xfrm>
+            <a:prstGeom prst="bentConnector2">
+              <a:avLst/>
+            </a:prstGeom>
+            <a:ln w="28575">
+              <a:headEnd type="none" w="med" len="med"/>
+              <a:tailEnd type="triangle"/>
+            </a:ln>
+          </p:spPr>
+          <p:style>
+            <a:lnRef idx="1">
+              <a:schemeClr val="dk1"/>
+            </a:lnRef>
+            <a:fillRef idx="0">
+              <a:schemeClr val="dk1"/>
+            </a:fillRef>
+            <a:effectRef idx="0">
+              <a:schemeClr val="dk1"/>
+            </a:effectRef>
+            <a:fontRef idx="minor">
+              <a:schemeClr val="tx1"/>
+            </a:fontRef>
+          </p:style>
+        </p:cxnSp>
+        <p:cxnSp>
+          <p:nvCxnSpPr>
+            <p:cNvPr id="14" name="连接符: 肘形 13">
+              <a:extLst>
+                <a:ext uri="{FF2B5EF4-FFF2-40B4-BE49-F238E27FC236}">
+                  <a16:creationId xmlns:a16="http://schemas.microsoft.com/office/drawing/2014/main" id="{5D72AB84-0978-5B82-1032-E381A6B23A45}"/>
+                </a:ext>
+              </a:extLst>
+            </p:cNvPr>
+            <p:cNvCxnSpPr>
+              <a:cxnSpLocks/>
+              <a:stCxn id="6" idx="2"/>
+              <a:endCxn id="5" idx="1"/>
+            </p:cNvCxnSpPr>
+            <p:nvPr/>
+          </p:nvCxnSpPr>
+          <p:spPr bwMode="auto">
+            <a:xfrm rot="5400000" flipH="1">
+              <a:off x="5374529" y="3032053"/>
+              <a:ext cx="1657036" cy="1041943"/>
+            </a:xfrm>
+            <a:prstGeom prst="bentConnector4">
+              <a:avLst>
+                <a:gd name="adj1" fmla="val -13796"/>
+                <a:gd name="adj2" fmla="val 124412"/>
+              </a:avLst>
+            </a:prstGeom>
+            <a:ln w="28575">
+              <a:headEnd type="none" w="med" len="med"/>
+              <a:tailEnd type="triangle"/>
+            </a:ln>
+          </p:spPr>
+          <p:style>
+            <a:lnRef idx="1">
+              <a:schemeClr val="dk1"/>
+            </a:lnRef>
+            <a:fillRef idx="0">
+              <a:schemeClr val="dk1"/>
+            </a:fillRef>
+            <a:effectRef idx="0">
+              <a:schemeClr val="dk1"/>
+            </a:effectRef>
+            <a:fontRef idx="minor">
+              <a:schemeClr val="tx1"/>
+            </a:fontRef>
+          </p:style>
+        </p:cxnSp>
+        <p:sp>
+          <p:nvSpPr>
+            <p:cNvPr id="19" name="文本框 18">
+              <a:extLst>
+                <a:ext uri="{FF2B5EF4-FFF2-40B4-BE49-F238E27FC236}">
+                  <a16:creationId xmlns:a16="http://schemas.microsoft.com/office/drawing/2014/main" id="{C2D80ACF-3D26-2E94-9688-EC532DAADAC0}"/>
+                </a:ext>
+              </a:extLst>
+            </p:cNvPr>
+            <p:cNvSpPr txBox="1"/>
+            <p:nvPr/>
+          </p:nvSpPr>
+          <p:spPr>
+            <a:xfrm>
+              <a:off x="8024327" y="3429000"/>
+              <a:ext cx="904928" cy="461665"/>
+            </a:xfrm>
+            <a:prstGeom prst="rect">
+              <a:avLst/>
+            </a:prstGeom>
+            <a:noFill/>
+          </p:spPr>
+          <p:txBody>
+            <a:bodyPr wrap="none" rtlCol="0">
+              <a:spAutoFit/>
+            </a:bodyPr>
+            <a:lstStyle/>
+            <a:p>
+              <a:r>
+                <a:rPr lang="en-US" altLang="zh-CN" dirty="0">
+                  <a:solidFill>
+                    <a:schemeClr val="bg2"/>
+                  </a:solidFill>
+                  <a:latin typeface="+mj-ea"/>
+                  <a:ea typeface="+mj-ea"/>
+                </a:rPr>
+                <a:t>False</a:t>
+              </a:r>
+              <a:endParaRPr lang="zh-CN" altLang="en-US" dirty="0">
+                <a:solidFill>
+                  <a:schemeClr val="bg2"/>
+                </a:solidFill>
+                <a:latin typeface="+mj-ea"/>
+                <a:ea typeface="+mj-ea"/>
+              </a:endParaRPr>
+            </a:p>
+          </p:txBody>
+        </p:sp>
+        <p:sp>
+          <p:nvSpPr>
+            <p:cNvPr id="20" name="文本框 19">
+              <a:extLst>
+                <a:ext uri="{FF2B5EF4-FFF2-40B4-BE49-F238E27FC236}">
+                  <a16:creationId xmlns:a16="http://schemas.microsoft.com/office/drawing/2014/main" id="{366E5F04-BF75-2A37-322C-D7169B736A22}"/>
+                </a:ext>
+              </a:extLst>
+            </p:cNvPr>
+            <p:cNvSpPr txBox="1"/>
+            <p:nvPr/>
+          </p:nvSpPr>
+          <p:spPr>
+            <a:xfrm>
+              <a:off x="6756212" y="3118365"/>
+              <a:ext cx="1041933" cy="461665"/>
+            </a:xfrm>
+            <a:prstGeom prst="rect">
+              <a:avLst/>
+            </a:prstGeom>
+            <a:noFill/>
+          </p:spPr>
+          <p:txBody>
+            <a:bodyPr wrap="square" rtlCol="0">
+              <a:spAutoFit/>
+            </a:bodyPr>
+            <a:lstStyle/>
+            <a:p>
+              <a:pPr algn="l"/>
+              <a:r>
+                <a:rPr lang="en-US" altLang="zh-CN" dirty="0">
+                  <a:solidFill>
+                    <a:schemeClr val="bg2"/>
+                  </a:solidFill>
+                  <a:latin typeface="+mj-ea"/>
+                  <a:ea typeface="+mj-ea"/>
+                </a:rPr>
+                <a:t>True</a:t>
+              </a:r>
+              <a:endParaRPr lang="zh-CN" altLang="en-US" dirty="0">
+                <a:solidFill>
+                  <a:schemeClr val="bg2"/>
+                </a:solidFill>
+                <a:latin typeface="+mj-ea"/>
+                <a:ea typeface="+mj-ea"/>
+              </a:endParaRPr>
+            </a:p>
+          </p:txBody>
+        </p:sp>
+      </p:grpSp>
     </p:spTree>
     <p:extLst>
       <p:ext uri="{BB962C8B-B14F-4D97-AF65-F5344CB8AC3E}">
@@ -15888,6 +16703,1296 @@
 </file>
 
 <file path=ppt/slides/slide11.xml><?xml version="1.0" encoding="utf-8"?>
+<p:sld xmlns:a="http://schemas.openxmlformats.org/drawingml/2006/main" xmlns:r="http://schemas.openxmlformats.org/officeDocument/2006/relationships" xmlns:p="http://schemas.openxmlformats.org/presentationml/2006/main">
+  <p:cSld>
+    <p:spTree>
+      <p:nvGrpSpPr>
+        <p:cNvPr id="1" name=""/>
+        <p:cNvGrpSpPr/>
+        <p:nvPr/>
+      </p:nvGrpSpPr>
+      <p:grpSpPr>
+        <a:xfrm>
+          <a:off x="0" y="0"/>
+          <a:ext cx="0" cy="0"/>
+          <a:chOff x="0" y="0"/>
+          <a:chExt cx="0" cy="0"/>
+        </a:xfrm>
+      </p:grpSpPr>
+      <p:sp>
+        <p:nvSpPr>
+          <p:cNvPr id="3" name="标题 2"/>
+          <p:cNvSpPr>
+            <a:spLocks noGrp="1"/>
+          </p:cNvSpPr>
+          <p:nvPr>
+            <p:ph type="title"/>
+          </p:nvPr>
+        </p:nvSpPr>
+        <p:spPr>
+          <a:xfrm>
+            <a:off x="0" y="8526"/>
+            <a:ext cx="9013371" cy="792162"/>
+          </a:xfrm>
+        </p:spPr>
+        <p:txBody>
+          <a:bodyPr/>
+          <a:lstStyle/>
+          <a:p>
+            <a:r>
+              <a:rPr lang="zh-CN" altLang="en-US" dirty="0">
+                <a:latin typeface="+mn-ea"/>
+              </a:rPr>
+              <a:t>一、</a:t>
+            </a:r>
+            <a:r>
+              <a:rPr lang="en-US" altLang="zh-CN" dirty="0">
+                <a:latin typeface="微软雅黑" pitchFamily="34" charset="-122"/>
+                <a:ea typeface="微软雅黑" pitchFamily="34" charset="-122"/>
+              </a:rPr>
+              <a:t>Python</a:t>
+            </a:r>
+            <a:r>
+              <a:rPr lang="zh-CN" altLang="en-US" dirty="0">
+                <a:latin typeface="微软雅黑" pitchFamily="34" charset="-122"/>
+                <a:ea typeface="微软雅黑" pitchFamily="34" charset="-122"/>
+              </a:rPr>
+              <a:t>编程基础</a:t>
+            </a:r>
+            <a:endParaRPr lang="zh-CN" altLang="en-US" dirty="0"/>
+          </a:p>
+        </p:txBody>
+      </p:sp>
+      <p:sp>
+        <p:nvSpPr>
+          <p:cNvPr id="2" name="TextBox 1">
+            <a:extLst>
+              <a:ext uri="{FF2B5EF4-FFF2-40B4-BE49-F238E27FC236}">
+                <a16:creationId xmlns:a16="http://schemas.microsoft.com/office/drawing/2014/main" id="{631AADB6-C88A-D817-4683-FC087E4E240F}"/>
+              </a:ext>
+            </a:extLst>
+          </p:cNvPr>
+          <p:cNvSpPr txBox="1"/>
+          <p:nvPr/>
+        </p:nvSpPr>
+        <p:spPr>
+          <a:xfrm>
+            <a:off x="317666" y="846748"/>
+            <a:ext cx="4787734" cy="5474704"/>
+          </a:xfrm>
+          <a:prstGeom prst="rect">
+            <a:avLst/>
+          </a:prstGeom>
+          <a:noFill/>
+        </p:spPr>
+        <p:txBody>
+          <a:bodyPr wrap="square" rtlCol="0">
+            <a:spAutoFit/>
+          </a:bodyPr>
+          <a:lstStyle/>
+          <a:p>
+            <a:pPr algn="just">
+              <a:lnSpc>
+                <a:spcPct val="150000"/>
+              </a:lnSpc>
+            </a:pPr>
+            <a:r>
+              <a:rPr lang="en-US" altLang="zh-CN" sz="2800" b="1" dirty="0">
+                <a:solidFill>
+                  <a:srgbClr val="333333"/>
+                </a:solidFill>
+                <a:latin typeface="+mn-ea"/>
+                <a:ea typeface="+mn-ea"/>
+              </a:rPr>
+              <a:t>4. </a:t>
+            </a:r>
+            <a:r>
+              <a:rPr lang="zh-CN" altLang="en-US" sz="2800" b="1" dirty="0">
+                <a:solidFill>
+                  <a:srgbClr val="333333"/>
+                </a:solidFill>
+                <a:latin typeface="+mn-ea"/>
+                <a:ea typeface="+mn-ea"/>
+              </a:rPr>
+              <a:t>循环</a:t>
+            </a:r>
+            <a:endParaRPr lang="en-US" altLang="zh-CN" sz="2800" b="1" dirty="0">
+              <a:solidFill>
+                <a:srgbClr val="333333"/>
+              </a:solidFill>
+              <a:latin typeface="+mn-ea"/>
+              <a:ea typeface="+mn-ea"/>
+            </a:endParaRPr>
+          </a:p>
+          <a:p>
+            <a:pPr algn="just">
+              <a:lnSpc>
+                <a:spcPct val="150000"/>
+              </a:lnSpc>
+            </a:pPr>
+            <a:r>
+              <a:rPr lang="en-US" altLang="zh-CN" dirty="0">
+                <a:solidFill>
+                  <a:srgbClr val="333333"/>
+                </a:solidFill>
+                <a:latin typeface="+mn-ea"/>
+                <a:ea typeface="+mn-ea"/>
+              </a:rPr>
+              <a:t>Python </a:t>
+            </a:r>
+            <a:r>
+              <a:rPr lang="zh-CN" altLang="en-US" dirty="0">
+                <a:solidFill>
+                  <a:srgbClr val="333333"/>
+                </a:solidFill>
+                <a:latin typeface="+mn-ea"/>
+                <a:ea typeface="+mn-ea"/>
+              </a:rPr>
+              <a:t>中的循环语句包括 </a:t>
+            </a:r>
+            <a:r>
+              <a:rPr lang="en-US" altLang="zh-CN" b="1" u="sng" dirty="0">
+                <a:solidFill>
+                  <a:srgbClr val="333333"/>
+                </a:solidFill>
+                <a:latin typeface="+mn-ea"/>
+                <a:ea typeface="+mn-ea"/>
+              </a:rPr>
+              <a:t>while </a:t>
+            </a:r>
+            <a:r>
+              <a:rPr lang="zh-CN" altLang="en-US" b="1" u="sng" dirty="0">
+                <a:solidFill>
+                  <a:srgbClr val="333333"/>
+                </a:solidFill>
+                <a:latin typeface="+mn-ea"/>
+                <a:ea typeface="+mn-ea"/>
+              </a:rPr>
+              <a:t>循环 </a:t>
+            </a:r>
+            <a:r>
+              <a:rPr lang="zh-CN" altLang="en-US" dirty="0">
+                <a:solidFill>
+                  <a:srgbClr val="333333"/>
+                </a:solidFill>
+                <a:latin typeface="+mn-ea"/>
+                <a:ea typeface="+mn-ea"/>
+              </a:rPr>
+              <a:t>与 </a:t>
+            </a:r>
+            <a:r>
+              <a:rPr lang="en-US" altLang="zh-CN" b="1" u="sng" dirty="0">
+                <a:solidFill>
+                  <a:srgbClr val="333333"/>
+                </a:solidFill>
+                <a:latin typeface="+mn-ea"/>
+                <a:ea typeface="+mn-ea"/>
+              </a:rPr>
+              <a:t>for </a:t>
+            </a:r>
+            <a:r>
+              <a:rPr lang="zh-CN" altLang="en-US" b="1" u="sng" dirty="0">
+                <a:solidFill>
+                  <a:srgbClr val="333333"/>
+                </a:solidFill>
+                <a:latin typeface="+mn-ea"/>
+                <a:ea typeface="+mn-ea"/>
+              </a:rPr>
+              <a:t>循环</a:t>
+            </a:r>
+            <a:r>
+              <a:rPr lang="zh-CN" altLang="en-US" dirty="0">
+                <a:solidFill>
+                  <a:srgbClr val="333333"/>
+                </a:solidFill>
+                <a:latin typeface="+mn-ea"/>
+                <a:ea typeface="+mn-ea"/>
+              </a:rPr>
+              <a:t>，前者通过判断是否满足特定条件，以决定是否重复执行某种操作；后者采用遍历的形式反复执行某种操作。</a:t>
+            </a:r>
+            <a:endParaRPr lang="en-US" altLang="zh-CN" dirty="0">
+              <a:solidFill>
+                <a:srgbClr val="333333"/>
+              </a:solidFill>
+              <a:latin typeface="+mn-ea"/>
+              <a:ea typeface="+mn-ea"/>
+            </a:endParaRPr>
+          </a:p>
+          <a:p>
+            <a:pPr algn="just">
+              <a:lnSpc>
+                <a:spcPct val="150000"/>
+              </a:lnSpc>
+            </a:pPr>
+            <a:r>
+              <a:rPr lang="zh-CN" altLang="en-US" dirty="0">
+                <a:solidFill>
+                  <a:srgbClr val="333333"/>
+                </a:solidFill>
+                <a:latin typeface="+mn-ea"/>
+                <a:ea typeface="+mn-ea"/>
+              </a:rPr>
+              <a:t>为了更加灵活的控制循环语句，</a:t>
+            </a:r>
+            <a:r>
+              <a:rPr lang="en-US" altLang="zh-CN" dirty="0">
+                <a:solidFill>
+                  <a:srgbClr val="333333"/>
+                </a:solidFill>
+                <a:latin typeface="+mn-ea"/>
+                <a:ea typeface="+mn-ea"/>
+              </a:rPr>
+              <a:t>Python </a:t>
+            </a:r>
+            <a:r>
+              <a:rPr lang="zh-CN" altLang="en-US" dirty="0">
+                <a:solidFill>
+                  <a:srgbClr val="333333"/>
+                </a:solidFill>
+                <a:latin typeface="+mn-ea"/>
+                <a:ea typeface="+mn-ea"/>
+              </a:rPr>
+              <a:t>中还提供了</a:t>
+            </a:r>
+            <a:r>
+              <a:rPr lang="en-US" altLang="zh-CN" b="1" u="sng" dirty="0">
+                <a:solidFill>
+                  <a:srgbClr val="333333"/>
+                </a:solidFill>
+                <a:latin typeface="+mn-ea"/>
+                <a:ea typeface="+mn-ea"/>
+              </a:rPr>
+              <a:t>break</a:t>
+            </a:r>
+            <a:r>
+              <a:rPr lang="zh-CN" altLang="en-US" dirty="0">
+                <a:solidFill>
+                  <a:srgbClr val="333333"/>
+                </a:solidFill>
+                <a:latin typeface="+mn-ea"/>
+                <a:ea typeface="+mn-ea"/>
+              </a:rPr>
+              <a:t>、</a:t>
+            </a:r>
+            <a:r>
+              <a:rPr lang="en-US" altLang="zh-CN" b="1" u="sng" dirty="0">
+                <a:solidFill>
+                  <a:srgbClr val="333333"/>
+                </a:solidFill>
+                <a:latin typeface="+mn-ea"/>
+                <a:ea typeface="+mn-ea"/>
+              </a:rPr>
+              <a:t>continue</a:t>
+            </a:r>
+            <a:r>
+              <a:rPr lang="en-US" altLang="zh-CN" dirty="0">
+                <a:solidFill>
+                  <a:srgbClr val="333333"/>
+                </a:solidFill>
+                <a:latin typeface="+mn-ea"/>
+                <a:ea typeface="+mn-ea"/>
+              </a:rPr>
+              <a:t> </a:t>
+            </a:r>
+            <a:r>
+              <a:rPr lang="zh-CN" altLang="en-US" dirty="0">
+                <a:solidFill>
+                  <a:srgbClr val="333333"/>
+                </a:solidFill>
+                <a:latin typeface="+mn-ea"/>
+                <a:ea typeface="+mn-ea"/>
+              </a:rPr>
+              <a:t>等语句。</a:t>
+            </a:r>
+            <a:endParaRPr lang="en-US" altLang="zh-CN" dirty="0">
+              <a:solidFill>
+                <a:srgbClr val="333333"/>
+              </a:solidFill>
+              <a:latin typeface="+mn-ea"/>
+              <a:ea typeface="+mn-ea"/>
+            </a:endParaRPr>
+          </a:p>
+        </p:txBody>
+      </p:sp>
+      <p:grpSp>
+        <p:nvGrpSpPr>
+          <p:cNvPr id="105" name="组合 104">
+            <a:extLst>
+              <a:ext uri="{FF2B5EF4-FFF2-40B4-BE49-F238E27FC236}">
+                <a16:creationId xmlns:a16="http://schemas.microsoft.com/office/drawing/2014/main" id="{D052DDC4-3246-1B3C-EF34-66067440EA89}"/>
+              </a:ext>
+            </a:extLst>
+          </p:cNvPr>
+          <p:cNvGrpSpPr/>
+          <p:nvPr/>
+        </p:nvGrpSpPr>
+        <p:grpSpPr>
+          <a:xfrm>
+            <a:off x="5848350" y="3920618"/>
+            <a:ext cx="3295651" cy="2715130"/>
+            <a:chOff x="6403975" y="3976512"/>
+            <a:chExt cx="2740025" cy="2261409"/>
+          </a:xfrm>
+        </p:grpSpPr>
+        <p:sp>
+          <p:nvSpPr>
+            <p:cNvPr id="9" name="椭圆 8">
+              <a:extLst>
+                <a:ext uri="{FF2B5EF4-FFF2-40B4-BE49-F238E27FC236}">
+                  <a16:creationId xmlns:a16="http://schemas.microsoft.com/office/drawing/2014/main" id="{8162FAEB-1DB7-D845-F638-5C533CF6E59C}"/>
+                </a:ext>
+              </a:extLst>
+            </p:cNvPr>
+            <p:cNvSpPr/>
+            <p:nvPr/>
+          </p:nvSpPr>
+          <p:spPr>
+            <a:xfrm>
+              <a:off x="7082107" y="3976512"/>
+              <a:ext cx="234896" cy="236873"/>
+            </a:xfrm>
+            <a:prstGeom prst="ellipse">
+              <a:avLst/>
+            </a:prstGeom>
+            <a:solidFill>
+              <a:srgbClr val="00B050"/>
+            </a:solidFill>
+          </p:spPr>
+          <p:txBody>
+            <a:bodyPr wrap="square" lIns="0" rtlCol="0" anchor="ctr">
+              <a:noAutofit/>
+            </a:bodyPr>
+            <a:lstStyle/>
+            <a:p>
+              <a:pPr algn="l"/>
+              <a:endParaRPr lang="zh-CN" altLang="en-US" b="1" dirty="0">
+                <a:solidFill>
+                  <a:srgbClr val="FF0000"/>
+                </a:solidFill>
+                <a:latin typeface="微软雅黑" pitchFamily="34" charset="-122"/>
+                <a:ea typeface="微软雅黑" pitchFamily="34" charset="-122"/>
+              </a:endParaRPr>
+            </a:p>
+          </p:txBody>
+        </p:sp>
+        <p:sp>
+          <p:nvSpPr>
+            <p:cNvPr id="10" name="菱形 9">
+              <a:extLst>
+                <a:ext uri="{FF2B5EF4-FFF2-40B4-BE49-F238E27FC236}">
+                  <a16:creationId xmlns:a16="http://schemas.microsoft.com/office/drawing/2014/main" id="{BE46F00D-C7DD-34BC-73D6-15DDDB072029}"/>
+                </a:ext>
+              </a:extLst>
+            </p:cNvPr>
+            <p:cNvSpPr/>
+            <p:nvPr/>
+          </p:nvSpPr>
+          <p:spPr>
+            <a:xfrm>
+              <a:off x="6403975" y="4466920"/>
+              <a:ext cx="1591159" cy="634922"/>
+            </a:xfrm>
+            <a:prstGeom prst="diamond">
+              <a:avLst/>
+            </a:prstGeom>
+            <a:solidFill>
+              <a:srgbClr val="CC6600"/>
+            </a:solidFill>
+          </p:spPr>
+          <p:txBody>
+            <a:bodyPr wrap="square" lIns="0" rtlCol="0" anchor="ctr">
+              <a:noAutofit/>
+            </a:bodyPr>
+            <a:lstStyle/>
+            <a:p>
+              <a:r>
+                <a:rPr lang="zh-CN" altLang="en-US" sz="1800" b="1" dirty="0">
+                  <a:latin typeface="微软雅黑" pitchFamily="34" charset="-122"/>
+                  <a:ea typeface="微软雅黑" pitchFamily="34" charset="-122"/>
+                </a:rPr>
+                <a:t>元素集</a:t>
+              </a:r>
+            </a:p>
+          </p:txBody>
+        </p:sp>
+        <p:sp>
+          <p:nvSpPr>
+            <p:cNvPr id="11" name="矩形: 圆角 10">
+              <a:extLst>
+                <a:ext uri="{FF2B5EF4-FFF2-40B4-BE49-F238E27FC236}">
+                  <a16:creationId xmlns:a16="http://schemas.microsoft.com/office/drawing/2014/main" id="{62B46BB3-AC68-F2FA-DD5C-53019AF569CD}"/>
+                </a:ext>
+              </a:extLst>
+            </p:cNvPr>
+            <p:cNvSpPr/>
+            <p:nvPr/>
+          </p:nvSpPr>
+          <p:spPr>
+            <a:xfrm>
+              <a:off x="6553200" y="5489886"/>
+              <a:ext cx="1292709" cy="552344"/>
+            </a:xfrm>
+            <a:prstGeom prst="roundRect">
+              <a:avLst/>
+            </a:prstGeom>
+            <a:solidFill>
+              <a:srgbClr val="CC6600"/>
+            </a:solidFill>
+          </p:spPr>
+          <p:txBody>
+            <a:bodyPr wrap="square" lIns="0" rtlCol="0" anchor="ctr">
+              <a:noAutofit/>
+            </a:bodyPr>
+            <a:lstStyle/>
+            <a:p>
+              <a:r>
+                <a:rPr lang="zh-CN" altLang="en-US" sz="1800" b="1" dirty="0">
+                  <a:latin typeface="微软雅黑" pitchFamily="34" charset="-122"/>
+                  <a:ea typeface="微软雅黑" pitchFamily="34" charset="-122"/>
+                </a:rPr>
+                <a:t>循环体</a:t>
+              </a:r>
+            </a:p>
+          </p:txBody>
+        </p:sp>
+        <p:sp>
+          <p:nvSpPr>
+            <p:cNvPr id="27" name="椭圆 26">
+              <a:extLst>
+                <a:ext uri="{FF2B5EF4-FFF2-40B4-BE49-F238E27FC236}">
+                  <a16:creationId xmlns:a16="http://schemas.microsoft.com/office/drawing/2014/main" id="{700E8035-BBF4-301A-68AF-CF1F38D576CA}"/>
+                </a:ext>
+              </a:extLst>
+            </p:cNvPr>
+            <p:cNvSpPr/>
+            <p:nvPr/>
+          </p:nvSpPr>
+          <p:spPr>
+            <a:xfrm>
+              <a:off x="8138900" y="6001048"/>
+              <a:ext cx="234896" cy="236873"/>
+            </a:xfrm>
+            <a:prstGeom prst="ellipse">
+              <a:avLst/>
+            </a:prstGeom>
+            <a:solidFill>
+              <a:srgbClr val="00B050"/>
+            </a:solidFill>
+          </p:spPr>
+          <p:txBody>
+            <a:bodyPr wrap="square" lIns="0" rtlCol="0" anchor="ctr">
+              <a:noAutofit/>
+            </a:bodyPr>
+            <a:lstStyle/>
+            <a:p>
+              <a:pPr algn="l"/>
+              <a:endParaRPr lang="zh-CN" altLang="en-US" b="1" dirty="0">
+                <a:solidFill>
+                  <a:srgbClr val="FF0000"/>
+                </a:solidFill>
+                <a:latin typeface="微软雅黑" pitchFamily="34" charset="-122"/>
+                <a:ea typeface="微软雅黑" pitchFamily="34" charset="-122"/>
+              </a:endParaRPr>
+            </a:p>
+          </p:txBody>
+        </p:sp>
+        <p:cxnSp>
+          <p:nvCxnSpPr>
+            <p:cNvPr id="28" name="直接箭头连接符 27">
+              <a:extLst>
+                <a:ext uri="{FF2B5EF4-FFF2-40B4-BE49-F238E27FC236}">
+                  <a16:creationId xmlns:a16="http://schemas.microsoft.com/office/drawing/2014/main" id="{14A08140-4680-F675-00A2-3A0814E05D4B}"/>
+                </a:ext>
+              </a:extLst>
+            </p:cNvPr>
+            <p:cNvCxnSpPr>
+              <a:cxnSpLocks/>
+              <a:stCxn id="9" idx="4"/>
+              <a:endCxn id="10" idx="0"/>
+            </p:cNvCxnSpPr>
+            <p:nvPr/>
+          </p:nvCxnSpPr>
+          <p:spPr bwMode="auto">
+            <a:xfrm>
+              <a:off x="7199555" y="4213385"/>
+              <a:ext cx="0" cy="253535"/>
+            </a:xfrm>
+            <a:prstGeom prst="straightConnector1">
+              <a:avLst/>
+            </a:prstGeom>
+            <a:ln w="28575">
+              <a:solidFill>
+                <a:schemeClr val="accent5">
+                  <a:lumMod val="60000"/>
+                  <a:lumOff val="40000"/>
+                </a:schemeClr>
+              </a:solidFill>
+              <a:headEnd type="none" w="med" len="med"/>
+              <a:tailEnd type="triangle"/>
+            </a:ln>
+          </p:spPr>
+          <p:style>
+            <a:lnRef idx="1">
+              <a:schemeClr val="dk1"/>
+            </a:lnRef>
+            <a:fillRef idx="0">
+              <a:schemeClr val="dk1"/>
+            </a:fillRef>
+            <a:effectRef idx="0">
+              <a:schemeClr val="dk1"/>
+            </a:effectRef>
+            <a:fontRef idx="minor">
+              <a:schemeClr val="tx1"/>
+            </a:fontRef>
+          </p:style>
+        </p:cxnSp>
+        <p:cxnSp>
+          <p:nvCxnSpPr>
+            <p:cNvPr id="31" name="直接箭头连接符 30">
+              <a:extLst>
+                <a:ext uri="{FF2B5EF4-FFF2-40B4-BE49-F238E27FC236}">
+                  <a16:creationId xmlns:a16="http://schemas.microsoft.com/office/drawing/2014/main" id="{5D16E459-F446-67C7-181E-76EBEB653C8E}"/>
+                </a:ext>
+              </a:extLst>
+            </p:cNvPr>
+            <p:cNvCxnSpPr>
+              <a:cxnSpLocks/>
+              <a:stCxn id="10" idx="2"/>
+              <a:endCxn id="11" idx="0"/>
+            </p:cNvCxnSpPr>
+            <p:nvPr/>
+          </p:nvCxnSpPr>
+          <p:spPr bwMode="auto">
+            <a:xfrm>
+              <a:off x="7199554" y="5101843"/>
+              <a:ext cx="0" cy="388043"/>
+            </a:xfrm>
+            <a:prstGeom prst="straightConnector1">
+              <a:avLst/>
+            </a:prstGeom>
+            <a:ln w="28575">
+              <a:solidFill>
+                <a:schemeClr val="accent5">
+                  <a:lumMod val="60000"/>
+                  <a:lumOff val="40000"/>
+                </a:schemeClr>
+              </a:solidFill>
+              <a:headEnd type="none" w="med" len="med"/>
+              <a:tailEnd type="triangle"/>
+            </a:ln>
+          </p:spPr>
+          <p:style>
+            <a:lnRef idx="1">
+              <a:schemeClr val="dk1"/>
+            </a:lnRef>
+            <a:fillRef idx="0">
+              <a:schemeClr val="dk1"/>
+            </a:fillRef>
+            <a:effectRef idx="0">
+              <a:schemeClr val="dk1"/>
+            </a:effectRef>
+            <a:fontRef idx="minor">
+              <a:schemeClr val="tx1"/>
+            </a:fontRef>
+          </p:style>
+        </p:cxnSp>
+        <p:cxnSp>
+          <p:nvCxnSpPr>
+            <p:cNvPr id="36" name="连接符: 肘形 35">
+              <a:extLst>
+                <a:ext uri="{FF2B5EF4-FFF2-40B4-BE49-F238E27FC236}">
+                  <a16:creationId xmlns:a16="http://schemas.microsoft.com/office/drawing/2014/main" id="{E5B2402E-DE4E-F422-25D2-25202BA3C25B}"/>
+                </a:ext>
+              </a:extLst>
+            </p:cNvPr>
+            <p:cNvCxnSpPr>
+              <a:cxnSpLocks/>
+              <a:stCxn id="11" idx="1"/>
+              <a:endCxn id="10" idx="1"/>
+            </p:cNvCxnSpPr>
+            <p:nvPr/>
+          </p:nvCxnSpPr>
+          <p:spPr bwMode="auto">
+            <a:xfrm rot="10800000">
+              <a:off x="6403976" y="4784382"/>
+              <a:ext cx="149225" cy="981676"/>
+            </a:xfrm>
+            <a:prstGeom prst="bentConnector3">
+              <a:avLst>
+                <a:gd name="adj1" fmla="val 227364"/>
+              </a:avLst>
+            </a:prstGeom>
+            <a:ln w="28575">
+              <a:solidFill>
+                <a:schemeClr val="accent5">
+                  <a:lumMod val="60000"/>
+                  <a:lumOff val="40000"/>
+                </a:schemeClr>
+              </a:solidFill>
+              <a:headEnd type="none" w="med" len="med"/>
+              <a:tailEnd type="triangle"/>
+            </a:ln>
+          </p:spPr>
+          <p:style>
+            <a:lnRef idx="1">
+              <a:schemeClr val="dk1"/>
+            </a:lnRef>
+            <a:fillRef idx="0">
+              <a:schemeClr val="dk1"/>
+            </a:fillRef>
+            <a:effectRef idx="0">
+              <a:schemeClr val="dk1"/>
+            </a:effectRef>
+            <a:fontRef idx="minor">
+              <a:schemeClr val="tx1"/>
+            </a:fontRef>
+          </p:style>
+        </p:cxnSp>
+        <p:cxnSp>
+          <p:nvCxnSpPr>
+            <p:cNvPr id="39" name="连接符: 肘形 38">
+              <a:extLst>
+                <a:ext uri="{FF2B5EF4-FFF2-40B4-BE49-F238E27FC236}">
+                  <a16:creationId xmlns:a16="http://schemas.microsoft.com/office/drawing/2014/main" id="{61DBB9C8-0742-DE75-2284-9749A2EDC28B}"/>
+                </a:ext>
+              </a:extLst>
+            </p:cNvPr>
+            <p:cNvCxnSpPr>
+              <a:cxnSpLocks/>
+              <a:stCxn id="10" idx="3"/>
+              <a:endCxn id="27" idx="0"/>
+            </p:cNvCxnSpPr>
+            <p:nvPr/>
+          </p:nvCxnSpPr>
+          <p:spPr bwMode="auto">
+            <a:xfrm>
+              <a:off x="7995134" y="4784381"/>
+              <a:ext cx="261215" cy="1216667"/>
+            </a:xfrm>
+            <a:prstGeom prst="bentConnector2">
+              <a:avLst/>
+            </a:prstGeom>
+            <a:ln w="28575">
+              <a:solidFill>
+                <a:schemeClr val="accent5">
+                  <a:lumMod val="60000"/>
+                  <a:lumOff val="40000"/>
+                </a:schemeClr>
+              </a:solidFill>
+              <a:headEnd type="none" w="med" len="med"/>
+              <a:tailEnd type="triangle"/>
+            </a:ln>
+          </p:spPr>
+          <p:style>
+            <a:lnRef idx="1">
+              <a:schemeClr val="dk1"/>
+            </a:lnRef>
+            <a:fillRef idx="0">
+              <a:schemeClr val="dk1"/>
+            </a:fillRef>
+            <a:effectRef idx="0">
+              <a:schemeClr val="dk1"/>
+            </a:effectRef>
+            <a:fontRef idx="minor">
+              <a:schemeClr val="tx1"/>
+            </a:fontRef>
+          </p:style>
+        </p:cxnSp>
+        <p:sp>
+          <p:nvSpPr>
+            <p:cNvPr id="100" name="文本框 99">
+              <a:extLst>
+                <a:ext uri="{FF2B5EF4-FFF2-40B4-BE49-F238E27FC236}">
+                  <a16:creationId xmlns:a16="http://schemas.microsoft.com/office/drawing/2014/main" id="{80844747-4223-E5D6-BA2D-0FB6AC328F13}"/>
+                </a:ext>
+              </a:extLst>
+            </p:cNvPr>
+            <p:cNvSpPr txBox="1"/>
+            <p:nvPr/>
+          </p:nvSpPr>
+          <p:spPr>
+            <a:xfrm>
+              <a:off x="7272864" y="5078882"/>
+              <a:ext cx="749244" cy="400110"/>
+            </a:xfrm>
+            <a:prstGeom prst="rect">
+              <a:avLst/>
+            </a:prstGeom>
+            <a:noFill/>
+          </p:spPr>
+          <p:txBody>
+            <a:bodyPr wrap="none" rtlCol="0">
+              <a:spAutoFit/>
+            </a:bodyPr>
+            <a:lstStyle/>
+            <a:p>
+              <a:r>
+                <a:rPr lang="en-US" altLang="zh-CN" sz="2000" b="1" dirty="0">
+                  <a:solidFill>
+                    <a:schemeClr val="bg2"/>
+                  </a:solidFill>
+                  <a:latin typeface="+mj-ea"/>
+                  <a:ea typeface="+mj-ea"/>
+                </a:rPr>
+                <a:t>True</a:t>
+              </a:r>
+              <a:endParaRPr lang="zh-CN" altLang="en-US" sz="2000" b="1" dirty="0">
+                <a:solidFill>
+                  <a:schemeClr val="bg2"/>
+                </a:solidFill>
+                <a:latin typeface="+mj-ea"/>
+                <a:ea typeface="+mj-ea"/>
+              </a:endParaRPr>
+            </a:p>
+          </p:txBody>
+        </p:sp>
+        <p:sp>
+          <p:nvSpPr>
+            <p:cNvPr id="101" name="文本框 100">
+              <a:extLst>
+                <a:ext uri="{FF2B5EF4-FFF2-40B4-BE49-F238E27FC236}">
+                  <a16:creationId xmlns:a16="http://schemas.microsoft.com/office/drawing/2014/main" id="{122F7816-63C3-0C27-C6D9-25ECD9FE7520}"/>
+                </a:ext>
+              </a:extLst>
+            </p:cNvPr>
+            <p:cNvSpPr txBox="1"/>
+            <p:nvPr/>
+          </p:nvSpPr>
+          <p:spPr>
+            <a:xfrm>
+              <a:off x="8256348" y="5030733"/>
+              <a:ext cx="887652" cy="400110"/>
+            </a:xfrm>
+            <a:prstGeom prst="rect">
+              <a:avLst/>
+            </a:prstGeom>
+            <a:noFill/>
+          </p:spPr>
+          <p:txBody>
+            <a:bodyPr wrap="square" rtlCol="0">
+              <a:spAutoFit/>
+            </a:bodyPr>
+            <a:lstStyle/>
+            <a:p>
+              <a:r>
+                <a:rPr lang="en-US" altLang="zh-CN" sz="2000" b="1" dirty="0">
+                  <a:solidFill>
+                    <a:schemeClr val="bg2"/>
+                  </a:solidFill>
+                  <a:latin typeface="+mj-ea"/>
+                  <a:ea typeface="+mj-ea"/>
+                </a:rPr>
+                <a:t>False</a:t>
+              </a:r>
+              <a:endParaRPr lang="zh-CN" altLang="en-US" sz="2000" b="1" dirty="0">
+                <a:solidFill>
+                  <a:schemeClr val="bg2"/>
+                </a:solidFill>
+                <a:latin typeface="+mj-ea"/>
+                <a:ea typeface="+mj-ea"/>
+              </a:endParaRPr>
+            </a:p>
+          </p:txBody>
+        </p:sp>
+      </p:grpSp>
+      <p:grpSp>
+        <p:nvGrpSpPr>
+          <p:cNvPr id="104" name="组合 103">
+            <a:extLst>
+              <a:ext uri="{FF2B5EF4-FFF2-40B4-BE49-F238E27FC236}">
+                <a16:creationId xmlns:a16="http://schemas.microsoft.com/office/drawing/2014/main" id="{101DF4CB-7B32-BCB3-1A3A-C0474FF7E7D3}"/>
+              </a:ext>
+            </a:extLst>
+          </p:cNvPr>
+          <p:cNvGrpSpPr/>
+          <p:nvPr/>
+        </p:nvGrpSpPr>
+        <p:grpSpPr>
+          <a:xfrm>
+            <a:off x="5848350" y="1174765"/>
+            <a:ext cx="3287598" cy="2716250"/>
+            <a:chOff x="6403976" y="1174766"/>
+            <a:chExt cx="2731971" cy="2319278"/>
+          </a:xfrm>
+        </p:grpSpPr>
+        <p:sp>
+          <p:nvSpPr>
+            <p:cNvPr id="6" name="椭圆 5">
+              <a:extLst>
+                <a:ext uri="{FF2B5EF4-FFF2-40B4-BE49-F238E27FC236}">
+                  <a16:creationId xmlns:a16="http://schemas.microsoft.com/office/drawing/2014/main" id="{A4E97B50-99B3-64F9-20FA-EDF26F766881}"/>
+                </a:ext>
+              </a:extLst>
+            </p:cNvPr>
+            <p:cNvSpPr/>
+            <p:nvPr/>
+          </p:nvSpPr>
+          <p:spPr>
+            <a:xfrm>
+              <a:off x="7074053" y="1174766"/>
+              <a:ext cx="251003" cy="253470"/>
+            </a:xfrm>
+            <a:prstGeom prst="ellipse">
+              <a:avLst/>
+            </a:prstGeom>
+            <a:solidFill>
+              <a:srgbClr val="00B050"/>
+            </a:solidFill>
+          </p:spPr>
+          <p:txBody>
+            <a:bodyPr wrap="square" lIns="0" rtlCol="0" anchor="ctr">
+              <a:noAutofit/>
+            </a:bodyPr>
+            <a:lstStyle/>
+            <a:p>
+              <a:pPr algn="l"/>
+              <a:endParaRPr lang="zh-CN" altLang="en-US" b="1" dirty="0">
+                <a:solidFill>
+                  <a:srgbClr val="FF0000"/>
+                </a:solidFill>
+                <a:latin typeface="微软雅黑" pitchFamily="34" charset="-122"/>
+                <a:ea typeface="微软雅黑" pitchFamily="34" charset="-122"/>
+              </a:endParaRPr>
+            </a:p>
+          </p:txBody>
+        </p:sp>
+        <p:sp>
+          <p:nvSpPr>
+            <p:cNvPr id="7" name="菱形 6">
+              <a:extLst>
+                <a:ext uri="{FF2B5EF4-FFF2-40B4-BE49-F238E27FC236}">
+                  <a16:creationId xmlns:a16="http://schemas.microsoft.com/office/drawing/2014/main" id="{D58DAA6B-887B-6F89-A2C9-15246563EB02}"/>
+                </a:ext>
+              </a:extLst>
+            </p:cNvPr>
+            <p:cNvSpPr/>
+            <p:nvPr/>
+          </p:nvSpPr>
+          <p:spPr>
+            <a:xfrm>
+              <a:off x="6403976" y="1695075"/>
+              <a:ext cx="1591158" cy="634922"/>
+            </a:xfrm>
+            <a:prstGeom prst="diamond">
+              <a:avLst/>
+            </a:prstGeom>
+            <a:solidFill>
+              <a:srgbClr val="CC6600"/>
+            </a:solidFill>
+          </p:spPr>
+          <p:txBody>
+            <a:bodyPr wrap="square" lIns="0" rtlCol="0" anchor="ctr">
+              <a:noAutofit/>
+            </a:bodyPr>
+            <a:lstStyle/>
+            <a:p>
+              <a:r>
+                <a:rPr lang="zh-CN" altLang="en-US" sz="1800" b="1" dirty="0">
+                  <a:latin typeface="微软雅黑" pitchFamily="34" charset="-122"/>
+                  <a:ea typeface="微软雅黑" pitchFamily="34" charset="-122"/>
+                </a:rPr>
+                <a:t>条件</a:t>
+              </a:r>
+            </a:p>
+          </p:txBody>
+        </p:sp>
+        <p:sp>
+          <p:nvSpPr>
+            <p:cNvPr id="8" name="矩形: 圆角 7">
+              <a:extLst>
+                <a:ext uri="{FF2B5EF4-FFF2-40B4-BE49-F238E27FC236}">
+                  <a16:creationId xmlns:a16="http://schemas.microsoft.com/office/drawing/2014/main" id="{E82DCEB7-44E4-078A-D7EF-C5910A9FD071}"/>
+                </a:ext>
+              </a:extLst>
+            </p:cNvPr>
+            <p:cNvSpPr/>
+            <p:nvPr/>
+          </p:nvSpPr>
+          <p:spPr>
+            <a:xfrm>
+              <a:off x="6553200" y="2706668"/>
+              <a:ext cx="1292709" cy="533906"/>
+            </a:xfrm>
+            <a:prstGeom prst="roundRect">
+              <a:avLst/>
+            </a:prstGeom>
+            <a:solidFill>
+              <a:srgbClr val="CC6600"/>
+            </a:solidFill>
+          </p:spPr>
+          <p:txBody>
+            <a:bodyPr wrap="square" lIns="0" rtlCol="0" anchor="ctr">
+              <a:noAutofit/>
+            </a:bodyPr>
+            <a:lstStyle/>
+            <a:p>
+              <a:r>
+                <a:rPr lang="zh-CN" altLang="en-US" sz="1800" b="1" dirty="0">
+                  <a:latin typeface="微软雅黑" pitchFamily="34" charset="-122"/>
+                  <a:ea typeface="微软雅黑" pitchFamily="34" charset="-122"/>
+                </a:rPr>
+                <a:t>循环体</a:t>
+              </a:r>
+            </a:p>
+          </p:txBody>
+        </p:sp>
+        <p:sp>
+          <p:nvSpPr>
+            <p:cNvPr id="14" name="椭圆 13">
+              <a:extLst>
+                <a:ext uri="{FF2B5EF4-FFF2-40B4-BE49-F238E27FC236}">
+                  <a16:creationId xmlns:a16="http://schemas.microsoft.com/office/drawing/2014/main" id="{41C280EC-69EA-9868-7549-41CE5E3241E0}"/>
+                </a:ext>
+              </a:extLst>
+            </p:cNvPr>
+            <p:cNvSpPr/>
+            <p:nvPr/>
+          </p:nvSpPr>
+          <p:spPr>
+            <a:xfrm>
+              <a:off x="8122793" y="3240574"/>
+              <a:ext cx="251003" cy="253470"/>
+            </a:xfrm>
+            <a:prstGeom prst="ellipse">
+              <a:avLst/>
+            </a:prstGeom>
+            <a:solidFill>
+              <a:srgbClr val="00B050"/>
+            </a:solidFill>
+          </p:spPr>
+          <p:txBody>
+            <a:bodyPr wrap="square" lIns="0" rtlCol="0" anchor="ctr">
+              <a:noAutofit/>
+            </a:bodyPr>
+            <a:lstStyle/>
+            <a:p>
+              <a:pPr algn="l"/>
+              <a:endParaRPr lang="zh-CN" altLang="en-US" b="1" dirty="0">
+                <a:solidFill>
+                  <a:srgbClr val="FF0000"/>
+                </a:solidFill>
+                <a:latin typeface="微软雅黑" pitchFamily="34" charset="-122"/>
+                <a:ea typeface="微软雅黑" pitchFamily="34" charset="-122"/>
+              </a:endParaRPr>
+            </a:p>
+          </p:txBody>
+        </p:sp>
+        <p:cxnSp>
+          <p:nvCxnSpPr>
+            <p:cNvPr id="16" name="直接箭头连接符 15">
+              <a:extLst>
+                <a:ext uri="{FF2B5EF4-FFF2-40B4-BE49-F238E27FC236}">
+                  <a16:creationId xmlns:a16="http://schemas.microsoft.com/office/drawing/2014/main" id="{61AE5B61-75AA-22F6-8BEC-F1C54F8EB53D}"/>
+                </a:ext>
+              </a:extLst>
+            </p:cNvPr>
+            <p:cNvCxnSpPr>
+              <a:cxnSpLocks/>
+              <a:stCxn id="6" idx="4"/>
+              <a:endCxn id="7" idx="0"/>
+            </p:cNvCxnSpPr>
+            <p:nvPr/>
+          </p:nvCxnSpPr>
+          <p:spPr bwMode="auto">
+            <a:xfrm>
+              <a:off x="7199555" y="1428236"/>
+              <a:ext cx="0" cy="266839"/>
+            </a:xfrm>
+            <a:prstGeom prst="straightConnector1">
+              <a:avLst/>
+            </a:prstGeom>
+            <a:ln w="28575">
+              <a:solidFill>
+                <a:schemeClr val="accent5">
+                  <a:lumMod val="60000"/>
+                  <a:lumOff val="40000"/>
+                </a:schemeClr>
+              </a:solidFill>
+              <a:headEnd type="none" w="med" len="med"/>
+              <a:tailEnd type="triangle"/>
+            </a:ln>
+          </p:spPr>
+          <p:style>
+            <a:lnRef idx="1">
+              <a:schemeClr val="dk1"/>
+            </a:lnRef>
+            <a:fillRef idx="0">
+              <a:schemeClr val="dk1"/>
+            </a:fillRef>
+            <a:effectRef idx="0">
+              <a:schemeClr val="dk1"/>
+            </a:effectRef>
+            <a:fontRef idx="minor">
+              <a:schemeClr val="tx1"/>
+            </a:fontRef>
+          </p:style>
+        </p:cxnSp>
+        <p:cxnSp>
+          <p:nvCxnSpPr>
+            <p:cNvPr id="17" name="直接箭头连接符 16">
+              <a:extLst>
+                <a:ext uri="{FF2B5EF4-FFF2-40B4-BE49-F238E27FC236}">
+                  <a16:creationId xmlns:a16="http://schemas.microsoft.com/office/drawing/2014/main" id="{8A1D1A88-5A81-6790-4308-4037292255C4}"/>
+                </a:ext>
+              </a:extLst>
+            </p:cNvPr>
+            <p:cNvCxnSpPr>
+              <a:cxnSpLocks/>
+              <a:stCxn id="7" idx="2"/>
+              <a:endCxn id="8" idx="0"/>
+            </p:cNvCxnSpPr>
+            <p:nvPr/>
+          </p:nvCxnSpPr>
+          <p:spPr bwMode="auto">
+            <a:xfrm flipH="1">
+              <a:off x="7199555" y="2329997"/>
+              <a:ext cx="1" cy="376671"/>
+            </a:xfrm>
+            <a:prstGeom prst="straightConnector1">
+              <a:avLst/>
+            </a:prstGeom>
+            <a:ln w="28575">
+              <a:solidFill>
+                <a:schemeClr val="accent5">
+                  <a:lumMod val="60000"/>
+                  <a:lumOff val="40000"/>
+                </a:schemeClr>
+              </a:solidFill>
+              <a:headEnd type="none" w="med" len="med"/>
+              <a:tailEnd type="triangle"/>
+            </a:ln>
+          </p:spPr>
+          <p:style>
+            <a:lnRef idx="1">
+              <a:schemeClr val="dk1"/>
+            </a:lnRef>
+            <a:fillRef idx="0">
+              <a:schemeClr val="dk1"/>
+            </a:fillRef>
+            <a:effectRef idx="0">
+              <a:schemeClr val="dk1"/>
+            </a:effectRef>
+            <a:fontRef idx="minor">
+              <a:schemeClr val="tx1"/>
+            </a:fontRef>
+          </p:style>
+        </p:cxnSp>
+        <p:cxnSp>
+          <p:nvCxnSpPr>
+            <p:cNvPr id="24" name="连接符: 肘形 23">
+              <a:extLst>
+                <a:ext uri="{FF2B5EF4-FFF2-40B4-BE49-F238E27FC236}">
+                  <a16:creationId xmlns:a16="http://schemas.microsoft.com/office/drawing/2014/main" id="{877973F6-C933-8190-2AE1-0677CB902644}"/>
+                </a:ext>
+              </a:extLst>
+            </p:cNvPr>
+            <p:cNvCxnSpPr>
+              <a:cxnSpLocks/>
+              <a:stCxn id="7" idx="3"/>
+              <a:endCxn id="14" idx="0"/>
+            </p:cNvCxnSpPr>
+            <p:nvPr/>
+          </p:nvCxnSpPr>
+          <p:spPr bwMode="auto">
+            <a:xfrm>
+              <a:off x="7995134" y="2012536"/>
+              <a:ext cx="253161" cy="1228038"/>
+            </a:xfrm>
+            <a:prstGeom prst="bentConnector2">
+              <a:avLst/>
+            </a:prstGeom>
+            <a:ln w="28575">
+              <a:solidFill>
+                <a:schemeClr val="accent5">
+                  <a:lumMod val="60000"/>
+                  <a:lumOff val="40000"/>
+                </a:schemeClr>
+              </a:solidFill>
+              <a:headEnd type="none" w="med" len="med"/>
+              <a:tailEnd type="triangle"/>
+            </a:ln>
+          </p:spPr>
+          <p:style>
+            <a:lnRef idx="1">
+              <a:schemeClr val="dk1"/>
+            </a:lnRef>
+            <a:fillRef idx="0">
+              <a:schemeClr val="dk1"/>
+            </a:fillRef>
+            <a:effectRef idx="0">
+              <a:schemeClr val="dk1"/>
+            </a:effectRef>
+            <a:fontRef idx="minor">
+              <a:schemeClr val="tx1"/>
+            </a:fontRef>
+          </p:style>
+        </p:cxnSp>
+        <p:cxnSp>
+          <p:nvCxnSpPr>
+            <p:cNvPr id="26" name="连接符: 肘形 25">
+              <a:extLst>
+                <a:ext uri="{FF2B5EF4-FFF2-40B4-BE49-F238E27FC236}">
+                  <a16:creationId xmlns:a16="http://schemas.microsoft.com/office/drawing/2014/main" id="{0B486635-09B9-729E-1E44-521F1411C510}"/>
+                </a:ext>
+              </a:extLst>
+            </p:cNvPr>
+            <p:cNvCxnSpPr>
+              <a:cxnSpLocks/>
+              <a:stCxn id="8" idx="1"/>
+              <a:endCxn id="7" idx="1"/>
+            </p:cNvCxnSpPr>
+            <p:nvPr/>
+          </p:nvCxnSpPr>
+          <p:spPr bwMode="auto">
+            <a:xfrm rot="10800000">
+              <a:off x="6403977" y="2012536"/>
+              <a:ext cx="149224" cy="961085"/>
+            </a:xfrm>
+            <a:prstGeom prst="bentConnector3">
+              <a:avLst>
+                <a:gd name="adj1" fmla="val 227302"/>
+              </a:avLst>
+            </a:prstGeom>
+            <a:ln w="28575">
+              <a:solidFill>
+                <a:schemeClr val="accent5">
+                  <a:lumMod val="60000"/>
+                  <a:lumOff val="40000"/>
+                </a:schemeClr>
+              </a:solidFill>
+              <a:headEnd type="none" w="med" len="med"/>
+              <a:tailEnd type="triangle"/>
+            </a:ln>
+          </p:spPr>
+          <p:style>
+            <a:lnRef idx="1">
+              <a:schemeClr val="dk1"/>
+            </a:lnRef>
+            <a:fillRef idx="0">
+              <a:schemeClr val="dk1"/>
+            </a:fillRef>
+            <a:effectRef idx="0">
+              <a:schemeClr val="dk1"/>
+            </a:effectRef>
+            <a:fontRef idx="minor">
+              <a:schemeClr val="tx1"/>
+            </a:fontRef>
+          </p:style>
+        </p:cxnSp>
+        <p:sp>
+          <p:nvSpPr>
+            <p:cNvPr id="99" name="文本框 98">
+              <a:extLst>
+                <a:ext uri="{FF2B5EF4-FFF2-40B4-BE49-F238E27FC236}">
+                  <a16:creationId xmlns:a16="http://schemas.microsoft.com/office/drawing/2014/main" id="{EF1C49CF-030C-5275-F084-AE5321095BD6}"/>
+                </a:ext>
+              </a:extLst>
+            </p:cNvPr>
+            <p:cNvSpPr txBox="1"/>
+            <p:nvPr/>
+          </p:nvSpPr>
+          <p:spPr>
+            <a:xfrm>
+              <a:off x="7211178" y="2318173"/>
+              <a:ext cx="749244" cy="400110"/>
+            </a:xfrm>
+            <a:prstGeom prst="rect">
+              <a:avLst/>
+            </a:prstGeom>
+            <a:noFill/>
+          </p:spPr>
+          <p:txBody>
+            <a:bodyPr wrap="none" rtlCol="0">
+              <a:spAutoFit/>
+            </a:bodyPr>
+            <a:lstStyle/>
+            <a:p>
+              <a:r>
+                <a:rPr lang="en-US" altLang="zh-CN" sz="2000" b="1" dirty="0">
+                  <a:solidFill>
+                    <a:schemeClr val="bg2"/>
+                  </a:solidFill>
+                  <a:latin typeface="+mj-ea"/>
+                  <a:ea typeface="+mj-ea"/>
+                </a:rPr>
+                <a:t>True</a:t>
+              </a:r>
+              <a:endParaRPr lang="zh-CN" altLang="en-US" sz="2000" b="1" dirty="0">
+                <a:solidFill>
+                  <a:schemeClr val="bg2"/>
+                </a:solidFill>
+                <a:latin typeface="+mj-ea"/>
+                <a:ea typeface="+mj-ea"/>
+              </a:endParaRPr>
+            </a:p>
+          </p:txBody>
+        </p:sp>
+        <p:sp>
+          <p:nvSpPr>
+            <p:cNvPr id="103" name="文本框 102">
+              <a:extLst>
+                <a:ext uri="{FF2B5EF4-FFF2-40B4-BE49-F238E27FC236}">
+                  <a16:creationId xmlns:a16="http://schemas.microsoft.com/office/drawing/2014/main" id="{BD30DFD6-20AA-FDC8-B2BA-6721A1FB1445}"/>
+                </a:ext>
+              </a:extLst>
+            </p:cNvPr>
+            <p:cNvSpPr txBox="1"/>
+            <p:nvPr/>
+          </p:nvSpPr>
+          <p:spPr>
+            <a:xfrm>
+              <a:off x="8248294" y="2312540"/>
+              <a:ext cx="887653" cy="400110"/>
+            </a:xfrm>
+            <a:prstGeom prst="rect">
+              <a:avLst/>
+            </a:prstGeom>
+            <a:noFill/>
+          </p:spPr>
+          <p:txBody>
+            <a:bodyPr wrap="square" rtlCol="0">
+              <a:spAutoFit/>
+            </a:bodyPr>
+            <a:lstStyle/>
+            <a:p>
+              <a:r>
+                <a:rPr lang="en-US" altLang="zh-CN" sz="2000" b="1" dirty="0">
+                  <a:solidFill>
+                    <a:schemeClr val="bg2"/>
+                  </a:solidFill>
+                  <a:latin typeface="+mj-ea"/>
+                  <a:ea typeface="+mj-ea"/>
+                </a:rPr>
+                <a:t>False</a:t>
+              </a:r>
+              <a:endParaRPr lang="zh-CN" altLang="en-US" sz="2000" b="1" dirty="0">
+                <a:solidFill>
+                  <a:schemeClr val="bg2"/>
+                </a:solidFill>
+                <a:latin typeface="+mj-ea"/>
+                <a:ea typeface="+mj-ea"/>
+              </a:endParaRPr>
+            </a:p>
+          </p:txBody>
+        </p:sp>
+      </p:grpSp>
+    </p:spTree>
+    <p:extLst>
+      <p:ext uri="{BB962C8B-B14F-4D97-AF65-F5344CB8AC3E}">
+        <p14:creationId xmlns:p14="http://schemas.microsoft.com/office/powerpoint/2010/main" val="13868781"/>
+      </p:ext>
+    </p:extLst>
+  </p:cSld>
+  <p:clrMapOvr>
+    <a:masterClrMapping/>
+  </p:clrMapOvr>
+  <p:transition>
+    <p:fade/>
+  </p:transition>
+</p:sld>
+</file>
+
+<file path=ppt/slides/slide12.xml><?xml version="1.0" encoding="utf-8"?>
 <p:sld xmlns:a="http://schemas.openxmlformats.org/drawingml/2006/main" xmlns:r="http://schemas.openxmlformats.org/officeDocument/2006/relationships" xmlns:p="http://schemas.openxmlformats.org/presentationml/2006/main">
   <p:cSld>
     <p:spTree>
@@ -16227,7 +18332,7 @@
 </p:sld>
 </file>
 
-<file path=ppt/slides/slide12.xml><?xml version="1.0" encoding="utf-8"?>
+<file path=ppt/slides/slide13.xml><?xml version="1.0" encoding="utf-8"?>
 <p:sld xmlns:a="http://schemas.openxmlformats.org/drawingml/2006/main" xmlns:r="http://schemas.openxmlformats.org/officeDocument/2006/relationships" xmlns:p="http://schemas.openxmlformats.org/presentationml/2006/main">
   <p:cSld>
     <p:spTree>
@@ -17228,267 +19333,6 @@
 </p:sld>
 </file>
 
-<file path=ppt/slides/slide13.xml><?xml version="1.0" encoding="utf-8"?>
-<p:sld xmlns:a="http://schemas.openxmlformats.org/drawingml/2006/main" xmlns:r="http://schemas.openxmlformats.org/officeDocument/2006/relationships" xmlns:p="http://schemas.openxmlformats.org/presentationml/2006/main">
-  <p:cSld>
-    <p:spTree>
-      <p:nvGrpSpPr>
-        <p:cNvPr id="1" name=""/>
-        <p:cNvGrpSpPr/>
-        <p:nvPr/>
-      </p:nvGrpSpPr>
-      <p:grpSpPr>
-        <a:xfrm>
-          <a:off x="0" y="0"/>
-          <a:ext cx="0" cy="0"/>
-          <a:chOff x="0" y="0"/>
-          <a:chExt cx="0" cy="0"/>
-        </a:xfrm>
-      </p:grpSpPr>
-      <p:sp>
-        <p:nvSpPr>
-          <p:cNvPr id="3" name="标题 2"/>
-          <p:cNvSpPr>
-            <a:spLocks noGrp="1"/>
-          </p:cNvSpPr>
-          <p:nvPr>
-            <p:ph type="title"/>
-          </p:nvPr>
-        </p:nvSpPr>
-        <p:spPr>
-          <a:xfrm>
-            <a:off x="0" y="8526"/>
-            <a:ext cx="9013371" cy="792162"/>
-          </a:xfrm>
-        </p:spPr>
-        <p:txBody>
-          <a:bodyPr/>
-          <a:lstStyle/>
-          <a:p>
-            <a:r>
-              <a:rPr lang="zh-CN" altLang="en-US" dirty="0">
-                <a:latin typeface="+mn-ea"/>
-              </a:rPr>
-              <a:t>一、</a:t>
-            </a:r>
-            <a:r>
-              <a:rPr lang="en-US" altLang="zh-CN" dirty="0">
-                <a:latin typeface="微软雅黑" pitchFamily="34" charset="-122"/>
-                <a:ea typeface="微软雅黑" pitchFamily="34" charset="-122"/>
-              </a:rPr>
-              <a:t>Python</a:t>
-            </a:r>
-            <a:r>
-              <a:rPr lang="zh-CN" altLang="en-US" dirty="0">
-                <a:latin typeface="微软雅黑" pitchFamily="34" charset="-122"/>
-                <a:ea typeface="微软雅黑" pitchFamily="34" charset="-122"/>
-              </a:rPr>
-              <a:t>编程基础</a:t>
-            </a:r>
-            <a:endParaRPr lang="zh-CN" altLang="en-US" dirty="0"/>
-          </a:p>
-        </p:txBody>
-      </p:sp>
-      <p:sp>
-        <p:nvSpPr>
-          <p:cNvPr id="2" name="TextBox 1">
-            <a:extLst>
-              <a:ext uri="{FF2B5EF4-FFF2-40B4-BE49-F238E27FC236}">
-                <a16:creationId xmlns:a16="http://schemas.microsoft.com/office/drawing/2014/main" id="{631AADB6-C88A-D817-4683-FC087E4E240F}"/>
-              </a:ext>
-            </a:extLst>
-          </p:cNvPr>
-          <p:cNvSpPr txBox="1"/>
-          <p:nvPr/>
-        </p:nvSpPr>
-        <p:spPr>
-          <a:xfrm>
-            <a:off x="311283" y="846748"/>
-            <a:ext cx="8401275" cy="4166653"/>
-          </a:xfrm>
-          <a:prstGeom prst="rect">
-            <a:avLst/>
-          </a:prstGeom>
-          <a:noFill/>
-        </p:spPr>
-        <p:txBody>
-          <a:bodyPr wrap="square" rtlCol="0">
-            <a:spAutoFit/>
-          </a:bodyPr>
-          <a:lstStyle/>
-          <a:p>
-            <a:pPr algn="just">
-              <a:lnSpc>
-                <a:spcPct val="200000"/>
-              </a:lnSpc>
-            </a:pPr>
-            <a:r>
-              <a:rPr lang="en-US" altLang="zh-CN" sz="2800" b="1" dirty="0">
-                <a:solidFill>
-                  <a:srgbClr val="333333"/>
-                </a:solidFill>
-                <a:latin typeface="+mn-ea"/>
-                <a:ea typeface="+mn-ea"/>
-              </a:rPr>
-              <a:t>6. </a:t>
-            </a:r>
-            <a:r>
-              <a:rPr lang="zh-CN" altLang="en-US" sz="2800" b="1" dirty="0">
-                <a:solidFill>
-                  <a:srgbClr val="333333"/>
-                </a:solidFill>
-                <a:latin typeface="+mn-ea"/>
-                <a:ea typeface="+mn-ea"/>
-              </a:rPr>
-              <a:t>模块</a:t>
-            </a:r>
-            <a:endParaRPr lang="en-US" altLang="zh-CN" sz="2800" b="1" dirty="0">
-              <a:solidFill>
-                <a:srgbClr val="333333"/>
-              </a:solidFill>
-              <a:latin typeface="+mn-ea"/>
-              <a:ea typeface="+mn-ea"/>
-            </a:endParaRPr>
-          </a:p>
-          <a:p>
-            <a:pPr algn="just">
-              <a:lnSpc>
-                <a:spcPct val="200000"/>
-              </a:lnSpc>
-            </a:pPr>
-            <a:r>
-              <a:rPr lang="zh-CN" altLang="en-US" b="1" dirty="0">
-                <a:solidFill>
-                  <a:srgbClr val="333333"/>
-                </a:solidFill>
-                <a:latin typeface="+mn-ea"/>
-                <a:ea typeface="+mn-ea"/>
-              </a:rPr>
-              <a:t>作用：</a:t>
-            </a:r>
-            <a:r>
-              <a:rPr lang="zh-CN" altLang="en-US" dirty="0">
-                <a:solidFill>
-                  <a:srgbClr val="333333"/>
-                </a:solidFill>
-                <a:latin typeface="+mn-ea"/>
-                <a:ea typeface="+mn-ea"/>
-              </a:rPr>
-              <a:t>模块让你能够有逻辑地组织你的</a:t>
-            </a:r>
-            <a:r>
-              <a:rPr lang="en-US" altLang="zh-CN" dirty="0">
-                <a:solidFill>
-                  <a:srgbClr val="333333"/>
-                </a:solidFill>
-                <a:latin typeface="+mn-ea"/>
-                <a:ea typeface="+mn-ea"/>
-              </a:rPr>
-              <a:t>Python</a:t>
-            </a:r>
-            <a:r>
-              <a:rPr lang="zh-CN" altLang="en-US" dirty="0">
-                <a:solidFill>
-                  <a:srgbClr val="333333"/>
-                </a:solidFill>
-                <a:latin typeface="+mn-ea"/>
-                <a:ea typeface="+mn-ea"/>
-              </a:rPr>
-              <a:t>代码。通过将相关代码分配到不同模块里，能使得代码更好用更易懂。</a:t>
-            </a:r>
-            <a:endParaRPr lang="en-US" altLang="zh-CN" dirty="0">
-              <a:solidFill>
-                <a:srgbClr val="333333"/>
-              </a:solidFill>
-              <a:latin typeface="+mn-ea"/>
-              <a:ea typeface="+mn-ea"/>
-            </a:endParaRPr>
-          </a:p>
-          <a:p>
-            <a:pPr algn="just">
-              <a:lnSpc>
-                <a:spcPct val="200000"/>
-              </a:lnSpc>
-            </a:pPr>
-            <a:r>
-              <a:rPr lang="zh-CN" altLang="en-US" b="1" dirty="0">
-                <a:solidFill>
-                  <a:srgbClr val="333333"/>
-                </a:solidFill>
-                <a:latin typeface="+mn-ea"/>
-                <a:ea typeface="+mn-ea"/>
-              </a:rPr>
-              <a:t>使用：</a:t>
-            </a:r>
-            <a:r>
-              <a:rPr lang="zh-CN" altLang="en-US" dirty="0">
-                <a:solidFill>
-                  <a:srgbClr val="333333"/>
-                </a:solidFill>
-                <a:latin typeface="+mn-ea"/>
-                <a:ea typeface="+mn-ea"/>
-              </a:rPr>
-              <a:t>模块定义好后，我们可以使用 </a:t>
-            </a:r>
-            <a:r>
-              <a:rPr lang="en-US" altLang="zh-CN" dirty="0">
-                <a:solidFill>
-                  <a:srgbClr val="333333"/>
-                </a:solidFill>
-                <a:latin typeface="+mn-ea"/>
-                <a:ea typeface="+mn-ea"/>
-              </a:rPr>
-              <a:t>import </a:t>
-            </a:r>
-            <a:r>
-              <a:rPr lang="zh-CN" altLang="en-US" dirty="0">
-                <a:solidFill>
-                  <a:srgbClr val="333333"/>
-                </a:solidFill>
-                <a:latin typeface="+mn-ea"/>
-                <a:ea typeface="+mn-ea"/>
-              </a:rPr>
-              <a:t>语句来引入模块，或者通过</a:t>
-            </a:r>
-            <a:r>
-              <a:rPr lang="en-US" altLang="zh-CN" dirty="0">
-                <a:solidFill>
-                  <a:srgbClr val="333333"/>
-                </a:solidFill>
-                <a:latin typeface="+mn-ea"/>
-                <a:ea typeface="+mn-ea"/>
-              </a:rPr>
-              <a:t>from-import</a:t>
-            </a:r>
-            <a:r>
-              <a:rPr lang="zh-CN" altLang="en-US" dirty="0">
-                <a:solidFill>
-                  <a:srgbClr val="333333"/>
-                </a:solidFill>
-                <a:latin typeface="+mn-ea"/>
-                <a:ea typeface="+mn-ea"/>
-              </a:rPr>
-              <a:t>语句从模块中导入一个特定功能。</a:t>
-            </a:r>
-          </a:p>
-        </p:txBody>
-      </p:sp>
-    </p:spTree>
-    <p:extLst>
-      <p:ext uri="{BB962C8B-B14F-4D97-AF65-F5344CB8AC3E}">
-        <p14:creationId xmlns:p14="http://schemas.microsoft.com/office/powerpoint/2010/main" val="771175115"/>
-      </p:ext>
-    </p:extLst>
-  </p:cSld>
-  <p:clrMapOvr>
-    <a:masterClrMapping/>
-  </p:clrMapOvr>
-  <p:transition>
-    <p:fade/>
-  </p:transition>
-</p:sld>
-</file>
-
 <file path=ppt/slides/slide14.xml><?xml version="1.0" encoding="utf-8"?>
 <p:sld xmlns:a="http://schemas.openxmlformats.org/drawingml/2006/main" xmlns:r="http://schemas.openxmlformats.org/officeDocument/2006/relationships" xmlns:p="http://schemas.openxmlformats.org/presentationml/2006/main">
   <p:cSld>
@@ -17527,25 +19371,24 @@
           <a:lstStyle/>
           <a:p>
             <a:r>
-              <a:rPr lang="zh-CN" altLang="en-US" sz="3600" b="1" dirty="0">
+              <a:rPr lang="zh-CN" altLang="en-US" dirty="0">
+                <a:latin typeface="+mn-ea"/>
+              </a:rPr>
+              <a:t>一、</a:t>
+            </a:r>
+            <a:r>
+              <a:rPr lang="en-US" altLang="zh-CN" dirty="0">
                 <a:latin typeface="微软雅黑" pitchFamily="34" charset="-122"/>
                 <a:ea typeface="微软雅黑" pitchFamily="34" charset="-122"/>
               </a:rPr>
-              <a:t>三、</a:t>
-            </a:r>
-            <a:r>
-              <a:rPr lang="en-US" altLang="zh-CN" sz="3600" b="1" dirty="0">
+              <a:t>Python</a:t>
+            </a:r>
+            <a:r>
+              <a:rPr lang="zh-CN" altLang="en-US" dirty="0">
                 <a:latin typeface="微软雅黑" pitchFamily="34" charset="-122"/>
                 <a:ea typeface="微软雅黑" pitchFamily="34" charset="-122"/>
               </a:rPr>
-              <a:t>Python</a:t>
-            </a:r>
-            <a:r>
-              <a:rPr lang="zh-CN" altLang="en-US" sz="3600" b="1" dirty="0">
-                <a:latin typeface="微软雅黑" pitchFamily="34" charset="-122"/>
-                <a:ea typeface="微软雅黑" pitchFamily="34" charset="-122"/>
-              </a:rPr>
-              <a:t>开发环境配置</a:t>
+              <a:t>编程基础</a:t>
             </a:r>
             <a:endParaRPr lang="zh-CN" altLang="en-US" dirty="0"/>
           </a:p>
@@ -17553,10 +19396,10 @@
       </p:sp>
       <p:sp>
         <p:nvSpPr>
-          <p:cNvPr id="11" name="TextBox 10">
+          <p:cNvPr id="2" name="TextBox 1">
             <a:extLst>
               <a:ext uri="{FF2B5EF4-FFF2-40B4-BE49-F238E27FC236}">
-                <a16:creationId xmlns:a16="http://schemas.microsoft.com/office/drawing/2014/main" id="{53A7E693-8098-76C4-CD5D-47166ABEB164}"/>
+                <a16:creationId xmlns:a16="http://schemas.microsoft.com/office/drawing/2014/main" id="{631AADB6-C88A-D817-4683-FC087E4E240F}"/>
               </a:ext>
             </a:extLst>
           </p:cNvPr>
@@ -17565,8 +19408,8 @@
         </p:nvSpPr>
         <p:spPr>
           <a:xfrm>
-            <a:off x="414554" y="1032836"/>
-            <a:ext cx="8314891" cy="743986"/>
+            <a:off x="311283" y="846748"/>
+            <a:ext cx="8401275" cy="4859151"/>
           </a:xfrm>
           <a:prstGeom prst="rect">
             <a:avLst/>
@@ -17581,20 +19424,30 @@
           <a:p>
             <a:pPr algn="just">
               <a:lnSpc>
-                <a:spcPct val="150000"/>
+                <a:spcPct val="200000"/>
               </a:lnSpc>
             </a:pPr>
             <a:r>
-              <a:rPr lang="zh-CN" altLang="en-US" sz="3200" b="1" dirty="0">
+              <a:rPr lang="en-US" altLang="zh-CN" sz="2800" b="1" dirty="0">
                 <a:solidFill>
                   <a:srgbClr val="333333"/>
                 </a:solidFill>
                 <a:latin typeface="+mn-ea"/>
                 <a:ea typeface="+mn-ea"/>
               </a:rPr>
-              <a:t>课堂课后练习</a:t>
-            </a:r>
-            <a:endParaRPr lang="en-US" altLang="zh-CN" sz="3200" b="1" dirty="0">
+              <a:t>6. </a:t>
+            </a:r>
+            <a:r>
+              <a:rPr lang="zh-CN" altLang="en-US" sz="2800" b="1" dirty="0">
+                <a:solidFill>
+                  <a:srgbClr val="333333"/>
+                </a:solidFill>
+                <a:latin typeface="+mn-ea"/>
+                <a:ea typeface="+mn-ea"/>
+              </a:rPr>
+              <a:t>模块</a:t>
+            </a:r>
+            <a:endParaRPr lang="en-US" altLang="zh-CN" sz="2800" b="1" dirty="0">
               <a:solidFill>
                 <a:srgbClr val="333333"/>
               </a:solidFill>
@@ -17602,14 +19455,212 @@
               <a:ea typeface="+mn-ea"/>
             </a:endParaRPr>
           </a:p>
+          <a:p>
+            <a:pPr algn="just">
+              <a:lnSpc>
+                <a:spcPct val="250000"/>
+              </a:lnSpc>
+            </a:pPr>
+            <a:r>
+              <a:rPr lang="zh-CN" altLang="en-US" b="1" dirty="0">
+                <a:solidFill>
+                  <a:srgbClr val="333333"/>
+                </a:solidFill>
+                <a:latin typeface="+mn-ea"/>
+                <a:ea typeface="+mn-ea"/>
+              </a:rPr>
+              <a:t>作用：</a:t>
+            </a:r>
+            <a:r>
+              <a:rPr lang="zh-CN" altLang="en-US" dirty="0">
+                <a:solidFill>
+                  <a:srgbClr val="333333"/>
+                </a:solidFill>
+                <a:latin typeface="+mn-ea"/>
+                <a:ea typeface="+mn-ea"/>
+              </a:rPr>
+              <a:t>模块让你能够有逻辑地组织你的</a:t>
+            </a:r>
+            <a:r>
+              <a:rPr lang="en-US" altLang="zh-CN" dirty="0">
+                <a:solidFill>
+                  <a:srgbClr val="333333"/>
+                </a:solidFill>
+                <a:latin typeface="+mn-ea"/>
+                <a:ea typeface="+mn-ea"/>
+              </a:rPr>
+              <a:t>Python</a:t>
+            </a:r>
+            <a:r>
+              <a:rPr lang="zh-CN" altLang="en-US" dirty="0">
+                <a:solidFill>
+                  <a:srgbClr val="333333"/>
+                </a:solidFill>
+                <a:latin typeface="+mn-ea"/>
+                <a:ea typeface="+mn-ea"/>
+              </a:rPr>
+              <a:t>代码。通过将相关代码分配到不同模块里，能使得代码更好用更易懂。</a:t>
+            </a:r>
+            <a:endParaRPr lang="en-US" altLang="zh-CN" dirty="0">
+              <a:solidFill>
+                <a:srgbClr val="333333"/>
+              </a:solidFill>
+              <a:latin typeface="+mn-ea"/>
+              <a:ea typeface="+mn-ea"/>
+            </a:endParaRPr>
+          </a:p>
+          <a:p>
+            <a:pPr algn="just">
+              <a:lnSpc>
+                <a:spcPct val="250000"/>
+              </a:lnSpc>
+            </a:pPr>
+            <a:r>
+              <a:rPr lang="zh-CN" altLang="en-US" b="1" dirty="0">
+                <a:solidFill>
+                  <a:srgbClr val="333333"/>
+                </a:solidFill>
+                <a:latin typeface="+mn-ea"/>
+                <a:ea typeface="+mn-ea"/>
+              </a:rPr>
+              <a:t>使用：</a:t>
+            </a:r>
+            <a:r>
+              <a:rPr lang="zh-CN" altLang="en-US" dirty="0">
+                <a:solidFill>
+                  <a:srgbClr val="333333"/>
+                </a:solidFill>
+                <a:latin typeface="+mn-ea"/>
+                <a:ea typeface="+mn-ea"/>
+              </a:rPr>
+              <a:t>模块定义好后，我们可以使用 </a:t>
+            </a:r>
+            <a:r>
+              <a:rPr lang="en-US" altLang="zh-CN" dirty="0">
+                <a:solidFill>
+                  <a:srgbClr val="333333"/>
+                </a:solidFill>
+                <a:latin typeface="+mn-ea"/>
+                <a:ea typeface="+mn-ea"/>
+              </a:rPr>
+              <a:t>import </a:t>
+            </a:r>
+            <a:r>
+              <a:rPr lang="zh-CN" altLang="en-US" dirty="0">
+                <a:solidFill>
+                  <a:srgbClr val="333333"/>
+                </a:solidFill>
+                <a:latin typeface="+mn-ea"/>
+                <a:ea typeface="+mn-ea"/>
+              </a:rPr>
+              <a:t>语句来引入模块，或者通过</a:t>
+            </a:r>
+            <a:r>
+              <a:rPr lang="en-US" altLang="zh-CN" dirty="0">
+                <a:solidFill>
+                  <a:srgbClr val="333333"/>
+                </a:solidFill>
+                <a:latin typeface="+mn-ea"/>
+                <a:ea typeface="+mn-ea"/>
+              </a:rPr>
+              <a:t>from-import</a:t>
+            </a:r>
+            <a:r>
+              <a:rPr lang="zh-CN" altLang="en-US" dirty="0">
+                <a:solidFill>
+                  <a:srgbClr val="333333"/>
+                </a:solidFill>
+                <a:latin typeface="+mn-ea"/>
+                <a:ea typeface="+mn-ea"/>
+              </a:rPr>
+              <a:t>语句从模块中导入一个特定功能。</a:t>
+            </a:r>
+          </a:p>
+        </p:txBody>
+      </p:sp>
+    </p:spTree>
+    <p:extLst>
+      <p:ext uri="{BB962C8B-B14F-4D97-AF65-F5344CB8AC3E}">
+        <p14:creationId xmlns:p14="http://schemas.microsoft.com/office/powerpoint/2010/main" val="771175115"/>
+      </p:ext>
+    </p:extLst>
+  </p:cSld>
+  <p:clrMapOvr>
+    <a:masterClrMapping/>
+  </p:clrMapOvr>
+  <p:transition>
+    <p:fade/>
+  </p:transition>
+</p:sld>
+</file>
+
+<file path=ppt/slides/slide15.xml><?xml version="1.0" encoding="utf-8"?>
+<p:sld xmlns:a="http://schemas.openxmlformats.org/drawingml/2006/main" xmlns:r="http://schemas.openxmlformats.org/officeDocument/2006/relationships" xmlns:p="http://schemas.openxmlformats.org/presentationml/2006/main">
+  <p:cSld>
+    <p:spTree>
+      <p:nvGrpSpPr>
+        <p:cNvPr id="1" name=""/>
+        <p:cNvGrpSpPr/>
+        <p:nvPr/>
+      </p:nvGrpSpPr>
+      <p:grpSpPr>
+        <a:xfrm>
+          <a:off x="0" y="0"/>
+          <a:ext cx="0" cy="0"/>
+          <a:chOff x="0" y="0"/>
+          <a:chExt cx="0" cy="0"/>
+        </a:xfrm>
+      </p:grpSpPr>
+      <p:sp>
+        <p:nvSpPr>
+          <p:cNvPr id="3" name="标题 2"/>
+          <p:cNvSpPr>
+            <a:spLocks noGrp="1"/>
+          </p:cNvSpPr>
+          <p:nvPr>
+            <p:ph type="title"/>
+          </p:nvPr>
+        </p:nvSpPr>
+        <p:spPr>
+          <a:xfrm>
+            <a:off x="0" y="8526"/>
+            <a:ext cx="9013371" cy="792162"/>
+          </a:xfrm>
+        </p:spPr>
+        <p:txBody>
+          <a:bodyPr/>
+          <a:lstStyle/>
+          <a:p>
+            <a:r>
+              <a:rPr lang="zh-CN" altLang="en-US" dirty="0">
+                <a:latin typeface="+mn-ea"/>
+              </a:rPr>
+              <a:t>一、</a:t>
+            </a:r>
+            <a:r>
+              <a:rPr lang="en-US" altLang="zh-CN" dirty="0">
+                <a:latin typeface="微软雅黑" pitchFamily="34" charset="-122"/>
+                <a:ea typeface="微软雅黑" pitchFamily="34" charset="-122"/>
+              </a:rPr>
+              <a:t>Python</a:t>
+            </a:r>
+            <a:r>
+              <a:rPr lang="zh-CN" altLang="en-US" dirty="0">
+                <a:latin typeface="微软雅黑" pitchFamily="34" charset="-122"/>
+                <a:ea typeface="微软雅黑" pitchFamily="34" charset="-122"/>
+              </a:rPr>
+              <a:t>编程基础</a:t>
+            </a:r>
+            <a:endParaRPr lang="zh-CN" altLang="en-US" dirty="0"/>
+          </a:p>
         </p:txBody>
       </p:sp>
       <p:sp>
         <p:nvSpPr>
-          <p:cNvPr id="13" name="TextBox 12">
+          <p:cNvPr id="2" name="TextBox 1">
             <a:extLst>
               <a:ext uri="{FF2B5EF4-FFF2-40B4-BE49-F238E27FC236}">
-                <a16:creationId xmlns:a16="http://schemas.microsoft.com/office/drawing/2014/main" id="{303BC878-BC57-D350-27A3-F03AE48213AC}"/>
+                <a16:creationId xmlns:a16="http://schemas.microsoft.com/office/drawing/2014/main" id="{631AADB6-C88A-D817-4683-FC087E4E240F}"/>
               </a:ext>
             </a:extLst>
           </p:cNvPr>
@@ -17618,8 +19669,946 @@
         </p:nvSpPr>
         <p:spPr>
           <a:xfrm>
-            <a:off x="553250" y="1872358"/>
-            <a:ext cx="8037499" cy="4755982"/>
+            <a:off x="317500" y="865798"/>
+            <a:ext cx="8395058" cy="4859151"/>
+          </a:xfrm>
+          <a:prstGeom prst="rect">
+            <a:avLst/>
+          </a:prstGeom>
+          <a:noFill/>
+        </p:spPr>
+        <p:txBody>
+          <a:bodyPr wrap="square" rtlCol="0">
+            <a:spAutoFit/>
+          </a:bodyPr>
+          <a:lstStyle/>
+          <a:p>
+            <a:pPr algn="just">
+              <a:lnSpc>
+                <a:spcPct val="200000"/>
+              </a:lnSpc>
+            </a:pPr>
+            <a:r>
+              <a:rPr lang="en-US" altLang="zh-CN" sz="2800" b="1" dirty="0">
+                <a:solidFill>
+                  <a:srgbClr val="333333"/>
+                </a:solidFill>
+                <a:latin typeface="+mn-ea"/>
+                <a:ea typeface="+mn-ea"/>
+              </a:rPr>
+              <a:t>6. </a:t>
+            </a:r>
+            <a:r>
+              <a:rPr lang="zh-CN" altLang="en-US" sz="2800" b="1" dirty="0">
+                <a:solidFill>
+                  <a:srgbClr val="333333"/>
+                </a:solidFill>
+                <a:latin typeface="+mn-ea"/>
+                <a:ea typeface="+mn-ea"/>
+              </a:rPr>
+              <a:t>模块</a:t>
+            </a:r>
+            <a:endParaRPr lang="en-US" altLang="zh-CN" sz="2800" b="1" dirty="0">
+              <a:solidFill>
+                <a:srgbClr val="333333"/>
+              </a:solidFill>
+              <a:latin typeface="+mn-ea"/>
+              <a:ea typeface="+mn-ea"/>
+            </a:endParaRPr>
+          </a:p>
+          <a:p>
+            <a:pPr algn="just">
+              <a:lnSpc>
+                <a:spcPct val="250000"/>
+              </a:lnSpc>
+            </a:pPr>
+            <a:r>
+              <a:rPr lang="zh-CN" altLang="en-US" b="1" dirty="0">
+                <a:solidFill>
+                  <a:srgbClr val="333333"/>
+                </a:solidFill>
+                <a:latin typeface="+mn-ea"/>
+                <a:ea typeface="+mn-ea"/>
+              </a:rPr>
+              <a:t>作用：</a:t>
+            </a:r>
+            <a:r>
+              <a:rPr lang="zh-CN" altLang="en-US" dirty="0">
+                <a:solidFill>
+                  <a:srgbClr val="333333"/>
+                </a:solidFill>
+                <a:latin typeface="+mn-ea"/>
+                <a:ea typeface="+mn-ea"/>
+              </a:rPr>
+              <a:t>模块让你能够有逻辑地组织你的</a:t>
+            </a:r>
+            <a:r>
+              <a:rPr lang="en-US" altLang="zh-CN" dirty="0">
+                <a:solidFill>
+                  <a:srgbClr val="333333"/>
+                </a:solidFill>
+                <a:latin typeface="+mn-ea"/>
+                <a:ea typeface="+mn-ea"/>
+              </a:rPr>
+              <a:t>Python</a:t>
+            </a:r>
+            <a:r>
+              <a:rPr lang="zh-CN" altLang="en-US" dirty="0">
+                <a:solidFill>
+                  <a:srgbClr val="333333"/>
+                </a:solidFill>
+                <a:latin typeface="+mn-ea"/>
+                <a:ea typeface="+mn-ea"/>
+              </a:rPr>
+              <a:t>代码。通过将相关代码分配到不同模块里，能使得代码更好用更易懂。</a:t>
+            </a:r>
+            <a:endParaRPr lang="en-US" altLang="zh-CN" dirty="0">
+              <a:solidFill>
+                <a:srgbClr val="333333"/>
+              </a:solidFill>
+              <a:latin typeface="+mn-ea"/>
+              <a:ea typeface="+mn-ea"/>
+            </a:endParaRPr>
+          </a:p>
+          <a:p>
+            <a:pPr algn="just">
+              <a:lnSpc>
+                <a:spcPct val="250000"/>
+              </a:lnSpc>
+            </a:pPr>
+            <a:r>
+              <a:rPr lang="zh-CN" altLang="en-US" b="1" dirty="0">
+                <a:solidFill>
+                  <a:srgbClr val="333333"/>
+                </a:solidFill>
+                <a:latin typeface="+mn-ea"/>
+                <a:ea typeface="+mn-ea"/>
+              </a:rPr>
+              <a:t>使用：</a:t>
+            </a:r>
+            <a:r>
+              <a:rPr lang="zh-CN" altLang="en-US" dirty="0">
+                <a:solidFill>
+                  <a:srgbClr val="333333"/>
+                </a:solidFill>
+                <a:latin typeface="+mn-ea"/>
+                <a:ea typeface="+mn-ea"/>
+              </a:rPr>
+              <a:t>模块定义好后，我们可以使用 </a:t>
+            </a:r>
+            <a:r>
+              <a:rPr lang="en-US" altLang="zh-CN" dirty="0">
+                <a:solidFill>
+                  <a:srgbClr val="333333"/>
+                </a:solidFill>
+                <a:latin typeface="+mn-ea"/>
+                <a:ea typeface="+mn-ea"/>
+              </a:rPr>
+              <a:t>import </a:t>
+            </a:r>
+            <a:r>
+              <a:rPr lang="zh-CN" altLang="en-US" dirty="0">
+                <a:solidFill>
+                  <a:srgbClr val="333333"/>
+                </a:solidFill>
+                <a:latin typeface="+mn-ea"/>
+                <a:ea typeface="+mn-ea"/>
+              </a:rPr>
+              <a:t>语句来引入模块，或者通过</a:t>
+            </a:r>
+            <a:r>
+              <a:rPr lang="en-US" altLang="zh-CN" dirty="0">
+                <a:solidFill>
+                  <a:srgbClr val="333333"/>
+                </a:solidFill>
+                <a:latin typeface="+mn-ea"/>
+                <a:ea typeface="+mn-ea"/>
+              </a:rPr>
+              <a:t>from-import</a:t>
+            </a:r>
+            <a:r>
+              <a:rPr lang="zh-CN" altLang="en-US" dirty="0">
+                <a:solidFill>
+                  <a:srgbClr val="333333"/>
+                </a:solidFill>
+                <a:latin typeface="+mn-ea"/>
+                <a:ea typeface="+mn-ea"/>
+              </a:rPr>
+              <a:t>语句从模块中导入一个特定功能。</a:t>
+            </a:r>
+          </a:p>
+        </p:txBody>
+      </p:sp>
+    </p:spTree>
+    <p:extLst>
+      <p:ext uri="{BB962C8B-B14F-4D97-AF65-F5344CB8AC3E}">
+        <p14:creationId xmlns:p14="http://schemas.microsoft.com/office/powerpoint/2010/main" val="2753172343"/>
+      </p:ext>
+    </p:extLst>
+  </p:cSld>
+  <p:clrMapOvr>
+    <a:masterClrMapping/>
+  </p:clrMapOvr>
+  <p:transition>
+    <p:fade/>
+  </p:transition>
+</p:sld>
+</file>
+
+<file path=ppt/slides/slide16.xml><?xml version="1.0" encoding="utf-8"?>
+<p:sld xmlns:a="http://schemas.openxmlformats.org/drawingml/2006/main" xmlns:r="http://schemas.openxmlformats.org/officeDocument/2006/relationships" xmlns:p="http://schemas.openxmlformats.org/presentationml/2006/main">
+  <p:cSld>
+    <p:spTree>
+      <p:nvGrpSpPr>
+        <p:cNvPr id="1" name=""/>
+        <p:cNvGrpSpPr/>
+        <p:nvPr/>
+      </p:nvGrpSpPr>
+      <p:grpSpPr>
+        <a:xfrm>
+          <a:off x="0" y="0"/>
+          <a:ext cx="0" cy="0"/>
+          <a:chOff x="0" y="0"/>
+          <a:chExt cx="0" cy="0"/>
+        </a:xfrm>
+      </p:grpSpPr>
+      <p:sp>
+        <p:nvSpPr>
+          <p:cNvPr id="3" name="标题 2"/>
+          <p:cNvSpPr>
+            <a:spLocks noGrp="1"/>
+          </p:cNvSpPr>
+          <p:nvPr>
+            <p:ph type="title"/>
+          </p:nvPr>
+        </p:nvSpPr>
+        <p:spPr>
+          <a:xfrm>
+            <a:off x="0" y="8526"/>
+            <a:ext cx="9013371" cy="792162"/>
+          </a:xfrm>
+        </p:spPr>
+        <p:txBody>
+          <a:bodyPr/>
+          <a:lstStyle/>
+          <a:p>
+            <a:r>
+              <a:rPr lang="zh-CN" altLang="en-US" dirty="0">
+                <a:latin typeface="+mn-ea"/>
+              </a:rPr>
+              <a:t>一、</a:t>
+            </a:r>
+            <a:r>
+              <a:rPr lang="en-US" altLang="zh-CN" dirty="0">
+                <a:latin typeface="微软雅黑" pitchFamily="34" charset="-122"/>
+                <a:ea typeface="微软雅黑" pitchFamily="34" charset="-122"/>
+              </a:rPr>
+              <a:t>Python</a:t>
+            </a:r>
+            <a:r>
+              <a:rPr lang="zh-CN" altLang="en-US" dirty="0">
+                <a:latin typeface="微软雅黑" pitchFamily="34" charset="-122"/>
+                <a:ea typeface="微软雅黑" pitchFamily="34" charset="-122"/>
+              </a:rPr>
+              <a:t>编程基础</a:t>
+            </a:r>
+            <a:endParaRPr lang="zh-CN" altLang="en-US" dirty="0"/>
+          </a:p>
+        </p:txBody>
+      </p:sp>
+      <p:sp>
+        <p:nvSpPr>
+          <p:cNvPr id="2" name="TextBox 1">
+            <a:extLst>
+              <a:ext uri="{FF2B5EF4-FFF2-40B4-BE49-F238E27FC236}">
+                <a16:creationId xmlns:a16="http://schemas.microsoft.com/office/drawing/2014/main" id="{631AADB6-C88A-D817-4683-FC087E4E240F}"/>
+              </a:ext>
+            </a:extLst>
+          </p:cNvPr>
+          <p:cNvSpPr txBox="1"/>
+          <p:nvPr/>
+        </p:nvSpPr>
+        <p:spPr>
+          <a:xfrm>
+            <a:off x="317500" y="1007462"/>
+            <a:ext cx="4756776" cy="5166927"/>
+          </a:xfrm>
+          <a:prstGeom prst="rect">
+            <a:avLst/>
+          </a:prstGeom>
+          <a:noFill/>
+        </p:spPr>
+        <p:txBody>
+          <a:bodyPr wrap="square" rtlCol="0">
+            <a:spAutoFit/>
+          </a:bodyPr>
+          <a:lstStyle/>
+          <a:p>
+            <a:pPr algn="just"/>
+            <a:r>
+              <a:rPr lang="en-US" altLang="zh-CN" sz="2800" b="1" dirty="0">
+                <a:solidFill>
+                  <a:srgbClr val="333333"/>
+                </a:solidFill>
+                <a:latin typeface="+mn-ea"/>
+                <a:ea typeface="+mn-ea"/>
+              </a:rPr>
+              <a:t>7. </a:t>
+            </a:r>
+            <a:r>
+              <a:rPr lang="zh-CN" altLang="en-US" sz="2800" b="1" dirty="0">
+                <a:solidFill>
+                  <a:srgbClr val="333333"/>
+                </a:solidFill>
+                <a:latin typeface="+mn-ea"/>
+                <a:ea typeface="+mn-ea"/>
+              </a:rPr>
+              <a:t>包</a:t>
+            </a:r>
+            <a:endParaRPr lang="en-US" altLang="zh-CN" sz="2800" b="1" dirty="0">
+              <a:solidFill>
+                <a:srgbClr val="333333"/>
+              </a:solidFill>
+              <a:latin typeface="+mn-ea"/>
+              <a:ea typeface="+mn-ea"/>
+            </a:endParaRPr>
+          </a:p>
+          <a:p>
+            <a:pPr algn="just">
+              <a:lnSpc>
+                <a:spcPct val="250000"/>
+              </a:lnSpc>
+            </a:pPr>
+            <a:r>
+              <a:rPr lang="zh-CN" altLang="en-US" b="1" dirty="0">
+                <a:solidFill>
+                  <a:srgbClr val="333333"/>
+                </a:solidFill>
+                <a:latin typeface="+mn-ea"/>
+                <a:ea typeface="+mn-ea"/>
+              </a:rPr>
+              <a:t>概念：</a:t>
+            </a:r>
+            <a:r>
+              <a:rPr lang="zh-CN" altLang="en-US" dirty="0">
+                <a:solidFill>
+                  <a:srgbClr val="333333"/>
+                </a:solidFill>
+                <a:latin typeface="+mn-ea"/>
+                <a:ea typeface="+mn-ea"/>
+              </a:rPr>
+              <a:t>在实际的编码环境中，已经存在大量模块，并且新模块还在不停被创建，为了避免模块名冲突，</a:t>
+            </a:r>
+            <a:r>
+              <a:rPr lang="en-US" altLang="zh-CN" dirty="0">
+                <a:solidFill>
+                  <a:srgbClr val="333333"/>
+                </a:solidFill>
+                <a:latin typeface="+mn-ea"/>
+                <a:ea typeface="+mn-ea"/>
+              </a:rPr>
+              <a:t>Python </a:t>
+            </a:r>
+            <a:r>
+              <a:rPr lang="zh-CN" altLang="en-US" dirty="0">
+                <a:solidFill>
+                  <a:srgbClr val="333333"/>
+                </a:solidFill>
+                <a:latin typeface="+mn-ea"/>
+                <a:ea typeface="+mn-ea"/>
+              </a:rPr>
+              <a:t>又引入了按目录来组织模块的方法，称为包（</a:t>
+            </a:r>
+            <a:r>
+              <a:rPr lang="en-US" altLang="zh-CN" dirty="0">
+                <a:solidFill>
+                  <a:srgbClr val="333333"/>
+                </a:solidFill>
+                <a:latin typeface="+mn-ea"/>
+                <a:ea typeface="+mn-ea"/>
+              </a:rPr>
+              <a:t>Package</a:t>
+            </a:r>
+            <a:r>
+              <a:rPr lang="zh-CN" altLang="en-US" dirty="0">
+                <a:solidFill>
+                  <a:srgbClr val="333333"/>
+                </a:solidFill>
+                <a:latin typeface="+mn-ea"/>
+                <a:ea typeface="+mn-ea"/>
+              </a:rPr>
+              <a:t>）。</a:t>
+            </a:r>
+            <a:endParaRPr lang="en-US" altLang="zh-CN" dirty="0">
+              <a:solidFill>
+                <a:srgbClr val="333333"/>
+              </a:solidFill>
+              <a:latin typeface="+mn-ea"/>
+              <a:ea typeface="+mn-ea"/>
+            </a:endParaRPr>
+          </a:p>
+        </p:txBody>
+      </p:sp>
+      <p:pic>
+        <p:nvPicPr>
+          <p:cNvPr id="5" name="图片 4">
+            <a:extLst>
+              <a:ext uri="{FF2B5EF4-FFF2-40B4-BE49-F238E27FC236}">
+                <a16:creationId xmlns:a16="http://schemas.microsoft.com/office/drawing/2014/main" id="{5F566852-C6C2-0280-3E6B-ADF3F304CCBE}"/>
+              </a:ext>
+            </a:extLst>
+          </p:cNvPr>
+          <p:cNvPicPr>
+            <a:picLocks noChangeAspect="1"/>
+          </p:cNvPicPr>
+          <p:nvPr/>
+        </p:nvPicPr>
+        <p:blipFill>
+          <a:blip r:embed="rId3"/>
+          <a:srcRect l="23131" r="3806"/>
+          <a:stretch/>
+        </p:blipFill>
+        <p:spPr>
+          <a:xfrm>
+            <a:off x="5261020" y="2119407"/>
+            <a:ext cx="3507525" cy="3589464"/>
+          </a:xfrm>
+          <a:prstGeom prst="rect">
+            <a:avLst/>
+          </a:prstGeom>
+          <a:ln w="28575">
+            <a:solidFill>
+              <a:srgbClr val="FFCC99"/>
+            </a:solidFill>
+          </a:ln>
+        </p:spPr>
+      </p:pic>
+    </p:spTree>
+    <p:extLst>
+      <p:ext uri="{BB962C8B-B14F-4D97-AF65-F5344CB8AC3E}">
+        <p14:creationId xmlns:p14="http://schemas.microsoft.com/office/powerpoint/2010/main" val="3118429835"/>
+      </p:ext>
+    </p:extLst>
+  </p:cSld>
+  <p:clrMapOvr>
+    <a:masterClrMapping/>
+  </p:clrMapOvr>
+  <p:transition>
+    <p:fade/>
+  </p:transition>
+</p:sld>
+</file>
+
+<file path=ppt/slides/slide17.xml><?xml version="1.0" encoding="utf-8"?>
+<p:sld xmlns:a="http://schemas.openxmlformats.org/drawingml/2006/main" xmlns:r="http://schemas.openxmlformats.org/officeDocument/2006/relationships" xmlns:p="http://schemas.openxmlformats.org/presentationml/2006/main">
+  <p:cSld>
+    <p:spTree>
+      <p:nvGrpSpPr>
+        <p:cNvPr id="1" name=""/>
+        <p:cNvGrpSpPr/>
+        <p:nvPr/>
+      </p:nvGrpSpPr>
+      <p:grpSpPr>
+        <a:xfrm>
+          <a:off x="0" y="0"/>
+          <a:ext cx="0" cy="0"/>
+          <a:chOff x="0" y="0"/>
+          <a:chExt cx="0" cy="0"/>
+        </a:xfrm>
+      </p:grpSpPr>
+      <p:sp>
+        <p:nvSpPr>
+          <p:cNvPr id="3" name="矩形 2"/>
+          <p:cNvSpPr/>
+          <p:nvPr/>
+        </p:nvSpPr>
+        <p:spPr>
+          <a:xfrm>
+            <a:off x="0" y="3471863"/>
+            <a:ext cx="9144000" cy="1543050"/>
+          </a:xfrm>
+          <a:prstGeom prst="rect">
+            <a:avLst/>
+          </a:prstGeom>
+          <a:solidFill>
+            <a:schemeClr val="accent1"/>
+          </a:solidFill>
+          <a:ln>
+            <a:noFill/>
+          </a:ln>
+        </p:spPr>
+        <p:txBody>
+          <a:bodyPr wrap="square" lIns="0" rtlCol="0" anchor="ctr">
+            <a:noAutofit/>
+          </a:bodyPr>
+          <a:lstStyle/>
+          <a:p>
+            <a:pPr algn="l"/>
+            <a:endParaRPr lang="zh-CN" altLang="en-US" b="1">
+              <a:solidFill>
+                <a:srgbClr val="FF0000"/>
+              </a:solidFill>
+              <a:latin typeface="微软雅黑" pitchFamily="34" charset="-122"/>
+              <a:ea typeface="微软雅黑" pitchFamily="34" charset="-122"/>
+            </a:endParaRPr>
+          </a:p>
+        </p:txBody>
+      </p:sp>
+      <p:sp>
+        <p:nvSpPr>
+          <p:cNvPr id="7" name="矩形 6"/>
+          <p:cNvSpPr/>
+          <p:nvPr/>
+        </p:nvSpPr>
+        <p:spPr>
+          <a:xfrm>
+            <a:off x="189064" y="3868892"/>
+            <a:ext cx="8753057" cy="707886"/>
+          </a:xfrm>
+          <a:prstGeom prst="rect">
+            <a:avLst/>
+          </a:prstGeom>
+        </p:spPr>
+        <p:txBody>
+          <a:bodyPr wrap="square">
+            <a:spAutoFit/>
+          </a:bodyPr>
+          <a:lstStyle/>
+          <a:p>
+            <a:pPr algn="l" fontAlgn="auto">
+              <a:spcBef>
+                <a:spcPts val="0"/>
+              </a:spcBef>
+              <a:spcAft>
+                <a:spcPts val="0"/>
+              </a:spcAft>
+            </a:pPr>
+            <a:r>
+              <a:rPr lang="zh-CN" altLang="en-US" sz="4000" b="1" dirty="0">
+                <a:latin typeface="微软雅黑" pitchFamily="34" charset="-122"/>
+                <a:ea typeface="微软雅黑" pitchFamily="34" charset="-122"/>
+              </a:rPr>
+              <a:t>二、</a:t>
+            </a:r>
+            <a:r>
+              <a:rPr lang="en-US" altLang="zh-CN" sz="4000" b="1" dirty="0" err="1">
+                <a:latin typeface="微软雅黑" pitchFamily="34" charset="-122"/>
+                <a:ea typeface="微软雅黑" pitchFamily="34" charset="-122"/>
+              </a:rPr>
+              <a:t>Matlablib</a:t>
+            </a:r>
+            <a:r>
+              <a:rPr lang="zh-CN" altLang="en-US" sz="4000" b="1" dirty="0">
+                <a:latin typeface="微软雅黑" pitchFamily="34" charset="-122"/>
+                <a:ea typeface="微软雅黑" pitchFamily="34" charset="-122"/>
+              </a:rPr>
+              <a:t>基础</a:t>
+            </a:r>
+          </a:p>
+        </p:txBody>
+      </p:sp>
+      <p:sp>
+        <p:nvSpPr>
+          <p:cNvPr id="8" name="矩形 7"/>
+          <p:cNvSpPr/>
+          <p:nvPr/>
+        </p:nvSpPr>
+        <p:spPr>
+          <a:xfrm>
+            <a:off x="0" y="5014912"/>
+            <a:ext cx="9144000" cy="72000"/>
+          </a:xfrm>
+          <a:prstGeom prst="rect">
+            <a:avLst/>
+          </a:prstGeom>
+          <a:solidFill>
+            <a:schemeClr val="tx1">
+              <a:lumMod val="75000"/>
+            </a:schemeClr>
+          </a:solidFill>
+          <a:effectLst/>
+        </p:spPr>
+        <p:txBody>
+          <a:bodyPr wrap="square" lIns="0" rtlCol="0" anchor="ctr">
+            <a:noAutofit/>
+          </a:bodyPr>
+          <a:lstStyle/>
+          <a:p>
+            <a:pPr algn="l"/>
+            <a:endParaRPr lang="zh-CN" altLang="en-US" b="1">
+              <a:solidFill>
+                <a:srgbClr val="FF0000"/>
+              </a:solidFill>
+              <a:latin typeface="微软雅黑" pitchFamily="34" charset="-122"/>
+              <a:ea typeface="微软雅黑" pitchFamily="34" charset="-122"/>
+            </a:endParaRPr>
+          </a:p>
+        </p:txBody>
+      </p:sp>
+    </p:spTree>
+    <p:extLst>
+      <p:ext uri="{BB962C8B-B14F-4D97-AF65-F5344CB8AC3E}">
+        <p14:creationId xmlns:p14="http://schemas.microsoft.com/office/powerpoint/2010/main" val="1478400783"/>
+      </p:ext>
+    </p:extLst>
+  </p:cSld>
+  <p:clrMapOvr>
+    <a:masterClrMapping/>
+  </p:clrMapOvr>
+  <p:transition>
+    <p:fade/>
+  </p:transition>
+</p:sld>
+</file>
+
+<file path=ppt/slides/slide18.xml><?xml version="1.0" encoding="utf-8"?>
+<p:sld xmlns:a="http://schemas.openxmlformats.org/drawingml/2006/main" xmlns:r="http://schemas.openxmlformats.org/officeDocument/2006/relationships" xmlns:p="http://schemas.openxmlformats.org/presentationml/2006/main">
+  <p:cSld>
+    <p:spTree>
+      <p:nvGrpSpPr>
+        <p:cNvPr id="1" name=""/>
+        <p:cNvGrpSpPr/>
+        <p:nvPr/>
+      </p:nvGrpSpPr>
+      <p:grpSpPr>
+        <a:xfrm>
+          <a:off x="0" y="0"/>
+          <a:ext cx="0" cy="0"/>
+          <a:chOff x="0" y="0"/>
+          <a:chExt cx="0" cy="0"/>
+        </a:xfrm>
+      </p:grpSpPr>
+      <p:sp>
+        <p:nvSpPr>
+          <p:cNvPr id="3" name="标题 2"/>
+          <p:cNvSpPr>
+            <a:spLocks noGrp="1"/>
+          </p:cNvSpPr>
+          <p:nvPr>
+            <p:ph type="title"/>
+          </p:nvPr>
+        </p:nvSpPr>
+        <p:spPr>
+          <a:xfrm>
+            <a:off x="0" y="8526"/>
+            <a:ext cx="9013371" cy="792162"/>
+          </a:xfrm>
+        </p:spPr>
+        <p:txBody>
+          <a:bodyPr/>
+          <a:lstStyle/>
+          <a:p>
+            <a:r>
+              <a:rPr lang="zh-CN" altLang="en-US" dirty="0">
+                <a:latin typeface="+mn-ea"/>
+              </a:rPr>
+              <a:t>一、</a:t>
+            </a:r>
+            <a:r>
+              <a:rPr lang="en-US" altLang="zh-CN" dirty="0">
+                <a:latin typeface="微软雅黑" pitchFamily="34" charset="-122"/>
+                <a:ea typeface="微软雅黑" pitchFamily="34" charset="-122"/>
+              </a:rPr>
+              <a:t>Python</a:t>
+            </a:r>
+            <a:r>
+              <a:rPr lang="zh-CN" altLang="en-US" dirty="0">
+                <a:latin typeface="微软雅黑" pitchFamily="34" charset="-122"/>
+                <a:ea typeface="微软雅黑" pitchFamily="34" charset="-122"/>
+              </a:rPr>
+              <a:t>编程基础</a:t>
+            </a:r>
+            <a:endParaRPr lang="zh-CN" altLang="en-US" dirty="0"/>
+          </a:p>
+        </p:txBody>
+      </p:sp>
+      <p:sp>
+        <p:nvSpPr>
+          <p:cNvPr id="2" name="TextBox 1">
+            <a:extLst>
+              <a:ext uri="{FF2B5EF4-FFF2-40B4-BE49-F238E27FC236}">
+                <a16:creationId xmlns:a16="http://schemas.microsoft.com/office/drawing/2014/main" id="{631AADB6-C88A-D817-4683-FC087E4E240F}"/>
+              </a:ext>
+            </a:extLst>
+          </p:cNvPr>
+          <p:cNvSpPr txBox="1"/>
+          <p:nvPr/>
+        </p:nvSpPr>
+        <p:spPr>
+          <a:xfrm>
+            <a:off x="317500" y="923752"/>
+            <a:ext cx="8253390" cy="4905317"/>
+          </a:xfrm>
+          <a:prstGeom prst="rect">
+            <a:avLst/>
+          </a:prstGeom>
+          <a:noFill/>
+        </p:spPr>
+        <p:txBody>
+          <a:bodyPr wrap="square" rtlCol="0">
+            <a:spAutoFit/>
+          </a:bodyPr>
+          <a:lstStyle/>
+          <a:p>
+            <a:pPr algn="just">
+              <a:lnSpc>
+                <a:spcPct val="200000"/>
+              </a:lnSpc>
+            </a:pPr>
+            <a:r>
+              <a:rPr lang="en-US" altLang="zh-CN" sz="2800" b="1" dirty="0">
+                <a:solidFill>
+                  <a:srgbClr val="333333"/>
+                </a:solidFill>
+                <a:latin typeface="+mn-ea"/>
+                <a:ea typeface="+mn-ea"/>
+              </a:rPr>
+              <a:t>Matplotlib</a:t>
+            </a:r>
+            <a:r>
+              <a:rPr lang="zh-CN" altLang="en-US" sz="2800" b="1" dirty="0">
+                <a:solidFill>
+                  <a:srgbClr val="333333"/>
+                </a:solidFill>
+                <a:latin typeface="+mn-ea"/>
+                <a:ea typeface="+mn-ea"/>
+              </a:rPr>
+              <a:t>开源库简介</a:t>
+            </a:r>
+            <a:endParaRPr lang="en-US" altLang="zh-CN" sz="2800" b="1" dirty="0">
+              <a:solidFill>
+                <a:srgbClr val="333333"/>
+              </a:solidFill>
+              <a:latin typeface="+mn-ea"/>
+              <a:ea typeface="+mn-ea"/>
+            </a:endParaRPr>
+          </a:p>
+          <a:p>
+            <a:pPr algn="just">
+              <a:lnSpc>
+                <a:spcPct val="200000"/>
+              </a:lnSpc>
+            </a:pPr>
+            <a:r>
+              <a:rPr lang="en-US" altLang="zh-CN" sz="2300" dirty="0">
+                <a:solidFill>
+                  <a:srgbClr val="333333"/>
+                </a:solidFill>
+                <a:latin typeface="+mn-ea"/>
+                <a:ea typeface="+mn-ea"/>
+              </a:rPr>
+              <a:t>Matplotlib </a:t>
+            </a:r>
+            <a:r>
+              <a:rPr lang="zh-CN" altLang="en-US" sz="2300" dirty="0">
+                <a:solidFill>
+                  <a:srgbClr val="333333"/>
+                </a:solidFill>
+                <a:latin typeface="+mn-ea"/>
+                <a:ea typeface="+mn-ea"/>
+              </a:rPr>
+              <a:t>是一个用于</a:t>
+            </a:r>
+            <a:r>
+              <a:rPr lang="zh-CN" altLang="en-US" sz="2300" b="1" u="sng" dirty="0">
+                <a:solidFill>
+                  <a:srgbClr val="333333"/>
+                </a:solidFill>
+                <a:latin typeface="+mn-ea"/>
+                <a:ea typeface="+mn-ea"/>
+              </a:rPr>
+              <a:t>绘制图表</a:t>
+            </a:r>
+            <a:r>
+              <a:rPr lang="zh-CN" altLang="en-US" sz="2300" dirty="0">
+                <a:solidFill>
+                  <a:srgbClr val="333333"/>
+                </a:solidFill>
+                <a:latin typeface="+mn-ea"/>
+                <a:ea typeface="+mn-ea"/>
+              </a:rPr>
+              <a:t>和</a:t>
+            </a:r>
+            <a:r>
+              <a:rPr lang="zh-CN" altLang="en-US" sz="2300" b="1" u="sng" dirty="0">
+                <a:solidFill>
+                  <a:srgbClr val="333333"/>
+                </a:solidFill>
+                <a:latin typeface="+mn-ea"/>
+                <a:ea typeface="+mn-ea"/>
+              </a:rPr>
+              <a:t>可视化数据</a:t>
+            </a:r>
+            <a:r>
+              <a:rPr lang="zh-CN" altLang="en-US" sz="2300" dirty="0">
+                <a:solidFill>
+                  <a:srgbClr val="333333"/>
+                </a:solidFill>
+                <a:latin typeface="+mn-ea"/>
+                <a:ea typeface="+mn-ea"/>
+              </a:rPr>
+              <a:t>的 </a:t>
+            </a:r>
+            <a:r>
+              <a:rPr lang="en-US" altLang="zh-CN" sz="2300" dirty="0">
+                <a:solidFill>
+                  <a:srgbClr val="333333"/>
+                </a:solidFill>
+                <a:latin typeface="+mn-ea"/>
+                <a:ea typeface="+mn-ea"/>
+              </a:rPr>
+              <a:t>Python </a:t>
+            </a:r>
+            <a:r>
+              <a:rPr lang="zh-CN" altLang="en-US" sz="2300" dirty="0">
+                <a:solidFill>
+                  <a:srgbClr val="333333"/>
+                </a:solidFill>
+                <a:latin typeface="+mn-ea"/>
+                <a:ea typeface="+mn-ea"/>
+              </a:rPr>
+              <a:t>库，由 </a:t>
+            </a:r>
+            <a:r>
+              <a:rPr lang="en-US" altLang="zh-CN" sz="2300" b="1" u="sng" dirty="0">
+                <a:solidFill>
+                  <a:srgbClr val="333333"/>
+                </a:solidFill>
+                <a:latin typeface="+mn-ea"/>
+                <a:ea typeface="+mn-ea"/>
+              </a:rPr>
+              <a:t>John D. Hunter </a:t>
+            </a:r>
+            <a:r>
+              <a:rPr lang="zh-CN" altLang="en-US" sz="2300" dirty="0">
+                <a:solidFill>
+                  <a:srgbClr val="333333"/>
+                </a:solidFill>
+                <a:latin typeface="+mn-ea"/>
+                <a:ea typeface="+mn-ea"/>
+              </a:rPr>
+              <a:t>于 </a:t>
+            </a:r>
+            <a:r>
+              <a:rPr lang="en-US" altLang="zh-CN" sz="2300" b="1" u="sng" dirty="0">
+                <a:solidFill>
+                  <a:srgbClr val="333333"/>
+                </a:solidFill>
+                <a:latin typeface="+mn-ea"/>
+                <a:ea typeface="+mn-ea"/>
+              </a:rPr>
+              <a:t>2003</a:t>
+            </a:r>
+            <a:r>
+              <a:rPr lang="en-US" altLang="zh-CN" sz="2300" dirty="0">
+                <a:solidFill>
+                  <a:srgbClr val="333333"/>
+                </a:solidFill>
+                <a:latin typeface="+mn-ea"/>
+                <a:ea typeface="+mn-ea"/>
+              </a:rPr>
+              <a:t> </a:t>
+            </a:r>
+            <a:r>
+              <a:rPr lang="zh-CN" altLang="en-US" sz="2300" dirty="0">
+                <a:solidFill>
+                  <a:srgbClr val="333333"/>
+                </a:solidFill>
+                <a:latin typeface="+mn-ea"/>
+                <a:ea typeface="+mn-ea"/>
+              </a:rPr>
+              <a:t>年创建。</a:t>
+            </a:r>
+            <a:endParaRPr lang="en-US" altLang="zh-CN" sz="2300" dirty="0">
+              <a:solidFill>
+                <a:srgbClr val="333333"/>
+              </a:solidFill>
+              <a:latin typeface="+mn-ea"/>
+              <a:ea typeface="+mn-ea"/>
+            </a:endParaRPr>
+          </a:p>
+          <a:p>
+            <a:pPr algn="just">
+              <a:lnSpc>
+                <a:spcPct val="200000"/>
+              </a:lnSpc>
+            </a:pPr>
+            <a:r>
+              <a:rPr lang="zh-CN" altLang="en-US" sz="2300" dirty="0">
+                <a:solidFill>
+                  <a:srgbClr val="333333"/>
+                </a:solidFill>
+                <a:latin typeface="+mn-ea"/>
+                <a:ea typeface="+mn-ea"/>
+              </a:rPr>
+              <a:t>它提供了广泛的绘图功能，适用于</a:t>
+            </a:r>
+            <a:r>
+              <a:rPr lang="zh-CN" altLang="en-US" sz="2300" b="1" u="sng" dirty="0">
+                <a:solidFill>
+                  <a:srgbClr val="333333"/>
+                </a:solidFill>
+                <a:latin typeface="+mn-ea"/>
+                <a:ea typeface="+mn-ea"/>
+              </a:rPr>
+              <a:t>科学计算、数据分析、机器学习</a:t>
+            </a:r>
+            <a:r>
+              <a:rPr lang="zh-CN" altLang="en-US" sz="2300" dirty="0">
+                <a:solidFill>
+                  <a:srgbClr val="333333"/>
+                </a:solidFill>
+                <a:latin typeface="+mn-ea"/>
+                <a:ea typeface="+mn-ea"/>
+              </a:rPr>
+              <a:t>等领域。</a:t>
+            </a:r>
+            <a:r>
+              <a:rPr lang="en-US" altLang="zh-CN" sz="2300" dirty="0">
+                <a:solidFill>
+                  <a:srgbClr val="333333"/>
+                </a:solidFill>
+                <a:latin typeface="+mn-ea"/>
+                <a:ea typeface="+mn-ea"/>
+              </a:rPr>
+              <a:t>Matplotlib </a:t>
+            </a:r>
+            <a:r>
+              <a:rPr lang="zh-CN" altLang="en-US" sz="2300" dirty="0">
+                <a:solidFill>
+                  <a:srgbClr val="333333"/>
+                </a:solidFill>
+                <a:latin typeface="+mn-ea"/>
+                <a:ea typeface="+mn-ea"/>
+              </a:rPr>
+              <a:t>是一个开源项目，广泛应用于科研、教育和工程等领域。</a:t>
+            </a:r>
+            <a:endParaRPr lang="en-US" altLang="zh-CN" sz="2300" dirty="0">
+              <a:solidFill>
+                <a:srgbClr val="333333"/>
+              </a:solidFill>
+              <a:latin typeface="+mn-ea"/>
+              <a:ea typeface="+mn-ea"/>
+            </a:endParaRPr>
+          </a:p>
+        </p:txBody>
+      </p:sp>
+      <p:sp>
+        <p:nvSpPr>
+          <p:cNvPr id="6" name="文本框 5">
+            <a:extLst>
+              <a:ext uri="{FF2B5EF4-FFF2-40B4-BE49-F238E27FC236}">
+                <a16:creationId xmlns:a16="http://schemas.microsoft.com/office/drawing/2014/main" id="{62D093E0-9703-9CA4-FAC0-04B3F1D50FE8}"/>
+              </a:ext>
+            </a:extLst>
+          </p:cNvPr>
+          <p:cNvSpPr txBox="1"/>
+          <p:nvPr/>
+        </p:nvSpPr>
+        <p:spPr>
+          <a:xfrm>
+            <a:off x="1075386" y="6198945"/>
+            <a:ext cx="7289442" cy="461665"/>
           </a:xfrm>
           <a:prstGeom prst="rect">
             <a:avLst/>
@@ -17632,63 +20621,197 @@
           </a:bodyPr>
           <a:lstStyle/>
           <a:p>
-            <a:pPr marL="457200" indent="-457200" algn="just">
+            <a:r>
+              <a:rPr lang="zh-CN" altLang="en-US" dirty="0">
+                <a:solidFill>
+                  <a:schemeClr val="accent1"/>
+                </a:solidFill>
+                <a:latin typeface="+mn-ea"/>
+                <a:ea typeface="+mn-ea"/>
+              </a:rPr>
+              <a:t>官方网站：</a:t>
+            </a:r>
+            <a:r>
+              <a:rPr lang="en-US" altLang="zh-CN" dirty="0">
+                <a:solidFill>
+                  <a:schemeClr val="accent1"/>
+                </a:solidFill>
+                <a:latin typeface="+mn-ea"/>
+                <a:ea typeface="+mn-ea"/>
+              </a:rPr>
+              <a:t>https://matplotlib.org/</a:t>
+            </a:r>
+            <a:endParaRPr lang="zh-CN" altLang="en-US" dirty="0">
+              <a:solidFill>
+                <a:schemeClr val="accent1"/>
+              </a:solidFill>
+              <a:latin typeface="+mn-ea"/>
+              <a:ea typeface="+mn-ea"/>
+            </a:endParaRPr>
+          </a:p>
+        </p:txBody>
+      </p:sp>
+      <p:pic>
+        <p:nvPicPr>
+          <p:cNvPr id="8" name="图片 7">
+            <a:extLst>
+              <a:ext uri="{FF2B5EF4-FFF2-40B4-BE49-F238E27FC236}">
+                <a16:creationId xmlns:a16="http://schemas.microsoft.com/office/drawing/2014/main" id="{72DB755A-BF55-10B9-8ECB-4AB91D2458EB}"/>
+              </a:ext>
+            </a:extLst>
+          </p:cNvPr>
+          <p:cNvPicPr>
+            <a:picLocks noChangeAspect="1"/>
+          </p:cNvPicPr>
+          <p:nvPr/>
+        </p:nvPicPr>
+        <p:blipFill>
+          <a:blip r:embed="rId3"/>
+          <a:stretch>
+            <a:fillRect/>
+          </a:stretch>
+        </p:blipFill>
+        <p:spPr>
+          <a:xfrm>
+            <a:off x="5125602" y="5185044"/>
+            <a:ext cx="3765292" cy="828963"/>
+          </a:xfrm>
+          <a:prstGeom prst="rect">
+            <a:avLst/>
+          </a:prstGeom>
+        </p:spPr>
+      </p:pic>
+    </p:spTree>
+    <p:extLst>
+      <p:ext uri="{BB962C8B-B14F-4D97-AF65-F5344CB8AC3E}">
+        <p14:creationId xmlns:p14="http://schemas.microsoft.com/office/powerpoint/2010/main" val="3133903347"/>
+      </p:ext>
+    </p:extLst>
+  </p:cSld>
+  <p:clrMapOvr>
+    <a:masterClrMapping/>
+  </p:clrMapOvr>
+  <p:transition>
+    <p:fade/>
+  </p:transition>
+</p:sld>
+</file>
+
+<file path=ppt/slides/slide19.xml><?xml version="1.0" encoding="utf-8"?>
+<p:sld xmlns:a="http://schemas.openxmlformats.org/drawingml/2006/main" xmlns:r="http://schemas.openxmlformats.org/officeDocument/2006/relationships" xmlns:p="http://schemas.openxmlformats.org/presentationml/2006/main">
+  <p:cSld>
+    <p:spTree>
+      <p:nvGrpSpPr>
+        <p:cNvPr id="1" name=""/>
+        <p:cNvGrpSpPr/>
+        <p:nvPr/>
+      </p:nvGrpSpPr>
+      <p:grpSpPr>
+        <a:xfrm>
+          <a:off x="0" y="0"/>
+          <a:ext cx="0" cy="0"/>
+          <a:chOff x="0" y="0"/>
+          <a:chExt cx="0" cy="0"/>
+        </a:xfrm>
+      </p:grpSpPr>
+      <p:sp>
+        <p:nvSpPr>
+          <p:cNvPr id="3" name="标题 2"/>
+          <p:cNvSpPr>
+            <a:spLocks noGrp="1"/>
+          </p:cNvSpPr>
+          <p:nvPr>
+            <p:ph type="title"/>
+          </p:nvPr>
+        </p:nvSpPr>
+        <p:spPr>
+          <a:xfrm>
+            <a:off x="0" y="8526"/>
+            <a:ext cx="9013371" cy="792162"/>
+          </a:xfrm>
+        </p:spPr>
+        <p:txBody>
+          <a:bodyPr/>
+          <a:lstStyle/>
+          <a:p>
+            <a:r>
+              <a:rPr lang="zh-CN" altLang="en-US" dirty="0">
+                <a:latin typeface="+mn-ea"/>
+              </a:rPr>
+              <a:t>一、</a:t>
+            </a:r>
+            <a:r>
+              <a:rPr lang="en-US" altLang="zh-CN" dirty="0">
+                <a:latin typeface="微软雅黑" pitchFamily="34" charset="-122"/>
+                <a:ea typeface="微软雅黑" pitchFamily="34" charset="-122"/>
+              </a:rPr>
+              <a:t>Python</a:t>
+            </a:r>
+            <a:r>
+              <a:rPr lang="zh-CN" altLang="en-US" dirty="0">
+                <a:latin typeface="微软雅黑" pitchFamily="34" charset="-122"/>
+                <a:ea typeface="微软雅黑" pitchFamily="34" charset="-122"/>
+              </a:rPr>
+              <a:t>编程基础</a:t>
+            </a:r>
+            <a:endParaRPr lang="zh-CN" altLang="en-US" dirty="0"/>
+          </a:p>
+        </p:txBody>
+      </p:sp>
+      <p:sp>
+        <p:nvSpPr>
+          <p:cNvPr id="2" name="TextBox 1">
+            <a:extLst>
+              <a:ext uri="{FF2B5EF4-FFF2-40B4-BE49-F238E27FC236}">
+                <a16:creationId xmlns:a16="http://schemas.microsoft.com/office/drawing/2014/main" id="{631AADB6-C88A-D817-4683-FC087E4E240F}"/>
+              </a:ext>
+            </a:extLst>
+          </p:cNvPr>
+          <p:cNvSpPr txBox="1"/>
+          <p:nvPr/>
+        </p:nvSpPr>
+        <p:spPr>
+          <a:xfrm>
+            <a:off x="392806" y="917313"/>
+            <a:ext cx="8397024" cy="3027880"/>
+          </a:xfrm>
+          <a:prstGeom prst="rect">
+            <a:avLst/>
+          </a:prstGeom>
+          <a:noFill/>
+        </p:spPr>
+        <p:txBody>
+          <a:bodyPr wrap="square" rtlCol="0">
+            <a:spAutoFit/>
+          </a:bodyPr>
+          <a:lstStyle/>
+          <a:p>
+            <a:pPr algn="just">
               <a:lnSpc>
                 <a:spcPct val="150000"/>
               </a:lnSpc>
-              <a:buAutoNum type="arabicPeriod"/>
             </a:pPr>
             <a:r>
-              <a:rPr lang="zh-CN" altLang="en-US" sz="2800" dirty="0">
+              <a:rPr lang="en-US" altLang="zh-CN" sz="2800" b="1" dirty="0">
                 <a:solidFill>
                   <a:srgbClr val="333333"/>
                 </a:solidFill>
                 <a:latin typeface="+mn-ea"/>
                 <a:ea typeface="+mn-ea"/>
               </a:rPr>
-              <a:t>练习利用</a:t>
-            </a:r>
-            <a:r>
-              <a:rPr lang="en-US" altLang="zh-CN" sz="2800" dirty="0">
+              <a:t>Matplotlib</a:t>
+            </a:r>
+            <a:r>
+              <a:rPr lang="zh-CN" altLang="en-US" sz="2800" b="1" dirty="0">
                 <a:solidFill>
                   <a:srgbClr val="333333"/>
                 </a:solidFill>
                 <a:latin typeface="+mn-ea"/>
                 <a:ea typeface="+mn-ea"/>
               </a:rPr>
-              <a:t>Anaconda</a:t>
-            </a:r>
-            <a:r>
-              <a:rPr lang="zh-CN" altLang="en-US" sz="2800" dirty="0">
-                <a:solidFill>
-                  <a:srgbClr val="333333"/>
-                </a:solidFill>
-                <a:latin typeface="+mn-ea"/>
-                <a:ea typeface="+mn-ea"/>
-              </a:rPr>
-              <a:t>开源软件管理包进行</a:t>
-            </a:r>
-            <a:r>
-              <a:rPr lang="en-US" altLang="zh-CN" sz="2800" dirty="0">
-                <a:solidFill>
-                  <a:srgbClr val="333333"/>
-                </a:solidFill>
-                <a:latin typeface="+mn-ea"/>
-                <a:ea typeface="+mn-ea"/>
-              </a:rPr>
-              <a:t>python</a:t>
-            </a:r>
-            <a:r>
-              <a:rPr lang="zh-CN" altLang="en-US" sz="2800" dirty="0">
-                <a:solidFill>
-                  <a:srgbClr val="333333"/>
-                </a:solidFill>
-                <a:latin typeface="+mn-ea"/>
-                <a:ea typeface="+mn-ea"/>
-              </a:rPr>
-              <a:t>开发环境配置。</a:t>
-            </a:r>
-            <a:endParaRPr lang="en-US" altLang="zh-CN" sz="2800" dirty="0">
+              <a:t>开源库简介</a:t>
+            </a:r>
+            <a:endParaRPr lang="en-US" altLang="zh-CN" sz="2800" b="1" dirty="0">
               <a:solidFill>
                 <a:srgbClr val="333333"/>
               </a:solidFill>
@@ -17699,11 +20822,61 @@
           <a:p>
             <a:pPr marL="457200" indent="-457200" algn="just">
               <a:lnSpc>
-                <a:spcPct val="150000"/>
+                <a:spcPct val="200000"/>
               </a:lnSpc>
               <a:buAutoNum type="arabicPeriod"/>
             </a:pPr>
-            <a:endParaRPr lang="en-US" altLang="zh-CN" sz="2800" dirty="0">
+            <a:r>
+              <a:rPr lang="zh-CN" altLang="en-US" dirty="0">
+                <a:solidFill>
+                  <a:srgbClr val="333333"/>
+                </a:solidFill>
+                <a:latin typeface="+mn-ea"/>
+                <a:ea typeface="+mn-ea"/>
+              </a:rPr>
+              <a:t>广泛的图表类型： </a:t>
+            </a:r>
+            <a:r>
+              <a:rPr lang="en-US" altLang="zh-CN" dirty="0">
+                <a:solidFill>
+                  <a:srgbClr val="333333"/>
+                </a:solidFill>
+                <a:latin typeface="+mn-ea"/>
+                <a:ea typeface="+mn-ea"/>
+              </a:rPr>
+              <a:t>Matplotlib </a:t>
+            </a:r>
+            <a:r>
+              <a:rPr lang="zh-CN" altLang="en-US" dirty="0">
+                <a:solidFill>
+                  <a:srgbClr val="333333"/>
+                </a:solidFill>
+                <a:latin typeface="+mn-ea"/>
+                <a:ea typeface="+mn-ea"/>
+              </a:rPr>
+              <a:t>支持多种图表类型，包括</a:t>
+            </a:r>
+            <a:r>
+              <a:rPr lang="zh-CN" altLang="en-US" b="1" u="sng" dirty="0">
+                <a:solidFill>
+                  <a:srgbClr val="333333"/>
+                </a:solidFill>
+                <a:latin typeface="+mn-ea"/>
+                <a:ea typeface="+mn-ea"/>
+              </a:rPr>
+              <a:t>线图、散点图、柱状图、饼图、等高线图</a:t>
+            </a:r>
+            <a:r>
+              <a:rPr lang="zh-CN" altLang="en-US" dirty="0">
+                <a:solidFill>
+                  <a:srgbClr val="333333"/>
+                </a:solidFill>
+                <a:latin typeface="+mn-ea"/>
+                <a:ea typeface="+mn-ea"/>
+              </a:rPr>
+              <a:t>等，适用于不同类型的数据可视化需求。</a:t>
+            </a:r>
+            <a:endParaRPr lang="en-US" altLang="zh-CN" dirty="0">
               <a:solidFill>
                 <a:srgbClr val="333333"/>
               </a:solidFill>
@@ -17711,57 +20884,196 @@
               <a:ea typeface="+mn-ea"/>
             </a:endParaRPr>
           </a:p>
-          <a:p>
-            <a:pPr marL="457200" indent="-457200" algn="just">
-              <a:lnSpc>
-                <a:spcPct val="150000"/>
-              </a:lnSpc>
-              <a:buAutoNum type="arabicPeriod"/>
-            </a:pPr>
-            <a:endParaRPr lang="en-US" altLang="zh-CN" sz="2800" dirty="0">
-              <a:solidFill>
-                <a:srgbClr val="333333"/>
-              </a:solidFill>
-              <a:latin typeface="+mn-ea"/>
-              <a:ea typeface="+mn-ea"/>
-            </a:endParaRPr>
-          </a:p>
-          <a:p>
-            <a:pPr marL="457200" indent="-457200" algn="just">
-              <a:lnSpc>
-                <a:spcPct val="150000"/>
-              </a:lnSpc>
-              <a:buAutoNum type="arabicPeriod"/>
-            </a:pPr>
-            <a:endParaRPr lang="en-US" altLang="zh-CN" sz="2800" dirty="0">
-              <a:solidFill>
-                <a:srgbClr val="333333"/>
-              </a:solidFill>
-              <a:latin typeface="+mn-ea"/>
-              <a:ea typeface="+mn-ea"/>
-            </a:endParaRPr>
-          </a:p>
-          <a:p>
-            <a:pPr marL="457200" indent="-457200" algn="just">
-              <a:lnSpc>
-                <a:spcPct val="150000"/>
-              </a:lnSpc>
-              <a:buAutoNum type="arabicPeriod"/>
-            </a:pPr>
-            <a:endParaRPr lang="en-US" altLang="zh-CN" sz="2800" dirty="0">
-              <a:solidFill>
-                <a:srgbClr val="333333"/>
-              </a:solidFill>
-              <a:latin typeface="+mn-ea"/>
-              <a:ea typeface="+mn-ea"/>
-            </a:endParaRPr>
-          </a:p>
         </p:txBody>
       </p:sp>
+      <p:grpSp>
+        <p:nvGrpSpPr>
+          <p:cNvPr id="16" name="组合 15">
+            <a:extLst>
+              <a:ext uri="{FF2B5EF4-FFF2-40B4-BE49-F238E27FC236}">
+                <a16:creationId xmlns:a16="http://schemas.microsoft.com/office/drawing/2014/main" id="{32F278A8-1821-974F-1025-2FA6E57FA41B}"/>
+              </a:ext>
+            </a:extLst>
+          </p:cNvPr>
+          <p:cNvGrpSpPr/>
+          <p:nvPr/>
+        </p:nvGrpSpPr>
+        <p:grpSpPr>
+          <a:xfrm>
+            <a:off x="689019" y="4061818"/>
+            <a:ext cx="4046348" cy="2521740"/>
+            <a:chOff x="856445" y="4213065"/>
+            <a:chExt cx="3875003" cy="2389646"/>
+          </a:xfrm>
+        </p:grpSpPr>
+        <p:pic>
+          <p:nvPicPr>
+            <p:cNvPr id="5" name="图片 4">
+              <a:extLst>
+                <a:ext uri="{FF2B5EF4-FFF2-40B4-BE49-F238E27FC236}">
+                  <a16:creationId xmlns:a16="http://schemas.microsoft.com/office/drawing/2014/main" id="{54423EAC-807F-92A8-41C2-724393EB386B}"/>
+                </a:ext>
+              </a:extLst>
+            </p:cNvPr>
+            <p:cNvPicPr>
+              <a:picLocks noChangeAspect="1"/>
+            </p:cNvPicPr>
+            <p:nvPr/>
+          </p:nvPicPr>
+          <p:blipFill>
+            <a:blip r:embed="rId3"/>
+            <a:stretch>
+              <a:fillRect/>
+            </a:stretch>
+          </p:blipFill>
+          <p:spPr>
+            <a:xfrm>
+              <a:off x="856445" y="4213065"/>
+              <a:ext cx="3875003" cy="2018569"/>
+            </a:xfrm>
+            <a:prstGeom prst="rect">
+              <a:avLst/>
+            </a:prstGeom>
+          </p:spPr>
+        </p:pic>
+        <p:sp>
+          <p:nvSpPr>
+            <p:cNvPr id="14" name="文本框 13">
+              <a:extLst>
+                <a:ext uri="{FF2B5EF4-FFF2-40B4-BE49-F238E27FC236}">
+                  <a16:creationId xmlns:a16="http://schemas.microsoft.com/office/drawing/2014/main" id="{275023C4-0AC2-3447-80B1-5FB4FCE577EF}"/>
+                </a:ext>
+              </a:extLst>
+            </p:cNvPr>
+            <p:cNvSpPr txBox="1"/>
+            <p:nvPr/>
+          </p:nvSpPr>
+          <p:spPr>
+            <a:xfrm>
+              <a:off x="1101144" y="6233379"/>
+              <a:ext cx="3630304" cy="369332"/>
+            </a:xfrm>
+            <a:prstGeom prst="rect">
+              <a:avLst/>
+            </a:prstGeom>
+            <a:noFill/>
+          </p:spPr>
+          <p:txBody>
+            <a:bodyPr wrap="square" rtlCol="0">
+              <a:spAutoFit/>
+            </a:bodyPr>
+            <a:lstStyle/>
+            <a:p>
+              <a:r>
+                <a:rPr lang="zh-CN" altLang="en-US" sz="1800" b="1" dirty="0">
+                  <a:solidFill>
+                    <a:schemeClr val="accent1"/>
+                  </a:solidFill>
+                  <a:latin typeface="+mn-ea"/>
+                  <a:ea typeface="+mn-ea"/>
+                </a:rPr>
+                <a:t>散点图</a:t>
+              </a:r>
+            </a:p>
+          </p:txBody>
+        </p:sp>
+      </p:grpSp>
+      <p:grpSp>
+        <p:nvGrpSpPr>
+          <p:cNvPr id="17" name="组合 16">
+            <a:extLst>
+              <a:ext uri="{FF2B5EF4-FFF2-40B4-BE49-F238E27FC236}">
+                <a16:creationId xmlns:a16="http://schemas.microsoft.com/office/drawing/2014/main" id="{C65AD5DE-04A4-2604-1EC8-511424A95CBA}"/>
+              </a:ext>
+            </a:extLst>
+          </p:cNvPr>
+          <p:cNvGrpSpPr/>
+          <p:nvPr/>
+        </p:nvGrpSpPr>
+        <p:grpSpPr>
+          <a:xfrm>
+            <a:off x="4836015" y="4061908"/>
+            <a:ext cx="3953815" cy="2520048"/>
+            <a:chOff x="5003442" y="4213065"/>
+            <a:chExt cx="3786388" cy="2388043"/>
+          </a:xfrm>
+        </p:grpSpPr>
+        <p:pic>
+          <p:nvPicPr>
+            <p:cNvPr id="13" name="图片 12">
+              <a:extLst>
+                <a:ext uri="{FF2B5EF4-FFF2-40B4-BE49-F238E27FC236}">
+                  <a16:creationId xmlns:a16="http://schemas.microsoft.com/office/drawing/2014/main" id="{F6985B2B-8E21-7FE1-C635-8FA5A3990774}"/>
+                </a:ext>
+              </a:extLst>
+            </p:cNvPr>
+            <p:cNvPicPr>
+              <a:picLocks noChangeAspect="1"/>
+            </p:cNvPicPr>
+            <p:nvPr/>
+          </p:nvPicPr>
+          <p:blipFill>
+            <a:blip r:embed="rId4"/>
+            <a:stretch>
+              <a:fillRect/>
+            </a:stretch>
+          </p:blipFill>
+          <p:spPr>
+            <a:xfrm>
+              <a:off x="5003442" y="4213065"/>
+              <a:ext cx="3747752" cy="2033193"/>
+            </a:xfrm>
+            <a:prstGeom prst="rect">
+              <a:avLst/>
+            </a:prstGeom>
+          </p:spPr>
+        </p:pic>
+        <p:sp>
+          <p:nvSpPr>
+            <p:cNvPr id="15" name="文本框 14">
+              <a:extLst>
+                <a:ext uri="{FF2B5EF4-FFF2-40B4-BE49-F238E27FC236}">
+                  <a16:creationId xmlns:a16="http://schemas.microsoft.com/office/drawing/2014/main" id="{6F5AB12E-41FC-FCCE-14E0-1ABBC5E13ED1}"/>
+                </a:ext>
+              </a:extLst>
+            </p:cNvPr>
+            <p:cNvSpPr txBox="1"/>
+            <p:nvPr/>
+          </p:nvSpPr>
+          <p:spPr>
+            <a:xfrm>
+              <a:off x="5134986" y="6231776"/>
+              <a:ext cx="3654844" cy="369332"/>
+            </a:xfrm>
+            <a:prstGeom prst="rect">
+              <a:avLst/>
+            </a:prstGeom>
+            <a:noFill/>
+          </p:spPr>
+          <p:txBody>
+            <a:bodyPr wrap="square" rtlCol="0">
+              <a:spAutoFit/>
+            </a:bodyPr>
+            <a:lstStyle/>
+            <a:p>
+              <a:r>
+                <a:rPr lang="zh-CN" altLang="en-US" sz="1800" b="1" dirty="0">
+                  <a:solidFill>
+                    <a:schemeClr val="accent1"/>
+                  </a:solidFill>
+                  <a:latin typeface="+mn-ea"/>
+                  <a:ea typeface="+mn-ea"/>
+                </a:rPr>
+                <a:t>散点图</a:t>
+              </a:r>
+            </a:p>
+          </p:txBody>
+        </p:sp>
+      </p:grpSp>
     </p:spTree>
     <p:extLst>
       <p:ext uri="{BB962C8B-B14F-4D97-AF65-F5344CB8AC3E}">
-        <p14:creationId xmlns:p14="http://schemas.microsoft.com/office/powerpoint/2010/main" val="1209572041"/>
+        <p14:creationId xmlns:p14="http://schemas.microsoft.com/office/powerpoint/2010/main" val="259668954"/>
       </p:ext>
     </p:extLst>
   </p:cSld>
@@ -17799,7 +21111,7 @@
         </p:nvSpPr>
         <p:spPr>
           <a:xfrm>
-            <a:off x="0" y="283461"/>
+            <a:off x="0" y="0"/>
             <a:ext cx="1835696" cy="6858000"/>
           </a:xfrm>
           <a:prstGeom prst="rect">
@@ -18214,6 +21526,2024 @@
 </p:sld>
 </file>
 
+<file path=ppt/slides/slide20.xml><?xml version="1.0" encoding="utf-8"?>
+<p:sld xmlns:a="http://schemas.openxmlformats.org/drawingml/2006/main" xmlns:r="http://schemas.openxmlformats.org/officeDocument/2006/relationships" xmlns:p="http://schemas.openxmlformats.org/presentationml/2006/main">
+  <p:cSld>
+    <p:spTree>
+      <p:nvGrpSpPr>
+        <p:cNvPr id="1" name=""/>
+        <p:cNvGrpSpPr/>
+        <p:nvPr/>
+      </p:nvGrpSpPr>
+      <p:grpSpPr>
+        <a:xfrm>
+          <a:off x="0" y="0"/>
+          <a:ext cx="0" cy="0"/>
+          <a:chOff x="0" y="0"/>
+          <a:chExt cx="0" cy="0"/>
+        </a:xfrm>
+      </p:grpSpPr>
+      <p:sp>
+        <p:nvSpPr>
+          <p:cNvPr id="3" name="标题 2"/>
+          <p:cNvSpPr>
+            <a:spLocks noGrp="1"/>
+          </p:cNvSpPr>
+          <p:nvPr>
+            <p:ph type="title"/>
+          </p:nvPr>
+        </p:nvSpPr>
+        <p:spPr>
+          <a:xfrm>
+            <a:off x="0" y="8526"/>
+            <a:ext cx="9013371" cy="792162"/>
+          </a:xfrm>
+        </p:spPr>
+        <p:txBody>
+          <a:bodyPr/>
+          <a:lstStyle/>
+          <a:p>
+            <a:r>
+              <a:rPr lang="zh-CN" altLang="en-US" dirty="0">
+                <a:latin typeface="+mn-ea"/>
+              </a:rPr>
+              <a:t>一、</a:t>
+            </a:r>
+            <a:r>
+              <a:rPr lang="en-US" altLang="zh-CN" dirty="0">
+                <a:latin typeface="微软雅黑" pitchFamily="34" charset="-122"/>
+                <a:ea typeface="微软雅黑" pitchFamily="34" charset="-122"/>
+              </a:rPr>
+              <a:t>Python</a:t>
+            </a:r>
+            <a:r>
+              <a:rPr lang="zh-CN" altLang="en-US" dirty="0">
+                <a:latin typeface="微软雅黑" pitchFamily="34" charset="-122"/>
+                <a:ea typeface="微软雅黑" pitchFamily="34" charset="-122"/>
+              </a:rPr>
+              <a:t>编程基础</a:t>
+            </a:r>
+            <a:endParaRPr lang="zh-CN" altLang="en-US" dirty="0"/>
+          </a:p>
+        </p:txBody>
+      </p:sp>
+      <p:sp>
+        <p:nvSpPr>
+          <p:cNvPr id="2" name="TextBox 1">
+            <a:extLst>
+              <a:ext uri="{FF2B5EF4-FFF2-40B4-BE49-F238E27FC236}">
+                <a16:creationId xmlns:a16="http://schemas.microsoft.com/office/drawing/2014/main" id="{631AADB6-C88A-D817-4683-FC087E4E240F}"/>
+              </a:ext>
+            </a:extLst>
+          </p:cNvPr>
+          <p:cNvSpPr txBox="1"/>
+          <p:nvPr/>
+        </p:nvSpPr>
+        <p:spPr>
+          <a:xfrm>
+            <a:off x="317500" y="923752"/>
+            <a:ext cx="8253390" cy="4905317"/>
+          </a:xfrm>
+          <a:prstGeom prst="rect">
+            <a:avLst/>
+          </a:prstGeom>
+          <a:noFill/>
+        </p:spPr>
+        <p:txBody>
+          <a:bodyPr wrap="square" rtlCol="0">
+            <a:spAutoFit/>
+          </a:bodyPr>
+          <a:lstStyle/>
+          <a:p>
+            <a:pPr algn="just">
+              <a:lnSpc>
+                <a:spcPct val="200000"/>
+              </a:lnSpc>
+            </a:pPr>
+            <a:r>
+              <a:rPr lang="en-US" altLang="zh-CN" sz="2800" b="1" dirty="0">
+                <a:solidFill>
+                  <a:srgbClr val="333333"/>
+                </a:solidFill>
+                <a:latin typeface="+mn-ea"/>
+                <a:ea typeface="+mn-ea"/>
+              </a:rPr>
+              <a:t>Matplotlib</a:t>
+            </a:r>
+            <a:r>
+              <a:rPr lang="zh-CN" altLang="en-US" sz="2800" b="1" dirty="0">
+                <a:solidFill>
+                  <a:srgbClr val="333333"/>
+                </a:solidFill>
+                <a:latin typeface="+mn-ea"/>
+                <a:ea typeface="+mn-ea"/>
+              </a:rPr>
+              <a:t>开源库简介</a:t>
+            </a:r>
+            <a:endParaRPr lang="en-US" altLang="zh-CN" sz="2800" b="1" dirty="0">
+              <a:solidFill>
+                <a:srgbClr val="333333"/>
+              </a:solidFill>
+              <a:latin typeface="+mn-ea"/>
+              <a:ea typeface="+mn-ea"/>
+            </a:endParaRPr>
+          </a:p>
+          <a:p>
+            <a:pPr algn="just">
+              <a:lnSpc>
+                <a:spcPct val="200000"/>
+              </a:lnSpc>
+            </a:pPr>
+            <a:r>
+              <a:rPr lang="en-US" altLang="zh-CN" b="1" dirty="0">
+                <a:solidFill>
+                  <a:srgbClr val="333333"/>
+                </a:solidFill>
+                <a:latin typeface="+mn-ea"/>
+                <a:ea typeface="+mn-ea"/>
+              </a:rPr>
+              <a:t>2. </a:t>
+            </a:r>
+            <a:r>
+              <a:rPr lang="zh-CN" altLang="en-US" b="1" dirty="0">
+                <a:solidFill>
+                  <a:srgbClr val="333333"/>
+                </a:solidFill>
+                <a:latin typeface="+mn-ea"/>
+                <a:ea typeface="+mn-ea"/>
+              </a:rPr>
+              <a:t>高度可定制：</a:t>
+            </a:r>
+            <a:r>
+              <a:rPr lang="zh-CN" altLang="en-US" dirty="0">
+                <a:solidFill>
+                  <a:srgbClr val="333333"/>
+                </a:solidFill>
+                <a:latin typeface="+mn-ea"/>
+                <a:ea typeface="+mn-ea"/>
+              </a:rPr>
+              <a:t>用户可以通过设置参数和使用不同的函数调整图表的</a:t>
+            </a:r>
+            <a:r>
+              <a:rPr lang="zh-CN" altLang="en-US" b="1" u="sng" dirty="0">
+                <a:solidFill>
+                  <a:srgbClr val="333333"/>
+                </a:solidFill>
+                <a:latin typeface="+mn-ea"/>
+                <a:ea typeface="+mn-ea"/>
+              </a:rPr>
+              <a:t>样式、颜色、标签</a:t>
+            </a:r>
+            <a:r>
+              <a:rPr lang="zh-CN" altLang="en-US" dirty="0">
+                <a:solidFill>
+                  <a:srgbClr val="333333"/>
+                </a:solidFill>
+                <a:latin typeface="+mn-ea"/>
+                <a:ea typeface="+mn-ea"/>
+              </a:rPr>
+              <a:t>等，以满足个性化的需求。</a:t>
+            </a:r>
+            <a:endParaRPr lang="en-US" altLang="zh-CN" dirty="0">
+              <a:solidFill>
+                <a:srgbClr val="333333"/>
+              </a:solidFill>
+              <a:latin typeface="+mn-ea"/>
+              <a:ea typeface="+mn-ea"/>
+            </a:endParaRPr>
+          </a:p>
+          <a:p>
+            <a:pPr algn="just">
+              <a:lnSpc>
+                <a:spcPct val="200000"/>
+              </a:lnSpc>
+            </a:pPr>
+            <a:r>
+              <a:rPr lang="en-US" altLang="zh-CN" b="1" dirty="0">
+                <a:solidFill>
+                  <a:srgbClr val="333333"/>
+                </a:solidFill>
+                <a:latin typeface="+mn-ea"/>
+                <a:ea typeface="+mn-ea"/>
+              </a:rPr>
+              <a:t>3. </a:t>
+            </a:r>
+            <a:r>
+              <a:rPr lang="zh-CN" altLang="en-US" b="1" dirty="0">
+                <a:solidFill>
+                  <a:srgbClr val="333333"/>
+                </a:solidFill>
+                <a:latin typeface="+mn-ea"/>
+                <a:ea typeface="+mn-ea"/>
+              </a:rPr>
+              <a:t>丰富的文档和社区支持：</a:t>
+            </a:r>
+            <a:r>
+              <a:rPr lang="en-US" altLang="zh-CN" dirty="0">
+                <a:solidFill>
+                  <a:srgbClr val="333333"/>
+                </a:solidFill>
+                <a:latin typeface="+mn-ea"/>
+                <a:ea typeface="+mn-ea"/>
+              </a:rPr>
+              <a:t>Matplotlib</a:t>
+            </a:r>
+            <a:r>
+              <a:rPr lang="zh-CN" altLang="en-US" dirty="0">
+                <a:solidFill>
+                  <a:srgbClr val="333333"/>
+                </a:solidFill>
+                <a:latin typeface="+mn-ea"/>
+                <a:ea typeface="+mn-ea"/>
+              </a:rPr>
+              <a:t>有详细的文档和示例，而且有一个活跃的社区，用户可以在社区中获取帮助和交流经验。</a:t>
+            </a:r>
+          </a:p>
+        </p:txBody>
+      </p:sp>
+      <p:sp>
+        <p:nvSpPr>
+          <p:cNvPr id="5" name="文本框 4">
+            <a:extLst>
+              <a:ext uri="{FF2B5EF4-FFF2-40B4-BE49-F238E27FC236}">
+                <a16:creationId xmlns:a16="http://schemas.microsoft.com/office/drawing/2014/main" id="{00DFF92E-757B-0758-AE2F-425F6DBAB254}"/>
+              </a:ext>
+            </a:extLst>
+          </p:cNvPr>
+          <p:cNvSpPr txBox="1"/>
+          <p:nvPr/>
+        </p:nvSpPr>
+        <p:spPr>
+          <a:xfrm>
+            <a:off x="560230" y="6007842"/>
+            <a:ext cx="7823915" cy="400110"/>
+          </a:xfrm>
+          <a:prstGeom prst="rect">
+            <a:avLst/>
+          </a:prstGeom>
+          <a:noFill/>
+        </p:spPr>
+        <p:txBody>
+          <a:bodyPr wrap="square">
+            <a:spAutoFit/>
+          </a:bodyPr>
+          <a:lstStyle/>
+          <a:p>
+            <a:r>
+              <a:rPr lang="zh-CN" altLang="en-US" sz="2000" dirty="0">
+                <a:solidFill>
+                  <a:schemeClr val="accent1"/>
+                </a:solidFill>
+                <a:latin typeface="+mn-ea"/>
+                <a:ea typeface="+mn-ea"/>
+              </a:rPr>
+              <a:t>开源项目网址：https://github.com/matplotlib/matplotlib</a:t>
+            </a:r>
+          </a:p>
+        </p:txBody>
+      </p:sp>
+    </p:spTree>
+    <p:extLst>
+      <p:ext uri="{BB962C8B-B14F-4D97-AF65-F5344CB8AC3E}">
+        <p14:creationId xmlns:p14="http://schemas.microsoft.com/office/powerpoint/2010/main" val="3379782633"/>
+      </p:ext>
+    </p:extLst>
+  </p:cSld>
+  <p:clrMapOvr>
+    <a:masterClrMapping/>
+  </p:clrMapOvr>
+  <p:transition>
+    <p:fade/>
+  </p:transition>
+</p:sld>
+</file>
+
+<file path=ppt/slides/slide21.xml><?xml version="1.0" encoding="utf-8"?>
+<p:sld xmlns:a="http://schemas.openxmlformats.org/drawingml/2006/main" xmlns:r="http://schemas.openxmlformats.org/officeDocument/2006/relationships" xmlns:p="http://schemas.openxmlformats.org/presentationml/2006/main">
+  <p:cSld>
+    <p:spTree>
+      <p:nvGrpSpPr>
+        <p:cNvPr id="1" name=""/>
+        <p:cNvGrpSpPr/>
+        <p:nvPr/>
+      </p:nvGrpSpPr>
+      <p:grpSpPr>
+        <a:xfrm>
+          <a:off x="0" y="0"/>
+          <a:ext cx="0" cy="0"/>
+          <a:chOff x="0" y="0"/>
+          <a:chExt cx="0" cy="0"/>
+        </a:xfrm>
+      </p:grpSpPr>
+      <p:sp>
+        <p:nvSpPr>
+          <p:cNvPr id="3" name="标题 2"/>
+          <p:cNvSpPr>
+            <a:spLocks noGrp="1"/>
+          </p:cNvSpPr>
+          <p:nvPr>
+            <p:ph type="title"/>
+          </p:nvPr>
+        </p:nvSpPr>
+        <p:spPr>
+          <a:xfrm>
+            <a:off x="0" y="8526"/>
+            <a:ext cx="9013371" cy="792162"/>
+          </a:xfrm>
+        </p:spPr>
+        <p:txBody>
+          <a:bodyPr/>
+          <a:lstStyle/>
+          <a:p>
+            <a:r>
+              <a:rPr lang="zh-CN" altLang="en-US" dirty="0">
+                <a:latin typeface="+mn-ea"/>
+              </a:rPr>
+              <a:t>一、</a:t>
+            </a:r>
+            <a:r>
+              <a:rPr lang="en-US" altLang="zh-CN" dirty="0">
+                <a:latin typeface="微软雅黑" pitchFamily="34" charset="-122"/>
+                <a:ea typeface="微软雅黑" pitchFamily="34" charset="-122"/>
+              </a:rPr>
+              <a:t>Python</a:t>
+            </a:r>
+            <a:r>
+              <a:rPr lang="zh-CN" altLang="en-US" dirty="0">
+                <a:latin typeface="微软雅黑" pitchFamily="34" charset="-122"/>
+                <a:ea typeface="微软雅黑" pitchFamily="34" charset="-122"/>
+              </a:rPr>
+              <a:t>编程基础</a:t>
+            </a:r>
+            <a:endParaRPr lang="zh-CN" altLang="en-US" dirty="0"/>
+          </a:p>
+        </p:txBody>
+      </p:sp>
+      <p:sp>
+        <p:nvSpPr>
+          <p:cNvPr id="2" name="TextBox 1">
+            <a:extLst>
+              <a:ext uri="{FF2B5EF4-FFF2-40B4-BE49-F238E27FC236}">
+                <a16:creationId xmlns:a16="http://schemas.microsoft.com/office/drawing/2014/main" id="{631AADB6-C88A-D817-4683-FC087E4E240F}"/>
+              </a:ext>
+            </a:extLst>
+          </p:cNvPr>
+          <p:cNvSpPr txBox="1"/>
+          <p:nvPr/>
+        </p:nvSpPr>
+        <p:spPr>
+          <a:xfrm>
+            <a:off x="317500" y="923752"/>
+            <a:ext cx="8253390" cy="3539430"/>
+          </a:xfrm>
+          <a:prstGeom prst="rect">
+            <a:avLst/>
+          </a:prstGeom>
+          <a:noFill/>
+        </p:spPr>
+        <p:txBody>
+          <a:bodyPr wrap="square" rtlCol="0">
+            <a:spAutoFit/>
+          </a:bodyPr>
+          <a:lstStyle/>
+          <a:p>
+            <a:pPr algn="just">
+              <a:lnSpc>
+                <a:spcPct val="200000"/>
+              </a:lnSpc>
+            </a:pPr>
+            <a:r>
+              <a:rPr lang="en-US" altLang="zh-CN" sz="2800" b="1" dirty="0">
+                <a:solidFill>
+                  <a:srgbClr val="333333"/>
+                </a:solidFill>
+                <a:latin typeface="+mn-ea"/>
+                <a:ea typeface="+mn-ea"/>
+              </a:rPr>
+              <a:t>Matplotlib</a:t>
+            </a:r>
+            <a:r>
+              <a:rPr lang="zh-CN" altLang="en-US" sz="2800" b="1" dirty="0">
+                <a:solidFill>
+                  <a:srgbClr val="333333"/>
+                </a:solidFill>
+                <a:latin typeface="+mn-ea"/>
+                <a:ea typeface="+mn-ea"/>
+              </a:rPr>
+              <a:t>安装与导入</a:t>
+            </a:r>
+            <a:endParaRPr lang="en-US" altLang="zh-CN" sz="2800" b="1" dirty="0">
+              <a:solidFill>
+                <a:srgbClr val="333333"/>
+              </a:solidFill>
+              <a:latin typeface="+mn-ea"/>
+              <a:ea typeface="+mn-ea"/>
+            </a:endParaRPr>
+          </a:p>
+          <a:p>
+            <a:pPr algn="just"/>
+            <a:r>
+              <a:rPr lang="en-US" altLang="zh-CN" sz="2800" b="1" dirty="0">
+                <a:solidFill>
+                  <a:srgbClr val="C0341D"/>
+                </a:solidFill>
+                <a:latin typeface="ui-monospace"/>
+              </a:rPr>
+              <a:t>p</a:t>
+            </a:r>
+            <a:r>
+              <a:rPr lang="en-US" altLang="zh-CN" sz="2800" b="1" i="0" dirty="0">
+                <a:solidFill>
+                  <a:srgbClr val="C0341D"/>
+                </a:solidFill>
+                <a:effectLst/>
+                <a:latin typeface="ui-monospace"/>
+              </a:rPr>
+              <a:t>ip</a:t>
+            </a:r>
+            <a:r>
+              <a:rPr lang="zh-CN" altLang="en-US" sz="2800" b="1" i="0" dirty="0">
+                <a:solidFill>
+                  <a:srgbClr val="C0341D"/>
+                </a:solidFill>
+                <a:effectLst/>
+                <a:latin typeface="ui-monospace"/>
+              </a:rPr>
+              <a:t>安装</a:t>
+            </a:r>
+            <a:r>
+              <a:rPr lang="en-US" altLang="zh-CN" sz="2800" b="1" i="0" dirty="0">
+                <a:solidFill>
+                  <a:srgbClr val="C0341D"/>
+                </a:solidFill>
+                <a:effectLst/>
+                <a:latin typeface="ui-monospace"/>
+              </a:rPr>
+              <a:t>: </a:t>
+            </a:r>
+            <a:r>
+              <a:rPr lang="en-US" altLang="zh-CN" sz="2800" b="1" dirty="0">
+                <a:solidFill>
+                  <a:srgbClr val="C0341D"/>
+                </a:solidFill>
+                <a:latin typeface="ui-monospace"/>
+              </a:rPr>
+              <a:t>pip install matplotlib</a:t>
+            </a:r>
+          </a:p>
+          <a:p>
+            <a:pPr algn="just"/>
+            <a:r>
+              <a:rPr lang="en-US" altLang="zh-CN" sz="2800" b="1" dirty="0" err="1">
+                <a:solidFill>
+                  <a:srgbClr val="C0341D"/>
+                </a:solidFill>
+                <a:latin typeface="ui-monospace"/>
+              </a:rPr>
+              <a:t>conda</a:t>
+            </a:r>
+            <a:r>
+              <a:rPr lang="zh-CN" altLang="en-US" sz="2800" b="1" dirty="0">
+                <a:solidFill>
+                  <a:srgbClr val="C0341D"/>
+                </a:solidFill>
+                <a:latin typeface="ui-monospace"/>
+              </a:rPr>
+              <a:t>安装</a:t>
+            </a:r>
+            <a:r>
+              <a:rPr lang="en-US" altLang="zh-CN" sz="2800" b="1" dirty="0">
+                <a:solidFill>
+                  <a:srgbClr val="C0341D"/>
+                </a:solidFill>
+                <a:latin typeface="ui-monospace"/>
+              </a:rPr>
+              <a:t>: </a:t>
+            </a:r>
+            <a:r>
+              <a:rPr lang="en-US" altLang="zh-CN" sz="2800" b="1" dirty="0" err="1">
+                <a:solidFill>
+                  <a:srgbClr val="C0341D"/>
+                </a:solidFill>
+                <a:latin typeface="ui-monospace"/>
+              </a:rPr>
+              <a:t>conda</a:t>
+            </a:r>
+            <a:r>
+              <a:rPr lang="en-US" altLang="zh-CN" sz="2800" b="1" dirty="0">
+                <a:solidFill>
+                  <a:srgbClr val="C0341D"/>
+                </a:solidFill>
+                <a:latin typeface="ui-monospace"/>
+              </a:rPr>
+              <a:t> install matplotlib</a:t>
+            </a:r>
+          </a:p>
+          <a:p>
+            <a:pPr algn="just"/>
+            <a:r>
+              <a:rPr lang="zh-CN" altLang="en-US" sz="2800" b="1" dirty="0">
+                <a:solidFill>
+                  <a:schemeClr val="bg2"/>
+                </a:solidFill>
+                <a:latin typeface="ui-monospace"/>
+              </a:rPr>
+              <a:t>导入：</a:t>
+            </a:r>
+            <a:endParaRPr lang="en-US" altLang="zh-CN" sz="2800" b="1" dirty="0">
+              <a:solidFill>
+                <a:schemeClr val="bg2"/>
+              </a:solidFill>
+              <a:latin typeface="ui-monospace"/>
+            </a:endParaRPr>
+          </a:p>
+          <a:p>
+            <a:pPr algn="just"/>
+            <a:r>
+              <a:rPr lang="en-US" altLang="zh-CN" sz="2800" b="0" dirty="0">
+                <a:solidFill>
+                  <a:srgbClr val="569CD6"/>
+                </a:solidFill>
+                <a:effectLst/>
+                <a:latin typeface="Consolas" panose="020B0609020204030204" pitchFamily="49" charset="0"/>
+              </a:rPr>
+              <a:t>import</a:t>
+            </a:r>
+            <a:r>
+              <a:rPr lang="en-US" altLang="zh-CN" sz="2800" b="0" dirty="0">
+                <a:solidFill>
+                  <a:srgbClr val="D4D4D4"/>
+                </a:solidFill>
+                <a:effectLst/>
+                <a:latin typeface="Consolas" panose="020B0609020204030204" pitchFamily="49" charset="0"/>
+              </a:rPr>
+              <a:t> </a:t>
+            </a:r>
+            <a:r>
+              <a:rPr lang="en-US" altLang="zh-CN" sz="2800" b="0" dirty="0" err="1">
+                <a:solidFill>
+                  <a:schemeClr val="bg2"/>
+                </a:solidFill>
+                <a:effectLst/>
+                <a:latin typeface="Consolas" panose="020B0609020204030204" pitchFamily="49" charset="0"/>
+              </a:rPr>
+              <a:t>matplotlib.pyplot</a:t>
+            </a:r>
+            <a:r>
+              <a:rPr lang="en-US" altLang="zh-CN" sz="2800" b="0" dirty="0">
+                <a:solidFill>
+                  <a:schemeClr val="bg2"/>
+                </a:solidFill>
+                <a:effectLst/>
+                <a:latin typeface="Consolas" panose="020B0609020204030204" pitchFamily="49" charset="0"/>
+              </a:rPr>
+              <a:t> </a:t>
+            </a:r>
+            <a:r>
+              <a:rPr lang="en-US" altLang="zh-CN" sz="2800" b="0" dirty="0">
+                <a:solidFill>
+                  <a:srgbClr val="569CD6"/>
+                </a:solidFill>
+                <a:effectLst/>
+                <a:latin typeface="Consolas" panose="020B0609020204030204" pitchFamily="49" charset="0"/>
+              </a:rPr>
+              <a:t>as</a:t>
+            </a:r>
+            <a:r>
+              <a:rPr lang="en-US" altLang="zh-CN" sz="2800" b="0" dirty="0">
+                <a:solidFill>
+                  <a:srgbClr val="D4D4D4"/>
+                </a:solidFill>
+                <a:effectLst/>
+                <a:latin typeface="Consolas" panose="020B0609020204030204" pitchFamily="49" charset="0"/>
+              </a:rPr>
+              <a:t> </a:t>
+            </a:r>
+            <a:r>
+              <a:rPr lang="en-US" altLang="zh-CN" sz="2800" b="0" dirty="0" err="1">
+                <a:solidFill>
+                  <a:schemeClr val="bg2"/>
+                </a:solidFill>
+                <a:effectLst/>
+                <a:latin typeface="Consolas" panose="020B0609020204030204" pitchFamily="49" charset="0"/>
+              </a:rPr>
+              <a:t>plt</a:t>
+            </a:r>
+            <a:endParaRPr lang="en-US" altLang="zh-CN" sz="2800" b="0" dirty="0">
+              <a:solidFill>
+                <a:schemeClr val="bg2"/>
+              </a:solidFill>
+              <a:effectLst/>
+              <a:latin typeface="Consolas" panose="020B0609020204030204" pitchFamily="49" charset="0"/>
+            </a:endParaRPr>
+          </a:p>
+        </p:txBody>
+      </p:sp>
+    </p:spTree>
+    <p:extLst>
+      <p:ext uri="{BB962C8B-B14F-4D97-AF65-F5344CB8AC3E}">
+        <p14:creationId xmlns:p14="http://schemas.microsoft.com/office/powerpoint/2010/main" val="266339939"/>
+      </p:ext>
+    </p:extLst>
+  </p:cSld>
+  <p:clrMapOvr>
+    <a:masterClrMapping/>
+  </p:clrMapOvr>
+  <p:transition>
+    <p:fade/>
+  </p:transition>
+</p:sld>
+</file>
+
+<file path=ppt/slides/slide22.xml><?xml version="1.0" encoding="utf-8"?>
+<p:sld xmlns:a="http://schemas.openxmlformats.org/drawingml/2006/main" xmlns:r="http://schemas.openxmlformats.org/officeDocument/2006/relationships" xmlns:p="http://schemas.openxmlformats.org/presentationml/2006/main">
+  <p:cSld>
+    <p:spTree>
+      <p:nvGrpSpPr>
+        <p:cNvPr id="1" name=""/>
+        <p:cNvGrpSpPr/>
+        <p:nvPr/>
+      </p:nvGrpSpPr>
+      <p:grpSpPr>
+        <a:xfrm>
+          <a:off x="0" y="0"/>
+          <a:ext cx="0" cy="0"/>
+          <a:chOff x="0" y="0"/>
+          <a:chExt cx="0" cy="0"/>
+        </a:xfrm>
+      </p:grpSpPr>
+      <p:sp>
+        <p:nvSpPr>
+          <p:cNvPr id="3" name="标题 2"/>
+          <p:cNvSpPr>
+            <a:spLocks noGrp="1"/>
+          </p:cNvSpPr>
+          <p:nvPr>
+            <p:ph type="title"/>
+          </p:nvPr>
+        </p:nvSpPr>
+        <p:spPr>
+          <a:xfrm>
+            <a:off x="0" y="8526"/>
+            <a:ext cx="9013371" cy="792162"/>
+          </a:xfrm>
+        </p:spPr>
+        <p:txBody>
+          <a:bodyPr/>
+          <a:lstStyle/>
+          <a:p>
+            <a:r>
+              <a:rPr lang="zh-CN" altLang="en-US" dirty="0">
+                <a:latin typeface="+mn-ea"/>
+              </a:rPr>
+              <a:t>一、</a:t>
+            </a:r>
+            <a:r>
+              <a:rPr lang="en-US" altLang="zh-CN" dirty="0">
+                <a:latin typeface="微软雅黑" pitchFamily="34" charset="-122"/>
+                <a:ea typeface="微软雅黑" pitchFamily="34" charset="-122"/>
+              </a:rPr>
+              <a:t>Python</a:t>
+            </a:r>
+            <a:r>
+              <a:rPr lang="zh-CN" altLang="en-US" dirty="0">
+                <a:latin typeface="微软雅黑" pitchFamily="34" charset="-122"/>
+                <a:ea typeface="微软雅黑" pitchFamily="34" charset="-122"/>
+              </a:rPr>
+              <a:t>编程基础</a:t>
+            </a:r>
+            <a:endParaRPr lang="zh-CN" altLang="en-US" dirty="0"/>
+          </a:p>
+        </p:txBody>
+      </p:sp>
+      <p:sp>
+        <p:nvSpPr>
+          <p:cNvPr id="2" name="TextBox 1">
+            <a:extLst>
+              <a:ext uri="{FF2B5EF4-FFF2-40B4-BE49-F238E27FC236}">
+                <a16:creationId xmlns:a16="http://schemas.microsoft.com/office/drawing/2014/main" id="{631AADB6-C88A-D817-4683-FC087E4E240F}"/>
+              </a:ext>
+            </a:extLst>
+          </p:cNvPr>
+          <p:cNvSpPr txBox="1"/>
+          <p:nvPr/>
+        </p:nvSpPr>
+        <p:spPr>
+          <a:xfrm>
+            <a:off x="317500" y="923752"/>
+            <a:ext cx="8253390" cy="831446"/>
+          </a:xfrm>
+          <a:prstGeom prst="rect">
+            <a:avLst/>
+          </a:prstGeom>
+          <a:noFill/>
+        </p:spPr>
+        <p:txBody>
+          <a:bodyPr wrap="square" rtlCol="0">
+            <a:spAutoFit/>
+          </a:bodyPr>
+          <a:lstStyle/>
+          <a:p>
+            <a:pPr algn="just">
+              <a:lnSpc>
+                <a:spcPct val="200000"/>
+              </a:lnSpc>
+            </a:pPr>
+            <a:r>
+              <a:rPr lang="en-US" altLang="zh-CN" sz="2800" b="1" dirty="0">
+                <a:solidFill>
+                  <a:srgbClr val="333333"/>
+                </a:solidFill>
+                <a:latin typeface="+mn-ea"/>
+                <a:ea typeface="+mn-ea"/>
+              </a:rPr>
+              <a:t>Matplotlib</a:t>
+            </a:r>
+            <a:r>
+              <a:rPr lang="zh-CN" altLang="en-US" sz="2800" b="1" dirty="0">
+                <a:solidFill>
+                  <a:srgbClr val="333333"/>
+                </a:solidFill>
+                <a:latin typeface="+mn-ea"/>
+                <a:ea typeface="+mn-ea"/>
+              </a:rPr>
+              <a:t>绘图基础</a:t>
+            </a:r>
+            <a:endParaRPr lang="en-US" altLang="zh-CN" sz="2800" b="1" dirty="0">
+              <a:solidFill>
+                <a:srgbClr val="C0341D"/>
+              </a:solidFill>
+              <a:latin typeface="ui-monospace"/>
+            </a:endParaRPr>
+          </a:p>
+        </p:txBody>
+      </p:sp>
+      <p:pic>
+        <p:nvPicPr>
+          <p:cNvPr id="1026" name="Picture 2">
+            <a:extLst>
+              <a:ext uri="{FF2B5EF4-FFF2-40B4-BE49-F238E27FC236}">
+                <a16:creationId xmlns:a16="http://schemas.microsoft.com/office/drawing/2014/main" id="{EEA1B9E0-27F4-C704-CD7B-2FC76C65E22A}"/>
+              </a:ext>
+            </a:extLst>
+          </p:cNvPr>
+          <p:cNvPicPr>
+            <a:picLocks noChangeAspect="1" noChangeArrowheads="1"/>
+          </p:cNvPicPr>
+          <p:nvPr/>
+        </p:nvPicPr>
+        <p:blipFill>
+          <a:blip r:embed="rId3">
+            <a:extLst>
+              <a:ext uri="{28A0092B-C50C-407E-A947-70E740481C1C}">
+                <a14:useLocalDpi xmlns:a14="http://schemas.microsoft.com/office/drawing/2010/main" val="0"/>
+              </a:ext>
+            </a:extLst>
+          </a:blip>
+          <a:srcRect/>
+          <a:stretch>
+            <a:fillRect/>
+          </a:stretch>
+        </p:blipFill>
+        <p:spPr bwMode="auto">
+          <a:xfrm>
+            <a:off x="4166317" y="1788491"/>
+            <a:ext cx="4597614" cy="4649273"/>
+          </a:xfrm>
+          <a:prstGeom prst="rect">
+            <a:avLst/>
+          </a:prstGeom>
+          <a:noFill/>
+          <a:extLst>
+            <a:ext uri="{909E8E84-426E-40DD-AFC4-6F175D3DCCD1}">
+              <a14:hiddenFill xmlns:a14="http://schemas.microsoft.com/office/drawing/2010/main">
+                <a:solidFill>
+                  <a:srgbClr val="FFFFFF"/>
+                </a:solidFill>
+              </a14:hiddenFill>
+            </a:ext>
+          </a:extLst>
+        </p:spPr>
+      </p:pic>
+      <p:sp>
+        <p:nvSpPr>
+          <p:cNvPr id="6" name="文本框 5">
+            <a:extLst>
+              <a:ext uri="{FF2B5EF4-FFF2-40B4-BE49-F238E27FC236}">
+                <a16:creationId xmlns:a16="http://schemas.microsoft.com/office/drawing/2014/main" id="{536703EF-B756-13AB-E292-EFB0C7F85F3A}"/>
+              </a:ext>
+            </a:extLst>
+          </p:cNvPr>
+          <p:cNvSpPr txBox="1"/>
+          <p:nvPr/>
+        </p:nvSpPr>
+        <p:spPr>
+          <a:xfrm>
+            <a:off x="270598" y="2035635"/>
+            <a:ext cx="3986012" cy="4154984"/>
+          </a:xfrm>
+          <a:prstGeom prst="rect">
+            <a:avLst/>
+          </a:prstGeom>
+          <a:noFill/>
+        </p:spPr>
+        <p:txBody>
+          <a:bodyPr wrap="square">
+            <a:spAutoFit/>
+          </a:bodyPr>
+          <a:lstStyle/>
+          <a:p>
+            <a:pPr marL="0" marR="0" lvl="0" indent="0" algn="l" defTabSz="914400" rtl="0" eaLnBrk="0" fontAlgn="ctr" latinLnBrk="0" hangingPunct="0">
+              <a:lnSpc>
+                <a:spcPct val="150000"/>
+              </a:lnSpc>
+              <a:spcBef>
+                <a:spcPct val="0"/>
+              </a:spcBef>
+              <a:spcAft>
+                <a:spcPct val="0"/>
+              </a:spcAft>
+              <a:buClrTx/>
+              <a:buSzTx/>
+              <a:tabLst/>
+            </a:pPr>
+            <a:r>
+              <a:rPr lang="en-US" altLang="zh-CN" sz="2200" b="1" dirty="0">
+                <a:solidFill>
+                  <a:srgbClr val="333333"/>
+                </a:solidFill>
+                <a:latin typeface="+mn-ea"/>
+                <a:ea typeface="+mn-ea"/>
+              </a:rPr>
+              <a:t>Figure</a:t>
+            </a:r>
+            <a:r>
+              <a:rPr lang="zh-CN" altLang="en-US" sz="2200" dirty="0">
+                <a:solidFill>
+                  <a:srgbClr val="333333"/>
+                </a:solidFill>
+                <a:latin typeface="+mn-ea"/>
+                <a:ea typeface="+mn-ea"/>
+              </a:rPr>
+              <a:t>：画板；</a:t>
+            </a:r>
+            <a:endParaRPr lang="en-US" altLang="zh-CN" sz="2200" dirty="0">
+              <a:solidFill>
+                <a:srgbClr val="333333"/>
+              </a:solidFill>
+              <a:latin typeface="+mn-ea"/>
+              <a:ea typeface="+mn-ea"/>
+            </a:endParaRPr>
+          </a:p>
+          <a:p>
+            <a:pPr marL="0" marR="0" lvl="0" indent="0" algn="l" defTabSz="914400" rtl="0" eaLnBrk="0" fontAlgn="ctr" latinLnBrk="0" hangingPunct="0">
+              <a:lnSpc>
+                <a:spcPct val="150000"/>
+              </a:lnSpc>
+              <a:spcBef>
+                <a:spcPct val="0"/>
+              </a:spcBef>
+              <a:spcAft>
+                <a:spcPct val="0"/>
+              </a:spcAft>
+              <a:buClrTx/>
+              <a:buSzTx/>
+              <a:tabLst/>
+            </a:pPr>
+            <a:r>
+              <a:rPr lang="en-US" altLang="zh-CN" sz="2200" b="1" dirty="0">
+                <a:solidFill>
+                  <a:srgbClr val="333333"/>
+                </a:solidFill>
+                <a:latin typeface="+mn-ea"/>
+                <a:ea typeface="+mn-ea"/>
+              </a:rPr>
+              <a:t>Axes</a:t>
+            </a:r>
+            <a:r>
+              <a:rPr lang="zh-CN" altLang="en-US" sz="2200" dirty="0">
+                <a:solidFill>
+                  <a:srgbClr val="333333"/>
+                </a:solidFill>
+                <a:latin typeface="+mn-ea"/>
+                <a:ea typeface="+mn-ea"/>
+              </a:rPr>
+              <a:t>：画布，一个画板可绘制多幅画布；</a:t>
+            </a:r>
+            <a:endParaRPr lang="en-US" altLang="zh-CN" sz="2200" dirty="0">
+              <a:solidFill>
+                <a:srgbClr val="333333"/>
+              </a:solidFill>
+              <a:latin typeface="+mn-ea"/>
+              <a:ea typeface="+mn-ea"/>
+            </a:endParaRPr>
+          </a:p>
+          <a:p>
+            <a:pPr marL="0" marR="0" lvl="0" indent="0" algn="l" defTabSz="914400" rtl="0" eaLnBrk="0" fontAlgn="ctr" latinLnBrk="0" hangingPunct="0">
+              <a:lnSpc>
+                <a:spcPct val="150000"/>
+              </a:lnSpc>
+              <a:spcBef>
+                <a:spcPct val="0"/>
+              </a:spcBef>
+              <a:spcAft>
+                <a:spcPct val="0"/>
+              </a:spcAft>
+              <a:buClrTx/>
+              <a:buSzTx/>
+              <a:tabLst/>
+            </a:pPr>
+            <a:r>
+              <a:rPr lang="en-US" altLang="zh-CN" sz="2200" b="1" dirty="0">
+                <a:solidFill>
+                  <a:srgbClr val="333333"/>
+                </a:solidFill>
+                <a:latin typeface="+mn-ea"/>
+                <a:ea typeface="+mn-ea"/>
+              </a:rPr>
+              <a:t>Title</a:t>
+            </a:r>
+            <a:r>
+              <a:rPr lang="zh-CN" altLang="en-US" sz="2200" dirty="0">
+                <a:solidFill>
+                  <a:srgbClr val="333333"/>
+                </a:solidFill>
+                <a:latin typeface="+mn-ea"/>
+                <a:ea typeface="+mn-ea"/>
+              </a:rPr>
+              <a:t>：画布标题；</a:t>
+            </a:r>
+            <a:endParaRPr lang="en-US" altLang="zh-CN" sz="2200" dirty="0">
+              <a:solidFill>
+                <a:srgbClr val="333333"/>
+              </a:solidFill>
+              <a:latin typeface="+mn-ea"/>
+              <a:ea typeface="+mn-ea"/>
+            </a:endParaRPr>
+          </a:p>
+          <a:p>
+            <a:pPr marL="0" marR="0" lvl="0" indent="0" algn="l" defTabSz="914400" rtl="0" eaLnBrk="0" fontAlgn="ctr" latinLnBrk="0" hangingPunct="0">
+              <a:lnSpc>
+                <a:spcPct val="150000"/>
+              </a:lnSpc>
+              <a:spcBef>
+                <a:spcPct val="0"/>
+              </a:spcBef>
+              <a:spcAft>
+                <a:spcPct val="0"/>
+              </a:spcAft>
+              <a:buClrTx/>
+              <a:buSzTx/>
+              <a:tabLst/>
+            </a:pPr>
+            <a:r>
+              <a:rPr lang="en-US" altLang="zh-CN" sz="2200" b="1" dirty="0">
+                <a:solidFill>
+                  <a:srgbClr val="333333"/>
+                </a:solidFill>
+                <a:latin typeface="+mn-ea"/>
+                <a:ea typeface="+mn-ea"/>
+              </a:rPr>
+              <a:t>Axis</a:t>
+            </a:r>
+            <a:r>
+              <a:rPr lang="zh-CN" altLang="en-US" sz="2200" dirty="0">
+                <a:solidFill>
+                  <a:srgbClr val="333333"/>
+                </a:solidFill>
+                <a:latin typeface="+mn-ea"/>
+                <a:ea typeface="+mn-ea"/>
+              </a:rPr>
+              <a:t>：坐标轴，分为</a:t>
+            </a:r>
+            <a:r>
+              <a:rPr lang="en-US" altLang="zh-CN" sz="2200" dirty="0">
+                <a:solidFill>
+                  <a:srgbClr val="333333"/>
+                </a:solidFill>
+                <a:latin typeface="+mn-ea"/>
+                <a:ea typeface="+mn-ea"/>
+              </a:rPr>
+              <a:t>x</a:t>
+            </a:r>
+            <a:r>
+              <a:rPr lang="zh-CN" altLang="en-US" sz="2200" dirty="0">
+                <a:solidFill>
+                  <a:srgbClr val="333333"/>
+                </a:solidFill>
+                <a:latin typeface="+mn-ea"/>
+                <a:ea typeface="+mn-ea"/>
+              </a:rPr>
+              <a:t>坐标轴和</a:t>
+            </a:r>
+            <a:r>
+              <a:rPr lang="en-US" altLang="zh-CN" sz="2200" dirty="0">
+                <a:solidFill>
+                  <a:srgbClr val="333333"/>
+                </a:solidFill>
+                <a:latin typeface="+mn-ea"/>
+                <a:ea typeface="+mn-ea"/>
+              </a:rPr>
+              <a:t>y</a:t>
+            </a:r>
+            <a:r>
+              <a:rPr lang="zh-CN" altLang="en-US" sz="2200" dirty="0">
+                <a:solidFill>
+                  <a:srgbClr val="333333"/>
+                </a:solidFill>
+                <a:latin typeface="+mn-ea"/>
+                <a:ea typeface="+mn-ea"/>
+              </a:rPr>
+              <a:t>坐标轴。</a:t>
+            </a:r>
+            <a:endParaRPr lang="en-US" altLang="zh-CN" sz="2200" dirty="0">
+              <a:solidFill>
+                <a:srgbClr val="333333"/>
+              </a:solidFill>
+              <a:latin typeface="+mn-ea"/>
+              <a:ea typeface="+mn-ea"/>
+            </a:endParaRPr>
+          </a:p>
+          <a:p>
+            <a:pPr marL="0" marR="0" lvl="0" indent="0" algn="l" defTabSz="914400" rtl="0" eaLnBrk="0" fontAlgn="ctr" latinLnBrk="0" hangingPunct="0">
+              <a:lnSpc>
+                <a:spcPct val="150000"/>
+              </a:lnSpc>
+              <a:spcBef>
+                <a:spcPct val="0"/>
+              </a:spcBef>
+              <a:spcAft>
+                <a:spcPct val="0"/>
+              </a:spcAft>
+              <a:buClrTx/>
+              <a:buSzTx/>
+              <a:tabLst/>
+            </a:pPr>
+            <a:r>
+              <a:rPr lang="en-US" altLang="zh-CN" sz="2200" b="1" dirty="0">
+                <a:solidFill>
+                  <a:srgbClr val="333333"/>
+                </a:solidFill>
+                <a:latin typeface="+mn-ea"/>
+                <a:ea typeface="+mn-ea"/>
+              </a:rPr>
+              <a:t>Label</a:t>
+            </a:r>
+            <a:r>
+              <a:rPr lang="zh-CN" altLang="en-US" sz="2200" dirty="0">
+                <a:solidFill>
+                  <a:srgbClr val="333333"/>
+                </a:solidFill>
+                <a:latin typeface="+mn-ea"/>
+                <a:ea typeface="+mn-ea"/>
+              </a:rPr>
+              <a:t>：坐标轴标签，</a:t>
+            </a:r>
+            <a:r>
+              <a:rPr lang="en-US" altLang="zh-CN" sz="2200" dirty="0">
+                <a:solidFill>
+                  <a:srgbClr val="333333"/>
+                </a:solidFill>
+                <a:latin typeface="+mn-ea"/>
+                <a:ea typeface="+mn-ea"/>
+              </a:rPr>
+              <a:t>x</a:t>
+            </a:r>
+            <a:r>
+              <a:rPr lang="zh-CN" altLang="en-US" sz="2200" dirty="0">
+                <a:solidFill>
+                  <a:srgbClr val="333333"/>
+                </a:solidFill>
+                <a:latin typeface="+mn-ea"/>
+                <a:ea typeface="+mn-ea"/>
+              </a:rPr>
+              <a:t>轴标签为</a:t>
+            </a:r>
+            <a:r>
+              <a:rPr lang="en-US" altLang="zh-CN" sz="2200" b="1" dirty="0" err="1">
+                <a:solidFill>
+                  <a:srgbClr val="333333"/>
+                </a:solidFill>
+                <a:latin typeface="+mn-ea"/>
+                <a:ea typeface="+mn-ea"/>
+              </a:rPr>
+              <a:t>xlabel</a:t>
+            </a:r>
+            <a:r>
+              <a:rPr lang="zh-CN" altLang="en-US" sz="2200" dirty="0">
+                <a:solidFill>
+                  <a:srgbClr val="333333"/>
+                </a:solidFill>
+                <a:latin typeface="+mn-ea"/>
+                <a:ea typeface="+mn-ea"/>
+              </a:rPr>
+              <a:t>，</a:t>
+            </a:r>
+            <a:r>
+              <a:rPr lang="en-US" altLang="zh-CN" sz="2200" dirty="0">
+                <a:solidFill>
+                  <a:srgbClr val="333333"/>
+                </a:solidFill>
+                <a:latin typeface="+mn-ea"/>
+                <a:ea typeface="+mn-ea"/>
+              </a:rPr>
+              <a:t>y</a:t>
+            </a:r>
+            <a:r>
+              <a:rPr lang="zh-CN" altLang="en-US" sz="2200" dirty="0">
+                <a:solidFill>
+                  <a:srgbClr val="333333"/>
+                </a:solidFill>
+                <a:latin typeface="+mn-ea"/>
+                <a:ea typeface="+mn-ea"/>
+              </a:rPr>
+              <a:t>轴标签为</a:t>
+            </a:r>
+            <a:r>
+              <a:rPr lang="en-US" altLang="zh-CN" sz="2200" dirty="0" err="1">
+                <a:solidFill>
+                  <a:srgbClr val="333333"/>
+                </a:solidFill>
+                <a:latin typeface="+mn-ea"/>
+                <a:ea typeface="+mn-ea"/>
+              </a:rPr>
+              <a:t>ylabel</a:t>
+            </a:r>
+            <a:r>
+              <a:rPr lang="zh-CN" altLang="en-US" sz="2200" dirty="0">
+                <a:solidFill>
+                  <a:srgbClr val="333333"/>
+                </a:solidFill>
+                <a:latin typeface="+mn-ea"/>
+                <a:ea typeface="+mn-ea"/>
+              </a:rPr>
+              <a:t>。</a:t>
+            </a:r>
+            <a:endParaRPr lang="en-US" altLang="zh-CN" sz="2200" dirty="0">
+              <a:solidFill>
+                <a:srgbClr val="333333"/>
+              </a:solidFill>
+              <a:latin typeface="+mn-ea"/>
+              <a:ea typeface="+mn-ea"/>
+            </a:endParaRPr>
+          </a:p>
+        </p:txBody>
+      </p:sp>
+    </p:spTree>
+    <p:extLst>
+      <p:ext uri="{BB962C8B-B14F-4D97-AF65-F5344CB8AC3E}">
+        <p14:creationId xmlns:p14="http://schemas.microsoft.com/office/powerpoint/2010/main" val="146613224"/>
+      </p:ext>
+    </p:extLst>
+  </p:cSld>
+  <p:clrMapOvr>
+    <a:masterClrMapping/>
+  </p:clrMapOvr>
+  <p:transition>
+    <p:fade/>
+  </p:transition>
+</p:sld>
+</file>
+
+<file path=ppt/slides/slide23.xml><?xml version="1.0" encoding="utf-8"?>
+<p:sld xmlns:a="http://schemas.openxmlformats.org/drawingml/2006/main" xmlns:r="http://schemas.openxmlformats.org/officeDocument/2006/relationships" xmlns:p="http://schemas.openxmlformats.org/presentationml/2006/main">
+  <p:cSld>
+    <p:spTree>
+      <p:nvGrpSpPr>
+        <p:cNvPr id="1" name=""/>
+        <p:cNvGrpSpPr/>
+        <p:nvPr/>
+      </p:nvGrpSpPr>
+      <p:grpSpPr>
+        <a:xfrm>
+          <a:off x="0" y="0"/>
+          <a:ext cx="0" cy="0"/>
+          <a:chOff x="0" y="0"/>
+          <a:chExt cx="0" cy="0"/>
+        </a:xfrm>
+      </p:grpSpPr>
+      <p:sp>
+        <p:nvSpPr>
+          <p:cNvPr id="3" name="标题 2"/>
+          <p:cNvSpPr>
+            <a:spLocks noGrp="1"/>
+          </p:cNvSpPr>
+          <p:nvPr>
+            <p:ph type="title"/>
+          </p:nvPr>
+        </p:nvSpPr>
+        <p:spPr>
+          <a:xfrm>
+            <a:off x="0" y="8526"/>
+            <a:ext cx="9013371" cy="792162"/>
+          </a:xfrm>
+        </p:spPr>
+        <p:txBody>
+          <a:bodyPr/>
+          <a:lstStyle/>
+          <a:p>
+            <a:r>
+              <a:rPr lang="zh-CN" altLang="en-US" dirty="0">
+                <a:latin typeface="+mn-ea"/>
+              </a:rPr>
+              <a:t>一、</a:t>
+            </a:r>
+            <a:r>
+              <a:rPr lang="en-US" altLang="zh-CN" dirty="0">
+                <a:latin typeface="微软雅黑" pitchFamily="34" charset="-122"/>
+                <a:ea typeface="微软雅黑" pitchFamily="34" charset="-122"/>
+              </a:rPr>
+              <a:t>Python</a:t>
+            </a:r>
+            <a:r>
+              <a:rPr lang="zh-CN" altLang="en-US" dirty="0">
+                <a:latin typeface="微软雅黑" pitchFamily="34" charset="-122"/>
+                <a:ea typeface="微软雅黑" pitchFamily="34" charset="-122"/>
+              </a:rPr>
+              <a:t>编程基础</a:t>
+            </a:r>
+            <a:endParaRPr lang="zh-CN" altLang="en-US" dirty="0"/>
+          </a:p>
+        </p:txBody>
+      </p:sp>
+      <p:sp>
+        <p:nvSpPr>
+          <p:cNvPr id="2" name="TextBox 1">
+            <a:extLst>
+              <a:ext uri="{FF2B5EF4-FFF2-40B4-BE49-F238E27FC236}">
+                <a16:creationId xmlns:a16="http://schemas.microsoft.com/office/drawing/2014/main" id="{631AADB6-C88A-D817-4683-FC087E4E240F}"/>
+              </a:ext>
+            </a:extLst>
+          </p:cNvPr>
+          <p:cNvSpPr txBox="1"/>
+          <p:nvPr/>
+        </p:nvSpPr>
+        <p:spPr>
+          <a:xfrm>
+            <a:off x="317499" y="923752"/>
+            <a:ext cx="6141255" cy="4956934"/>
+          </a:xfrm>
+          <a:prstGeom prst="rect">
+            <a:avLst/>
+          </a:prstGeom>
+          <a:noFill/>
+        </p:spPr>
+        <p:txBody>
+          <a:bodyPr wrap="square" rtlCol="0">
+            <a:spAutoFit/>
+          </a:bodyPr>
+          <a:lstStyle/>
+          <a:p>
+            <a:pPr algn="just">
+              <a:lnSpc>
+                <a:spcPct val="200000"/>
+              </a:lnSpc>
+            </a:pPr>
+            <a:r>
+              <a:rPr lang="en-US" altLang="zh-CN" sz="2800" b="1" dirty="0">
+                <a:solidFill>
+                  <a:srgbClr val="333333"/>
+                </a:solidFill>
+                <a:latin typeface="+mn-ea"/>
+                <a:ea typeface="+mn-ea"/>
+              </a:rPr>
+              <a:t>Matplotlib</a:t>
+            </a:r>
+            <a:r>
+              <a:rPr lang="zh-CN" altLang="en-US" sz="2800" b="1" dirty="0">
+                <a:solidFill>
+                  <a:srgbClr val="333333"/>
+                </a:solidFill>
+                <a:latin typeface="+mn-ea"/>
+                <a:ea typeface="+mn-ea"/>
+              </a:rPr>
+              <a:t>开源库常用函数</a:t>
+            </a:r>
+            <a:endParaRPr lang="en-US" altLang="zh-CN" sz="2800" b="1" dirty="0">
+              <a:solidFill>
+                <a:srgbClr val="333333"/>
+              </a:solidFill>
+              <a:latin typeface="+mn-ea"/>
+              <a:ea typeface="+mn-ea"/>
+            </a:endParaRPr>
+          </a:p>
+          <a:p>
+            <a:pPr algn="just">
+              <a:lnSpc>
+                <a:spcPct val="150000"/>
+              </a:lnSpc>
+            </a:pPr>
+            <a:r>
+              <a:rPr lang="en-US" altLang="zh-CN" sz="2200" b="1" dirty="0" err="1">
+                <a:solidFill>
+                  <a:srgbClr val="333333"/>
+                </a:solidFill>
+                <a:latin typeface="+mn-ea"/>
+                <a:ea typeface="+mn-ea"/>
+              </a:rPr>
+              <a:t>plt.figure</a:t>
+            </a:r>
+            <a:r>
+              <a:rPr lang="en-US" altLang="zh-CN" sz="2200" b="1" dirty="0">
+                <a:solidFill>
+                  <a:srgbClr val="333333"/>
+                </a:solidFill>
+                <a:latin typeface="+mn-ea"/>
+                <a:ea typeface="+mn-ea"/>
+              </a:rPr>
+              <a:t>()</a:t>
+            </a:r>
+            <a:r>
+              <a:rPr lang="en-US" altLang="zh-CN" sz="2200" dirty="0">
+                <a:solidFill>
+                  <a:srgbClr val="333333"/>
+                </a:solidFill>
+                <a:latin typeface="+mn-ea"/>
+                <a:ea typeface="+mn-ea"/>
+              </a:rPr>
+              <a:t>: </a:t>
+            </a:r>
+            <a:r>
+              <a:rPr lang="zh-CN" altLang="en-US" sz="2200" dirty="0">
+                <a:solidFill>
+                  <a:srgbClr val="333333"/>
+                </a:solidFill>
+                <a:latin typeface="+mn-ea"/>
+                <a:ea typeface="+mn-ea"/>
+              </a:rPr>
+              <a:t>创建画板。</a:t>
+            </a:r>
+            <a:endParaRPr lang="en-US" altLang="zh-CN" sz="2200" dirty="0">
+              <a:solidFill>
+                <a:srgbClr val="333333"/>
+              </a:solidFill>
+              <a:latin typeface="+mn-ea"/>
+              <a:ea typeface="+mn-ea"/>
+            </a:endParaRPr>
+          </a:p>
+          <a:p>
+            <a:pPr algn="just">
+              <a:lnSpc>
+                <a:spcPct val="150000"/>
+              </a:lnSpc>
+            </a:pPr>
+            <a:r>
+              <a:rPr lang="en-US" altLang="zh-CN" sz="2200" b="1" dirty="0" err="1">
+                <a:solidFill>
+                  <a:srgbClr val="333333"/>
+                </a:solidFill>
+                <a:latin typeface="+mn-ea"/>
+                <a:ea typeface="+mn-ea"/>
+              </a:rPr>
+              <a:t>plt.subplots</a:t>
+            </a:r>
+            <a:r>
+              <a:rPr lang="en-US" altLang="zh-CN" sz="2200" b="1" dirty="0">
+                <a:solidFill>
+                  <a:srgbClr val="333333"/>
+                </a:solidFill>
+                <a:latin typeface="+mn-ea"/>
+                <a:ea typeface="+mn-ea"/>
+              </a:rPr>
+              <a:t>()</a:t>
+            </a:r>
+            <a:r>
+              <a:rPr lang="zh-CN" altLang="en-US" sz="2200" dirty="0">
+                <a:solidFill>
+                  <a:srgbClr val="333333"/>
+                </a:solidFill>
+                <a:latin typeface="+mn-ea"/>
+                <a:ea typeface="+mn-ea"/>
+              </a:rPr>
+              <a:t>：创建包含任意多幅画纸的画板。</a:t>
+            </a:r>
+            <a:endParaRPr lang="en-US" altLang="zh-CN" sz="2200" dirty="0">
+              <a:solidFill>
+                <a:srgbClr val="333333"/>
+              </a:solidFill>
+              <a:latin typeface="+mn-ea"/>
+              <a:ea typeface="+mn-ea"/>
+            </a:endParaRPr>
+          </a:p>
+          <a:p>
+            <a:pPr algn="just">
+              <a:lnSpc>
+                <a:spcPct val="150000"/>
+              </a:lnSpc>
+            </a:pPr>
+            <a:r>
+              <a:rPr lang="en-US" altLang="zh-CN" sz="2200" b="1" dirty="0">
+                <a:solidFill>
+                  <a:srgbClr val="333333"/>
+                </a:solidFill>
+                <a:latin typeface="+mn-ea"/>
+                <a:ea typeface="+mn-ea"/>
+              </a:rPr>
+              <a:t>.plot()</a:t>
+            </a:r>
+            <a:r>
+              <a:rPr lang="zh-CN" altLang="en-US" sz="2200" dirty="0">
+                <a:solidFill>
+                  <a:srgbClr val="333333"/>
+                </a:solidFill>
+                <a:latin typeface="+mn-ea"/>
+                <a:ea typeface="+mn-ea"/>
+              </a:rPr>
+              <a:t>：绘制线性图；</a:t>
+            </a:r>
+            <a:endParaRPr lang="en-US" altLang="zh-CN" sz="2200" dirty="0">
+              <a:solidFill>
+                <a:srgbClr val="333333"/>
+              </a:solidFill>
+              <a:latin typeface="+mn-ea"/>
+              <a:ea typeface="+mn-ea"/>
+            </a:endParaRPr>
+          </a:p>
+          <a:p>
+            <a:pPr algn="just">
+              <a:lnSpc>
+                <a:spcPct val="150000"/>
+              </a:lnSpc>
+            </a:pPr>
+            <a:r>
+              <a:rPr lang="en-US" altLang="zh-CN" sz="2200" b="1" dirty="0">
+                <a:solidFill>
+                  <a:srgbClr val="333333"/>
+                </a:solidFill>
+                <a:latin typeface="+mn-ea"/>
+                <a:ea typeface="+mn-ea"/>
+              </a:rPr>
+              <a:t>.scatter()</a:t>
+            </a:r>
+            <a:r>
+              <a:rPr lang="zh-CN" altLang="en-US" sz="2200" dirty="0">
+                <a:solidFill>
+                  <a:srgbClr val="333333"/>
+                </a:solidFill>
+                <a:latin typeface="+mn-ea"/>
+                <a:ea typeface="+mn-ea"/>
+              </a:rPr>
+              <a:t>：绘制散点图；</a:t>
+            </a:r>
+            <a:endParaRPr lang="en-US" altLang="zh-CN" sz="2200" dirty="0">
+              <a:solidFill>
+                <a:srgbClr val="333333"/>
+              </a:solidFill>
+              <a:latin typeface="+mn-ea"/>
+              <a:ea typeface="+mn-ea"/>
+            </a:endParaRPr>
+          </a:p>
+          <a:p>
+            <a:pPr algn="just">
+              <a:lnSpc>
+                <a:spcPct val="150000"/>
+              </a:lnSpc>
+            </a:pPr>
+            <a:r>
+              <a:rPr lang="en-US" altLang="zh-CN" sz="2200" b="1" dirty="0">
+                <a:solidFill>
+                  <a:srgbClr val="333333"/>
+                </a:solidFill>
+                <a:latin typeface="+mn-ea"/>
+                <a:ea typeface="+mn-ea"/>
+              </a:rPr>
+              <a:t>.bar()</a:t>
+            </a:r>
+            <a:r>
+              <a:rPr lang="zh-CN" altLang="en-US" sz="2200" dirty="0">
+                <a:solidFill>
+                  <a:srgbClr val="333333"/>
+                </a:solidFill>
+                <a:latin typeface="+mn-ea"/>
+                <a:ea typeface="+mn-ea"/>
+              </a:rPr>
+              <a:t>：绘制柱状图；</a:t>
+            </a:r>
+            <a:endParaRPr lang="en-US" altLang="zh-CN" sz="2200" dirty="0">
+              <a:solidFill>
+                <a:srgbClr val="333333"/>
+              </a:solidFill>
+              <a:latin typeface="+mn-ea"/>
+              <a:ea typeface="+mn-ea"/>
+            </a:endParaRPr>
+          </a:p>
+          <a:p>
+            <a:pPr algn="just">
+              <a:lnSpc>
+                <a:spcPct val="150000"/>
+              </a:lnSpc>
+            </a:pPr>
+            <a:r>
+              <a:rPr lang="en-US" altLang="zh-CN" sz="2200" b="1" dirty="0">
+                <a:solidFill>
+                  <a:srgbClr val="333333"/>
+                </a:solidFill>
+                <a:latin typeface="+mn-ea"/>
+                <a:ea typeface="+mn-ea"/>
+              </a:rPr>
+              <a:t>.</a:t>
+            </a:r>
+            <a:r>
+              <a:rPr lang="en-US" altLang="zh-CN" sz="2200" b="1" dirty="0" err="1">
+                <a:solidFill>
+                  <a:srgbClr val="333333"/>
+                </a:solidFill>
+                <a:latin typeface="+mn-ea"/>
+                <a:ea typeface="+mn-ea"/>
+              </a:rPr>
+              <a:t>imshow</a:t>
+            </a:r>
+            <a:r>
+              <a:rPr lang="en-US" altLang="zh-CN" sz="2200" b="1" dirty="0">
+                <a:solidFill>
+                  <a:srgbClr val="333333"/>
+                </a:solidFill>
+                <a:latin typeface="+mn-ea"/>
+                <a:ea typeface="+mn-ea"/>
+              </a:rPr>
+              <a:t>()</a:t>
+            </a:r>
+            <a:r>
+              <a:rPr lang="zh-CN" altLang="en-US" sz="2200" dirty="0">
+                <a:solidFill>
+                  <a:srgbClr val="333333"/>
+                </a:solidFill>
+                <a:latin typeface="+mn-ea"/>
+                <a:ea typeface="+mn-ea"/>
+              </a:rPr>
+              <a:t>：图像显示。</a:t>
+            </a:r>
+            <a:endParaRPr lang="en-US" altLang="zh-CN" sz="2200" dirty="0">
+              <a:solidFill>
+                <a:srgbClr val="333333"/>
+              </a:solidFill>
+              <a:latin typeface="+mn-ea"/>
+              <a:ea typeface="+mn-ea"/>
+            </a:endParaRPr>
+          </a:p>
+        </p:txBody>
+      </p:sp>
+      <p:sp>
+        <p:nvSpPr>
+          <p:cNvPr id="5" name="文本框 4">
+            <a:extLst>
+              <a:ext uri="{FF2B5EF4-FFF2-40B4-BE49-F238E27FC236}">
+                <a16:creationId xmlns:a16="http://schemas.microsoft.com/office/drawing/2014/main" id="{87337642-8683-F1DA-F4CA-1085145DEE54}"/>
+              </a:ext>
+            </a:extLst>
+          </p:cNvPr>
+          <p:cNvSpPr txBox="1"/>
+          <p:nvPr/>
+        </p:nvSpPr>
+        <p:spPr>
+          <a:xfrm>
+            <a:off x="4107733" y="3404414"/>
+            <a:ext cx="4573254" cy="2571666"/>
+          </a:xfrm>
+          <a:prstGeom prst="rect">
+            <a:avLst/>
+          </a:prstGeom>
+          <a:noFill/>
+          <a:ln w="28575">
+            <a:solidFill>
+              <a:srgbClr val="CC6600"/>
+            </a:solidFill>
+          </a:ln>
+        </p:spPr>
+        <p:txBody>
+          <a:bodyPr wrap="square">
+            <a:spAutoFit/>
+          </a:bodyPr>
+          <a:lstStyle/>
+          <a:p>
+            <a:pPr>
+              <a:lnSpc>
+                <a:spcPct val="150000"/>
+              </a:lnSpc>
+            </a:pPr>
+            <a:r>
+              <a:rPr lang="zh-CN" altLang="en-US" sz="2200" b="1" dirty="0">
+                <a:solidFill>
+                  <a:srgbClr val="333333"/>
+                </a:solidFill>
+                <a:latin typeface="+mn-ea"/>
+                <a:ea typeface="+mn-ea"/>
+              </a:rPr>
+              <a:t>画纸设置常用函数</a:t>
+            </a:r>
+            <a:endParaRPr lang="en-US" altLang="zh-CN" sz="2200" b="1" dirty="0">
+              <a:solidFill>
+                <a:srgbClr val="333333"/>
+              </a:solidFill>
+              <a:latin typeface="+mn-ea"/>
+              <a:ea typeface="+mn-ea"/>
+            </a:endParaRPr>
+          </a:p>
+          <a:p>
+            <a:pPr algn="l">
+              <a:lnSpc>
+                <a:spcPct val="150000"/>
+              </a:lnSpc>
+            </a:pPr>
+            <a:r>
+              <a:rPr lang="en-US" altLang="zh-CN" sz="2200" dirty="0">
+                <a:solidFill>
+                  <a:srgbClr val="333333"/>
+                </a:solidFill>
+                <a:latin typeface="+mn-ea"/>
+                <a:ea typeface="+mn-ea"/>
+              </a:rPr>
+              <a:t>ax.set_title()</a:t>
+            </a:r>
+            <a:r>
+              <a:rPr lang="zh-CN" altLang="en-US" sz="2200" dirty="0">
+                <a:solidFill>
+                  <a:srgbClr val="333333"/>
+                </a:solidFill>
+                <a:latin typeface="+mn-ea"/>
+                <a:ea typeface="+mn-ea"/>
+              </a:rPr>
+              <a:t>：设置标题</a:t>
+            </a:r>
+            <a:endParaRPr lang="en-US" altLang="zh-CN" sz="2200" dirty="0">
+              <a:solidFill>
+                <a:srgbClr val="333333"/>
+              </a:solidFill>
+              <a:latin typeface="+mn-ea"/>
+              <a:ea typeface="+mn-ea"/>
+            </a:endParaRPr>
+          </a:p>
+          <a:p>
+            <a:pPr algn="l">
+              <a:lnSpc>
+                <a:spcPct val="150000"/>
+              </a:lnSpc>
+            </a:pPr>
+            <a:r>
+              <a:rPr lang="en-US" altLang="zh-CN" sz="2200" dirty="0">
+                <a:solidFill>
+                  <a:srgbClr val="333333"/>
+                </a:solidFill>
+                <a:latin typeface="+mn-ea"/>
+                <a:ea typeface="+mn-ea"/>
+              </a:rPr>
+              <a:t>ax.set_xlabel()</a:t>
+            </a:r>
+            <a:r>
+              <a:rPr lang="zh-CN" altLang="en-US" sz="2200" dirty="0">
+                <a:solidFill>
+                  <a:srgbClr val="333333"/>
+                </a:solidFill>
+                <a:latin typeface="+mn-ea"/>
+                <a:ea typeface="+mn-ea"/>
+              </a:rPr>
+              <a:t>：设置</a:t>
+            </a:r>
+            <a:r>
+              <a:rPr lang="en-US" altLang="zh-CN" sz="2200" dirty="0">
+                <a:solidFill>
+                  <a:srgbClr val="333333"/>
+                </a:solidFill>
+                <a:latin typeface="+mn-ea"/>
+                <a:ea typeface="+mn-ea"/>
+              </a:rPr>
+              <a:t>x</a:t>
+            </a:r>
+            <a:r>
+              <a:rPr lang="zh-CN" altLang="en-US" sz="2200" dirty="0">
+                <a:solidFill>
+                  <a:srgbClr val="333333"/>
+                </a:solidFill>
+                <a:latin typeface="+mn-ea"/>
+                <a:ea typeface="+mn-ea"/>
+              </a:rPr>
+              <a:t>坐标轴标签</a:t>
+            </a:r>
+            <a:endParaRPr lang="en-US" altLang="zh-CN" sz="2200" dirty="0">
+              <a:solidFill>
+                <a:srgbClr val="333333"/>
+              </a:solidFill>
+              <a:latin typeface="+mn-ea"/>
+              <a:ea typeface="+mn-ea"/>
+            </a:endParaRPr>
+          </a:p>
+          <a:p>
+            <a:pPr algn="l">
+              <a:lnSpc>
+                <a:spcPct val="150000"/>
+              </a:lnSpc>
+            </a:pPr>
+            <a:r>
+              <a:rPr lang="en-US" altLang="zh-CN" sz="2200" dirty="0">
+                <a:solidFill>
+                  <a:srgbClr val="333333"/>
+                </a:solidFill>
+                <a:latin typeface="+mn-ea"/>
+                <a:ea typeface="+mn-ea"/>
+              </a:rPr>
+              <a:t>ax.tick_params()</a:t>
+            </a:r>
+            <a:r>
+              <a:rPr lang="zh-CN" altLang="en-US" sz="2200" dirty="0">
+                <a:solidFill>
+                  <a:srgbClr val="333333"/>
+                </a:solidFill>
+                <a:latin typeface="+mn-ea"/>
+                <a:ea typeface="+mn-ea"/>
+              </a:rPr>
+              <a:t>：设置坐标轴刻度。</a:t>
+            </a:r>
+            <a:endParaRPr lang="en-US" altLang="zh-CN" sz="2200" dirty="0">
+              <a:solidFill>
+                <a:srgbClr val="333333"/>
+              </a:solidFill>
+              <a:latin typeface="+mn-ea"/>
+              <a:ea typeface="+mn-ea"/>
+            </a:endParaRPr>
+          </a:p>
+        </p:txBody>
+      </p:sp>
+    </p:spTree>
+    <p:extLst>
+      <p:ext uri="{BB962C8B-B14F-4D97-AF65-F5344CB8AC3E}">
+        <p14:creationId xmlns:p14="http://schemas.microsoft.com/office/powerpoint/2010/main" val="164131644"/>
+      </p:ext>
+    </p:extLst>
+  </p:cSld>
+  <p:clrMapOvr>
+    <a:masterClrMapping/>
+  </p:clrMapOvr>
+  <p:transition>
+    <p:fade/>
+  </p:transition>
+</p:sld>
+</file>
+
+<file path=ppt/slides/slide24.xml><?xml version="1.0" encoding="utf-8"?>
+<p:sld xmlns:a="http://schemas.openxmlformats.org/drawingml/2006/main" xmlns:r="http://schemas.openxmlformats.org/officeDocument/2006/relationships" xmlns:p="http://schemas.openxmlformats.org/presentationml/2006/main">
+  <p:cSld>
+    <p:spTree>
+      <p:nvGrpSpPr>
+        <p:cNvPr id="1" name=""/>
+        <p:cNvGrpSpPr/>
+        <p:nvPr/>
+      </p:nvGrpSpPr>
+      <p:grpSpPr>
+        <a:xfrm>
+          <a:off x="0" y="0"/>
+          <a:ext cx="0" cy="0"/>
+          <a:chOff x="0" y="0"/>
+          <a:chExt cx="0" cy="0"/>
+        </a:xfrm>
+      </p:grpSpPr>
+      <p:sp>
+        <p:nvSpPr>
+          <p:cNvPr id="3" name="标题 2"/>
+          <p:cNvSpPr>
+            <a:spLocks noGrp="1"/>
+          </p:cNvSpPr>
+          <p:nvPr>
+            <p:ph type="title"/>
+          </p:nvPr>
+        </p:nvSpPr>
+        <p:spPr>
+          <a:xfrm>
+            <a:off x="0" y="8526"/>
+            <a:ext cx="9013371" cy="792162"/>
+          </a:xfrm>
+        </p:spPr>
+        <p:txBody>
+          <a:bodyPr/>
+          <a:lstStyle/>
+          <a:p>
+            <a:r>
+              <a:rPr lang="zh-CN" altLang="en-US" sz="3600" b="1" dirty="0">
+                <a:latin typeface="微软雅黑" pitchFamily="34" charset="-122"/>
+                <a:ea typeface="微软雅黑" pitchFamily="34" charset="-122"/>
+              </a:rPr>
+              <a:t>三、</a:t>
+            </a:r>
+            <a:r>
+              <a:rPr lang="en-US" altLang="zh-CN" sz="3600" b="1" dirty="0">
+                <a:latin typeface="微软雅黑" pitchFamily="34" charset="-122"/>
+                <a:ea typeface="微软雅黑" pitchFamily="34" charset="-122"/>
+              </a:rPr>
+              <a:t>Python</a:t>
+            </a:r>
+            <a:r>
+              <a:rPr lang="zh-CN" altLang="en-US" sz="3600" b="1" dirty="0">
+                <a:latin typeface="微软雅黑" pitchFamily="34" charset="-122"/>
+                <a:ea typeface="微软雅黑" pitchFamily="34" charset="-122"/>
+              </a:rPr>
+              <a:t>开发环境配置</a:t>
+            </a:r>
+            <a:endParaRPr lang="zh-CN" altLang="en-US" dirty="0"/>
+          </a:p>
+        </p:txBody>
+      </p:sp>
+      <p:sp>
+        <p:nvSpPr>
+          <p:cNvPr id="11" name="TextBox 10">
+            <a:extLst>
+              <a:ext uri="{FF2B5EF4-FFF2-40B4-BE49-F238E27FC236}">
+                <a16:creationId xmlns:a16="http://schemas.microsoft.com/office/drawing/2014/main" id="{53A7E693-8098-76C4-CD5D-47166ABEB164}"/>
+              </a:ext>
+            </a:extLst>
+          </p:cNvPr>
+          <p:cNvSpPr txBox="1"/>
+          <p:nvPr/>
+        </p:nvSpPr>
+        <p:spPr>
+          <a:xfrm>
+            <a:off x="414554" y="1032836"/>
+            <a:ext cx="8314891" cy="743986"/>
+          </a:xfrm>
+          <a:prstGeom prst="rect">
+            <a:avLst/>
+          </a:prstGeom>
+          <a:noFill/>
+        </p:spPr>
+        <p:txBody>
+          <a:bodyPr wrap="square" rtlCol="0">
+            <a:spAutoFit/>
+          </a:bodyPr>
+          <a:lstStyle/>
+          <a:p>
+            <a:pPr algn="just">
+              <a:lnSpc>
+                <a:spcPct val="150000"/>
+              </a:lnSpc>
+            </a:pPr>
+            <a:r>
+              <a:rPr lang="zh-CN" altLang="en-US" sz="3200" b="1" dirty="0">
+                <a:solidFill>
+                  <a:srgbClr val="333333"/>
+                </a:solidFill>
+                <a:latin typeface="+mn-ea"/>
+                <a:ea typeface="+mn-ea"/>
+              </a:rPr>
+              <a:t>课堂课后练习</a:t>
+            </a:r>
+            <a:endParaRPr lang="en-US" altLang="zh-CN" sz="3200" b="1" dirty="0">
+              <a:solidFill>
+                <a:srgbClr val="333333"/>
+              </a:solidFill>
+              <a:latin typeface="+mn-ea"/>
+              <a:ea typeface="+mn-ea"/>
+            </a:endParaRPr>
+          </a:p>
+        </p:txBody>
+      </p:sp>
+      <p:sp>
+        <p:nvSpPr>
+          <p:cNvPr id="13" name="TextBox 12">
+            <a:extLst>
+              <a:ext uri="{FF2B5EF4-FFF2-40B4-BE49-F238E27FC236}">
+                <a16:creationId xmlns:a16="http://schemas.microsoft.com/office/drawing/2014/main" id="{303BC878-BC57-D350-27A3-F03AE48213AC}"/>
+              </a:ext>
+            </a:extLst>
+          </p:cNvPr>
+          <p:cNvSpPr txBox="1"/>
+          <p:nvPr/>
+        </p:nvSpPr>
+        <p:spPr>
+          <a:xfrm>
+            <a:off x="553250" y="1872358"/>
+            <a:ext cx="8037499" cy="2386102"/>
+          </a:xfrm>
+          <a:prstGeom prst="rect">
+            <a:avLst/>
+          </a:prstGeom>
+          <a:noFill/>
+        </p:spPr>
+        <p:txBody>
+          <a:bodyPr wrap="square">
+            <a:spAutoFit/>
+          </a:bodyPr>
+          <a:lstStyle/>
+          <a:p>
+            <a:pPr marL="457200" indent="-457200" algn="just">
+              <a:lnSpc>
+                <a:spcPct val="150000"/>
+              </a:lnSpc>
+              <a:buAutoNum type="arabicPeriod"/>
+            </a:pPr>
+            <a:r>
+              <a:rPr lang="zh-CN" altLang="en-US" sz="2800" dirty="0">
+                <a:solidFill>
+                  <a:srgbClr val="333333"/>
+                </a:solidFill>
+                <a:latin typeface="+mn-ea"/>
+                <a:ea typeface="+mn-ea"/>
+              </a:rPr>
+              <a:t>练习课程所学</a:t>
+            </a:r>
+            <a:r>
+              <a:rPr lang="en-US" altLang="zh-CN" sz="2800" dirty="0">
+                <a:solidFill>
+                  <a:srgbClr val="333333"/>
+                </a:solidFill>
+                <a:latin typeface="+mn-ea"/>
+                <a:ea typeface="+mn-ea"/>
+              </a:rPr>
+              <a:t>python</a:t>
+            </a:r>
+            <a:r>
+              <a:rPr lang="zh-CN" altLang="en-US" sz="2800" dirty="0">
+                <a:solidFill>
+                  <a:srgbClr val="333333"/>
+                </a:solidFill>
+                <a:latin typeface="+mn-ea"/>
+                <a:ea typeface="+mn-ea"/>
+              </a:rPr>
+              <a:t>基础编程；</a:t>
+            </a:r>
+            <a:endParaRPr lang="en-US" altLang="zh-CN" sz="2800" dirty="0">
+              <a:solidFill>
+                <a:srgbClr val="333333"/>
+              </a:solidFill>
+              <a:latin typeface="+mn-ea"/>
+              <a:ea typeface="+mn-ea"/>
+            </a:endParaRPr>
+          </a:p>
+          <a:p>
+            <a:pPr marL="457200" indent="-457200" algn="just">
+              <a:lnSpc>
+                <a:spcPct val="150000"/>
+              </a:lnSpc>
+              <a:buAutoNum type="arabicPeriod"/>
+            </a:pPr>
+            <a:r>
+              <a:rPr lang="zh-CN" altLang="en-US" sz="2800" dirty="0">
+                <a:solidFill>
+                  <a:srgbClr val="333333"/>
+                </a:solidFill>
+                <a:latin typeface="+mn-ea"/>
+                <a:ea typeface="+mn-ea"/>
+              </a:rPr>
+              <a:t>练习</a:t>
+            </a:r>
+            <a:r>
+              <a:rPr lang="en-US" altLang="zh-CN" sz="2800" dirty="0">
+                <a:solidFill>
+                  <a:srgbClr val="333333"/>
+                </a:solidFill>
+                <a:latin typeface="+mn-ea"/>
+                <a:ea typeface="+mn-ea"/>
+              </a:rPr>
+              <a:t>matplotlib</a:t>
+            </a:r>
+            <a:r>
+              <a:rPr lang="zh-CN" altLang="en-US" sz="2800" dirty="0">
+                <a:solidFill>
+                  <a:srgbClr val="333333"/>
+                </a:solidFill>
+                <a:latin typeface="+mn-ea"/>
+                <a:ea typeface="+mn-ea"/>
+              </a:rPr>
+              <a:t>开源库使用。</a:t>
+            </a:r>
+            <a:endParaRPr lang="en-US" altLang="zh-CN" sz="2800" dirty="0">
+              <a:solidFill>
+                <a:srgbClr val="333333"/>
+              </a:solidFill>
+              <a:latin typeface="+mn-ea"/>
+              <a:ea typeface="+mn-ea"/>
+            </a:endParaRPr>
+          </a:p>
+          <a:p>
+            <a:pPr marL="457200" indent="-457200" algn="just">
+              <a:lnSpc>
+                <a:spcPct val="150000"/>
+              </a:lnSpc>
+              <a:buAutoNum type="arabicPeriod"/>
+            </a:pPr>
+            <a:endParaRPr lang="en-US" altLang="zh-CN" sz="2800" dirty="0">
+              <a:solidFill>
+                <a:srgbClr val="333333"/>
+              </a:solidFill>
+              <a:latin typeface="+mn-ea"/>
+              <a:ea typeface="+mn-ea"/>
+            </a:endParaRPr>
+          </a:p>
+        </p:txBody>
+      </p:sp>
+    </p:spTree>
+    <p:extLst>
+      <p:ext uri="{BB962C8B-B14F-4D97-AF65-F5344CB8AC3E}">
+        <p14:creationId xmlns:p14="http://schemas.microsoft.com/office/powerpoint/2010/main" val="1209572041"/>
+      </p:ext>
+    </p:extLst>
+  </p:cSld>
+  <p:clrMapOvr>
+    <a:masterClrMapping/>
+  </p:clrMapOvr>
+  <p:transition>
+    <p:fade/>
+  </p:transition>
+</p:sld>
+</file>
+
 <file path=ppt/slides/slide3.xml><?xml version="1.0" encoding="utf-8"?>
 <p:sld xmlns:a="http://schemas.openxmlformats.org/drawingml/2006/main" xmlns:r="http://schemas.openxmlformats.org/officeDocument/2006/relationships" xmlns:p="http://schemas.openxmlformats.org/presentationml/2006/main">
   <p:cSld>
@@ -18540,8 +23870,8 @@
         </p:nvSpPr>
         <p:spPr>
           <a:xfrm>
-            <a:off x="441437" y="1510701"/>
-            <a:ext cx="4973526" cy="5336204"/>
+            <a:off x="435086" y="1472601"/>
+            <a:ext cx="5133863" cy="5336204"/>
           </a:xfrm>
           <a:prstGeom prst="rect">
             <a:avLst/>
@@ -19145,8 +24475,8 @@
         </p:nvSpPr>
         <p:spPr>
           <a:xfrm>
-            <a:off x="379551" y="1555297"/>
-            <a:ext cx="3839751" cy="5151538"/>
+            <a:off x="328038" y="1555297"/>
+            <a:ext cx="4022864" cy="4412875"/>
           </a:xfrm>
           <a:prstGeom prst="rect">
             <a:avLst/>
@@ -19298,8 +24628,8 @@
         </p:nvGrpSpPr>
         <p:grpSpPr>
           <a:xfrm>
-            <a:off x="4316052" y="1320847"/>
-            <a:ext cx="4747891" cy="2350630"/>
+            <a:off x="4408988" y="1282210"/>
+            <a:ext cx="4617262" cy="2350630"/>
             <a:chOff x="4265480" y="1444374"/>
             <a:chExt cx="4747891" cy="2350630"/>
           </a:xfrm>
@@ -19400,8 +24730,8 @@
         </p:nvGrpSpPr>
         <p:grpSpPr>
           <a:xfrm>
-            <a:off x="4329114" y="3684539"/>
-            <a:ext cx="4741409" cy="1656227"/>
+            <a:off x="4422050" y="3645902"/>
+            <a:ext cx="4610958" cy="1656227"/>
             <a:chOff x="4271962" y="3813127"/>
             <a:chExt cx="4741409" cy="1656227"/>
           </a:xfrm>
@@ -19499,8 +24829,8 @@
         </p:nvGrpSpPr>
         <p:grpSpPr>
           <a:xfrm>
-            <a:off x="4341356" y="5399547"/>
-            <a:ext cx="4747891" cy="1244751"/>
+            <a:off x="4434292" y="5288340"/>
+            <a:ext cx="4617262" cy="1244751"/>
             <a:chOff x="4265480" y="5384897"/>
             <a:chExt cx="4747891" cy="1244751"/>
           </a:xfrm>
@@ -19759,7 +25089,7 @@
         <p:spPr>
           <a:xfrm>
             <a:off x="372408" y="1462427"/>
-            <a:ext cx="8640963" cy="2150717"/>
+            <a:ext cx="8640963" cy="1412053"/>
           </a:xfrm>
           <a:prstGeom prst="rect">
             <a:avLst/>
@@ -19854,52 +25184,6 @@
                 <a:ea typeface="+mn-ea"/>
               </a:rPr>
               <a:t>，对初学者友好。</a:t>
-            </a:r>
-            <a:endParaRPr lang="en-US" altLang="zh-CN" dirty="0">
-              <a:solidFill>
-                <a:srgbClr val="151515"/>
-              </a:solidFill>
-              <a:latin typeface="+mn-ea"/>
-              <a:ea typeface="+mn-ea"/>
-            </a:endParaRPr>
-          </a:p>
-          <a:p>
-            <a:pPr marL="457200" indent="-457200" algn="just">
-              <a:lnSpc>
-                <a:spcPct val="150000"/>
-              </a:lnSpc>
-              <a:buFontTx/>
-              <a:buAutoNum type="arabicPeriod"/>
-            </a:pPr>
-            <a:r>
-              <a:rPr lang="zh-CN" altLang="en-US" dirty="0">
-                <a:solidFill>
-                  <a:srgbClr val="151515"/>
-                </a:solidFill>
-                <a:latin typeface="+mn-ea"/>
-                <a:ea typeface="+mn-ea"/>
-              </a:rPr>
-              <a:t>丰富的</a:t>
-            </a:r>
-            <a:r>
-              <a:rPr lang="en-US" altLang="zh-CN" dirty="0">
-                <a:solidFill>
-                  <a:srgbClr val="151515"/>
-                </a:solidFill>
-                <a:latin typeface="+mn-ea"/>
-                <a:ea typeface="+mn-ea"/>
-              </a:rPr>
-              <a:t>python</a:t>
-            </a:r>
-            <a:r>
-              <a:rPr lang="zh-CN" altLang="en-US" dirty="0">
-                <a:solidFill>
-                  <a:srgbClr val="151515"/>
-                </a:solidFill>
-                <a:latin typeface="+mn-ea"/>
-                <a:ea typeface="+mn-ea"/>
-              </a:rPr>
-              <a:t>生态系统，包含众多第三方开源库。</a:t>
             </a:r>
             <a:endParaRPr lang="en-US" altLang="zh-CN" dirty="0">
               <a:solidFill>
@@ -19940,8 +25224,8 @@
         </p:blipFill>
         <p:spPr bwMode="auto">
           <a:xfrm>
-            <a:off x="4029074" y="3742973"/>
-            <a:ext cx="5100638" cy="2985998"/>
+            <a:off x="4043363" y="3371420"/>
+            <a:ext cx="5020809" cy="2939265"/>
           </a:xfrm>
           <a:prstGeom prst="rect">
             <a:avLst/>
@@ -19972,8 +25256,8 @@
         </p:nvSpPr>
         <p:spPr>
           <a:xfrm>
-            <a:off x="379552" y="3821551"/>
-            <a:ext cx="4192448" cy="1135054"/>
+            <a:off x="372409" y="3069771"/>
+            <a:ext cx="3822220" cy="2981714"/>
           </a:xfrm>
           <a:prstGeom prst="rect">
             <a:avLst/>
@@ -19985,6 +25269,60 @@
             <a:spAutoFit/>
           </a:bodyPr>
           <a:lstStyle/>
+          <a:p>
+            <a:pPr algn="just">
+              <a:lnSpc>
+                <a:spcPct val="150000"/>
+              </a:lnSpc>
+            </a:pPr>
+            <a:r>
+              <a:rPr lang="en-US" altLang="zh-CN" dirty="0">
+                <a:solidFill>
+                  <a:srgbClr val="151515"/>
+                </a:solidFill>
+                <a:latin typeface="+mn-ea"/>
+                <a:ea typeface="+mn-ea"/>
+              </a:rPr>
+              <a:t>2. </a:t>
+            </a:r>
+            <a:r>
+              <a:rPr lang="zh-CN" altLang="en-US" dirty="0">
+                <a:solidFill>
+                  <a:srgbClr val="151515"/>
+                </a:solidFill>
+                <a:latin typeface="+mn-ea"/>
+                <a:ea typeface="+mn-ea"/>
+              </a:rPr>
+              <a:t>丰富的</a:t>
+            </a:r>
+            <a:r>
+              <a:rPr lang="en-US" altLang="zh-CN" dirty="0">
+                <a:solidFill>
+                  <a:srgbClr val="151515"/>
+                </a:solidFill>
+                <a:latin typeface="+mn-ea"/>
+                <a:ea typeface="+mn-ea"/>
+              </a:rPr>
+              <a:t>python</a:t>
+            </a:r>
+            <a:r>
+              <a:rPr lang="zh-CN" altLang="en-US" dirty="0">
+                <a:solidFill>
+                  <a:srgbClr val="151515"/>
+                </a:solidFill>
+                <a:latin typeface="+mn-ea"/>
+                <a:ea typeface="+mn-ea"/>
+              </a:rPr>
+              <a:t>生态系统，包含众多第三方开源库。</a:t>
+            </a:r>
+            <a:endParaRPr lang="en-US" altLang="zh-CN" dirty="0">
+              <a:solidFill>
+                <a:srgbClr val="151515"/>
+              </a:solidFill>
+              <a:latin typeface="+mn-ea"/>
+              <a:ea typeface="+mn-ea"/>
+            </a:endParaRPr>
+          </a:p>
           <a:p>
             <a:pPr algn="just">
               <a:lnSpc>
@@ -20874,7 +26212,7 @@
         <p:spPr>
           <a:xfrm>
             <a:off x="317665" y="846748"/>
-            <a:ext cx="8226260" cy="2520049"/>
+            <a:ext cx="8226260" cy="2594300"/>
           </a:xfrm>
           <a:prstGeom prst="rect">
             <a:avLst/>
@@ -20927,7 +26265,7 @@
               </a:lnSpc>
             </a:pPr>
             <a:r>
-              <a:rPr lang="zh-CN" altLang="en-US" b="1" dirty="0">
+              <a:rPr lang="zh-CN" altLang="en-US" sz="2500" b="1" dirty="0">
                 <a:solidFill>
                   <a:schemeClr val="accent2"/>
                 </a:solidFill>
@@ -20937,7 +26275,7 @@
               <a:t>概念：</a:t>
             </a:r>
             <a:r>
-              <a:rPr lang="en-US" altLang="zh-CN" dirty="0">
+              <a:rPr lang="en-US" altLang="zh-CN" sz="2500" dirty="0">
                 <a:solidFill>
                   <a:srgbClr val="151515"/>
                 </a:solidFill>
@@ -20947,7 +26285,7 @@
               <a:t>Python</a:t>
             </a:r>
             <a:r>
-              <a:rPr lang="zh-CN" altLang="en-US" dirty="0">
+              <a:rPr lang="zh-CN" altLang="en-US" sz="2500" dirty="0">
                 <a:solidFill>
                   <a:srgbClr val="151515"/>
                 </a:solidFill>
@@ -20957,7 +26295,7 @@
               <a:t>中，变量是用来存储数据的容器，变量的赋值是将一个值或表达式赋给一个变量。</a:t>
             </a:r>
             <a:r>
-              <a:rPr lang="en-US" altLang="zh-CN" dirty="0">
+              <a:rPr lang="en-US" altLang="zh-CN" sz="2500" dirty="0">
                 <a:solidFill>
                   <a:srgbClr val="151515"/>
                 </a:solidFill>
@@ -20967,7 +26305,7 @@
               <a:t>Python</a:t>
             </a:r>
             <a:r>
-              <a:rPr lang="zh-CN" altLang="en-US" dirty="0">
+              <a:rPr lang="zh-CN" altLang="en-US" sz="2500" dirty="0">
                 <a:solidFill>
                   <a:srgbClr val="151515"/>
                 </a:solidFill>
@@ -20976,7 +26314,7 @@
               </a:rPr>
               <a:t>中的变量赋值是动态的，即可将不同类型的值赋给同一个变量。</a:t>
             </a:r>
-            <a:endParaRPr lang="en-US" altLang="zh-CN" dirty="0">
+            <a:endParaRPr lang="en-US" altLang="zh-CN" sz="2500" dirty="0">
               <a:solidFill>
                 <a:srgbClr val="151515"/>
               </a:solidFill>
@@ -21000,8 +26338,8 @@
         </p:nvSpPr>
         <p:spPr>
           <a:xfrm>
-            <a:off x="317665" y="3491204"/>
-            <a:ext cx="8563370" cy="2797048"/>
+            <a:off x="317665" y="3542003"/>
+            <a:ext cx="8563370" cy="2909771"/>
           </a:xfrm>
           <a:prstGeom prst="rect">
             <a:avLst/>
@@ -21031,7 +26369,7 @@
               <a:tabLst/>
             </a:pPr>
             <a:r>
-              <a:rPr lang="zh-CN" altLang="en-US" sz="2400" b="1" dirty="0">
+              <a:rPr lang="zh-CN" altLang="en-US" sz="2500" b="1" dirty="0">
                 <a:solidFill>
                   <a:schemeClr val="accent2"/>
                 </a:solidFill>
@@ -21040,7 +26378,7 @@
               </a:rPr>
               <a:t>注意：</a:t>
             </a:r>
-            <a:endParaRPr lang="en-US" altLang="zh-CN" sz="2400" b="1" dirty="0">
+            <a:endParaRPr lang="en-US" altLang="zh-CN" sz="2500" b="1" dirty="0">
               <a:solidFill>
                 <a:schemeClr val="accent2"/>
               </a:solidFill>
@@ -21066,7 +26404,7 @@
               <a:tabLst/>
             </a:pPr>
             <a:r>
-              <a:rPr lang="en-US" altLang="zh-CN" sz="2400" dirty="0">
+              <a:rPr lang="en-US" altLang="zh-CN" sz="2500" dirty="0">
                 <a:solidFill>
                   <a:srgbClr val="151515"/>
                 </a:solidFill>
@@ -21076,26 +26414,46 @@
               <a:t>1. </a:t>
             </a:r>
             <a:r>
-              <a:rPr lang="zh-CN" altLang="zh-CN" sz="2400" dirty="0">
+              <a:rPr lang="zh-CN" altLang="zh-CN" sz="2500" dirty="0">
                 <a:solidFill>
                   <a:srgbClr val="151515"/>
                 </a:solidFill>
                 <a:latin typeface="+mn-ea"/>
                 <a:ea typeface="+mn-ea"/>
               </a:rPr>
-              <a:t>合法的变量</a:t>
-            </a:r>
-            <a:r>
-              <a:rPr lang="zh-CN" altLang="zh-CN" dirty="0">
+              <a:t>变量名字可以包括任何字母或数字（a-z，A-Z，0-9）以及下划线（_）；</a:t>
+            </a:r>
+            <a:r>
+              <a:rPr lang="zh-CN" altLang="en-US" sz="2500" b="1" u="sng" dirty="0">
                 <a:solidFill>
                   <a:srgbClr val="151515"/>
                 </a:solidFill>
                 <a:latin typeface="+mn-ea"/>
                 <a:ea typeface="+mn-ea"/>
               </a:rPr>
-              <a:t>名字可以包括任何字母或数字（a-z，A-Z，0-9）以及下划线（_）；合法的名字不可以由数字打头。</a:t>
-            </a:r>
-            <a:endParaRPr lang="en-US" altLang="zh-CN" dirty="0">
+              <a:t>但</a:t>
+            </a:r>
+            <a:r>
+              <a:rPr lang="zh-CN" altLang="zh-CN" sz="2500" b="1" u="sng" dirty="0">
+                <a:solidFill>
+                  <a:srgbClr val="151515"/>
+                </a:solidFill>
+                <a:latin typeface="+mn-ea"/>
+                <a:ea typeface="+mn-ea"/>
+              </a:rPr>
+              <a:t>不可以由数字打头</a:t>
+            </a:r>
+            <a:r>
+              <a:rPr lang="zh-CN" altLang="zh-CN" sz="2500" dirty="0">
+                <a:solidFill>
+                  <a:srgbClr val="151515"/>
+                </a:solidFill>
+                <a:latin typeface="+mn-ea"/>
+                <a:ea typeface="+mn-ea"/>
+              </a:rPr>
+              <a:t>。</a:t>
+            </a:r>
+            <a:endParaRPr lang="en-US" altLang="zh-CN" sz="2500" dirty="0">
               <a:solidFill>
                 <a:srgbClr val="151515"/>
               </a:solidFill>
@@ -21121,7 +26479,7 @@
               <a:tabLst/>
             </a:pPr>
             <a:r>
-              <a:rPr lang="en-US" altLang="zh-CN" dirty="0">
+              <a:rPr lang="en-US" altLang="zh-CN" sz="2500" dirty="0">
                 <a:solidFill>
                   <a:srgbClr val="151515"/>
                 </a:solidFill>
@@ -21131,7 +26489,7 @@
               <a:t>2. </a:t>
             </a:r>
             <a:r>
-              <a:rPr lang="zh-CN" altLang="en-US" dirty="0">
+              <a:rPr lang="zh-CN" altLang="en-US" sz="2500" dirty="0">
                 <a:solidFill>
                   <a:srgbClr val="151515"/>
                 </a:solidFill>
@@ -21141,7 +26499,7 @@
               <a:t>变量名也应避免和其它</a:t>
             </a:r>
             <a:r>
-              <a:rPr lang="en-US" altLang="zh-CN" dirty="0">
+              <a:rPr lang="en-US" altLang="zh-CN" sz="2500" dirty="0">
                 <a:solidFill>
                   <a:srgbClr val="151515"/>
                 </a:solidFill>
@@ -21151,7 +26509,7 @@
               <a:t>Python</a:t>
             </a:r>
             <a:r>
-              <a:rPr lang="zh-CN" altLang="en-US" dirty="0">
+              <a:rPr lang="zh-CN" altLang="en-US" sz="2500" dirty="0">
                 <a:solidFill>
                   <a:srgbClr val="151515"/>
                 </a:solidFill>
@@ -21161,7 +26519,7 @@
               <a:t>保留的特殊名字冲突，如</a:t>
             </a:r>
             <a:r>
-              <a:rPr lang="en-US" altLang="zh-CN" dirty="0">
+              <a:rPr lang="en-US" altLang="zh-CN" sz="2500" dirty="0">
                 <a:solidFill>
                   <a:srgbClr val="151515"/>
                 </a:solidFill>
@@ -21171,7 +26529,7 @@
               <a:t>for, int</a:t>
             </a:r>
             <a:r>
-              <a:rPr lang="zh-CN" altLang="en-US" dirty="0">
+              <a:rPr lang="zh-CN" altLang="en-US" sz="2500" dirty="0">
                 <a:solidFill>
                   <a:srgbClr val="151515"/>
                 </a:solidFill>
@@ -21180,7 +26538,7 @@
               </a:rPr>
               <a:t>等。</a:t>
             </a:r>
-            <a:endParaRPr lang="en-US" altLang="zh-CN" dirty="0">
+            <a:endParaRPr lang="en-US" altLang="zh-CN" sz="2500" dirty="0">
               <a:solidFill>
                 <a:srgbClr val="151515"/>
               </a:solidFill>
@@ -21282,7 +26640,7 @@
         <p:spPr>
           <a:xfrm>
             <a:off x="317666" y="846748"/>
-            <a:ext cx="5225520" cy="5474704"/>
+            <a:ext cx="5225520" cy="5672066"/>
           </a:xfrm>
           <a:prstGeom prst="rect">
             <a:avLst/>
@@ -21335,7 +26693,7 @@
               </a:lnSpc>
             </a:pPr>
             <a:r>
-              <a:rPr lang="en-US" altLang="zh-CN" dirty="0">
+              <a:rPr lang="en-US" altLang="zh-CN" sz="2500" dirty="0">
                 <a:solidFill>
                   <a:srgbClr val="333333"/>
                 </a:solidFill>
@@ -21345,7 +26703,7 @@
               <a:t>Python</a:t>
             </a:r>
             <a:r>
-              <a:rPr lang="zh-CN" altLang="en-US" dirty="0">
+              <a:rPr lang="zh-CN" altLang="en-US" sz="2500" dirty="0">
                 <a:solidFill>
                   <a:srgbClr val="333333"/>
                 </a:solidFill>
@@ -21355,7 +26713,7 @@
               <a:t>条件语句是通过一条或多条语句的执行结果（</a:t>
             </a:r>
             <a:r>
-              <a:rPr lang="en-US" altLang="zh-CN" dirty="0">
+              <a:rPr lang="en-US" altLang="zh-CN" sz="2500" dirty="0">
                 <a:solidFill>
                   <a:srgbClr val="333333"/>
                 </a:solidFill>
@@ -21365,7 +26723,7 @@
               <a:t>True</a:t>
             </a:r>
             <a:r>
-              <a:rPr lang="zh-CN" altLang="en-US" dirty="0">
+              <a:rPr lang="zh-CN" altLang="en-US" sz="2500" dirty="0">
                 <a:solidFill>
                   <a:srgbClr val="333333"/>
                 </a:solidFill>
@@ -21375,7 +26733,7 @@
               <a:t>或者</a:t>
             </a:r>
             <a:r>
-              <a:rPr lang="en-US" altLang="zh-CN" dirty="0">
+              <a:rPr lang="en-US" altLang="zh-CN" sz="2500" dirty="0">
                 <a:solidFill>
                   <a:srgbClr val="333333"/>
                 </a:solidFill>
@@ -21385,7 +26743,7 @@
               <a:t>False</a:t>
             </a:r>
             <a:r>
-              <a:rPr lang="zh-CN" altLang="en-US" dirty="0">
+              <a:rPr lang="zh-CN" altLang="en-US" sz="2500" dirty="0">
                 <a:solidFill>
                   <a:srgbClr val="333333"/>
                 </a:solidFill>
@@ -21394,7 +26752,7 @@
               </a:rPr>
               <a:t>）来决定是否执行代码块。</a:t>
             </a:r>
-            <a:endParaRPr lang="en-US" altLang="zh-CN" dirty="0">
+            <a:endParaRPr lang="en-US" altLang="zh-CN" sz="2500" dirty="0">
               <a:solidFill>
                 <a:srgbClr val="333333"/>
               </a:solidFill>
@@ -21409,7 +26767,7 @@
               </a:lnSpc>
             </a:pPr>
             <a:r>
-              <a:rPr lang="en-US" altLang="zh-CN" dirty="0">
+              <a:rPr lang="en-US" altLang="zh-CN" sz="2500" dirty="0">
                 <a:solidFill>
                   <a:srgbClr val="333333"/>
                 </a:solidFill>
@@ -21419,7 +26777,7 @@
               <a:t>Python</a:t>
             </a:r>
             <a:r>
-              <a:rPr lang="zh-CN" altLang="en-US" dirty="0">
+              <a:rPr lang="zh-CN" altLang="en-US" sz="2500" dirty="0">
                 <a:solidFill>
                   <a:srgbClr val="333333"/>
                 </a:solidFill>
@@ -21429,7 +26787,7 @@
               <a:t>条件判断一般通过</a:t>
             </a:r>
             <a:r>
-              <a:rPr lang="en-US" altLang="zh-CN" b="1" u="sng" dirty="0">
+              <a:rPr lang="en-US" altLang="zh-CN" sz="2500" b="1" u="sng" dirty="0">
                 <a:solidFill>
                   <a:srgbClr val="333333"/>
                 </a:solidFill>
@@ -21439,7 +26797,7 @@
               <a:t>if-</a:t>
             </a:r>
             <a:r>
-              <a:rPr lang="en-US" altLang="zh-CN" b="1" u="sng" dirty="0" err="1">
+              <a:rPr lang="en-US" altLang="zh-CN" sz="2500" b="1" u="sng" dirty="0" err="1">
                 <a:solidFill>
                   <a:srgbClr val="333333"/>
                 </a:solidFill>
@@ -21449,7 +26807,7 @@
               <a:t>elif</a:t>
             </a:r>
             <a:r>
-              <a:rPr lang="en-US" altLang="zh-CN" b="1" u="sng" dirty="0">
+              <a:rPr lang="en-US" altLang="zh-CN" sz="2500" b="1" u="sng" dirty="0">
                 <a:solidFill>
                   <a:srgbClr val="333333"/>
                 </a:solidFill>
@@ -21459,7 +26817,7 @@
               <a:t>-else</a:t>
             </a:r>
             <a:r>
-              <a:rPr lang="zh-CN" altLang="en-US" dirty="0">
+              <a:rPr lang="zh-CN" altLang="en-US" sz="2500" dirty="0">
                 <a:solidFill>
                   <a:srgbClr val="333333"/>
                 </a:solidFill>
@@ -21469,7 +26827,7 @@
               <a:t>语句实现。要么“</a:t>
             </a:r>
             <a:r>
-              <a:rPr lang="en-US" altLang="zh-CN" dirty="0">
+              <a:rPr lang="en-US" altLang="zh-CN" sz="2500" dirty="0">
                 <a:solidFill>
                   <a:srgbClr val="333333"/>
                 </a:solidFill>
@@ -21479,7 +26837,7 @@
               <a:t>if”</a:t>
             </a:r>
             <a:r>
-              <a:rPr lang="zh-CN" altLang="en-US" dirty="0">
+              <a:rPr lang="zh-CN" altLang="en-US" sz="2500" dirty="0">
                 <a:solidFill>
                   <a:srgbClr val="333333"/>
                 </a:solidFill>
@@ -21489,7 +26847,7 @@
               <a:t>区块的代码被执行，要么一个“</a:t>
             </a:r>
             <a:r>
-              <a:rPr lang="en-US" altLang="zh-CN" dirty="0" err="1">
+              <a:rPr lang="en-US" altLang="zh-CN" sz="2500" dirty="0" err="1">
                 <a:solidFill>
                   <a:srgbClr val="333333"/>
                 </a:solidFill>
@@ -21499,7 +26857,7 @@
               <a:t>elif</a:t>
             </a:r>
             <a:r>
-              <a:rPr lang="en-US" altLang="zh-CN" dirty="0">
+              <a:rPr lang="en-US" altLang="zh-CN" sz="2500" dirty="0">
                 <a:solidFill>
                   <a:srgbClr val="333333"/>
                 </a:solidFill>
@@ -21509,7 +26867,7 @@
               <a:t>”</a:t>
             </a:r>
             <a:r>
-              <a:rPr lang="zh-CN" altLang="en-US" dirty="0">
+              <a:rPr lang="zh-CN" altLang="en-US" sz="2500" dirty="0">
                 <a:solidFill>
                   <a:srgbClr val="333333"/>
                 </a:solidFill>
@@ -21519,7 +26877,7 @@
               <a:t>区块的代码被执行，要么“</a:t>
             </a:r>
             <a:r>
-              <a:rPr lang="en-US" altLang="zh-CN" dirty="0">
+              <a:rPr lang="en-US" altLang="zh-CN" sz="2500" dirty="0">
                 <a:solidFill>
                   <a:srgbClr val="333333"/>
                 </a:solidFill>
@@ -21529,7 +26887,7 @@
               <a:t>else”</a:t>
             </a:r>
             <a:r>
-              <a:rPr lang="zh-CN" altLang="en-US" dirty="0">
+              <a:rPr lang="zh-CN" altLang="en-US" sz="2500" dirty="0">
                 <a:solidFill>
                   <a:srgbClr val="333333"/>
                 </a:solidFill>
@@ -21538,7 +26896,7 @@
               </a:rPr>
               <a:t>区块的代码被执行。</a:t>
             </a:r>
-            <a:endParaRPr lang="en-US" altLang="zh-CN" dirty="0">
+            <a:endParaRPr lang="en-US" altLang="zh-CN" sz="2500" dirty="0">
               <a:solidFill>
                 <a:srgbClr val="333333"/>
               </a:solidFill>

--- a/第3章-开源GIS软件开发环境-6课时/第3章--开源GIS软件开发环境-Python编程基础-2学时.pptx
+++ b/第3章-开源GIS软件开发环境-6课时/第3章--开源GIS软件开发环境-Python编程基础-2学时.pptx
@@ -2916,6 +2916,350 @@
     </pc:docChg>
   </pc:docChgLst>
   <pc:docChgLst>
+    <pc:chgData name="Xin Luo" userId="82312ee5779919a4" providerId="LiveId" clId="{23920C8D-EBCE-A347-9C82-C14316D20539}"/>
+    <pc:docChg chg="undo custSel addSld modSld">
+      <pc:chgData name="Xin Luo" userId="82312ee5779919a4" providerId="LiveId" clId="{23920C8D-EBCE-A347-9C82-C14316D20539}" dt="2022-10-26T12:19:06.428" v="501" actId="767"/>
+      <pc:docMkLst>
+        <pc:docMk/>
+      </pc:docMkLst>
+      <pc:sldChg chg="modSp mod">
+        <pc:chgData name="Xin Luo" userId="82312ee5779919a4" providerId="LiveId" clId="{23920C8D-EBCE-A347-9C82-C14316D20539}" dt="2022-10-10T01:06:29.261" v="368" actId="404"/>
+        <pc:sldMkLst>
+          <pc:docMk/>
+          <pc:sldMk cId="1576120367" sldId="2387"/>
+        </pc:sldMkLst>
+        <pc:spChg chg="mod">
+          <ac:chgData name="Xin Luo" userId="82312ee5779919a4" providerId="LiveId" clId="{23920C8D-EBCE-A347-9C82-C14316D20539}" dt="2022-10-10T01:06:29.261" v="368" actId="404"/>
+          <ac:spMkLst>
+            <pc:docMk/>
+            <pc:sldMk cId="1576120367" sldId="2387"/>
+            <ac:spMk id="10" creationId="{00000000-0000-0000-0000-000000000000}"/>
+          </ac:spMkLst>
+        </pc:spChg>
+        <pc:spChg chg="mod">
+          <ac:chgData name="Xin Luo" userId="82312ee5779919a4" providerId="LiveId" clId="{23920C8D-EBCE-A347-9C82-C14316D20539}" dt="2022-10-10T01:06:13.262" v="366" actId="403"/>
+          <ac:spMkLst>
+            <pc:docMk/>
+            <pc:sldMk cId="1576120367" sldId="2387"/>
+            <ac:spMk id="12" creationId="{00000000-0000-0000-0000-000000000000}"/>
+          </ac:spMkLst>
+        </pc:spChg>
+        <pc:spChg chg="mod">
+          <ac:chgData name="Xin Luo" userId="82312ee5779919a4" providerId="LiveId" clId="{23920C8D-EBCE-A347-9C82-C14316D20539}" dt="2022-10-10T01:06:29.261" v="368" actId="404"/>
+          <ac:spMkLst>
+            <pc:docMk/>
+            <pc:sldMk cId="1576120367" sldId="2387"/>
+            <ac:spMk id="13" creationId="{00000000-0000-0000-0000-000000000000}"/>
+          </ac:spMkLst>
+        </pc:spChg>
+        <pc:spChg chg="mod">
+          <ac:chgData name="Xin Luo" userId="82312ee5779919a4" providerId="LiveId" clId="{23920C8D-EBCE-A347-9C82-C14316D20539}" dt="2022-10-10T01:06:13.262" v="366" actId="403"/>
+          <ac:spMkLst>
+            <pc:docMk/>
+            <pc:sldMk cId="1576120367" sldId="2387"/>
+            <ac:spMk id="14" creationId="{00000000-0000-0000-0000-000000000000}"/>
+          </ac:spMkLst>
+        </pc:spChg>
+        <pc:spChg chg="mod">
+          <ac:chgData name="Xin Luo" userId="82312ee5779919a4" providerId="LiveId" clId="{23920C8D-EBCE-A347-9C82-C14316D20539}" dt="2022-10-10T01:06:29.261" v="368" actId="404"/>
+          <ac:spMkLst>
+            <pc:docMk/>
+            <pc:sldMk cId="1576120367" sldId="2387"/>
+            <ac:spMk id="15" creationId="{00000000-0000-0000-0000-000000000000}"/>
+          </ac:spMkLst>
+        </pc:spChg>
+        <pc:spChg chg="mod">
+          <ac:chgData name="Xin Luo" userId="82312ee5779919a4" providerId="LiveId" clId="{23920C8D-EBCE-A347-9C82-C14316D20539}" dt="2022-10-10T01:06:19.369" v="367" actId="14100"/>
+          <ac:spMkLst>
+            <pc:docMk/>
+            <pc:sldMk cId="1576120367" sldId="2387"/>
+            <ac:spMk id="16" creationId="{00000000-0000-0000-0000-000000000000}"/>
+          </ac:spMkLst>
+        </pc:spChg>
+      </pc:sldChg>
+      <pc:sldChg chg="modSp mod">
+        <pc:chgData name="Xin Luo" userId="82312ee5779919a4" providerId="LiveId" clId="{23920C8D-EBCE-A347-9C82-C14316D20539}" dt="2022-10-10T01:06:39.449" v="369" actId="403"/>
+        <pc:sldMkLst>
+          <pc:docMk/>
+          <pc:sldMk cId="2415901206" sldId="2447"/>
+        </pc:sldMkLst>
+        <pc:spChg chg="mod">
+          <ac:chgData name="Xin Luo" userId="82312ee5779919a4" providerId="LiveId" clId="{23920C8D-EBCE-A347-9C82-C14316D20539}" dt="2022-10-10T01:06:39.449" v="369" actId="403"/>
+          <ac:spMkLst>
+            <pc:docMk/>
+            <pc:sldMk cId="2415901206" sldId="2447"/>
+            <ac:spMk id="7" creationId="{00000000-0000-0000-0000-000000000000}"/>
+          </ac:spMkLst>
+        </pc:spChg>
+      </pc:sldChg>
+      <pc:sldChg chg="addSp delSp modSp mod">
+        <pc:chgData name="Xin Luo" userId="82312ee5779919a4" providerId="LiveId" clId="{23920C8D-EBCE-A347-9C82-C14316D20539}" dt="2022-10-26T11:18:20.490" v="500"/>
+        <pc:sldMkLst>
+          <pc:docMk/>
+          <pc:sldMk cId="2689840772" sldId="2604"/>
+        </pc:sldMkLst>
+        <pc:spChg chg="mod">
+          <ac:chgData name="Xin Luo" userId="82312ee5779919a4" providerId="LiveId" clId="{23920C8D-EBCE-A347-9C82-C14316D20539}" dt="2022-10-26T11:18:14.630" v="497" actId="1038"/>
+          <ac:spMkLst>
+            <pc:docMk/>
+            <pc:sldMk cId="2689840772" sldId="2604"/>
+            <ac:spMk id="2" creationId="{DB381E7B-A050-4BE4-6756-9B64308C74D7}"/>
+          </ac:spMkLst>
+        </pc:spChg>
+        <pc:spChg chg="del mod">
+          <ac:chgData name="Xin Luo" userId="82312ee5779919a4" providerId="LiveId" clId="{23920C8D-EBCE-A347-9C82-C14316D20539}" dt="2022-10-10T00:58:26.498" v="9" actId="478"/>
+          <ac:spMkLst>
+            <pc:docMk/>
+            <pc:sldMk cId="2689840772" sldId="2604"/>
+            <ac:spMk id="3" creationId="{00000000-0000-0000-0000-000000000000}"/>
+          </ac:spMkLst>
+        </pc:spChg>
+        <pc:spChg chg="add del mod">
+          <ac:chgData name="Xin Luo" userId="82312ee5779919a4" providerId="LiveId" clId="{23920C8D-EBCE-A347-9C82-C14316D20539}" dt="2022-10-26T11:18:20.490" v="500"/>
+          <ac:spMkLst>
+            <pc:docMk/>
+            <pc:sldMk cId="2689840772" sldId="2604"/>
+            <ac:spMk id="3" creationId="{0AC6D251-AEF6-35BE-71D5-DE25EAD72977}"/>
+          </ac:spMkLst>
+        </pc:spChg>
+        <pc:spChg chg="add mod">
+          <ac:chgData name="Xin Luo" userId="82312ee5779919a4" providerId="LiveId" clId="{23920C8D-EBCE-A347-9C82-C14316D20539}" dt="2022-10-10T01:03:50.909" v="356" actId="20577"/>
+          <ac:spMkLst>
+            <pc:docMk/>
+            <pc:sldMk cId="2689840772" sldId="2604"/>
+            <ac:spMk id="4" creationId="{5B949F23-92C2-3ACE-AE9A-58F8C8D7AB52}"/>
+          </ac:spMkLst>
+        </pc:spChg>
+      </pc:sldChg>
+      <pc:sldChg chg="modSp mod">
+        <pc:chgData name="Xin Luo" userId="82312ee5779919a4" providerId="LiveId" clId="{23920C8D-EBCE-A347-9C82-C14316D20539}" dt="2022-10-25T11:53:23.523" v="402" actId="207"/>
+        <pc:sldMkLst>
+          <pc:docMk/>
+          <pc:sldMk cId="1392274363" sldId="2606"/>
+        </pc:sldMkLst>
+        <pc:spChg chg="mod">
+          <ac:chgData name="Xin Luo" userId="82312ee5779919a4" providerId="LiveId" clId="{23920C8D-EBCE-A347-9C82-C14316D20539}" dt="2022-10-10T01:08:08.448" v="392" actId="20577"/>
+          <ac:spMkLst>
+            <pc:docMk/>
+            <pc:sldMk cId="1392274363" sldId="2606"/>
+            <ac:spMk id="35" creationId="{2CBBD54C-A0C4-CFAB-2A67-F8BF299D28F5}"/>
+          </ac:spMkLst>
+        </pc:spChg>
+        <pc:spChg chg="mod">
+          <ac:chgData name="Xin Luo" userId="82312ee5779919a4" providerId="LiveId" clId="{23920C8D-EBCE-A347-9C82-C14316D20539}" dt="2022-10-25T11:53:23.523" v="402" actId="207"/>
+          <ac:spMkLst>
+            <pc:docMk/>
+            <pc:sldMk cId="1392274363" sldId="2606"/>
+            <ac:spMk id="42" creationId="{E4B07DDE-AB89-2B16-6B7A-2142621DE6F5}"/>
+          </ac:spMkLst>
+        </pc:spChg>
+      </pc:sldChg>
+      <pc:sldChg chg="modSp mod">
+        <pc:chgData name="Xin Luo" userId="82312ee5779919a4" providerId="LiveId" clId="{23920C8D-EBCE-A347-9C82-C14316D20539}" dt="2022-10-25T12:03:26.240" v="414" actId="14100"/>
+        <pc:sldMkLst>
+          <pc:docMk/>
+          <pc:sldMk cId="292605530" sldId="2607"/>
+        </pc:sldMkLst>
+        <pc:spChg chg="mod">
+          <ac:chgData name="Xin Luo" userId="82312ee5779919a4" providerId="LiveId" clId="{23920C8D-EBCE-A347-9C82-C14316D20539}" dt="2022-10-25T12:03:26.240" v="414" actId="14100"/>
+          <ac:spMkLst>
+            <pc:docMk/>
+            <pc:sldMk cId="292605530" sldId="2607"/>
+            <ac:spMk id="18" creationId="{8399C9E7-13B6-1DAF-F5BF-4471E8528C5F}"/>
+          </ac:spMkLst>
+        </pc:spChg>
+      </pc:sldChg>
+      <pc:sldChg chg="modSp mod">
+        <pc:chgData name="Xin Luo" userId="82312ee5779919a4" providerId="LiveId" clId="{23920C8D-EBCE-A347-9C82-C14316D20539}" dt="2022-10-25T12:09:03.730" v="478" actId="1036"/>
+        <pc:sldMkLst>
+          <pc:docMk/>
+          <pc:sldMk cId="2780969545" sldId="2609"/>
+        </pc:sldMkLst>
+        <pc:spChg chg="mod">
+          <ac:chgData name="Xin Luo" userId="82312ee5779919a4" providerId="LiveId" clId="{23920C8D-EBCE-A347-9C82-C14316D20539}" dt="2022-10-25T12:08:56.496" v="469" actId="115"/>
+          <ac:spMkLst>
+            <pc:docMk/>
+            <pc:sldMk cId="2780969545" sldId="2609"/>
+            <ac:spMk id="6" creationId="{2D1A6305-FF43-CF53-224A-B6D4901EAB0F}"/>
+          </ac:spMkLst>
+        </pc:spChg>
+        <pc:spChg chg="mod">
+          <ac:chgData name="Xin Luo" userId="82312ee5779919a4" providerId="LiveId" clId="{23920C8D-EBCE-A347-9C82-C14316D20539}" dt="2022-10-25T12:09:03.730" v="478" actId="1036"/>
+          <ac:spMkLst>
+            <pc:docMk/>
+            <pc:sldMk cId="2780969545" sldId="2609"/>
+            <ac:spMk id="11" creationId="{63EAC848-88D2-7A10-E878-444ADA855E23}"/>
+          </ac:spMkLst>
+        </pc:spChg>
+        <pc:spChg chg="mod">
+          <ac:chgData name="Xin Luo" userId="82312ee5779919a4" providerId="LiveId" clId="{23920C8D-EBCE-A347-9C82-C14316D20539}" dt="2022-10-25T12:09:03.730" v="478" actId="1036"/>
+          <ac:spMkLst>
+            <pc:docMk/>
+            <pc:sldMk cId="2780969545" sldId="2609"/>
+            <ac:spMk id="12" creationId="{BED7A820-9D6E-7E7E-A906-8A9424528316}"/>
+          </ac:spMkLst>
+        </pc:spChg>
+        <pc:spChg chg="mod">
+          <ac:chgData name="Xin Luo" userId="82312ee5779919a4" providerId="LiveId" clId="{23920C8D-EBCE-A347-9C82-C14316D20539}" dt="2022-10-25T12:09:03.730" v="478" actId="1036"/>
+          <ac:spMkLst>
+            <pc:docMk/>
+            <pc:sldMk cId="2780969545" sldId="2609"/>
+            <ac:spMk id="20" creationId="{87EC125B-CB98-6914-1633-6697471A2CB4}"/>
+          </ac:spMkLst>
+        </pc:spChg>
+        <pc:spChg chg="mod">
+          <ac:chgData name="Xin Luo" userId="82312ee5779919a4" providerId="LiveId" clId="{23920C8D-EBCE-A347-9C82-C14316D20539}" dt="2022-10-25T12:09:03.730" v="478" actId="1036"/>
+          <ac:spMkLst>
+            <pc:docMk/>
+            <pc:sldMk cId="2780969545" sldId="2609"/>
+            <ac:spMk id="21" creationId="{0AF67847-7DEF-CDAB-6208-0271BFB4FB06}"/>
+          </ac:spMkLst>
+        </pc:spChg>
+        <pc:spChg chg="mod">
+          <ac:chgData name="Xin Luo" userId="82312ee5779919a4" providerId="LiveId" clId="{23920C8D-EBCE-A347-9C82-C14316D20539}" dt="2022-10-25T12:09:03.730" v="478" actId="1036"/>
+          <ac:spMkLst>
+            <pc:docMk/>
+            <pc:sldMk cId="2780969545" sldId="2609"/>
+            <ac:spMk id="23" creationId="{0011846D-F543-398E-85CB-0AB0A842928A}"/>
+          </ac:spMkLst>
+        </pc:spChg>
+        <pc:spChg chg="mod">
+          <ac:chgData name="Xin Luo" userId="82312ee5779919a4" providerId="LiveId" clId="{23920C8D-EBCE-A347-9C82-C14316D20539}" dt="2022-10-25T12:09:03.730" v="478" actId="1036"/>
+          <ac:spMkLst>
+            <pc:docMk/>
+            <pc:sldMk cId="2780969545" sldId="2609"/>
+            <ac:spMk id="24" creationId="{37B5D87E-7419-7CC0-91CC-8A0807F0F999}"/>
+          </ac:spMkLst>
+        </pc:spChg>
+        <pc:spChg chg="mod">
+          <ac:chgData name="Xin Luo" userId="82312ee5779919a4" providerId="LiveId" clId="{23920C8D-EBCE-A347-9C82-C14316D20539}" dt="2022-10-25T12:09:03.730" v="478" actId="1036"/>
+          <ac:spMkLst>
+            <pc:docMk/>
+            <pc:sldMk cId="2780969545" sldId="2609"/>
+            <ac:spMk id="25" creationId="{4745244D-B431-F067-4A97-7CC4387296FB}"/>
+          </ac:spMkLst>
+        </pc:spChg>
+        <pc:spChg chg="mod">
+          <ac:chgData name="Xin Luo" userId="82312ee5779919a4" providerId="LiveId" clId="{23920C8D-EBCE-A347-9C82-C14316D20539}" dt="2022-10-25T12:09:03.730" v="478" actId="1036"/>
+          <ac:spMkLst>
+            <pc:docMk/>
+            <pc:sldMk cId="2780969545" sldId="2609"/>
+            <ac:spMk id="26" creationId="{FB9C53DE-8D1F-6DF4-8CE3-3A262A9F8737}"/>
+          </ac:spMkLst>
+        </pc:spChg>
+        <pc:picChg chg="mod">
+          <ac:chgData name="Xin Luo" userId="82312ee5779919a4" providerId="LiveId" clId="{23920C8D-EBCE-A347-9C82-C14316D20539}" dt="2022-10-25T12:09:03.730" v="478" actId="1036"/>
+          <ac:picMkLst>
+            <pc:docMk/>
+            <pc:sldMk cId="2780969545" sldId="2609"/>
+            <ac:picMk id="4" creationId="{49B7ACC6-6794-9162-52B2-E80F7E4B0442}"/>
+          </ac:picMkLst>
+        </pc:picChg>
+        <pc:picChg chg="mod">
+          <ac:chgData name="Xin Luo" userId="82312ee5779919a4" providerId="LiveId" clId="{23920C8D-EBCE-A347-9C82-C14316D20539}" dt="2022-10-25T12:09:03.730" v="478" actId="1036"/>
+          <ac:picMkLst>
+            <pc:docMk/>
+            <pc:sldMk cId="2780969545" sldId="2609"/>
+            <ac:picMk id="7" creationId="{42FD45A0-A9EA-D518-41B5-21FA7A24BA60}"/>
+          </ac:picMkLst>
+        </pc:picChg>
+        <pc:picChg chg="mod">
+          <ac:chgData name="Xin Luo" userId="82312ee5779919a4" providerId="LiveId" clId="{23920C8D-EBCE-A347-9C82-C14316D20539}" dt="2022-10-25T12:09:03.730" v="478" actId="1036"/>
+          <ac:picMkLst>
+            <pc:docMk/>
+            <pc:sldMk cId="2780969545" sldId="2609"/>
+            <ac:picMk id="10" creationId="{C2B12388-3179-41F8-2462-0C9BA14093FF}"/>
+          </ac:picMkLst>
+        </pc:picChg>
+        <pc:picChg chg="mod">
+          <ac:chgData name="Xin Luo" userId="82312ee5779919a4" providerId="LiveId" clId="{23920C8D-EBCE-A347-9C82-C14316D20539}" dt="2022-10-25T12:09:03.730" v="478" actId="1036"/>
+          <ac:picMkLst>
+            <pc:docMk/>
+            <pc:sldMk cId="2780969545" sldId="2609"/>
+            <ac:picMk id="7170" creationId="{A3C33C8C-6841-03A7-574F-E161D6BA2409}"/>
+          </ac:picMkLst>
+        </pc:picChg>
+        <pc:cxnChg chg="mod">
+          <ac:chgData name="Xin Luo" userId="82312ee5779919a4" providerId="LiveId" clId="{23920C8D-EBCE-A347-9C82-C14316D20539}" dt="2022-10-25T12:09:03.730" v="478" actId="1036"/>
+          <ac:cxnSpMkLst>
+            <pc:docMk/>
+            <pc:sldMk cId="2780969545" sldId="2609"/>
+            <ac:cxnSpMk id="9" creationId="{FD972B84-6C44-171E-8256-D2A04F01B0C9}"/>
+          </ac:cxnSpMkLst>
+        </pc:cxnChg>
+        <pc:cxnChg chg="mod">
+          <ac:chgData name="Xin Luo" userId="82312ee5779919a4" providerId="LiveId" clId="{23920C8D-EBCE-A347-9C82-C14316D20539}" dt="2022-10-25T12:09:03.730" v="478" actId="1036"/>
+          <ac:cxnSpMkLst>
+            <pc:docMk/>
+            <pc:sldMk cId="2780969545" sldId="2609"/>
+            <ac:cxnSpMk id="16" creationId="{612BCBDC-DECE-5090-7C5B-6492FF4CE722}"/>
+          </ac:cxnSpMkLst>
+        </pc:cxnChg>
+        <pc:cxnChg chg="mod">
+          <ac:chgData name="Xin Luo" userId="82312ee5779919a4" providerId="LiveId" clId="{23920C8D-EBCE-A347-9C82-C14316D20539}" dt="2022-10-25T12:09:03.730" v="478" actId="1036"/>
+          <ac:cxnSpMkLst>
+            <pc:docMk/>
+            <pc:sldMk cId="2780969545" sldId="2609"/>
+            <ac:cxnSpMk id="17" creationId="{AF045F09-2718-C456-D477-E816A43885FF}"/>
+          </ac:cxnSpMkLst>
+        </pc:cxnChg>
+        <pc:cxnChg chg="mod">
+          <ac:chgData name="Xin Luo" userId="82312ee5779919a4" providerId="LiveId" clId="{23920C8D-EBCE-A347-9C82-C14316D20539}" dt="2022-10-25T12:09:03.730" v="478" actId="1036"/>
+          <ac:cxnSpMkLst>
+            <pc:docMk/>
+            <pc:sldMk cId="2780969545" sldId="2609"/>
+            <ac:cxnSpMk id="28" creationId="{6C11ADF7-6234-2989-2798-F5AAD5EDE3BF}"/>
+          </ac:cxnSpMkLst>
+        </pc:cxnChg>
+      </pc:sldChg>
+      <pc:sldChg chg="modSp mod">
+        <pc:chgData name="Xin Luo" userId="82312ee5779919a4" providerId="LiveId" clId="{23920C8D-EBCE-A347-9C82-C14316D20539}" dt="2022-10-26T02:56:58.658" v="480" actId="207"/>
+        <pc:sldMkLst>
+          <pc:docMk/>
+          <pc:sldMk cId="63705705" sldId="2612"/>
+        </pc:sldMkLst>
+        <pc:spChg chg="mod">
+          <ac:chgData name="Xin Luo" userId="82312ee5779919a4" providerId="LiveId" clId="{23920C8D-EBCE-A347-9C82-C14316D20539}" dt="2022-10-26T02:56:58.658" v="480" actId="207"/>
+          <ac:spMkLst>
+            <pc:docMk/>
+            <pc:sldMk cId="63705705" sldId="2612"/>
+            <ac:spMk id="63" creationId="{6400CC45-5050-7ACD-CE08-CC6D7000A1DA}"/>
+          </ac:spMkLst>
+        </pc:spChg>
+      </pc:sldChg>
+      <pc:sldChg chg="addSp modSp">
+        <pc:chgData name="Xin Luo" userId="82312ee5779919a4" providerId="LiveId" clId="{23920C8D-EBCE-A347-9C82-C14316D20539}" dt="2022-10-26T12:19:06.428" v="501" actId="767"/>
+        <pc:sldMkLst>
+          <pc:docMk/>
+          <pc:sldMk cId="963926578" sldId="2613"/>
+        </pc:sldMkLst>
+        <pc:spChg chg="add mod">
+          <ac:chgData name="Xin Luo" userId="82312ee5779919a4" providerId="LiveId" clId="{23920C8D-EBCE-A347-9C82-C14316D20539}" dt="2022-10-26T12:19:06.428" v="501" actId="767"/>
+          <ac:spMkLst>
+            <pc:docMk/>
+            <pc:sldMk cId="963926578" sldId="2613"/>
+            <ac:spMk id="2" creationId="{5F7683B3-77E0-69A9-94AE-FF04E7249325}"/>
+          </ac:spMkLst>
+        </pc:spChg>
+      </pc:sldChg>
+      <pc:sldChg chg="modSp add mod">
+        <pc:chgData name="Xin Luo" userId="82312ee5779919a4" providerId="LiveId" clId="{23920C8D-EBCE-A347-9C82-C14316D20539}" dt="2022-10-10T01:06:02.902" v="365" actId="403"/>
+        <pc:sldMkLst>
+          <pc:docMk/>
+          <pc:sldMk cId="2358282757" sldId="2714"/>
+        </pc:sldMkLst>
+        <pc:spChg chg="mod">
+          <ac:chgData name="Xin Luo" userId="82312ee5779919a4" providerId="LiveId" clId="{23920C8D-EBCE-A347-9C82-C14316D20539}" dt="2022-10-10T01:06:02.902" v="365" actId="403"/>
+          <ac:spMkLst>
+            <pc:docMk/>
+            <pc:sldMk cId="2358282757" sldId="2714"/>
+            <ac:spMk id="2" creationId="{DB381E7B-A050-4BE4-6756-9B64308C74D7}"/>
+          </ac:spMkLst>
+        </pc:spChg>
+      </pc:sldChg>
+    </pc:docChg>
+  </pc:docChgLst>
+  <pc:docChgLst>
     <pc:chgData name="Xin Luo" userId="82312ee5779919a4" providerId="LiveId" clId="{7C35D78A-E8DF-394E-816A-D2222F18F092}"/>
     <pc:docChg chg="delSld modSld">
       <pc:chgData name="Xin Luo" userId="82312ee5779919a4" providerId="LiveId" clId="{7C35D78A-E8DF-394E-816A-D2222F18F092}" dt="2022-11-28T03:56:42.353" v="21" actId="2696"/>
@@ -3136,350 +3480,6 @@
     </pc:docChg>
   </pc:docChgLst>
   <pc:docChgLst>
-    <pc:chgData name="Xin Luo" userId="82312ee5779919a4" providerId="LiveId" clId="{23920C8D-EBCE-A347-9C82-C14316D20539}"/>
-    <pc:docChg chg="undo custSel addSld modSld">
-      <pc:chgData name="Xin Luo" userId="82312ee5779919a4" providerId="LiveId" clId="{23920C8D-EBCE-A347-9C82-C14316D20539}" dt="2022-10-26T12:19:06.428" v="501" actId="767"/>
-      <pc:docMkLst>
-        <pc:docMk/>
-      </pc:docMkLst>
-      <pc:sldChg chg="modSp mod">
-        <pc:chgData name="Xin Luo" userId="82312ee5779919a4" providerId="LiveId" clId="{23920C8D-EBCE-A347-9C82-C14316D20539}" dt="2022-10-10T01:06:29.261" v="368" actId="404"/>
-        <pc:sldMkLst>
-          <pc:docMk/>
-          <pc:sldMk cId="1576120367" sldId="2387"/>
-        </pc:sldMkLst>
-        <pc:spChg chg="mod">
-          <ac:chgData name="Xin Luo" userId="82312ee5779919a4" providerId="LiveId" clId="{23920C8D-EBCE-A347-9C82-C14316D20539}" dt="2022-10-10T01:06:29.261" v="368" actId="404"/>
-          <ac:spMkLst>
-            <pc:docMk/>
-            <pc:sldMk cId="1576120367" sldId="2387"/>
-            <ac:spMk id="10" creationId="{00000000-0000-0000-0000-000000000000}"/>
-          </ac:spMkLst>
-        </pc:spChg>
-        <pc:spChg chg="mod">
-          <ac:chgData name="Xin Luo" userId="82312ee5779919a4" providerId="LiveId" clId="{23920C8D-EBCE-A347-9C82-C14316D20539}" dt="2022-10-10T01:06:13.262" v="366" actId="403"/>
-          <ac:spMkLst>
-            <pc:docMk/>
-            <pc:sldMk cId="1576120367" sldId="2387"/>
-            <ac:spMk id="12" creationId="{00000000-0000-0000-0000-000000000000}"/>
-          </ac:spMkLst>
-        </pc:spChg>
-        <pc:spChg chg="mod">
-          <ac:chgData name="Xin Luo" userId="82312ee5779919a4" providerId="LiveId" clId="{23920C8D-EBCE-A347-9C82-C14316D20539}" dt="2022-10-10T01:06:29.261" v="368" actId="404"/>
-          <ac:spMkLst>
-            <pc:docMk/>
-            <pc:sldMk cId="1576120367" sldId="2387"/>
-            <ac:spMk id="13" creationId="{00000000-0000-0000-0000-000000000000}"/>
-          </ac:spMkLst>
-        </pc:spChg>
-        <pc:spChg chg="mod">
-          <ac:chgData name="Xin Luo" userId="82312ee5779919a4" providerId="LiveId" clId="{23920C8D-EBCE-A347-9C82-C14316D20539}" dt="2022-10-10T01:06:13.262" v="366" actId="403"/>
-          <ac:spMkLst>
-            <pc:docMk/>
-            <pc:sldMk cId="1576120367" sldId="2387"/>
-            <ac:spMk id="14" creationId="{00000000-0000-0000-0000-000000000000}"/>
-          </ac:spMkLst>
-        </pc:spChg>
-        <pc:spChg chg="mod">
-          <ac:chgData name="Xin Luo" userId="82312ee5779919a4" providerId="LiveId" clId="{23920C8D-EBCE-A347-9C82-C14316D20539}" dt="2022-10-10T01:06:29.261" v="368" actId="404"/>
-          <ac:spMkLst>
-            <pc:docMk/>
-            <pc:sldMk cId="1576120367" sldId="2387"/>
-            <ac:spMk id="15" creationId="{00000000-0000-0000-0000-000000000000}"/>
-          </ac:spMkLst>
-        </pc:spChg>
-        <pc:spChg chg="mod">
-          <ac:chgData name="Xin Luo" userId="82312ee5779919a4" providerId="LiveId" clId="{23920C8D-EBCE-A347-9C82-C14316D20539}" dt="2022-10-10T01:06:19.369" v="367" actId="14100"/>
-          <ac:spMkLst>
-            <pc:docMk/>
-            <pc:sldMk cId="1576120367" sldId="2387"/>
-            <ac:spMk id="16" creationId="{00000000-0000-0000-0000-000000000000}"/>
-          </ac:spMkLst>
-        </pc:spChg>
-      </pc:sldChg>
-      <pc:sldChg chg="modSp mod">
-        <pc:chgData name="Xin Luo" userId="82312ee5779919a4" providerId="LiveId" clId="{23920C8D-EBCE-A347-9C82-C14316D20539}" dt="2022-10-10T01:06:39.449" v="369" actId="403"/>
-        <pc:sldMkLst>
-          <pc:docMk/>
-          <pc:sldMk cId="2415901206" sldId="2447"/>
-        </pc:sldMkLst>
-        <pc:spChg chg="mod">
-          <ac:chgData name="Xin Luo" userId="82312ee5779919a4" providerId="LiveId" clId="{23920C8D-EBCE-A347-9C82-C14316D20539}" dt="2022-10-10T01:06:39.449" v="369" actId="403"/>
-          <ac:spMkLst>
-            <pc:docMk/>
-            <pc:sldMk cId="2415901206" sldId="2447"/>
-            <ac:spMk id="7" creationId="{00000000-0000-0000-0000-000000000000}"/>
-          </ac:spMkLst>
-        </pc:spChg>
-      </pc:sldChg>
-      <pc:sldChg chg="addSp delSp modSp mod">
-        <pc:chgData name="Xin Luo" userId="82312ee5779919a4" providerId="LiveId" clId="{23920C8D-EBCE-A347-9C82-C14316D20539}" dt="2022-10-26T11:18:20.490" v="500"/>
-        <pc:sldMkLst>
-          <pc:docMk/>
-          <pc:sldMk cId="2689840772" sldId="2604"/>
-        </pc:sldMkLst>
-        <pc:spChg chg="mod">
-          <ac:chgData name="Xin Luo" userId="82312ee5779919a4" providerId="LiveId" clId="{23920C8D-EBCE-A347-9C82-C14316D20539}" dt="2022-10-26T11:18:14.630" v="497" actId="1038"/>
-          <ac:spMkLst>
-            <pc:docMk/>
-            <pc:sldMk cId="2689840772" sldId="2604"/>
-            <ac:spMk id="2" creationId="{DB381E7B-A050-4BE4-6756-9B64308C74D7}"/>
-          </ac:spMkLst>
-        </pc:spChg>
-        <pc:spChg chg="del mod">
-          <ac:chgData name="Xin Luo" userId="82312ee5779919a4" providerId="LiveId" clId="{23920C8D-EBCE-A347-9C82-C14316D20539}" dt="2022-10-10T00:58:26.498" v="9" actId="478"/>
-          <ac:spMkLst>
-            <pc:docMk/>
-            <pc:sldMk cId="2689840772" sldId="2604"/>
-            <ac:spMk id="3" creationId="{00000000-0000-0000-0000-000000000000}"/>
-          </ac:spMkLst>
-        </pc:spChg>
-        <pc:spChg chg="add del mod">
-          <ac:chgData name="Xin Luo" userId="82312ee5779919a4" providerId="LiveId" clId="{23920C8D-EBCE-A347-9C82-C14316D20539}" dt="2022-10-26T11:18:20.490" v="500"/>
-          <ac:spMkLst>
-            <pc:docMk/>
-            <pc:sldMk cId="2689840772" sldId="2604"/>
-            <ac:spMk id="3" creationId="{0AC6D251-AEF6-35BE-71D5-DE25EAD72977}"/>
-          </ac:spMkLst>
-        </pc:spChg>
-        <pc:spChg chg="add mod">
-          <ac:chgData name="Xin Luo" userId="82312ee5779919a4" providerId="LiveId" clId="{23920C8D-EBCE-A347-9C82-C14316D20539}" dt="2022-10-10T01:03:50.909" v="356" actId="20577"/>
-          <ac:spMkLst>
-            <pc:docMk/>
-            <pc:sldMk cId="2689840772" sldId="2604"/>
-            <ac:spMk id="4" creationId="{5B949F23-92C2-3ACE-AE9A-58F8C8D7AB52}"/>
-          </ac:spMkLst>
-        </pc:spChg>
-      </pc:sldChg>
-      <pc:sldChg chg="modSp mod">
-        <pc:chgData name="Xin Luo" userId="82312ee5779919a4" providerId="LiveId" clId="{23920C8D-EBCE-A347-9C82-C14316D20539}" dt="2022-10-25T11:53:23.523" v="402" actId="207"/>
-        <pc:sldMkLst>
-          <pc:docMk/>
-          <pc:sldMk cId="1392274363" sldId="2606"/>
-        </pc:sldMkLst>
-        <pc:spChg chg="mod">
-          <ac:chgData name="Xin Luo" userId="82312ee5779919a4" providerId="LiveId" clId="{23920C8D-EBCE-A347-9C82-C14316D20539}" dt="2022-10-10T01:08:08.448" v="392" actId="20577"/>
-          <ac:spMkLst>
-            <pc:docMk/>
-            <pc:sldMk cId="1392274363" sldId="2606"/>
-            <ac:spMk id="35" creationId="{2CBBD54C-A0C4-CFAB-2A67-F8BF299D28F5}"/>
-          </ac:spMkLst>
-        </pc:spChg>
-        <pc:spChg chg="mod">
-          <ac:chgData name="Xin Luo" userId="82312ee5779919a4" providerId="LiveId" clId="{23920C8D-EBCE-A347-9C82-C14316D20539}" dt="2022-10-25T11:53:23.523" v="402" actId="207"/>
-          <ac:spMkLst>
-            <pc:docMk/>
-            <pc:sldMk cId="1392274363" sldId="2606"/>
-            <ac:spMk id="42" creationId="{E4B07DDE-AB89-2B16-6B7A-2142621DE6F5}"/>
-          </ac:spMkLst>
-        </pc:spChg>
-      </pc:sldChg>
-      <pc:sldChg chg="modSp mod">
-        <pc:chgData name="Xin Luo" userId="82312ee5779919a4" providerId="LiveId" clId="{23920C8D-EBCE-A347-9C82-C14316D20539}" dt="2022-10-25T12:03:26.240" v="414" actId="14100"/>
-        <pc:sldMkLst>
-          <pc:docMk/>
-          <pc:sldMk cId="292605530" sldId="2607"/>
-        </pc:sldMkLst>
-        <pc:spChg chg="mod">
-          <ac:chgData name="Xin Luo" userId="82312ee5779919a4" providerId="LiveId" clId="{23920C8D-EBCE-A347-9C82-C14316D20539}" dt="2022-10-25T12:03:26.240" v="414" actId="14100"/>
-          <ac:spMkLst>
-            <pc:docMk/>
-            <pc:sldMk cId="292605530" sldId="2607"/>
-            <ac:spMk id="18" creationId="{8399C9E7-13B6-1DAF-F5BF-4471E8528C5F}"/>
-          </ac:spMkLst>
-        </pc:spChg>
-      </pc:sldChg>
-      <pc:sldChg chg="modSp mod">
-        <pc:chgData name="Xin Luo" userId="82312ee5779919a4" providerId="LiveId" clId="{23920C8D-EBCE-A347-9C82-C14316D20539}" dt="2022-10-25T12:09:03.730" v="478" actId="1036"/>
-        <pc:sldMkLst>
-          <pc:docMk/>
-          <pc:sldMk cId="2780969545" sldId="2609"/>
-        </pc:sldMkLst>
-        <pc:spChg chg="mod">
-          <ac:chgData name="Xin Luo" userId="82312ee5779919a4" providerId="LiveId" clId="{23920C8D-EBCE-A347-9C82-C14316D20539}" dt="2022-10-25T12:08:56.496" v="469" actId="115"/>
-          <ac:spMkLst>
-            <pc:docMk/>
-            <pc:sldMk cId="2780969545" sldId="2609"/>
-            <ac:spMk id="6" creationId="{2D1A6305-FF43-CF53-224A-B6D4901EAB0F}"/>
-          </ac:spMkLst>
-        </pc:spChg>
-        <pc:spChg chg="mod">
-          <ac:chgData name="Xin Luo" userId="82312ee5779919a4" providerId="LiveId" clId="{23920C8D-EBCE-A347-9C82-C14316D20539}" dt="2022-10-25T12:09:03.730" v="478" actId="1036"/>
-          <ac:spMkLst>
-            <pc:docMk/>
-            <pc:sldMk cId="2780969545" sldId="2609"/>
-            <ac:spMk id="11" creationId="{63EAC848-88D2-7A10-E878-444ADA855E23}"/>
-          </ac:spMkLst>
-        </pc:spChg>
-        <pc:spChg chg="mod">
-          <ac:chgData name="Xin Luo" userId="82312ee5779919a4" providerId="LiveId" clId="{23920C8D-EBCE-A347-9C82-C14316D20539}" dt="2022-10-25T12:09:03.730" v="478" actId="1036"/>
-          <ac:spMkLst>
-            <pc:docMk/>
-            <pc:sldMk cId="2780969545" sldId="2609"/>
-            <ac:spMk id="12" creationId="{BED7A820-9D6E-7E7E-A906-8A9424528316}"/>
-          </ac:spMkLst>
-        </pc:spChg>
-        <pc:spChg chg="mod">
-          <ac:chgData name="Xin Luo" userId="82312ee5779919a4" providerId="LiveId" clId="{23920C8D-EBCE-A347-9C82-C14316D20539}" dt="2022-10-25T12:09:03.730" v="478" actId="1036"/>
-          <ac:spMkLst>
-            <pc:docMk/>
-            <pc:sldMk cId="2780969545" sldId="2609"/>
-            <ac:spMk id="20" creationId="{87EC125B-CB98-6914-1633-6697471A2CB4}"/>
-          </ac:spMkLst>
-        </pc:spChg>
-        <pc:spChg chg="mod">
-          <ac:chgData name="Xin Luo" userId="82312ee5779919a4" providerId="LiveId" clId="{23920C8D-EBCE-A347-9C82-C14316D20539}" dt="2022-10-25T12:09:03.730" v="478" actId="1036"/>
-          <ac:spMkLst>
-            <pc:docMk/>
-            <pc:sldMk cId="2780969545" sldId="2609"/>
-            <ac:spMk id="21" creationId="{0AF67847-7DEF-CDAB-6208-0271BFB4FB06}"/>
-          </ac:spMkLst>
-        </pc:spChg>
-        <pc:spChg chg="mod">
-          <ac:chgData name="Xin Luo" userId="82312ee5779919a4" providerId="LiveId" clId="{23920C8D-EBCE-A347-9C82-C14316D20539}" dt="2022-10-25T12:09:03.730" v="478" actId="1036"/>
-          <ac:spMkLst>
-            <pc:docMk/>
-            <pc:sldMk cId="2780969545" sldId="2609"/>
-            <ac:spMk id="23" creationId="{0011846D-F543-398E-85CB-0AB0A842928A}"/>
-          </ac:spMkLst>
-        </pc:spChg>
-        <pc:spChg chg="mod">
-          <ac:chgData name="Xin Luo" userId="82312ee5779919a4" providerId="LiveId" clId="{23920C8D-EBCE-A347-9C82-C14316D20539}" dt="2022-10-25T12:09:03.730" v="478" actId="1036"/>
-          <ac:spMkLst>
-            <pc:docMk/>
-            <pc:sldMk cId="2780969545" sldId="2609"/>
-            <ac:spMk id="24" creationId="{37B5D87E-7419-7CC0-91CC-8A0807F0F999}"/>
-          </ac:spMkLst>
-        </pc:spChg>
-        <pc:spChg chg="mod">
-          <ac:chgData name="Xin Luo" userId="82312ee5779919a4" providerId="LiveId" clId="{23920C8D-EBCE-A347-9C82-C14316D20539}" dt="2022-10-25T12:09:03.730" v="478" actId="1036"/>
-          <ac:spMkLst>
-            <pc:docMk/>
-            <pc:sldMk cId="2780969545" sldId="2609"/>
-            <ac:spMk id="25" creationId="{4745244D-B431-F067-4A97-7CC4387296FB}"/>
-          </ac:spMkLst>
-        </pc:spChg>
-        <pc:spChg chg="mod">
-          <ac:chgData name="Xin Luo" userId="82312ee5779919a4" providerId="LiveId" clId="{23920C8D-EBCE-A347-9C82-C14316D20539}" dt="2022-10-25T12:09:03.730" v="478" actId="1036"/>
-          <ac:spMkLst>
-            <pc:docMk/>
-            <pc:sldMk cId="2780969545" sldId="2609"/>
-            <ac:spMk id="26" creationId="{FB9C53DE-8D1F-6DF4-8CE3-3A262A9F8737}"/>
-          </ac:spMkLst>
-        </pc:spChg>
-        <pc:picChg chg="mod">
-          <ac:chgData name="Xin Luo" userId="82312ee5779919a4" providerId="LiveId" clId="{23920C8D-EBCE-A347-9C82-C14316D20539}" dt="2022-10-25T12:09:03.730" v="478" actId="1036"/>
-          <ac:picMkLst>
-            <pc:docMk/>
-            <pc:sldMk cId="2780969545" sldId="2609"/>
-            <ac:picMk id="4" creationId="{49B7ACC6-6794-9162-52B2-E80F7E4B0442}"/>
-          </ac:picMkLst>
-        </pc:picChg>
-        <pc:picChg chg="mod">
-          <ac:chgData name="Xin Luo" userId="82312ee5779919a4" providerId="LiveId" clId="{23920C8D-EBCE-A347-9C82-C14316D20539}" dt="2022-10-25T12:09:03.730" v="478" actId="1036"/>
-          <ac:picMkLst>
-            <pc:docMk/>
-            <pc:sldMk cId="2780969545" sldId="2609"/>
-            <ac:picMk id="7" creationId="{42FD45A0-A9EA-D518-41B5-21FA7A24BA60}"/>
-          </ac:picMkLst>
-        </pc:picChg>
-        <pc:picChg chg="mod">
-          <ac:chgData name="Xin Luo" userId="82312ee5779919a4" providerId="LiveId" clId="{23920C8D-EBCE-A347-9C82-C14316D20539}" dt="2022-10-25T12:09:03.730" v="478" actId="1036"/>
-          <ac:picMkLst>
-            <pc:docMk/>
-            <pc:sldMk cId="2780969545" sldId="2609"/>
-            <ac:picMk id="10" creationId="{C2B12388-3179-41F8-2462-0C9BA14093FF}"/>
-          </ac:picMkLst>
-        </pc:picChg>
-        <pc:picChg chg="mod">
-          <ac:chgData name="Xin Luo" userId="82312ee5779919a4" providerId="LiveId" clId="{23920C8D-EBCE-A347-9C82-C14316D20539}" dt="2022-10-25T12:09:03.730" v="478" actId="1036"/>
-          <ac:picMkLst>
-            <pc:docMk/>
-            <pc:sldMk cId="2780969545" sldId="2609"/>
-            <ac:picMk id="7170" creationId="{A3C33C8C-6841-03A7-574F-E161D6BA2409}"/>
-          </ac:picMkLst>
-        </pc:picChg>
-        <pc:cxnChg chg="mod">
-          <ac:chgData name="Xin Luo" userId="82312ee5779919a4" providerId="LiveId" clId="{23920C8D-EBCE-A347-9C82-C14316D20539}" dt="2022-10-25T12:09:03.730" v="478" actId="1036"/>
-          <ac:cxnSpMkLst>
-            <pc:docMk/>
-            <pc:sldMk cId="2780969545" sldId="2609"/>
-            <ac:cxnSpMk id="9" creationId="{FD972B84-6C44-171E-8256-D2A04F01B0C9}"/>
-          </ac:cxnSpMkLst>
-        </pc:cxnChg>
-        <pc:cxnChg chg="mod">
-          <ac:chgData name="Xin Luo" userId="82312ee5779919a4" providerId="LiveId" clId="{23920C8D-EBCE-A347-9C82-C14316D20539}" dt="2022-10-25T12:09:03.730" v="478" actId="1036"/>
-          <ac:cxnSpMkLst>
-            <pc:docMk/>
-            <pc:sldMk cId="2780969545" sldId="2609"/>
-            <ac:cxnSpMk id="16" creationId="{612BCBDC-DECE-5090-7C5B-6492FF4CE722}"/>
-          </ac:cxnSpMkLst>
-        </pc:cxnChg>
-        <pc:cxnChg chg="mod">
-          <ac:chgData name="Xin Luo" userId="82312ee5779919a4" providerId="LiveId" clId="{23920C8D-EBCE-A347-9C82-C14316D20539}" dt="2022-10-25T12:09:03.730" v="478" actId="1036"/>
-          <ac:cxnSpMkLst>
-            <pc:docMk/>
-            <pc:sldMk cId="2780969545" sldId="2609"/>
-            <ac:cxnSpMk id="17" creationId="{AF045F09-2718-C456-D477-E816A43885FF}"/>
-          </ac:cxnSpMkLst>
-        </pc:cxnChg>
-        <pc:cxnChg chg="mod">
-          <ac:chgData name="Xin Luo" userId="82312ee5779919a4" providerId="LiveId" clId="{23920C8D-EBCE-A347-9C82-C14316D20539}" dt="2022-10-25T12:09:03.730" v="478" actId="1036"/>
-          <ac:cxnSpMkLst>
-            <pc:docMk/>
-            <pc:sldMk cId="2780969545" sldId="2609"/>
-            <ac:cxnSpMk id="28" creationId="{6C11ADF7-6234-2989-2798-F5AAD5EDE3BF}"/>
-          </ac:cxnSpMkLst>
-        </pc:cxnChg>
-      </pc:sldChg>
-      <pc:sldChg chg="modSp mod">
-        <pc:chgData name="Xin Luo" userId="82312ee5779919a4" providerId="LiveId" clId="{23920C8D-EBCE-A347-9C82-C14316D20539}" dt="2022-10-26T02:56:58.658" v="480" actId="207"/>
-        <pc:sldMkLst>
-          <pc:docMk/>
-          <pc:sldMk cId="63705705" sldId="2612"/>
-        </pc:sldMkLst>
-        <pc:spChg chg="mod">
-          <ac:chgData name="Xin Luo" userId="82312ee5779919a4" providerId="LiveId" clId="{23920C8D-EBCE-A347-9C82-C14316D20539}" dt="2022-10-26T02:56:58.658" v="480" actId="207"/>
-          <ac:spMkLst>
-            <pc:docMk/>
-            <pc:sldMk cId="63705705" sldId="2612"/>
-            <ac:spMk id="63" creationId="{6400CC45-5050-7ACD-CE08-CC6D7000A1DA}"/>
-          </ac:spMkLst>
-        </pc:spChg>
-      </pc:sldChg>
-      <pc:sldChg chg="addSp modSp">
-        <pc:chgData name="Xin Luo" userId="82312ee5779919a4" providerId="LiveId" clId="{23920C8D-EBCE-A347-9C82-C14316D20539}" dt="2022-10-26T12:19:06.428" v="501" actId="767"/>
-        <pc:sldMkLst>
-          <pc:docMk/>
-          <pc:sldMk cId="963926578" sldId="2613"/>
-        </pc:sldMkLst>
-        <pc:spChg chg="add mod">
-          <ac:chgData name="Xin Luo" userId="82312ee5779919a4" providerId="LiveId" clId="{23920C8D-EBCE-A347-9C82-C14316D20539}" dt="2022-10-26T12:19:06.428" v="501" actId="767"/>
-          <ac:spMkLst>
-            <pc:docMk/>
-            <pc:sldMk cId="963926578" sldId="2613"/>
-            <ac:spMk id="2" creationId="{5F7683B3-77E0-69A9-94AE-FF04E7249325}"/>
-          </ac:spMkLst>
-        </pc:spChg>
-      </pc:sldChg>
-      <pc:sldChg chg="modSp add mod">
-        <pc:chgData name="Xin Luo" userId="82312ee5779919a4" providerId="LiveId" clId="{23920C8D-EBCE-A347-9C82-C14316D20539}" dt="2022-10-10T01:06:02.902" v="365" actId="403"/>
-        <pc:sldMkLst>
-          <pc:docMk/>
-          <pc:sldMk cId="2358282757" sldId="2714"/>
-        </pc:sldMkLst>
-        <pc:spChg chg="mod">
-          <ac:chgData name="Xin Luo" userId="82312ee5779919a4" providerId="LiveId" clId="{23920C8D-EBCE-A347-9C82-C14316D20539}" dt="2022-10-10T01:06:02.902" v="365" actId="403"/>
-          <ac:spMkLst>
-            <pc:docMk/>
-            <pc:sldMk cId="2358282757" sldId="2714"/>
-            <ac:spMk id="2" creationId="{DB381E7B-A050-4BE4-6756-9B64308C74D7}"/>
-          </ac:spMkLst>
-        </pc:spChg>
-      </pc:sldChg>
-    </pc:docChg>
-  </pc:docChgLst>
-  <pc:docChgLst>
     <pc:chgData name="Xin Luo" userId="82312ee5779919a4" providerId="LiveId" clId="{4807F875-6F75-AB41-83F0-5AE490FE2F1C}"/>
     <pc:docChg chg="custSel addSld modSld">
       <pc:chgData name="Xin Luo" userId="82312ee5779919a4" providerId="LiveId" clId="{4807F875-6F75-AB41-83F0-5AE490FE2F1C}" dt="2023-09-13T14:07:01.122" v="8" actId="1076"/>
@@ -5061,138 +5061,6 @@
     </pc:docChg>
   </pc:docChgLst>
   <pc:docChgLst>
-    <pc:chgData name="Xin Luo" userId="82312ee5779919a4" providerId="LiveId" clId="{A508F461-0D73-864F-B88A-277BCD613B0A}"/>
-    <pc:docChg chg="modSld">
-      <pc:chgData name="Xin Luo" userId="82312ee5779919a4" providerId="LiveId" clId="{A508F461-0D73-864F-B88A-277BCD613B0A}" dt="2023-09-11T02:08:48.074" v="121" actId="1076"/>
-      <pc:docMkLst>
-        <pc:docMk/>
-      </pc:docMkLst>
-      <pc:sldChg chg="modSp mod">
-        <pc:chgData name="Xin Luo" userId="82312ee5779919a4" providerId="LiveId" clId="{A508F461-0D73-864F-B88A-277BCD613B0A}" dt="2023-09-11T01:25:36.157" v="49" actId="255"/>
-        <pc:sldMkLst>
-          <pc:docMk/>
-          <pc:sldMk cId="1209572041" sldId="2722"/>
-        </pc:sldMkLst>
-        <pc:spChg chg="mod">
-          <ac:chgData name="Xin Luo" userId="82312ee5779919a4" providerId="LiveId" clId="{A508F461-0D73-864F-B88A-277BCD613B0A}" dt="2023-09-11T01:25:36.157" v="49" actId="255"/>
-          <ac:spMkLst>
-            <pc:docMk/>
-            <pc:sldMk cId="1209572041" sldId="2722"/>
-            <ac:spMk id="13" creationId="{303BC878-BC57-D350-27A3-F03AE48213AC}"/>
-          </ac:spMkLst>
-        </pc:spChg>
-      </pc:sldChg>
-      <pc:sldChg chg="modSp mod">
-        <pc:chgData name="Xin Luo" userId="82312ee5779919a4" providerId="LiveId" clId="{A508F461-0D73-864F-B88A-277BCD613B0A}" dt="2023-09-11T02:08:48.074" v="121" actId="1076"/>
-        <pc:sldMkLst>
-          <pc:docMk/>
-          <pc:sldMk cId="3151170836" sldId="2742"/>
-        </pc:sldMkLst>
-        <pc:spChg chg="mod">
-          <ac:chgData name="Xin Luo" userId="82312ee5779919a4" providerId="LiveId" clId="{A508F461-0D73-864F-B88A-277BCD613B0A}" dt="2023-09-11T02:08:48.074" v="121" actId="1076"/>
-          <ac:spMkLst>
-            <pc:docMk/>
-            <pc:sldMk cId="3151170836" sldId="2742"/>
-            <ac:spMk id="6" creationId="{FA343B24-C04E-C7D0-D427-DA131ECB74AB}"/>
-          </ac:spMkLst>
-        </pc:spChg>
-      </pc:sldChg>
-      <pc:sldChg chg="modSp mod">
-        <pc:chgData name="Xin Luo" userId="82312ee5779919a4" providerId="LiveId" clId="{A508F461-0D73-864F-B88A-277BCD613B0A}" dt="2023-09-11T01:24:19.474" v="26" actId="255"/>
-        <pc:sldMkLst>
-          <pc:docMk/>
-          <pc:sldMk cId="3741103209" sldId="2745"/>
-        </pc:sldMkLst>
-        <pc:spChg chg="mod">
-          <ac:chgData name="Xin Luo" userId="82312ee5779919a4" providerId="LiveId" clId="{A508F461-0D73-864F-B88A-277BCD613B0A}" dt="2023-09-11T01:24:19.474" v="26" actId="255"/>
-          <ac:spMkLst>
-            <pc:docMk/>
-            <pc:sldMk cId="3741103209" sldId="2745"/>
-            <ac:spMk id="17" creationId="{9E05FFCA-3371-AF5C-381D-71D984055F5A}"/>
-          </ac:spMkLst>
-        </pc:spChg>
-      </pc:sldChg>
-      <pc:sldChg chg="modSp mod">
-        <pc:chgData name="Xin Luo" userId="82312ee5779919a4" providerId="LiveId" clId="{A508F461-0D73-864F-B88A-277BCD613B0A}" dt="2023-09-11T01:25:10.921" v="46" actId="1035"/>
-        <pc:sldMkLst>
-          <pc:docMk/>
-          <pc:sldMk cId="2081473989" sldId="2748"/>
-        </pc:sldMkLst>
-        <pc:spChg chg="mod">
-          <ac:chgData name="Xin Luo" userId="82312ee5779919a4" providerId="LiveId" clId="{A508F461-0D73-864F-B88A-277BCD613B0A}" dt="2023-09-11T01:25:10.921" v="46" actId="1035"/>
-          <ac:spMkLst>
-            <pc:docMk/>
-            <pc:sldMk cId="2081473989" sldId="2748"/>
-            <ac:spMk id="15" creationId="{DAE75BEB-15B0-6AD3-FEA5-24688F0C9399}"/>
-          </ac:spMkLst>
-        </pc:spChg>
-        <pc:spChg chg="mod">
-          <ac:chgData name="Xin Luo" userId="82312ee5779919a4" providerId="LiveId" clId="{A508F461-0D73-864F-B88A-277BCD613B0A}" dt="2023-09-11T01:25:10.921" v="46" actId="1035"/>
-          <ac:spMkLst>
-            <pc:docMk/>
-            <pc:sldMk cId="2081473989" sldId="2748"/>
-            <ac:spMk id="16" creationId="{011A1F98-9159-4FE6-698D-1B0B7EFC1F4C}"/>
-          </ac:spMkLst>
-        </pc:spChg>
-        <pc:spChg chg="mod">
-          <ac:chgData name="Xin Luo" userId="82312ee5779919a4" providerId="LiveId" clId="{A508F461-0D73-864F-B88A-277BCD613B0A}" dt="2023-09-11T01:25:03.190" v="37" actId="2710"/>
-          <ac:spMkLst>
-            <pc:docMk/>
-            <pc:sldMk cId="2081473989" sldId="2748"/>
-            <ac:spMk id="17" creationId="{9E05FFCA-3371-AF5C-381D-71D984055F5A}"/>
-          </ac:spMkLst>
-        </pc:spChg>
-        <pc:picChg chg="mod">
-          <ac:chgData name="Xin Luo" userId="82312ee5779919a4" providerId="LiveId" clId="{A508F461-0D73-864F-B88A-277BCD613B0A}" dt="2023-09-11T01:25:10.921" v="46" actId="1035"/>
-          <ac:picMkLst>
-            <pc:docMk/>
-            <pc:sldMk cId="2081473989" sldId="2748"/>
-            <ac:picMk id="8" creationId="{79143EB1-6171-6D6B-E065-52F98AD03CCA}"/>
-          </ac:picMkLst>
-        </pc:picChg>
-        <pc:picChg chg="mod">
-          <ac:chgData name="Xin Luo" userId="82312ee5779919a4" providerId="LiveId" clId="{A508F461-0D73-864F-B88A-277BCD613B0A}" dt="2023-09-11T01:25:10.921" v="46" actId="1035"/>
-          <ac:picMkLst>
-            <pc:docMk/>
-            <pc:sldMk cId="2081473989" sldId="2748"/>
-            <ac:picMk id="12" creationId="{CD5784D5-D55B-B02C-C48B-B4566A95D7A5}"/>
-          </ac:picMkLst>
-        </pc:picChg>
-      </pc:sldChg>
-      <pc:sldChg chg="modSp mod">
-        <pc:chgData name="Xin Luo" userId="82312ee5779919a4" providerId="LiveId" clId="{A508F461-0D73-864F-B88A-277BCD613B0A}" dt="2023-09-11T01:23:28.376" v="25" actId="1037"/>
-        <pc:sldMkLst>
-          <pc:docMk/>
-          <pc:sldMk cId="2927474256" sldId="2754"/>
-        </pc:sldMkLst>
-        <pc:spChg chg="mod">
-          <ac:chgData name="Xin Luo" userId="82312ee5779919a4" providerId="LiveId" clId="{A508F461-0D73-864F-B88A-277BCD613B0A}" dt="2023-09-11T01:23:28.376" v="25" actId="1037"/>
-          <ac:spMkLst>
-            <pc:docMk/>
-            <pc:sldMk cId="2927474256" sldId="2754"/>
-            <ac:spMk id="17" creationId="{8CFF8A22-C033-47DF-8707-CA76F142CBBA}"/>
-          </ac:spMkLst>
-        </pc:spChg>
-        <pc:grpChg chg="mod">
-          <ac:chgData name="Xin Luo" userId="82312ee5779919a4" providerId="LiveId" clId="{A508F461-0D73-864F-B88A-277BCD613B0A}" dt="2023-09-11T01:23:15.792" v="0" actId="1037"/>
-          <ac:grpSpMkLst>
-            <pc:docMk/>
-            <pc:sldMk cId="2927474256" sldId="2754"/>
-            <ac:grpSpMk id="20" creationId="{8AA7B3E2-1D42-96C9-43F0-1F320D3EFD63}"/>
-          </ac:grpSpMkLst>
-        </pc:grpChg>
-        <pc:picChg chg="mod">
-          <ac:chgData name="Xin Luo" userId="82312ee5779919a4" providerId="LiveId" clId="{A508F461-0D73-864F-B88A-277BCD613B0A}" dt="2023-09-11T01:23:18.846" v="10" actId="1038"/>
-          <ac:picMkLst>
-            <pc:docMk/>
-            <pc:sldMk cId="2927474256" sldId="2754"/>
-            <ac:picMk id="9" creationId="{0CF46726-2B51-43A4-FDEF-A6131C46F05F}"/>
-          </ac:picMkLst>
-        </pc:picChg>
-      </pc:sldChg>
-    </pc:docChg>
-  </pc:docChgLst>
-  <pc:docChgLst>
     <pc:chgData name="Xin Luo" userId="82312ee5779919a4" providerId="LiveId" clId="{82BFAA31-791A-9843-976C-3AAFAA5AC07D}"/>
     <pc:docChg chg="undo custSel addSld delSld modSld">
       <pc:chgData name="Xin Luo" userId="82312ee5779919a4" providerId="LiveId" clId="{82BFAA31-791A-9843-976C-3AAFAA5AC07D}" dt="2023-03-05T13:50:34.172" v="6224" actId="1035"/>
@@ -5929,6 +5797,138 @@
           <pc:docMk/>
           <pc:sldMk cId="1628918360" sldId="2751"/>
         </pc:sldMkLst>
+      </pc:sldChg>
+    </pc:docChg>
+  </pc:docChgLst>
+  <pc:docChgLst>
+    <pc:chgData name="Xin Luo" userId="82312ee5779919a4" providerId="LiveId" clId="{A508F461-0D73-864F-B88A-277BCD613B0A}"/>
+    <pc:docChg chg="modSld">
+      <pc:chgData name="Xin Luo" userId="82312ee5779919a4" providerId="LiveId" clId="{A508F461-0D73-864F-B88A-277BCD613B0A}" dt="2023-09-11T02:08:48.074" v="121" actId="1076"/>
+      <pc:docMkLst>
+        <pc:docMk/>
+      </pc:docMkLst>
+      <pc:sldChg chg="modSp mod">
+        <pc:chgData name="Xin Luo" userId="82312ee5779919a4" providerId="LiveId" clId="{A508F461-0D73-864F-B88A-277BCD613B0A}" dt="2023-09-11T01:25:36.157" v="49" actId="255"/>
+        <pc:sldMkLst>
+          <pc:docMk/>
+          <pc:sldMk cId="1209572041" sldId="2722"/>
+        </pc:sldMkLst>
+        <pc:spChg chg="mod">
+          <ac:chgData name="Xin Luo" userId="82312ee5779919a4" providerId="LiveId" clId="{A508F461-0D73-864F-B88A-277BCD613B0A}" dt="2023-09-11T01:25:36.157" v="49" actId="255"/>
+          <ac:spMkLst>
+            <pc:docMk/>
+            <pc:sldMk cId="1209572041" sldId="2722"/>
+            <ac:spMk id="13" creationId="{303BC878-BC57-D350-27A3-F03AE48213AC}"/>
+          </ac:spMkLst>
+        </pc:spChg>
+      </pc:sldChg>
+      <pc:sldChg chg="modSp mod">
+        <pc:chgData name="Xin Luo" userId="82312ee5779919a4" providerId="LiveId" clId="{A508F461-0D73-864F-B88A-277BCD613B0A}" dt="2023-09-11T02:08:48.074" v="121" actId="1076"/>
+        <pc:sldMkLst>
+          <pc:docMk/>
+          <pc:sldMk cId="3151170836" sldId="2742"/>
+        </pc:sldMkLst>
+        <pc:spChg chg="mod">
+          <ac:chgData name="Xin Luo" userId="82312ee5779919a4" providerId="LiveId" clId="{A508F461-0D73-864F-B88A-277BCD613B0A}" dt="2023-09-11T02:08:48.074" v="121" actId="1076"/>
+          <ac:spMkLst>
+            <pc:docMk/>
+            <pc:sldMk cId="3151170836" sldId="2742"/>
+            <ac:spMk id="6" creationId="{FA343B24-C04E-C7D0-D427-DA131ECB74AB}"/>
+          </ac:spMkLst>
+        </pc:spChg>
+      </pc:sldChg>
+      <pc:sldChg chg="modSp mod">
+        <pc:chgData name="Xin Luo" userId="82312ee5779919a4" providerId="LiveId" clId="{A508F461-0D73-864F-B88A-277BCD613B0A}" dt="2023-09-11T01:24:19.474" v="26" actId="255"/>
+        <pc:sldMkLst>
+          <pc:docMk/>
+          <pc:sldMk cId="3741103209" sldId="2745"/>
+        </pc:sldMkLst>
+        <pc:spChg chg="mod">
+          <ac:chgData name="Xin Luo" userId="82312ee5779919a4" providerId="LiveId" clId="{A508F461-0D73-864F-B88A-277BCD613B0A}" dt="2023-09-11T01:24:19.474" v="26" actId="255"/>
+          <ac:spMkLst>
+            <pc:docMk/>
+            <pc:sldMk cId="3741103209" sldId="2745"/>
+            <ac:spMk id="17" creationId="{9E05FFCA-3371-AF5C-381D-71D984055F5A}"/>
+          </ac:spMkLst>
+        </pc:spChg>
+      </pc:sldChg>
+      <pc:sldChg chg="modSp mod">
+        <pc:chgData name="Xin Luo" userId="82312ee5779919a4" providerId="LiveId" clId="{A508F461-0D73-864F-B88A-277BCD613B0A}" dt="2023-09-11T01:25:10.921" v="46" actId="1035"/>
+        <pc:sldMkLst>
+          <pc:docMk/>
+          <pc:sldMk cId="2081473989" sldId="2748"/>
+        </pc:sldMkLst>
+        <pc:spChg chg="mod">
+          <ac:chgData name="Xin Luo" userId="82312ee5779919a4" providerId="LiveId" clId="{A508F461-0D73-864F-B88A-277BCD613B0A}" dt="2023-09-11T01:25:10.921" v="46" actId="1035"/>
+          <ac:spMkLst>
+            <pc:docMk/>
+            <pc:sldMk cId="2081473989" sldId="2748"/>
+            <ac:spMk id="15" creationId="{DAE75BEB-15B0-6AD3-FEA5-24688F0C9399}"/>
+          </ac:spMkLst>
+        </pc:spChg>
+        <pc:spChg chg="mod">
+          <ac:chgData name="Xin Luo" userId="82312ee5779919a4" providerId="LiveId" clId="{A508F461-0D73-864F-B88A-277BCD613B0A}" dt="2023-09-11T01:25:10.921" v="46" actId="1035"/>
+          <ac:spMkLst>
+            <pc:docMk/>
+            <pc:sldMk cId="2081473989" sldId="2748"/>
+            <ac:spMk id="16" creationId="{011A1F98-9159-4FE6-698D-1B0B7EFC1F4C}"/>
+          </ac:spMkLst>
+        </pc:spChg>
+        <pc:spChg chg="mod">
+          <ac:chgData name="Xin Luo" userId="82312ee5779919a4" providerId="LiveId" clId="{A508F461-0D73-864F-B88A-277BCD613B0A}" dt="2023-09-11T01:25:03.190" v="37" actId="2710"/>
+          <ac:spMkLst>
+            <pc:docMk/>
+            <pc:sldMk cId="2081473989" sldId="2748"/>
+            <ac:spMk id="17" creationId="{9E05FFCA-3371-AF5C-381D-71D984055F5A}"/>
+          </ac:spMkLst>
+        </pc:spChg>
+        <pc:picChg chg="mod">
+          <ac:chgData name="Xin Luo" userId="82312ee5779919a4" providerId="LiveId" clId="{A508F461-0D73-864F-B88A-277BCD613B0A}" dt="2023-09-11T01:25:10.921" v="46" actId="1035"/>
+          <ac:picMkLst>
+            <pc:docMk/>
+            <pc:sldMk cId="2081473989" sldId="2748"/>
+            <ac:picMk id="8" creationId="{79143EB1-6171-6D6B-E065-52F98AD03CCA}"/>
+          </ac:picMkLst>
+        </pc:picChg>
+        <pc:picChg chg="mod">
+          <ac:chgData name="Xin Luo" userId="82312ee5779919a4" providerId="LiveId" clId="{A508F461-0D73-864F-B88A-277BCD613B0A}" dt="2023-09-11T01:25:10.921" v="46" actId="1035"/>
+          <ac:picMkLst>
+            <pc:docMk/>
+            <pc:sldMk cId="2081473989" sldId="2748"/>
+            <ac:picMk id="12" creationId="{CD5784D5-D55B-B02C-C48B-B4566A95D7A5}"/>
+          </ac:picMkLst>
+        </pc:picChg>
+      </pc:sldChg>
+      <pc:sldChg chg="modSp mod">
+        <pc:chgData name="Xin Luo" userId="82312ee5779919a4" providerId="LiveId" clId="{A508F461-0D73-864F-B88A-277BCD613B0A}" dt="2023-09-11T01:23:28.376" v="25" actId="1037"/>
+        <pc:sldMkLst>
+          <pc:docMk/>
+          <pc:sldMk cId="2927474256" sldId="2754"/>
+        </pc:sldMkLst>
+        <pc:spChg chg="mod">
+          <ac:chgData name="Xin Luo" userId="82312ee5779919a4" providerId="LiveId" clId="{A508F461-0D73-864F-B88A-277BCD613B0A}" dt="2023-09-11T01:23:28.376" v="25" actId="1037"/>
+          <ac:spMkLst>
+            <pc:docMk/>
+            <pc:sldMk cId="2927474256" sldId="2754"/>
+            <ac:spMk id="17" creationId="{8CFF8A22-C033-47DF-8707-CA76F142CBBA}"/>
+          </ac:spMkLst>
+        </pc:spChg>
+        <pc:grpChg chg="mod">
+          <ac:chgData name="Xin Luo" userId="82312ee5779919a4" providerId="LiveId" clId="{A508F461-0D73-864F-B88A-277BCD613B0A}" dt="2023-09-11T01:23:15.792" v="0" actId="1037"/>
+          <ac:grpSpMkLst>
+            <pc:docMk/>
+            <pc:sldMk cId="2927474256" sldId="2754"/>
+            <ac:grpSpMk id="20" creationId="{8AA7B3E2-1D42-96C9-43F0-1F320D3EFD63}"/>
+          </ac:grpSpMkLst>
+        </pc:grpChg>
+        <pc:picChg chg="mod">
+          <ac:chgData name="Xin Luo" userId="82312ee5779919a4" providerId="LiveId" clId="{A508F461-0D73-864F-B88A-277BCD613B0A}" dt="2023-09-11T01:23:18.846" v="10" actId="1038"/>
+          <ac:picMkLst>
+            <pc:docMk/>
+            <pc:sldMk cId="2927474256" sldId="2754"/>
+            <ac:picMk id="9" creationId="{0CF46726-2B51-43A4-FDEF-A6131C46F05F}"/>
+          </ac:picMkLst>
+        </pc:picChg>
       </pc:sldChg>
     </pc:docChg>
   </pc:docChgLst>
@@ -6342,7 +6342,7 @@
               </a14:hiddenFill>
             </a:ext>
             <a:ext uri="{FAA26D3D-D897-4be2-8F04-BA451C77F1D7}">
-              <ma14:placeholderFlag xmlns="" xmlns:ma14="http://schemas.microsoft.com/office/mac/drawingml/2011/main" val="1"/>
+              <ma14:placeholderFlag xmlns:ma14="http://schemas.microsoft.com/office/mac/drawingml/2011/main" xmlns="" val="1"/>
             </a:ext>
           </a:extLst>
         </p:spPr>
@@ -6726,7 +6726,7 @@
               </a14:hiddenLine>
             </a:ext>
             <a:ext uri="{FAA26D3D-D897-4be2-8F04-BA451C77F1D7}">
-              <ma14:placeholderFlag xmlns="" xmlns:ma14="http://schemas.microsoft.com/office/mac/drawingml/2011/main" val="1"/>
+              <ma14:placeholderFlag xmlns:ma14="http://schemas.microsoft.com/office/mac/drawingml/2011/main" xmlns="" val="1"/>
             </a:ext>
           </a:extLst>
         </p:spPr>
@@ -10167,7 +10167,7 @@
               </a14:hiddenLine>
             </a:ext>
             <a:ext uri="{FAA26D3D-D897-4be2-8F04-BA451C77F1D7}">
-              <ma14:placeholderFlag xmlns="" xmlns:ma14="http://schemas.microsoft.com/office/mac/drawingml/2011/main" val="1"/>
+              <ma14:placeholderFlag xmlns:ma14="http://schemas.microsoft.com/office/mac/drawingml/2011/main" xmlns="" val="1"/>
             </a:ext>
           </a:extLst>
         </p:spPr>
@@ -13858,7 +13858,7 @@
               </a14:hiddenLine>
             </a:ext>
             <a:ext uri="{FAA26D3D-D897-4be2-8F04-BA451C77F1D7}">
-              <ma14:placeholderFlag xmlns="" xmlns:ma14="http://schemas.microsoft.com/office/mac/drawingml/2011/main" val="1"/>
+              <ma14:placeholderFlag xmlns:ma14="http://schemas.microsoft.com/office/mac/drawingml/2011/main" xmlns="" val="1"/>
             </a:ext>
           </a:extLst>
         </p:spPr>
@@ -20076,9 +20076,9 @@
           <a:prstGeom prst="rect">
             <a:avLst/>
           </a:prstGeom>
-          <a:ln w="28575">
+          <a:ln w="12700">
             <a:solidFill>
-              <a:srgbClr val="FFCC99"/>
+              <a:schemeClr val="accent1"/>
             </a:solidFill>
           </a:ln>
         </p:spPr>
@@ -21982,59 +21982,59 @@
               <a:t>: </a:t>
             </a:r>
             <a:r>
+              <a:rPr lang="en-US" altLang="zh-CN" sz="2800" dirty="0">
+                <a:solidFill>
+                  <a:schemeClr val="bg2"/>
+                </a:solidFill>
+                <a:latin typeface="Consolas" panose="020B0609020204030204" pitchFamily="49" charset="0"/>
+              </a:rPr>
+              <a:t>pip install matplotlib</a:t>
+            </a:r>
+          </a:p>
+          <a:p>
+            <a:pPr algn="just"/>
+            <a:r>
+              <a:rPr lang="en-US" altLang="zh-CN" sz="2800" b="1" dirty="0" err="1">
+                <a:solidFill>
+                  <a:srgbClr val="C0341D"/>
+                </a:solidFill>
+                <a:latin typeface="ui-monospace"/>
+              </a:rPr>
+              <a:t>conda</a:t>
+            </a:r>
+            <a:r>
+              <a:rPr lang="zh-CN" altLang="en-US" sz="2800" b="1" dirty="0">
+                <a:solidFill>
+                  <a:srgbClr val="C0341D"/>
+                </a:solidFill>
+                <a:latin typeface="ui-monospace"/>
+              </a:rPr>
+              <a:t>安装</a:t>
+            </a:r>
+            <a:r>
               <a:rPr lang="en-US" altLang="zh-CN" sz="2800" b="1" dirty="0">
                 <a:solidFill>
                   <a:srgbClr val="C0341D"/>
                 </a:solidFill>
                 <a:latin typeface="ui-monospace"/>
               </a:rPr>
-              <a:t>pip install matplotlib</a:t>
-            </a:r>
-          </a:p>
-          <a:p>
-            <a:pPr algn="just"/>
-            <a:r>
-              <a:rPr lang="en-US" altLang="zh-CN" sz="2800" b="1" dirty="0" err="1">
-                <a:solidFill>
-                  <a:srgbClr val="C0341D"/>
-                </a:solidFill>
-                <a:latin typeface="ui-monospace"/>
+              <a:t>: </a:t>
+            </a:r>
+            <a:r>
+              <a:rPr lang="en-US" altLang="zh-CN" sz="2800" dirty="0" err="1">
+                <a:solidFill>
+                  <a:schemeClr val="bg2"/>
+                </a:solidFill>
+                <a:latin typeface="Consolas" panose="020B0609020204030204" pitchFamily="49" charset="0"/>
               </a:rPr>
               <a:t>conda</a:t>
             </a:r>
             <a:r>
-              <a:rPr lang="zh-CN" altLang="en-US" sz="2800" b="1" dirty="0">
-                <a:solidFill>
-                  <a:srgbClr val="C0341D"/>
-                </a:solidFill>
-                <a:latin typeface="ui-monospace"/>
-              </a:rPr>
-              <a:t>安装</a:t>
-            </a:r>
-            <a:r>
-              <a:rPr lang="en-US" altLang="zh-CN" sz="2800" b="1" dirty="0">
-                <a:solidFill>
-                  <a:srgbClr val="C0341D"/>
-                </a:solidFill>
-                <a:latin typeface="ui-monospace"/>
-              </a:rPr>
-              <a:t>: </a:t>
-            </a:r>
-            <a:r>
-              <a:rPr lang="en-US" altLang="zh-CN" sz="2800" b="1" dirty="0" err="1">
-                <a:solidFill>
-                  <a:srgbClr val="C0341D"/>
-                </a:solidFill>
-                <a:latin typeface="ui-monospace"/>
-              </a:rPr>
-              <a:t>conda</a:t>
-            </a:r>
-            <a:r>
-              <a:rPr lang="en-US" altLang="zh-CN" sz="2800" b="1" dirty="0">
-                <a:solidFill>
-                  <a:srgbClr val="C0341D"/>
-                </a:solidFill>
-                <a:latin typeface="ui-monospace"/>
+              <a:rPr lang="en-US" altLang="zh-CN" sz="2800" dirty="0">
+                <a:solidFill>
+                  <a:schemeClr val="bg2"/>
+                </a:solidFill>
+                <a:latin typeface="Consolas" panose="020B0609020204030204" pitchFamily="49" charset="0"/>
               </a:rPr>
               <a:t> install matplotlib</a:t>
             </a:r>
@@ -22339,7 +22339,7 @@
         </p:nvSpPr>
         <p:spPr>
           <a:xfrm>
-            <a:off x="270598" y="2035635"/>
+            <a:off x="270598" y="1997535"/>
             <a:ext cx="3986012" cy="4154984"/>
           </a:xfrm>
           <a:prstGeom prst="rect">
@@ -23097,14 +23097,14 @@
         </p:nvSpPr>
         <p:spPr>
           <a:xfrm>
-            <a:off x="4107733" y="3404414"/>
+            <a:off x="4107733" y="3379014"/>
             <a:ext cx="4573254" cy="2571666"/>
           </a:xfrm>
           <a:prstGeom prst="rect">
             <a:avLst/>
           </a:prstGeom>
           <a:noFill/>
-          <a:ln w="28575">
+          <a:ln w="19050">
             <a:solidFill>
               <a:srgbClr val="CC6600"/>
             </a:solidFill>
@@ -23991,7 +23991,7 @@
                 <a:latin typeface="+mn-ea"/>
                 <a:ea typeface="+mn-ea"/>
               </a:rPr>
-              <a:t>高级</a:t>
+              <a:t>高级的</a:t>
             </a:r>
             <a:r>
               <a:rPr lang="zh-CN" altLang="en-US" dirty="0">
@@ -24475,8 +24475,8 @@
         </p:nvSpPr>
         <p:spPr>
           <a:xfrm>
-            <a:off x="328038" y="1555297"/>
-            <a:ext cx="4022864" cy="4412875"/>
+            <a:off x="317665" y="1689332"/>
+            <a:ext cx="4022864" cy="3674211"/>
           </a:xfrm>
           <a:prstGeom prst="rect">
             <a:avLst/>
@@ -24532,7 +24532,7 @@
                 <a:latin typeface="+mn-ea"/>
                 <a:ea typeface="+mn-ea"/>
               </a:rPr>
-              <a:t>，尤其是使用空格缩进来划分代码块。相比于</a:t>
+              <a:t>。相比于</a:t>
             </a:r>
             <a:r>
               <a:rPr lang="en-US" altLang="zh-CN" dirty="0">
@@ -25153,7 +25153,7 @@
                 <a:latin typeface="+mn-ea"/>
                 <a:ea typeface="+mn-ea"/>
               </a:rPr>
-              <a:t>python</a:t>
+              <a:t>Python</a:t>
             </a:r>
             <a:r>
               <a:rPr lang="zh-CN" altLang="en-US" dirty="0">
@@ -25224,8 +25224,8 @@
         </p:blipFill>
         <p:spPr bwMode="auto">
           <a:xfrm>
-            <a:off x="4043363" y="3371420"/>
-            <a:ext cx="5020809" cy="2939265"/>
+            <a:off x="4030663" y="3288870"/>
+            <a:ext cx="5093320" cy="2981714"/>
           </a:xfrm>
           <a:prstGeom prst="rect">
             <a:avLst/>
@@ -25303,7 +25303,7 @@
                 <a:latin typeface="+mn-ea"/>
                 <a:ea typeface="+mn-ea"/>
               </a:rPr>
-              <a:t>python</a:t>
+              <a:t>Python</a:t>
             </a:r>
             <a:r>
               <a:rPr lang="zh-CN" altLang="en-US" dirty="0">
